--- a/PRIMsTutorial4.pptx
+++ b/PRIMsTutorial4.pptx
@@ -11,26 +11,27 @@
     <p:sldId id="258" r:id="rId5"/>
     <p:sldId id="259" r:id="rId6"/>
     <p:sldId id="260" r:id="rId7"/>
-    <p:sldId id="261" r:id="rId8"/>
-    <p:sldId id="262" r:id="rId9"/>
-    <p:sldId id="263" r:id="rId10"/>
-    <p:sldId id="264" r:id="rId11"/>
-    <p:sldId id="265" r:id="rId12"/>
-    <p:sldId id="266" r:id="rId13"/>
-    <p:sldId id="267" r:id="rId14"/>
-    <p:sldId id="268" r:id="rId15"/>
-    <p:sldId id="269" r:id="rId16"/>
-    <p:sldId id="270" r:id="rId17"/>
-    <p:sldId id="271" r:id="rId18"/>
-    <p:sldId id="272" r:id="rId19"/>
-    <p:sldId id="273" r:id="rId20"/>
-    <p:sldId id="274" r:id="rId21"/>
-    <p:sldId id="275" r:id="rId22"/>
-    <p:sldId id="279" r:id="rId23"/>
-    <p:sldId id="280" r:id="rId24"/>
-    <p:sldId id="281" r:id="rId25"/>
-    <p:sldId id="282" r:id="rId26"/>
-    <p:sldId id="283" r:id="rId27"/>
+    <p:sldId id="284" r:id="rId8"/>
+    <p:sldId id="261" r:id="rId9"/>
+    <p:sldId id="262" r:id="rId10"/>
+    <p:sldId id="263" r:id="rId11"/>
+    <p:sldId id="264" r:id="rId12"/>
+    <p:sldId id="265" r:id="rId13"/>
+    <p:sldId id="266" r:id="rId14"/>
+    <p:sldId id="267" r:id="rId15"/>
+    <p:sldId id="268" r:id="rId16"/>
+    <p:sldId id="269" r:id="rId17"/>
+    <p:sldId id="270" r:id="rId18"/>
+    <p:sldId id="271" r:id="rId19"/>
+    <p:sldId id="272" r:id="rId20"/>
+    <p:sldId id="273" r:id="rId21"/>
+    <p:sldId id="274" r:id="rId22"/>
+    <p:sldId id="275" r:id="rId23"/>
+    <p:sldId id="279" r:id="rId24"/>
+    <p:sldId id="280" r:id="rId25"/>
+    <p:sldId id="281" r:id="rId26"/>
+    <p:sldId id="282" r:id="rId27"/>
+    <p:sldId id="283" r:id="rId28"/>
   </p:sldIdLst>
   <p:sldSz cx="9144000" cy="6858000" type="screen4x3"/>
   <p:notesSz cx="6858000" cy="9144000"/>
@@ -129,6 +130,22 @@
       </a:defRPr>
     </a:lvl9pPr>
   </p:defaultTextStyle>
+  <p:extLst>
+    <p:ext uri="{EFAFB233-063F-42B5-8137-9DF3F51BA10A}">
+      <p15:sldGuideLst xmlns:p15="http://schemas.microsoft.com/office/powerpoint/2012/main">
+        <p15:guide id="1" orient="horz" pos="2160">
+          <p15:clr>
+            <a:srgbClr val="A4A3A4"/>
+          </p15:clr>
+        </p15:guide>
+        <p15:guide id="2" pos="2880">
+          <p15:clr>
+            <a:srgbClr val="A4A3A4"/>
+          </p15:clr>
+        </p15:guide>
+      </p15:sldGuideLst>
+    </p:ext>
+  </p:extLst>
 </p:presentation>
 </file>
 
@@ -225,10 +242,9 @@
           </a:lstStyle>
           <a:p>
             <a:r>
-              <a:rPr lang="en-US" smtClean="0"/>
+              <a:rPr lang="en-US"/>
               <a:t>Click to edit Master title style</a:t>
             </a:r>
-            <a:endParaRPr lang="en-US"/>
           </a:p>
         </p:txBody>
       </p:sp>
@@ -259,10 +275,9 @@
           </a:lstStyle>
           <a:p>
             <a:r>
-              <a:rPr lang="en-US" smtClean="0"/>
+              <a:rPr lang="en-US"/>
               <a:t>Click to edit Master subtitle style</a:t>
             </a:r>
-            <a:endParaRPr lang="en-US"/>
           </a:p>
         </p:txBody>
       </p:sp>
@@ -734,7 +749,7 @@
           <a:lstStyle/>
           <a:p>
             <a:r>
-              <a:rPr lang="en-US" sz="900" b="1" dirty="0" smtClean="0">
+              <a:rPr lang="en-US" sz="900" b="1" dirty="0">
                 <a:solidFill>
                   <a:srgbClr val="D90000"/>
                 </a:solidFill>
@@ -746,7 +761,7 @@
           </a:p>
           <a:p>
             <a:r>
-              <a:rPr lang="en-US" sz="900" b="1" dirty="0" smtClean="0">
+              <a:rPr lang="en-US" sz="900" b="1" dirty="0">
                 <a:solidFill>
                   <a:srgbClr val="D90000"/>
                 </a:solidFill>
@@ -755,13 +770,6 @@
               </a:rPr>
               <a:t>intelligence</a:t>
             </a:r>
-            <a:endParaRPr lang="en-US" sz="900" b="1" dirty="0">
-              <a:solidFill>
-                <a:srgbClr val="D90000"/>
-              </a:solidFill>
-              <a:latin typeface="Georgia"/>
-              <a:cs typeface="Georgia"/>
-            </a:endParaRPr>
           </a:p>
         </p:txBody>
       </p:sp>
@@ -817,7 +825,7 @@
           <a:lstStyle/>
           <a:p>
             <a:r>
-              <a:rPr lang="en-US" sz="900" b="1" dirty="0" smtClean="0">
+              <a:rPr lang="en-US" sz="900" b="1" dirty="0">
                 <a:solidFill>
                   <a:srgbClr val="D90000"/>
                 </a:solidFill>
@@ -829,7 +837,7 @@
           </a:p>
           <a:p>
             <a:r>
-              <a:rPr lang="en-US" sz="900" b="1" dirty="0" smtClean="0">
+              <a:rPr lang="en-US" sz="900" b="1" dirty="0">
                 <a:solidFill>
                   <a:srgbClr val="D90000"/>
                 </a:solidFill>
@@ -838,13 +846,6 @@
               </a:rPr>
               <a:t>modeling</a:t>
             </a:r>
-            <a:endParaRPr lang="en-US" sz="900" b="1" dirty="0">
-              <a:solidFill>
-                <a:srgbClr val="D90000"/>
-              </a:solidFill>
-              <a:latin typeface="Georgia"/>
-              <a:cs typeface="Georgia"/>
-            </a:endParaRPr>
           </a:p>
         </p:txBody>
       </p:sp>
@@ -882,7 +883,7 @@
   <p:clrMapOvr>
     <a:masterClrMapping/>
   </p:clrMapOvr>
-  <p:transition xmlns:p14="http://schemas.microsoft.com/office/powerpoint/2010/main"/>
+  <p:transition/>
 </p:sldLayout>
 </file>
 
@@ -919,10 +920,9 @@
           <a:lstStyle/>
           <a:p>
             <a:r>
-              <a:rPr lang="en-US" smtClean="0"/>
+              <a:rPr lang="en-US"/>
               <a:t>Click to edit Master title style</a:t>
             </a:r>
-            <a:endParaRPr lang="en-US"/>
           </a:p>
         </p:txBody>
       </p:sp>
@@ -943,38 +943,37 @@
           <a:p>
             <a:pPr lvl="0"/>
             <a:r>
-              <a:rPr lang="en-US" smtClean="0"/>
+              <a:rPr lang="en-US"/>
               <a:t>Click to edit Master text styles</a:t>
             </a:r>
           </a:p>
           <a:p>
             <a:pPr lvl="1"/>
             <a:r>
-              <a:rPr lang="en-US" smtClean="0"/>
+              <a:rPr lang="en-US"/>
               <a:t>Second level</a:t>
             </a:r>
           </a:p>
           <a:p>
             <a:pPr lvl="2"/>
             <a:r>
-              <a:rPr lang="en-US" smtClean="0"/>
+              <a:rPr lang="en-US"/>
               <a:t>Third level</a:t>
             </a:r>
           </a:p>
           <a:p>
             <a:pPr lvl="3"/>
             <a:r>
-              <a:rPr lang="en-US" smtClean="0"/>
+              <a:rPr lang="en-US"/>
               <a:t>Fourth level</a:t>
             </a:r>
           </a:p>
           <a:p>
             <a:pPr lvl="4"/>
             <a:r>
-              <a:rPr lang="en-US" smtClean="0"/>
+              <a:rPr lang="en-US"/>
               <a:t>Fifth level</a:t>
             </a:r>
-            <a:endParaRPr lang="en-US"/>
           </a:p>
         </p:txBody>
       </p:sp>
@@ -988,7 +987,7 @@
   <p:clrMapOvr>
     <a:masterClrMapping/>
   </p:clrMapOvr>
-  <p:transition xmlns:p14="http://schemas.microsoft.com/office/powerpoint/2010/main"/>
+  <p:transition/>
 </p:sldLayout>
 </file>
 
@@ -1030,10 +1029,9 @@
           <a:lstStyle/>
           <a:p>
             <a:r>
-              <a:rPr lang="en-US" smtClean="0"/>
+              <a:rPr lang="en-US"/>
               <a:t>Click to edit Master title style</a:t>
             </a:r>
-            <a:endParaRPr lang="en-US"/>
           </a:p>
         </p:txBody>
       </p:sp>
@@ -1059,38 +1057,37 @@
           <a:p>
             <a:pPr lvl="0"/>
             <a:r>
-              <a:rPr lang="en-US" smtClean="0"/>
+              <a:rPr lang="en-US"/>
               <a:t>Click to edit Master text styles</a:t>
             </a:r>
           </a:p>
           <a:p>
             <a:pPr lvl="1"/>
             <a:r>
-              <a:rPr lang="en-US" smtClean="0"/>
+              <a:rPr lang="en-US"/>
               <a:t>Second level</a:t>
             </a:r>
           </a:p>
           <a:p>
             <a:pPr lvl="2"/>
             <a:r>
-              <a:rPr lang="en-US" smtClean="0"/>
+              <a:rPr lang="en-US"/>
               <a:t>Third level</a:t>
             </a:r>
           </a:p>
           <a:p>
             <a:pPr lvl="3"/>
             <a:r>
-              <a:rPr lang="en-US" smtClean="0"/>
+              <a:rPr lang="en-US"/>
               <a:t>Fourth level</a:t>
             </a:r>
           </a:p>
           <a:p>
             <a:pPr lvl="4"/>
             <a:r>
-              <a:rPr lang="en-US" smtClean="0"/>
+              <a:rPr lang="en-US"/>
               <a:t>Fifth level</a:t>
             </a:r>
-            <a:endParaRPr lang="en-US"/>
           </a:p>
         </p:txBody>
       </p:sp>
@@ -1104,7 +1101,7 @@
   <p:clrMapOvr>
     <a:masterClrMapping/>
   </p:clrMapOvr>
-  <p:transition xmlns:p14="http://schemas.microsoft.com/office/powerpoint/2010/main"/>
+  <p:transition/>
 </p:sldLayout>
 </file>
 
@@ -1146,10 +1143,9 @@
           <a:lstStyle/>
           <a:p>
             <a:r>
-              <a:rPr lang="en-US" smtClean="0"/>
+              <a:rPr lang="en-US"/>
               <a:t>Click to edit Master title style</a:t>
             </a:r>
-            <a:endParaRPr lang="en-US"/>
           </a:p>
         </p:txBody>
       </p:sp>
@@ -1175,7 +1171,7 @@
           <a:p>
             <a:pPr lvl="0"/>
             <a:r>
-              <a:rPr lang="en-US" noProof="0" smtClean="0"/>
+              <a:rPr lang="en-US" noProof="0"/>
               <a:t>Click icon to add table</a:t>
             </a:r>
           </a:p>
@@ -1191,7 +1187,7 @@
   <p:clrMapOvr>
     <a:masterClrMapping/>
   </p:clrMapOvr>
-  <p:transition xmlns:p14="http://schemas.microsoft.com/office/powerpoint/2010/main"/>
+  <p:transition/>
 </p:sldLayout>
 </file>
 
@@ -1277,7 +1273,7 @@
   <p:clrMapOvr>
     <a:masterClrMapping/>
   </p:clrMapOvr>
-  <p:transition xmlns:p14="http://schemas.microsoft.com/office/powerpoint/2010/main"/>
+  <p:transition/>
 </p:sldLayout>
 </file>
 
@@ -1314,10 +1310,9 @@
           <a:lstStyle/>
           <a:p>
             <a:r>
-              <a:rPr lang="en-US" smtClean="0"/>
+              <a:rPr lang="en-US"/>
               <a:t>Click to edit Master title style</a:t>
             </a:r>
-            <a:endParaRPr lang="en-US"/>
           </a:p>
         </p:txBody>
       </p:sp>
@@ -1388,38 +1383,37 @@
           <a:p>
             <a:pPr lvl="0"/>
             <a:r>
-              <a:rPr lang="en-US" noProof="0" dirty="0" smtClean="0"/>
+              <a:rPr lang="en-US" noProof="0" dirty="0"/>
               <a:t>Click to edit Master text styles</a:t>
             </a:r>
           </a:p>
           <a:p>
             <a:pPr lvl="1"/>
             <a:r>
-              <a:rPr lang="en-US" noProof="0" dirty="0" smtClean="0"/>
+              <a:rPr lang="en-US" noProof="0" dirty="0"/>
               <a:t>Second level</a:t>
             </a:r>
           </a:p>
           <a:p>
             <a:pPr lvl="2"/>
             <a:r>
-              <a:rPr lang="en-US" noProof="0" dirty="0" smtClean="0"/>
+              <a:rPr lang="en-US" noProof="0" dirty="0"/>
               <a:t>Third level</a:t>
             </a:r>
           </a:p>
           <a:p>
             <a:pPr lvl="3"/>
             <a:r>
-              <a:rPr lang="en-US" noProof="0" dirty="0" smtClean="0"/>
+              <a:rPr lang="en-US" noProof="0" dirty="0"/>
               <a:t>Fourth level</a:t>
             </a:r>
           </a:p>
           <a:p>
             <a:pPr lvl="4"/>
             <a:r>
-              <a:rPr lang="en-US" noProof="0" dirty="0" smtClean="0"/>
+              <a:rPr lang="en-US" noProof="0" dirty="0"/>
               <a:t>Fifth level</a:t>
             </a:r>
-            <a:endParaRPr lang="en-US" noProof="0" dirty="0"/>
           </a:p>
         </p:txBody>
       </p:sp>
@@ -1433,7 +1427,7 @@
   <p:clrMapOvr>
     <a:masterClrMapping/>
   </p:clrMapOvr>
-  <p:transition xmlns:p14="http://schemas.microsoft.com/office/powerpoint/2010/main"/>
+  <p:transition/>
 </p:sldLayout>
 </file>
 
@@ -1530,10 +1524,9 @@
           </a:lstStyle>
           <a:p>
             <a:r>
-              <a:rPr lang="en-US" smtClean="0"/>
+              <a:rPr lang="en-US"/>
               <a:t>Click to edit Master title style</a:t>
             </a:r>
-            <a:endParaRPr lang="en-US"/>
           </a:p>
         </p:txBody>
       </p:sp>
@@ -1564,10 +1557,9 @@
           </a:lstStyle>
           <a:p>
             <a:r>
-              <a:rPr lang="en-US" smtClean="0"/>
+              <a:rPr lang="en-US"/>
               <a:t>Click to edit Master subtitle style</a:t>
             </a:r>
-            <a:endParaRPr lang="en-US"/>
           </a:p>
         </p:txBody>
       </p:sp>
@@ -2039,7 +2031,7 @@
           <a:lstStyle/>
           <a:p>
             <a:r>
-              <a:rPr lang="en-US" sz="900" b="1" dirty="0" smtClean="0">
+              <a:rPr lang="en-US" sz="900" b="1" dirty="0">
                 <a:solidFill>
                   <a:srgbClr val="D90000"/>
                 </a:solidFill>
@@ -2051,7 +2043,7 @@
           </a:p>
           <a:p>
             <a:r>
-              <a:rPr lang="en-US" sz="900" b="1" dirty="0" smtClean="0">
+              <a:rPr lang="en-US" sz="900" b="1" dirty="0">
                 <a:solidFill>
                   <a:srgbClr val="D90000"/>
                 </a:solidFill>
@@ -2060,13 +2052,6 @@
               </a:rPr>
               <a:t>intelligence</a:t>
             </a:r>
-            <a:endParaRPr lang="en-US" sz="900" b="1" dirty="0">
-              <a:solidFill>
-                <a:srgbClr val="D90000"/>
-              </a:solidFill>
-              <a:latin typeface="Georgia"/>
-              <a:cs typeface="Georgia"/>
-            </a:endParaRPr>
           </a:p>
         </p:txBody>
       </p:sp>
@@ -2122,7 +2107,7 @@
           <a:lstStyle/>
           <a:p>
             <a:r>
-              <a:rPr lang="en-US" sz="900" b="1" dirty="0" smtClean="0">
+              <a:rPr lang="en-US" sz="900" b="1" dirty="0">
                 <a:solidFill>
                   <a:srgbClr val="D90000"/>
                 </a:solidFill>
@@ -2134,7 +2119,7 @@
           </a:p>
           <a:p>
             <a:r>
-              <a:rPr lang="en-US" sz="900" b="1" dirty="0" smtClean="0">
+              <a:rPr lang="en-US" sz="900" b="1" dirty="0">
                 <a:solidFill>
                   <a:srgbClr val="D90000"/>
                 </a:solidFill>
@@ -2143,13 +2128,6 @@
               </a:rPr>
               <a:t>modeling</a:t>
             </a:r>
-            <a:endParaRPr lang="en-US" sz="900" b="1" dirty="0">
-              <a:solidFill>
-                <a:srgbClr val="D90000"/>
-              </a:solidFill>
-              <a:latin typeface="Georgia"/>
-              <a:cs typeface="Georgia"/>
-            </a:endParaRPr>
           </a:p>
         </p:txBody>
       </p:sp>
@@ -2187,7 +2165,7 @@
   <p:clrMapOvr>
     <a:masterClrMapping/>
   </p:clrMapOvr>
-  <p:transition xmlns:p14="http://schemas.microsoft.com/office/powerpoint/2010/main"/>
+  <p:transition/>
 </p:sldLayout>
 </file>
 
@@ -2224,10 +2202,9 @@
           <a:lstStyle/>
           <a:p>
             <a:r>
-              <a:rPr lang="en-US" smtClean="0"/>
+              <a:rPr lang="en-US"/>
               <a:t>Click to edit Master title style</a:t>
             </a:r>
-            <a:endParaRPr lang="en-US"/>
           </a:p>
         </p:txBody>
       </p:sp>
@@ -2248,38 +2225,37 @@
           <a:p>
             <a:pPr lvl="0"/>
             <a:r>
-              <a:rPr lang="en-US" smtClean="0"/>
+              <a:rPr lang="en-US"/>
               <a:t>Click to edit Master text styles</a:t>
             </a:r>
           </a:p>
           <a:p>
             <a:pPr lvl="1"/>
             <a:r>
-              <a:rPr lang="en-US" smtClean="0"/>
+              <a:rPr lang="en-US"/>
               <a:t>Second level</a:t>
             </a:r>
           </a:p>
           <a:p>
             <a:pPr lvl="2"/>
             <a:r>
-              <a:rPr lang="en-US" smtClean="0"/>
+              <a:rPr lang="en-US"/>
               <a:t>Third level</a:t>
             </a:r>
           </a:p>
           <a:p>
             <a:pPr lvl="3"/>
             <a:r>
-              <a:rPr lang="en-US" smtClean="0"/>
+              <a:rPr lang="en-US"/>
               <a:t>Fourth level</a:t>
             </a:r>
           </a:p>
           <a:p>
             <a:pPr lvl="4"/>
             <a:r>
-              <a:rPr lang="en-US" smtClean="0"/>
+              <a:rPr lang="en-US"/>
               <a:t>Fifth level</a:t>
             </a:r>
-            <a:endParaRPr lang="en-US"/>
           </a:p>
         </p:txBody>
       </p:sp>
@@ -2293,7 +2269,7 @@
   <p:clrMapOvr>
     <a:masterClrMapping/>
   </p:clrMapOvr>
-  <p:transition xmlns:p14="http://schemas.microsoft.com/office/powerpoint/2010/main"/>
+  <p:transition/>
 </p:sldLayout>
 </file>
 
@@ -2339,10 +2315,9 @@
           </a:lstStyle>
           <a:p>
             <a:r>
-              <a:rPr lang="en-US" smtClean="0"/>
+              <a:rPr lang="en-US"/>
               <a:t>Click to edit Master title style</a:t>
             </a:r>
-            <a:endParaRPr lang="en-US"/>
           </a:p>
         </p:txBody>
       </p:sp>
@@ -2405,7 +2380,7 @@
           <a:p>
             <a:pPr lvl="0"/>
             <a:r>
-              <a:rPr lang="en-US" smtClean="0"/>
+              <a:rPr lang="en-US"/>
               <a:t>Click to edit Master text styles</a:t>
             </a:r>
           </a:p>
@@ -2421,7 +2396,7 @@
   <p:clrMapOvr>
     <a:masterClrMapping/>
   </p:clrMapOvr>
-  <p:transition xmlns:p14="http://schemas.microsoft.com/office/powerpoint/2010/main"/>
+  <p:transition/>
 </p:sldLayout>
 </file>
 
@@ -2458,10 +2433,9 @@
           <a:lstStyle/>
           <a:p>
             <a:r>
-              <a:rPr lang="en-US" smtClean="0"/>
+              <a:rPr lang="en-US"/>
               <a:t>Click to edit Master title style</a:t>
             </a:r>
-            <a:endParaRPr lang="en-US"/>
           </a:p>
         </p:txBody>
       </p:sp>
@@ -2515,38 +2489,37 @@
           <a:p>
             <a:pPr lvl="0"/>
             <a:r>
-              <a:rPr lang="en-US" dirty="0" smtClean="0"/>
+              <a:rPr lang="en-US" dirty="0"/>
               <a:t>Click to edit Master text styles</a:t>
             </a:r>
           </a:p>
           <a:p>
             <a:pPr lvl="1"/>
             <a:r>
-              <a:rPr lang="en-US" dirty="0" smtClean="0"/>
+              <a:rPr lang="en-US" dirty="0"/>
               <a:t>Second level</a:t>
             </a:r>
           </a:p>
           <a:p>
             <a:pPr lvl="2"/>
             <a:r>
-              <a:rPr lang="en-US" dirty="0" smtClean="0"/>
+              <a:rPr lang="en-US" dirty="0"/>
               <a:t>Third level</a:t>
             </a:r>
           </a:p>
           <a:p>
             <a:pPr lvl="3"/>
             <a:r>
-              <a:rPr lang="en-US" dirty="0" smtClean="0"/>
+              <a:rPr lang="en-US" dirty="0"/>
               <a:t>Fourth level</a:t>
             </a:r>
           </a:p>
           <a:p>
             <a:pPr lvl="4"/>
             <a:r>
-              <a:rPr lang="en-US" dirty="0" smtClean="0"/>
+              <a:rPr lang="en-US" dirty="0"/>
               <a:t>Fifth level</a:t>
             </a:r>
-            <a:endParaRPr lang="en-US" dirty="0"/>
           </a:p>
         </p:txBody>
       </p:sp>
@@ -2600,38 +2573,37 @@
           <a:p>
             <a:pPr lvl="0"/>
             <a:r>
-              <a:rPr lang="en-US" dirty="0" smtClean="0"/>
+              <a:rPr lang="en-US" dirty="0"/>
               <a:t>Click to edit Master text styles</a:t>
             </a:r>
           </a:p>
           <a:p>
             <a:pPr lvl="1"/>
             <a:r>
-              <a:rPr lang="en-US" dirty="0" smtClean="0"/>
+              <a:rPr lang="en-US" dirty="0"/>
               <a:t>Second level</a:t>
             </a:r>
           </a:p>
           <a:p>
             <a:pPr lvl="2"/>
             <a:r>
-              <a:rPr lang="en-US" dirty="0" smtClean="0"/>
+              <a:rPr lang="en-US" dirty="0"/>
               <a:t>Third level</a:t>
             </a:r>
           </a:p>
           <a:p>
             <a:pPr lvl="3"/>
             <a:r>
-              <a:rPr lang="en-US" dirty="0" smtClean="0"/>
+              <a:rPr lang="en-US" dirty="0"/>
               <a:t>Fourth level</a:t>
             </a:r>
           </a:p>
           <a:p>
             <a:pPr lvl="4"/>
             <a:r>
-              <a:rPr lang="en-US" dirty="0" smtClean="0"/>
+              <a:rPr lang="en-US" dirty="0"/>
               <a:t>Fifth level</a:t>
             </a:r>
-            <a:endParaRPr lang="en-US" dirty="0"/>
           </a:p>
         </p:txBody>
       </p:sp>
@@ -2645,7 +2617,7 @@
   <p:clrMapOvr>
     <a:masterClrMapping/>
   </p:clrMapOvr>
-  <p:transition xmlns:p14="http://schemas.microsoft.com/office/powerpoint/2010/main"/>
+  <p:transition/>
 </p:sldLayout>
 </file>
 
@@ -2691,10 +2663,9 @@
           </a:lstStyle>
           <a:p>
             <a:r>
-              <a:rPr lang="en-US" smtClean="0"/>
+              <a:rPr lang="en-US"/>
               <a:t>Click to edit Master title style</a:t>
             </a:r>
-            <a:endParaRPr lang="en-US"/>
           </a:p>
         </p:txBody>
       </p:sp>
@@ -2757,7 +2728,7 @@
           <a:p>
             <a:pPr lvl="0"/>
             <a:r>
-              <a:rPr lang="en-US" smtClean="0"/>
+              <a:rPr lang="en-US"/>
               <a:t>Click to edit Master text styles</a:t>
             </a:r>
           </a:p>
@@ -2813,38 +2784,37 @@
           <a:p>
             <a:pPr lvl="0"/>
             <a:r>
-              <a:rPr lang="en-US" smtClean="0"/>
+              <a:rPr lang="en-US"/>
               <a:t>Click to edit Master text styles</a:t>
             </a:r>
           </a:p>
           <a:p>
             <a:pPr lvl="1"/>
             <a:r>
-              <a:rPr lang="en-US" smtClean="0"/>
+              <a:rPr lang="en-US"/>
               <a:t>Second level</a:t>
             </a:r>
           </a:p>
           <a:p>
             <a:pPr lvl="2"/>
             <a:r>
-              <a:rPr lang="en-US" smtClean="0"/>
+              <a:rPr lang="en-US"/>
               <a:t>Third level</a:t>
             </a:r>
           </a:p>
           <a:p>
             <a:pPr lvl="3"/>
             <a:r>
-              <a:rPr lang="en-US" smtClean="0"/>
+              <a:rPr lang="en-US"/>
               <a:t>Fourth level</a:t>
             </a:r>
           </a:p>
           <a:p>
             <a:pPr lvl="4"/>
             <a:r>
-              <a:rPr lang="en-US" smtClean="0"/>
+              <a:rPr lang="en-US"/>
               <a:t>Fifth level</a:t>
             </a:r>
-            <a:endParaRPr lang="en-US"/>
           </a:p>
         </p:txBody>
       </p:sp>
@@ -2907,7 +2877,7 @@
           <a:p>
             <a:pPr lvl="0"/>
             <a:r>
-              <a:rPr lang="en-US" smtClean="0"/>
+              <a:rPr lang="en-US"/>
               <a:t>Click to edit Master text styles</a:t>
             </a:r>
           </a:p>
@@ -2963,38 +2933,37 @@
           <a:p>
             <a:pPr lvl="0"/>
             <a:r>
-              <a:rPr lang="en-US" smtClean="0"/>
+              <a:rPr lang="en-US"/>
               <a:t>Click to edit Master text styles</a:t>
             </a:r>
           </a:p>
           <a:p>
             <a:pPr lvl="1"/>
             <a:r>
-              <a:rPr lang="en-US" smtClean="0"/>
+              <a:rPr lang="en-US"/>
               <a:t>Second level</a:t>
             </a:r>
           </a:p>
           <a:p>
             <a:pPr lvl="2"/>
             <a:r>
-              <a:rPr lang="en-US" smtClean="0"/>
+              <a:rPr lang="en-US"/>
               <a:t>Third level</a:t>
             </a:r>
           </a:p>
           <a:p>
             <a:pPr lvl="3"/>
             <a:r>
-              <a:rPr lang="en-US" smtClean="0"/>
+              <a:rPr lang="en-US"/>
               <a:t>Fourth level</a:t>
             </a:r>
           </a:p>
           <a:p>
             <a:pPr lvl="4"/>
             <a:r>
-              <a:rPr lang="en-US" smtClean="0"/>
+              <a:rPr lang="en-US"/>
               <a:t>Fifth level</a:t>
             </a:r>
-            <a:endParaRPr lang="en-US"/>
           </a:p>
         </p:txBody>
       </p:sp>
@@ -3008,7 +2977,7 @@
   <p:clrMapOvr>
     <a:masterClrMapping/>
   </p:clrMapOvr>
-  <p:transition xmlns:p14="http://schemas.microsoft.com/office/powerpoint/2010/main"/>
+  <p:transition/>
 </p:sldLayout>
 </file>
 
@@ -3045,10 +3014,9 @@
           <a:lstStyle/>
           <a:p>
             <a:r>
-              <a:rPr lang="en-US" smtClean="0"/>
+              <a:rPr lang="en-US"/>
               <a:t>Click to edit Master title style</a:t>
             </a:r>
-            <a:endParaRPr lang="en-US"/>
           </a:p>
         </p:txBody>
       </p:sp>
@@ -3069,38 +3037,37 @@
           <a:p>
             <a:pPr lvl="0"/>
             <a:r>
-              <a:rPr lang="en-US" smtClean="0"/>
+              <a:rPr lang="en-US"/>
               <a:t>Click to edit Master text styles</a:t>
             </a:r>
           </a:p>
           <a:p>
             <a:pPr lvl="1"/>
             <a:r>
-              <a:rPr lang="en-US" smtClean="0"/>
+              <a:rPr lang="en-US"/>
               <a:t>Second level</a:t>
             </a:r>
           </a:p>
           <a:p>
             <a:pPr lvl="2"/>
             <a:r>
-              <a:rPr lang="en-US" smtClean="0"/>
+              <a:rPr lang="en-US"/>
               <a:t>Third level</a:t>
             </a:r>
           </a:p>
           <a:p>
             <a:pPr lvl="3"/>
             <a:r>
-              <a:rPr lang="en-US" smtClean="0"/>
+              <a:rPr lang="en-US"/>
               <a:t>Fourth level</a:t>
             </a:r>
           </a:p>
           <a:p>
             <a:pPr lvl="4"/>
             <a:r>
-              <a:rPr lang="en-US" smtClean="0"/>
+              <a:rPr lang="en-US"/>
               <a:t>Fifth level</a:t>
             </a:r>
-            <a:endParaRPr lang="en-US"/>
           </a:p>
         </p:txBody>
       </p:sp>
@@ -3114,7 +3081,7 @@
   <p:clrMapOvr>
     <a:masterClrMapping/>
   </p:clrMapOvr>
-  <p:transition xmlns:p14="http://schemas.microsoft.com/office/powerpoint/2010/main"/>
+  <p:transition/>
 </p:sldLayout>
 </file>
 
@@ -3151,10 +3118,9 @@
           <a:lstStyle/>
           <a:p>
             <a:r>
-              <a:rPr lang="en-US" smtClean="0"/>
+              <a:rPr lang="en-US"/>
               <a:t>Click to edit Master title style</a:t>
             </a:r>
-            <a:endParaRPr lang="en-US"/>
           </a:p>
         </p:txBody>
       </p:sp>
@@ -3168,7 +3134,7 @@
   <p:clrMapOvr>
     <a:masterClrMapping/>
   </p:clrMapOvr>
-  <p:transition xmlns:p14="http://schemas.microsoft.com/office/powerpoint/2010/main"/>
+  <p:transition/>
 </p:sldLayout>
 </file>
 
@@ -3199,7 +3165,7 @@
   <p:clrMapOvr>
     <a:masterClrMapping/>
   </p:clrMapOvr>
-  <p:transition xmlns:p14="http://schemas.microsoft.com/office/powerpoint/2010/main"/>
+  <p:transition/>
 </p:sldLayout>
 </file>
 
@@ -3245,10 +3211,9 @@
           </a:lstStyle>
           <a:p>
             <a:r>
-              <a:rPr lang="en-US" smtClean="0"/>
+              <a:rPr lang="en-US"/>
               <a:t>Click to edit Master title style</a:t>
             </a:r>
-            <a:endParaRPr lang="en-US"/>
           </a:p>
         </p:txBody>
       </p:sp>
@@ -3302,38 +3267,37 @@
           <a:p>
             <a:pPr lvl="0"/>
             <a:r>
-              <a:rPr lang="en-US" smtClean="0"/>
+              <a:rPr lang="en-US"/>
               <a:t>Click to edit Master text styles</a:t>
             </a:r>
           </a:p>
           <a:p>
             <a:pPr lvl="1"/>
             <a:r>
-              <a:rPr lang="en-US" smtClean="0"/>
+              <a:rPr lang="en-US"/>
               <a:t>Second level</a:t>
             </a:r>
           </a:p>
           <a:p>
             <a:pPr lvl="2"/>
             <a:r>
-              <a:rPr lang="en-US" smtClean="0"/>
+              <a:rPr lang="en-US"/>
               <a:t>Third level</a:t>
             </a:r>
           </a:p>
           <a:p>
             <a:pPr lvl="3"/>
             <a:r>
-              <a:rPr lang="en-US" smtClean="0"/>
+              <a:rPr lang="en-US"/>
               <a:t>Fourth level</a:t>
             </a:r>
           </a:p>
           <a:p>
             <a:pPr lvl="4"/>
             <a:r>
-              <a:rPr lang="en-US" smtClean="0"/>
+              <a:rPr lang="en-US"/>
               <a:t>Fifth level</a:t>
             </a:r>
-            <a:endParaRPr lang="en-US"/>
           </a:p>
         </p:txBody>
       </p:sp>
@@ -3396,7 +3360,7 @@
           <a:p>
             <a:pPr lvl="0"/>
             <a:r>
-              <a:rPr lang="en-US" smtClean="0"/>
+              <a:rPr lang="en-US"/>
               <a:t>Click to edit Master text styles</a:t>
             </a:r>
           </a:p>
@@ -3412,7 +3376,7 @@
   <p:clrMapOvr>
     <a:masterClrMapping/>
   </p:clrMapOvr>
-  <p:transition xmlns:p14="http://schemas.microsoft.com/office/powerpoint/2010/main"/>
+  <p:transition/>
 </p:sldLayout>
 </file>
 
@@ -3458,10 +3422,9 @@
           </a:lstStyle>
           <a:p>
             <a:r>
-              <a:rPr lang="en-US" smtClean="0"/>
+              <a:rPr lang="en-US"/>
               <a:t>Click to edit Master title style</a:t>
             </a:r>
-            <a:endParaRPr lang="en-US"/>
           </a:p>
         </p:txBody>
       </p:sp>
@@ -3524,7 +3487,7 @@
           <a:p>
             <a:pPr lvl="0"/>
             <a:r>
-              <a:rPr lang="en-US" noProof="0" smtClean="0"/>
+              <a:rPr lang="en-US" noProof="0"/>
               <a:t>Drag picture to placeholder or click icon to add</a:t>
             </a:r>
           </a:p>
@@ -3589,7 +3552,7 @@
           <a:p>
             <a:pPr lvl="0"/>
             <a:r>
-              <a:rPr lang="en-US" smtClean="0"/>
+              <a:rPr lang="en-US"/>
               <a:t>Click to edit Master text styles</a:t>
             </a:r>
           </a:p>
@@ -3605,7 +3568,7 @@
   <p:clrMapOvr>
     <a:masterClrMapping/>
   </p:clrMapOvr>
-  <p:transition xmlns:p14="http://schemas.microsoft.com/office/powerpoint/2010/main"/>
+  <p:transition/>
 </p:sldLayout>
 </file>
 
@@ -3642,10 +3605,9 @@
           <a:lstStyle/>
           <a:p>
             <a:r>
-              <a:rPr lang="en-US" smtClean="0"/>
+              <a:rPr lang="en-US"/>
               <a:t>Click to edit Master title style</a:t>
             </a:r>
-            <a:endParaRPr lang="en-US"/>
           </a:p>
         </p:txBody>
       </p:sp>
@@ -3666,38 +3628,37 @@
           <a:p>
             <a:pPr lvl="0"/>
             <a:r>
-              <a:rPr lang="en-US" smtClean="0"/>
+              <a:rPr lang="en-US"/>
               <a:t>Click to edit Master text styles</a:t>
             </a:r>
           </a:p>
           <a:p>
             <a:pPr lvl="1"/>
             <a:r>
-              <a:rPr lang="en-US" smtClean="0"/>
+              <a:rPr lang="en-US"/>
               <a:t>Second level</a:t>
             </a:r>
           </a:p>
           <a:p>
             <a:pPr lvl="2"/>
             <a:r>
-              <a:rPr lang="en-US" smtClean="0"/>
+              <a:rPr lang="en-US"/>
               <a:t>Third level</a:t>
             </a:r>
           </a:p>
           <a:p>
             <a:pPr lvl="3"/>
             <a:r>
-              <a:rPr lang="en-US" smtClean="0"/>
+              <a:rPr lang="en-US"/>
               <a:t>Fourth level</a:t>
             </a:r>
           </a:p>
           <a:p>
             <a:pPr lvl="4"/>
             <a:r>
-              <a:rPr lang="en-US" smtClean="0"/>
+              <a:rPr lang="en-US"/>
               <a:t>Fifth level</a:t>
             </a:r>
-            <a:endParaRPr lang="en-US"/>
           </a:p>
         </p:txBody>
       </p:sp>
@@ -3711,7 +3672,7 @@
   <p:clrMapOvr>
     <a:masterClrMapping/>
   </p:clrMapOvr>
-  <p:transition xmlns:p14="http://schemas.microsoft.com/office/powerpoint/2010/main"/>
+  <p:transition/>
 </p:sldLayout>
 </file>
 
@@ -3753,10 +3714,9 @@
           <a:lstStyle/>
           <a:p>
             <a:r>
-              <a:rPr lang="en-US" smtClean="0"/>
+              <a:rPr lang="en-US"/>
               <a:t>Click to edit Master title style</a:t>
             </a:r>
-            <a:endParaRPr lang="en-US"/>
           </a:p>
         </p:txBody>
       </p:sp>
@@ -3782,38 +3742,37 @@
           <a:p>
             <a:pPr lvl="0"/>
             <a:r>
-              <a:rPr lang="en-US" smtClean="0"/>
+              <a:rPr lang="en-US"/>
               <a:t>Click to edit Master text styles</a:t>
             </a:r>
           </a:p>
           <a:p>
             <a:pPr lvl="1"/>
             <a:r>
-              <a:rPr lang="en-US" smtClean="0"/>
+              <a:rPr lang="en-US"/>
               <a:t>Second level</a:t>
             </a:r>
           </a:p>
           <a:p>
             <a:pPr lvl="2"/>
             <a:r>
-              <a:rPr lang="en-US" smtClean="0"/>
+              <a:rPr lang="en-US"/>
               <a:t>Third level</a:t>
             </a:r>
           </a:p>
           <a:p>
             <a:pPr lvl="3"/>
             <a:r>
-              <a:rPr lang="en-US" smtClean="0"/>
+              <a:rPr lang="en-US"/>
               <a:t>Fourth level</a:t>
             </a:r>
           </a:p>
           <a:p>
             <a:pPr lvl="4"/>
             <a:r>
-              <a:rPr lang="en-US" smtClean="0"/>
+              <a:rPr lang="en-US"/>
               <a:t>Fifth level</a:t>
             </a:r>
-            <a:endParaRPr lang="en-US"/>
           </a:p>
         </p:txBody>
       </p:sp>
@@ -3827,7 +3786,7 @@
   <p:clrMapOvr>
     <a:masterClrMapping/>
   </p:clrMapOvr>
-  <p:transition xmlns:p14="http://schemas.microsoft.com/office/powerpoint/2010/main"/>
+  <p:transition/>
 </p:sldLayout>
 </file>
 
@@ -3869,10 +3828,9 @@
           <a:lstStyle/>
           <a:p>
             <a:r>
-              <a:rPr lang="en-US" smtClean="0"/>
+              <a:rPr lang="en-US"/>
               <a:t>Click to edit Master title style</a:t>
             </a:r>
-            <a:endParaRPr lang="en-US"/>
           </a:p>
         </p:txBody>
       </p:sp>
@@ -3898,7 +3856,7 @@
           <a:p>
             <a:pPr lvl="0"/>
             <a:r>
-              <a:rPr lang="en-US" noProof="0" smtClean="0"/>
+              <a:rPr lang="en-US" noProof="0"/>
               <a:t>Click icon to add table</a:t>
             </a:r>
           </a:p>
@@ -3914,7 +3872,7 @@
   <p:clrMapOvr>
     <a:masterClrMapping/>
   </p:clrMapOvr>
-  <p:transition xmlns:p14="http://schemas.microsoft.com/office/powerpoint/2010/main"/>
+  <p:transition/>
 </p:sldLayout>
 </file>
 
@@ -4000,7 +3958,7 @@
   <p:clrMapOvr>
     <a:masterClrMapping/>
   </p:clrMapOvr>
-  <p:transition xmlns:p14="http://schemas.microsoft.com/office/powerpoint/2010/main"/>
+  <p:transition/>
 </p:sldLayout>
 </file>
 
@@ -4037,10 +3995,9 @@
           <a:lstStyle/>
           <a:p>
             <a:r>
-              <a:rPr lang="en-US" smtClean="0"/>
+              <a:rPr lang="en-US"/>
               <a:t>Click to edit Master title style</a:t>
             </a:r>
-            <a:endParaRPr lang="en-US"/>
           </a:p>
         </p:txBody>
       </p:sp>
@@ -4111,38 +4068,37 @@
           <a:p>
             <a:pPr lvl="0"/>
             <a:r>
-              <a:rPr lang="en-US" noProof="0" dirty="0" smtClean="0"/>
+              <a:rPr lang="en-US" noProof="0" dirty="0"/>
               <a:t>Click to edit Master text styles</a:t>
             </a:r>
           </a:p>
           <a:p>
             <a:pPr lvl="1"/>
             <a:r>
-              <a:rPr lang="en-US" noProof="0" dirty="0" smtClean="0"/>
+              <a:rPr lang="en-US" noProof="0" dirty="0"/>
               <a:t>Second level</a:t>
             </a:r>
           </a:p>
           <a:p>
             <a:pPr lvl="2"/>
             <a:r>
-              <a:rPr lang="en-US" noProof="0" dirty="0" smtClean="0"/>
+              <a:rPr lang="en-US" noProof="0" dirty="0"/>
               <a:t>Third level</a:t>
             </a:r>
           </a:p>
           <a:p>
             <a:pPr lvl="3"/>
             <a:r>
-              <a:rPr lang="en-US" noProof="0" dirty="0" smtClean="0"/>
+              <a:rPr lang="en-US" noProof="0" dirty="0"/>
               <a:t>Fourth level</a:t>
             </a:r>
           </a:p>
           <a:p>
             <a:pPr lvl="4"/>
             <a:r>
-              <a:rPr lang="en-US" noProof="0" dirty="0" smtClean="0"/>
+              <a:rPr lang="en-US" noProof="0" dirty="0"/>
               <a:t>Fifth level</a:t>
             </a:r>
-            <a:endParaRPr lang="en-US" noProof="0" dirty="0"/>
           </a:p>
         </p:txBody>
       </p:sp>
@@ -4156,7 +4112,7 @@
   <p:clrMapOvr>
     <a:masterClrMapping/>
   </p:clrMapOvr>
-  <p:transition xmlns:p14="http://schemas.microsoft.com/office/powerpoint/2010/main"/>
+  <p:transition/>
 </p:sldLayout>
 </file>
 
@@ -4202,10 +4158,9 @@
           </a:lstStyle>
           <a:p>
             <a:r>
-              <a:rPr lang="en-US" smtClean="0"/>
+              <a:rPr lang="en-US"/>
               <a:t>Click to edit Master title style</a:t>
             </a:r>
-            <a:endParaRPr lang="en-US"/>
           </a:p>
         </p:txBody>
       </p:sp>
@@ -4268,7 +4223,7 @@
           <a:p>
             <a:pPr lvl="0"/>
             <a:r>
-              <a:rPr lang="en-US" smtClean="0"/>
+              <a:rPr lang="en-US"/>
               <a:t>Click to edit Master text styles</a:t>
             </a:r>
           </a:p>
@@ -4284,7 +4239,7 @@
   <p:clrMapOvr>
     <a:masterClrMapping/>
   </p:clrMapOvr>
-  <p:transition xmlns:p14="http://schemas.microsoft.com/office/powerpoint/2010/main"/>
+  <p:transition/>
 </p:sldLayout>
 </file>
 
@@ -4321,10 +4276,9 @@
           <a:lstStyle/>
           <a:p>
             <a:r>
-              <a:rPr lang="en-US" smtClean="0"/>
+              <a:rPr lang="en-US"/>
               <a:t>Click to edit Master title style</a:t>
             </a:r>
-            <a:endParaRPr lang="en-US"/>
           </a:p>
         </p:txBody>
       </p:sp>
@@ -4378,38 +4332,37 @@
           <a:p>
             <a:pPr lvl="0"/>
             <a:r>
-              <a:rPr lang="en-US" smtClean="0"/>
+              <a:rPr lang="en-US"/>
               <a:t>Click to edit Master text styles</a:t>
             </a:r>
           </a:p>
           <a:p>
             <a:pPr lvl="1"/>
             <a:r>
-              <a:rPr lang="en-US" smtClean="0"/>
+              <a:rPr lang="en-US"/>
               <a:t>Second level</a:t>
             </a:r>
           </a:p>
           <a:p>
             <a:pPr lvl="2"/>
             <a:r>
-              <a:rPr lang="en-US" smtClean="0"/>
+              <a:rPr lang="en-US"/>
               <a:t>Third level</a:t>
             </a:r>
           </a:p>
           <a:p>
             <a:pPr lvl="3"/>
             <a:r>
-              <a:rPr lang="en-US" smtClean="0"/>
+              <a:rPr lang="en-US"/>
               <a:t>Fourth level</a:t>
             </a:r>
           </a:p>
           <a:p>
             <a:pPr lvl="4"/>
             <a:r>
-              <a:rPr lang="en-US" smtClean="0"/>
+              <a:rPr lang="en-US"/>
               <a:t>Fifth level</a:t>
             </a:r>
-            <a:endParaRPr lang="en-US"/>
           </a:p>
         </p:txBody>
       </p:sp>
@@ -4463,38 +4416,37 @@
           <a:p>
             <a:pPr lvl="0"/>
             <a:r>
-              <a:rPr lang="en-US" smtClean="0"/>
+              <a:rPr lang="en-US"/>
               <a:t>Click to edit Master text styles</a:t>
             </a:r>
           </a:p>
           <a:p>
             <a:pPr lvl="1"/>
             <a:r>
-              <a:rPr lang="en-US" smtClean="0"/>
+              <a:rPr lang="en-US"/>
               <a:t>Second level</a:t>
             </a:r>
           </a:p>
           <a:p>
             <a:pPr lvl="2"/>
             <a:r>
-              <a:rPr lang="en-US" smtClean="0"/>
+              <a:rPr lang="en-US"/>
               <a:t>Third level</a:t>
             </a:r>
           </a:p>
           <a:p>
             <a:pPr lvl="3"/>
             <a:r>
-              <a:rPr lang="en-US" smtClean="0"/>
+              <a:rPr lang="en-US"/>
               <a:t>Fourth level</a:t>
             </a:r>
           </a:p>
           <a:p>
             <a:pPr lvl="4"/>
             <a:r>
-              <a:rPr lang="en-US" smtClean="0"/>
+              <a:rPr lang="en-US"/>
               <a:t>Fifth level</a:t>
             </a:r>
-            <a:endParaRPr lang="en-US"/>
           </a:p>
         </p:txBody>
       </p:sp>
@@ -4508,7 +4460,7 @@
   <p:clrMapOvr>
     <a:masterClrMapping/>
   </p:clrMapOvr>
-  <p:transition xmlns:p14="http://schemas.microsoft.com/office/powerpoint/2010/main"/>
+  <p:transition/>
 </p:sldLayout>
 </file>
 
@@ -4554,10 +4506,9 @@
           </a:lstStyle>
           <a:p>
             <a:r>
-              <a:rPr lang="en-US" smtClean="0"/>
+              <a:rPr lang="en-US"/>
               <a:t>Click to edit Master title style</a:t>
             </a:r>
-            <a:endParaRPr lang="en-US"/>
           </a:p>
         </p:txBody>
       </p:sp>
@@ -4620,7 +4571,7 @@
           <a:p>
             <a:pPr lvl="0"/>
             <a:r>
-              <a:rPr lang="en-US" smtClean="0"/>
+              <a:rPr lang="en-US"/>
               <a:t>Click to edit Master text styles</a:t>
             </a:r>
           </a:p>
@@ -4676,38 +4627,37 @@
           <a:p>
             <a:pPr lvl="0"/>
             <a:r>
-              <a:rPr lang="en-US" smtClean="0"/>
+              <a:rPr lang="en-US"/>
               <a:t>Click to edit Master text styles</a:t>
             </a:r>
           </a:p>
           <a:p>
             <a:pPr lvl="1"/>
             <a:r>
-              <a:rPr lang="en-US" smtClean="0"/>
+              <a:rPr lang="en-US"/>
               <a:t>Second level</a:t>
             </a:r>
           </a:p>
           <a:p>
             <a:pPr lvl="2"/>
             <a:r>
-              <a:rPr lang="en-US" smtClean="0"/>
+              <a:rPr lang="en-US"/>
               <a:t>Third level</a:t>
             </a:r>
           </a:p>
           <a:p>
             <a:pPr lvl="3"/>
             <a:r>
-              <a:rPr lang="en-US" smtClean="0"/>
+              <a:rPr lang="en-US"/>
               <a:t>Fourth level</a:t>
             </a:r>
           </a:p>
           <a:p>
             <a:pPr lvl="4"/>
             <a:r>
-              <a:rPr lang="en-US" smtClean="0"/>
+              <a:rPr lang="en-US"/>
               <a:t>Fifth level</a:t>
             </a:r>
-            <a:endParaRPr lang="en-US"/>
           </a:p>
         </p:txBody>
       </p:sp>
@@ -4770,7 +4720,7 @@
           <a:p>
             <a:pPr lvl="0"/>
             <a:r>
-              <a:rPr lang="en-US" smtClean="0"/>
+              <a:rPr lang="en-US"/>
               <a:t>Click to edit Master text styles</a:t>
             </a:r>
           </a:p>
@@ -4826,38 +4776,37 @@
           <a:p>
             <a:pPr lvl="0"/>
             <a:r>
-              <a:rPr lang="en-US" smtClean="0"/>
+              <a:rPr lang="en-US"/>
               <a:t>Click to edit Master text styles</a:t>
             </a:r>
           </a:p>
           <a:p>
             <a:pPr lvl="1"/>
             <a:r>
-              <a:rPr lang="en-US" smtClean="0"/>
+              <a:rPr lang="en-US"/>
               <a:t>Second level</a:t>
             </a:r>
           </a:p>
           <a:p>
             <a:pPr lvl="2"/>
             <a:r>
-              <a:rPr lang="en-US" smtClean="0"/>
+              <a:rPr lang="en-US"/>
               <a:t>Third level</a:t>
             </a:r>
           </a:p>
           <a:p>
             <a:pPr lvl="3"/>
             <a:r>
-              <a:rPr lang="en-US" smtClean="0"/>
+              <a:rPr lang="en-US"/>
               <a:t>Fourth level</a:t>
             </a:r>
           </a:p>
           <a:p>
             <a:pPr lvl="4"/>
             <a:r>
-              <a:rPr lang="en-US" smtClean="0"/>
+              <a:rPr lang="en-US"/>
               <a:t>Fifth level</a:t>
             </a:r>
-            <a:endParaRPr lang="en-US"/>
           </a:p>
         </p:txBody>
       </p:sp>
@@ -4871,7 +4820,7 @@
   <p:clrMapOvr>
     <a:masterClrMapping/>
   </p:clrMapOvr>
-  <p:transition xmlns:p14="http://schemas.microsoft.com/office/powerpoint/2010/main"/>
+  <p:transition/>
 </p:sldLayout>
 </file>
 
@@ -4908,10 +4857,9 @@
           <a:lstStyle/>
           <a:p>
             <a:r>
-              <a:rPr lang="en-US" smtClean="0"/>
+              <a:rPr lang="en-US"/>
               <a:t>Click to edit Master title style</a:t>
             </a:r>
-            <a:endParaRPr lang="en-US"/>
           </a:p>
         </p:txBody>
       </p:sp>
@@ -4925,7 +4873,7 @@
   <p:clrMapOvr>
     <a:masterClrMapping/>
   </p:clrMapOvr>
-  <p:transition xmlns:p14="http://schemas.microsoft.com/office/powerpoint/2010/main"/>
+  <p:transition/>
 </p:sldLayout>
 </file>
 
@@ -4956,7 +4904,7 @@
   <p:clrMapOvr>
     <a:masterClrMapping/>
   </p:clrMapOvr>
-  <p:transition xmlns:p14="http://schemas.microsoft.com/office/powerpoint/2010/main"/>
+  <p:transition/>
 </p:sldLayout>
 </file>
 
@@ -5002,10 +4950,9 @@
           </a:lstStyle>
           <a:p>
             <a:r>
-              <a:rPr lang="en-US" smtClean="0"/>
+              <a:rPr lang="en-US"/>
               <a:t>Click to edit Master title style</a:t>
             </a:r>
-            <a:endParaRPr lang="en-US"/>
           </a:p>
         </p:txBody>
       </p:sp>
@@ -5059,38 +5006,37 @@
           <a:p>
             <a:pPr lvl="0"/>
             <a:r>
-              <a:rPr lang="en-US" smtClean="0"/>
+              <a:rPr lang="en-US"/>
               <a:t>Click to edit Master text styles</a:t>
             </a:r>
           </a:p>
           <a:p>
             <a:pPr lvl="1"/>
             <a:r>
-              <a:rPr lang="en-US" smtClean="0"/>
+              <a:rPr lang="en-US"/>
               <a:t>Second level</a:t>
             </a:r>
           </a:p>
           <a:p>
             <a:pPr lvl="2"/>
             <a:r>
-              <a:rPr lang="en-US" smtClean="0"/>
+              <a:rPr lang="en-US"/>
               <a:t>Third level</a:t>
             </a:r>
           </a:p>
           <a:p>
             <a:pPr lvl="3"/>
             <a:r>
-              <a:rPr lang="en-US" smtClean="0"/>
+              <a:rPr lang="en-US"/>
               <a:t>Fourth level</a:t>
             </a:r>
           </a:p>
           <a:p>
             <a:pPr lvl="4"/>
             <a:r>
-              <a:rPr lang="en-US" smtClean="0"/>
+              <a:rPr lang="en-US"/>
               <a:t>Fifth level</a:t>
             </a:r>
-            <a:endParaRPr lang="en-US"/>
           </a:p>
         </p:txBody>
       </p:sp>
@@ -5153,7 +5099,7 @@
           <a:p>
             <a:pPr lvl="0"/>
             <a:r>
-              <a:rPr lang="en-US" smtClean="0"/>
+              <a:rPr lang="en-US"/>
               <a:t>Click to edit Master text styles</a:t>
             </a:r>
           </a:p>
@@ -5169,7 +5115,7 @@
   <p:clrMapOvr>
     <a:masterClrMapping/>
   </p:clrMapOvr>
-  <p:transition xmlns:p14="http://schemas.microsoft.com/office/powerpoint/2010/main"/>
+  <p:transition/>
 </p:sldLayout>
 </file>
 
@@ -5215,10 +5161,9 @@
           </a:lstStyle>
           <a:p>
             <a:r>
-              <a:rPr lang="en-US" smtClean="0"/>
+              <a:rPr lang="en-US"/>
               <a:t>Click to edit Master title style</a:t>
             </a:r>
-            <a:endParaRPr lang="en-US"/>
           </a:p>
         </p:txBody>
       </p:sp>
@@ -5281,7 +5226,7 @@
           <a:p>
             <a:pPr lvl="0"/>
             <a:r>
-              <a:rPr lang="en-US" noProof="0" smtClean="0"/>
+              <a:rPr lang="en-US" noProof="0"/>
               <a:t>Drag picture to placeholder or click icon to add</a:t>
             </a:r>
           </a:p>
@@ -5346,7 +5291,7 @@
           <a:p>
             <a:pPr lvl="0"/>
             <a:r>
-              <a:rPr lang="en-US" smtClean="0"/>
+              <a:rPr lang="en-US"/>
               <a:t>Click to edit Master text styles</a:t>
             </a:r>
           </a:p>
@@ -5362,7 +5307,7 @@
   <p:clrMapOvr>
     <a:masterClrMapping/>
   </p:clrMapOvr>
-  <p:transition xmlns:p14="http://schemas.microsoft.com/office/powerpoint/2010/main"/>
+  <p:transition/>
 </p:sldLayout>
 </file>
 
@@ -5427,7 +5372,7 @@
           <a:p>
             <a:pPr lvl="0"/>
             <a:r>
-              <a:rPr lang="en-US" noProof="0" smtClean="0"/>
+              <a:rPr lang="en-US" noProof="0"/>
               <a:t>Click to edit Master title style</a:t>
             </a:r>
             <a:endParaRPr lang="en-US" noProof="0" dirty="0"/>
@@ -5470,35 +5415,35 @@
           <a:p>
             <a:pPr lvl="0"/>
             <a:r>
-              <a:rPr lang="en-US" noProof="0" smtClean="0"/>
+              <a:rPr lang="en-US" noProof="0"/>
               <a:t>Click to edit Master text styles</a:t>
             </a:r>
           </a:p>
           <a:p>
             <a:pPr lvl="1"/>
             <a:r>
-              <a:rPr lang="en-US" noProof="0" smtClean="0"/>
+              <a:rPr lang="en-US" noProof="0"/>
               <a:t>Second level</a:t>
             </a:r>
           </a:p>
           <a:p>
             <a:pPr lvl="2"/>
             <a:r>
-              <a:rPr lang="en-US" noProof="0" smtClean="0"/>
+              <a:rPr lang="en-US" noProof="0"/>
               <a:t>Third level</a:t>
             </a:r>
           </a:p>
           <a:p>
             <a:pPr lvl="3"/>
             <a:r>
-              <a:rPr lang="en-US" noProof="0" smtClean="0"/>
+              <a:rPr lang="en-US" noProof="0"/>
               <a:t>Fourth level</a:t>
             </a:r>
           </a:p>
           <a:p>
             <a:pPr lvl="4"/>
             <a:r>
-              <a:rPr lang="en-US" noProof="0" smtClean="0"/>
+              <a:rPr lang="en-US" noProof="0"/>
               <a:t>Fifth level</a:t>
             </a:r>
             <a:endParaRPr lang="en-US" noProof="0" dirty="0"/>
@@ -5815,7 +5760,7 @@
     <p:sldLayoutId id="2147483687" r:id="rId13"/>
     <p:sldLayoutId id="2147483688" r:id="rId14"/>
   </p:sldLayoutIdLst>
-  <p:transition xmlns:p14="http://schemas.microsoft.com/office/powerpoint/2010/main"/>
+  <p:transition/>
   <p:txStyles>
     <p:titleStyle>
       <a:lvl1pPr algn="l" rtl="0" eaLnBrk="1" fontAlgn="base" hangingPunct="1">
@@ -6367,7 +6312,7 @@
           <a:p>
             <a:pPr lvl="0"/>
             <a:r>
-              <a:rPr lang="en-US" noProof="0" smtClean="0"/>
+              <a:rPr lang="en-US" noProof="0"/>
               <a:t>Click to edit Master title style</a:t>
             </a:r>
             <a:endParaRPr lang="en-US" noProof="0" dirty="0"/>
@@ -6410,38 +6355,37 @@
           <a:p>
             <a:pPr lvl="0"/>
             <a:r>
-              <a:rPr lang="en-US" noProof="0" dirty="0" smtClean="0"/>
+              <a:rPr lang="en-US" noProof="0" dirty="0"/>
               <a:t>Click to edit Master text styles</a:t>
             </a:r>
           </a:p>
           <a:p>
             <a:pPr lvl="1"/>
             <a:r>
-              <a:rPr lang="en-US" noProof="0" dirty="0" smtClean="0"/>
+              <a:rPr lang="en-US" noProof="0" dirty="0"/>
               <a:t>Second level</a:t>
             </a:r>
           </a:p>
           <a:p>
             <a:pPr lvl="2"/>
             <a:r>
-              <a:rPr lang="en-US" noProof="0" dirty="0" smtClean="0"/>
+              <a:rPr lang="en-US" noProof="0" dirty="0"/>
               <a:t>Third level</a:t>
             </a:r>
           </a:p>
           <a:p>
             <a:pPr lvl="3"/>
             <a:r>
-              <a:rPr lang="en-US" noProof="0" dirty="0" smtClean="0"/>
+              <a:rPr lang="en-US" noProof="0" dirty="0"/>
               <a:t>Fourth level</a:t>
             </a:r>
           </a:p>
           <a:p>
             <a:pPr lvl="4"/>
             <a:r>
-              <a:rPr lang="en-US" noProof="0" dirty="0" smtClean="0"/>
+              <a:rPr lang="en-US" noProof="0" dirty="0"/>
               <a:t>Fifth level</a:t>
             </a:r>
-            <a:endParaRPr lang="en-US" noProof="0" dirty="0"/>
           </a:p>
         </p:txBody>
       </p:sp>
@@ -6755,7 +6699,7 @@
     <p:sldLayoutId id="2147483702" r:id="rId13"/>
     <p:sldLayoutId id="2147483703" r:id="rId14"/>
   </p:sldLayoutIdLst>
-  <p:transition xmlns:p14="http://schemas.microsoft.com/office/powerpoint/2010/main"/>
+  <p:transition/>
   <p:txStyles>
     <p:titleStyle>
       <a:lvl1pPr algn="l" rtl="0" eaLnBrk="1" fontAlgn="base" hangingPunct="1">
@@ -7283,10 +7227,9 @@
           <a:lstStyle/>
           <a:p>
             <a:r>
-              <a:rPr lang="en-US" dirty="0" smtClean="0"/>
+              <a:rPr lang="en-US" dirty="0"/>
               <a:t>Unit 3: Operator Selection</a:t>
             </a:r>
-            <a:endParaRPr lang="en-US" dirty="0"/>
           </a:p>
         </p:txBody>
       </p:sp>
@@ -7319,12 +7262,12 @@
   <p:clrMapOvr>
     <a:masterClrMapping/>
   </p:clrMapOvr>
-  <p:transition xmlns:p14="http://schemas.microsoft.com/office/powerpoint/2010/main"/>
+  <p:transition/>
 </p:sld>
 </file>
 
 <file path=ppt/slides/slide10.xml><?xml version="1.0" encoding="utf-8"?>
-<p:sld xmlns:a="http://schemas.openxmlformats.org/drawingml/2006/main" xmlns:r="http://schemas.openxmlformats.org/officeDocument/2006/relationships" xmlns:p="http://schemas.openxmlformats.org/presentationml/2006/main">
+<p:sld xmlns:a="http://schemas.openxmlformats.org/drawingml/2006/main" xmlns:r="http://schemas.openxmlformats.org/officeDocument/2006/relationships" xmlns:p="http://schemas.openxmlformats.org/presentationml/2006/main" show="0">
   <p:cSld>
     <p:spTree>
       <p:nvGrpSpPr>
@@ -7356,10 +7299,9 @@
           <a:lstStyle/>
           <a:p>
             <a:r>
-              <a:rPr lang="en-US" dirty="0" smtClean="0"/>
-              <a:t>First step in task switching</a:t>
-            </a:r>
-            <a:endParaRPr lang="en-US" dirty="0"/>
+              <a:rPr lang="en-US" dirty="0"/>
+              <a:t>Two strategies</a:t>
+            </a:r>
           </a:p>
         </p:txBody>
       </p:sp>
@@ -7378,115 +7320,50 @@
           <a:bodyPr/>
           <a:lstStyle/>
           <a:p>
-            <a:pPr marL="0" indent="0">
-              <a:buNone/>
-            </a:pPr>
             <a:r>
               <a:rPr lang="en-US" dirty="0"/>
-              <a:t> operator prepare-for-stimulus {</a:t>
-            </a:r>
-          </a:p>
-          <a:p>
-            <a:pPr marL="0" indent="0">
-              <a:buNone/>
-            </a:pPr>
-            <a:r>
-              <a:rPr lang="pt-BR" dirty="0"/>
-              <a:t>        V1 = </a:t>
-            </a:r>
-            <a:r>
-              <a:rPr lang="pt-BR" dirty="0" err="1"/>
-              <a:t>fixation</a:t>
-            </a:r>
-            <a:endParaRPr lang="pt-BR" dirty="0"/>
-          </a:p>
-          <a:p>
-            <a:pPr marL="0" indent="0">
-              <a:buNone/>
-            </a:pPr>
-            <a:r>
-              <a:rPr lang="pt-BR" dirty="0"/>
-              <a:t>        G2 = </a:t>
-            </a:r>
-            <a:r>
-              <a:rPr lang="pt-BR" dirty="0" err="1"/>
-              <a:t>nil</a:t>
-            </a:r>
-            <a:endParaRPr lang="pt-BR" dirty="0"/>
-          </a:p>
-          <a:p>
-            <a:pPr marL="0" indent="0">
-              <a:buNone/>
-            </a:pPr>
-            <a:r>
-              <a:rPr lang="pt-BR" dirty="0"/>
-              <a:t>        ==&gt;</a:t>
-            </a:r>
-          </a:p>
-          <a:p>
-            <a:pPr marL="0" indent="0">
-              <a:buNone/>
-            </a:pPr>
+              <a:t>Proactive: anticipate next trial</a:t>
+            </a:r>
+          </a:p>
+          <a:p>
             <a:r>
               <a:rPr lang="en-US" dirty="0"/>
-              <a:t>        </a:t>
-            </a:r>
-            <a:r>
-              <a:rPr lang="en-US" dirty="0" smtClean="0"/>
-              <a:t>*prepare -</a:t>
-            </a:r>
+              <a:t>Reactive: wait for stimulus, the decide</a:t>
+            </a:r>
+          </a:p>
+          <a:p>
+            <a:endParaRPr lang="en-US" dirty="0"/>
+          </a:p>
+          <a:p>
             <a:r>
               <a:rPr lang="en-US" dirty="0"/>
-              <a:t>&gt; G2</a:t>
-            </a:r>
-          </a:p>
-          <a:p>
-            <a:pPr marL="0" indent="0">
-              <a:buNone/>
-            </a:pPr>
+              <a:t>This version of task switching requires a proactive strategy</a:t>
+            </a:r>
+          </a:p>
+          <a:p>
             <a:r>
               <a:rPr lang="en-US" dirty="0"/>
-              <a:t>    </a:t>
-            </a:r>
-            <a:r>
-              <a:rPr lang="en-US" dirty="0" smtClean="0"/>
-              <a:t>}</a:t>
-            </a:r>
-          </a:p>
-          <a:p>
-            <a:pPr marL="0" indent="0">
-              <a:buNone/>
-            </a:pPr>
-            <a:endParaRPr lang="en-US" sz="2400" dirty="0"/>
-          </a:p>
-          <a:p>
-            <a:pPr marL="0" indent="0">
-              <a:buNone/>
-            </a:pPr>
-            <a:r>
-              <a:rPr lang="en-US" dirty="0" smtClean="0"/>
-              <a:t>Here, prepare is bound to a skill that determines the next task (prepare-next)</a:t>
-            </a:r>
-            <a:endParaRPr lang="en-US" sz="2400" dirty="0"/>
+              <a:t>Key: preparation is a separate goal</a:t>
+            </a:r>
           </a:p>
         </p:txBody>
       </p:sp>
     </p:spTree>
     <p:extLst>
       <p:ext uri="{BB962C8B-B14F-4D97-AF65-F5344CB8AC3E}">
-        <p14:creationId xmlns:p14="http://schemas.microsoft.com/office/powerpoint/2010/main" val="3026299069"/>
+        <p14:creationId xmlns:p14="http://schemas.microsoft.com/office/powerpoint/2010/main" val="3652312494"/>
       </p:ext>
     </p:extLst>
   </p:cSld>
   <p:clrMapOvr>
     <a:masterClrMapping/>
   </p:clrMapOvr>
-  <p:transition xmlns:p14="http://schemas.microsoft.com/office/powerpoint/2010/main"/>
+  <p:transition/>
 </p:sld>
 </file>
 
 <file path=ppt/slides/slide11.xml><?xml version="1.0" encoding="utf-8"?>
-<p:sld xmlns:a="http://schemas.openxmlformats.org/drawingml/2006/main" xmlns:r="http://schemas.openxmlformats.org/officeDocument/2006/relationships" xmlns:p="http://schemas.openxmlformats.org/presentationml/2006/main">
+<p:sld xmlns:a="http://schemas.openxmlformats.org/drawingml/2006/main" xmlns:r="http://schemas.openxmlformats.org/officeDocument/2006/relationships" xmlns:p="http://schemas.openxmlformats.org/presentationml/2006/main" show="0">
   <p:cSld>
     <p:spTree>
       <p:nvGrpSpPr>
@@ -7517,7 +7394,10 @@
           <a:bodyPr/>
           <a:lstStyle/>
           <a:p>
-            <a:endParaRPr lang="en-US"/>
+            <a:r>
+              <a:rPr lang="en-US" dirty="0"/>
+              <a:t>First step in task switching</a:t>
+            </a:r>
           </a:p>
         </p:txBody>
       </p:sp>
@@ -7540,16 +7420,8 @@
               <a:buNone/>
             </a:pPr>
             <a:r>
-              <a:rPr lang="en-US" sz="1800" dirty="0"/>
-              <a:t>define </a:t>
-            </a:r>
-            <a:r>
-              <a:rPr lang="en-US" sz="1800" dirty="0" smtClean="0"/>
-              <a:t>skill prepare</a:t>
-            </a:r>
-            <a:r>
-              <a:rPr lang="en-US" sz="1800" dirty="0"/>
-              <a:t>-next {</a:t>
+              <a:rPr lang="en-US" dirty="0"/>
+              <a:t> operator prepare-for-stimulus {</a:t>
             </a:r>
           </a:p>
           <a:p>
@@ -7557,49 +7429,45 @@
               <a:buNone/>
             </a:pPr>
             <a:r>
-              <a:rPr lang="en-US" sz="1800" dirty="0"/>
-              <a:t>    operator set-first-task {</a:t>
-            </a:r>
+              <a:rPr lang="pt-BR" dirty="0"/>
+              <a:t>        V1 = </a:t>
+            </a:r>
+            <a:r>
+              <a:rPr lang="pt-BR" dirty="0" err="1"/>
+              <a:t>fixation</a:t>
+            </a:r>
+            <a:endParaRPr lang="pt-BR" dirty="0"/>
           </a:p>
           <a:p>
             <a:pPr marL="0" indent="0">
               <a:buNone/>
             </a:pPr>
             <a:r>
-              <a:rPr lang="pt-BR" sz="1800" dirty="0"/>
-              <a:t>        V1 = </a:t>
-            </a:r>
-            <a:r>
-              <a:rPr lang="pt-BR" sz="1800" dirty="0" err="1"/>
-              <a:t>fixation</a:t>
-            </a:r>
-            <a:endParaRPr lang="pt-BR" sz="1800" dirty="0"/>
+              <a:rPr lang="pt-BR" dirty="0"/>
+              <a:t>        G2 = </a:t>
+            </a:r>
+            <a:r>
+              <a:rPr lang="pt-BR" dirty="0" err="1"/>
+              <a:t>nil</a:t>
+            </a:r>
+            <a:endParaRPr lang="pt-BR" dirty="0"/>
           </a:p>
           <a:p>
             <a:pPr marL="0" indent="0">
               <a:buNone/>
             </a:pPr>
             <a:r>
-              <a:rPr lang="pt-BR" sz="1800" dirty="0"/>
-              <a:t>        WM1 = </a:t>
-            </a:r>
-            <a:r>
-              <a:rPr lang="pt-BR" sz="1800" dirty="0" err="1"/>
-              <a:t>nil</a:t>
-            </a:r>
-            <a:endParaRPr lang="pt-BR" sz="1800" dirty="0"/>
+              <a:rPr lang="pt-BR" dirty="0"/>
+              <a:t>        ==&gt;</a:t>
+            </a:r>
           </a:p>
           <a:p>
             <a:pPr marL="0" indent="0">
               <a:buNone/>
             </a:pPr>
             <a:r>
-              <a:rPr lang="pt-BR" sz="1800" dirty="0"/>
-              <a:t>        ==</a:t>
-            </a:r>
-            <a:r>
-              <a:rPr lang="pt-BR" sz="1800" dirty="0" smtClean="0"/>
-              <a:t>&gt;</a:t>
+              <a:rPr lang="en-US" dirty="0"/>
+              <a:t>        *prepare -&gt; G2</a:t>
             </a:r>
           </a:p>
           <a:p>
@@ -7607,116 +7475,44 @@
               <a:buNone/>
             </a:pPr>
             <a:r>
-              <a:rPr lang="en-US" sz="1800" dirty="0" smtClean="0"/>
-              <a:t>	 one </a:t>
-            </a:r>
-            <a:r>
-              <a:rPr lang="en-US" sz="1800" dirty="0"/>
-              <a:t>-&gt; </a:t>
-            </a:r>
-            <a:r>
-              <a:rPr lang="en-US" sz="1800" dirty="0" smtClean="0"/>
-              <a:t>WM2</a:t>
+              <a:rPr lang="en-US" dirty="0"/>
+              <a:t>    }</a:t>
             </a:r>
           </a:p>
           <a:p>
             <a:pPr marL="0" indent="0">
               <a:buNone/>
             </a:pPr>
-            <a:r>
-              <a:rPr lang="cs-CZ" sz="1800" dirty="0"/>
-              <a:t> </a:t>
-            </a:r>
-            <a:r>
-              <a:rPr lang="cs-CZ" sz="1800" dirty="0" smtClean="0"/>
-              <a:t>       </a:t>
-            </a:r>
-            <a:r>
-              <a:rPr lang="cs-CZ" sz="1800" dirty="0" err="1" smtClean="0"/>
-              <a:t>nil</a:t>
-            </a:r>
-            <a:r>
-              <a:rPr lang="cs-CZ" sz="1800" dirty="0" smtClean="0"/>
-              <a:t> </a:t>
-            </a:r>
-            <a:r>
-              <a:rPr lang="cs-CZ" sz="1800" dirty="0"/>
-              <a:t>-&gt; G2</a:t>
-            </a:r>
-            <a:endParaRPr lang="en-US" sz="1800" dirty="0"/>
+            <a:endParaRPr lang="en-US" sz="2400" dirty="0"/>
           </a:p>
           <a:p>
             <a:pPr marL="0" indent="0">
               <a:buNone/>
             </a:pPr>
             <a:r>
-              <a:rPr lang="en-US" sz="1800" dirty="0"/>
-              <a:t>        wait -&gt; AC1</a:t>
-            </a:r>
-          </a:p>
-          <a:p>
-            <a:pPr marL="0" indent="0">
-              <a:buNone/>
-            </a:pPr>
-            <a:r>
-              <a:rPr lang="en-US" sz="1800" dirty="0"/>
-              <a:t>    </a:t>
-            </a:r>
-            <a:r>
-              <a:rPr lang="en-US" sz="1800" dirty="0" smtClean="0"/>
-              <a:t>}</a:t>
-            </a:r>
-          </a:p>
-          <a:p>
-            <a:pPr marL="0" indent="0">
-              <a:buNone/>
-            </a:pPr>
-            <a:r>
-              <a:rPr lang="en-US" sz="1800" dirty="0" smtClean="0"/>
-              <a:t>...</a:t>
-            </a:r>
-            <a:endParaRPr lang="en-US" sz="1800" dirty="0"/>
-          </a:p>
-          <a:p>
-            <a:pPr marL="0" indent="0">
-              <a:buNone/>
-            </a:pPr>
-            <a:r>
-              <a:rPr lang="en-US" sz="1600" baseline="30000" dirty="0" smtClean="0"/>
-              <a:t>}</a:t>
-            </a:r>
-            <a:endParaRPr lang="en-US" sz="1600" baseline="30000" dirty="0"/>
-          </a:p>
-          <a:p>
-            <a:pPr marL="0" indent="0">
-              <a:buNone/>
-            </a:pPr>
-            <a:endParaRPr lang="da-DK" sz="1600" dirty="0"/>
-          </a:p>
-          <a:p>
-            <a:pPr marL="0" indent="0">
-              <a:buNone/>
-            </a:pPr>
-            <a:endParaRPr lang="en-US" sz="1800" dirty="0"/>
+              <a:rPr lang="en-US" dirty="0"/>
+              <a:t>Here, prepare is bound to a skill that determines the next task (prepare-next)</a:t>
+            </a:r>
+            <a:endParaRPr lang="en-US" sz="2400" dirty="0"/>
           </a:p>
         </p:txBody>
       </p:sp>
     </p:spTree>
     <p:extLst>
       <p:ext uri="{BB962C8B-B14F-4D97-AF65-F5344CB8AC3E}">
-        <p14:creationId xmlns:p14="http://schemas.microsoft.com/office/powerpoint/2010/main" val="3649371491"/>
+        <p14:creationId xmlns:p14="http://schemas.microsoft.com/office/powerpoint/2010/main" val="3026299069"/>
       </p:ext>
     </p:extLst>
   </p:cSld>
   <p:clrMapOvr>
     <a:masterClrMapping/>
   </p:clrMapOvr>
-  <p:transition xmlns:p14="http://schemas.microsoft.com/office/powerpoint/2010/main"/>
+  <p:transition/>
 </p:sld>
 </file>
 
 <file path=ppt/slides/slide12.xml><?xml version="1.0" encoding="utf-8"?>
-<p:sld xmlns:a="http://schemas.openxmlformats.org/drawingml/2006/main" xmlns:r="http://schemas.openxmlformats.org/officeDocument/2006/relationships" xmlns:p="http://schemas.openxmlformats.org/presentationml/2006/main">
+<p:sld xmlns:a="http://schemas.openxmlformats.org/drawingml/2006/main" xmlns:r="http://schemas.openxmlformats.org/officeDocument/2006/relationships" xmlns:p="http://schemas.openxmlformats.org/presentationml/2006/main" show="0">
   <p:cSld>
     <p:spTree>
       <p:nvGrpSpPr>
@@ -7770,8 +7566,8 @@
               <a:buNone/>
             </a:pPr>
             <a:r>
-              <a:rPr lang="en-US" sz="2000" dirty="0"/>
-              <a:t>operator determine-next-task-retrieve-count {</a:t>
+              <a:rPr lang="en-US" sz="1800" dirty="0"/>
+              <a:t>define skill prepare-next {</a:t>
             </a:r>
           </a:p>
           <a:p>
@@ -7779,40 +7575,81 @@
               <a:buNone/>
             </a:pPr>
             <a:r>
-              <a:rPr lang="pt-BR" sz="2000" dirty="0" smtClean="0"/>
-              <a:t>	  RT1 </a:t>
-            </a:r>
-            <a:r>
-              <a:rPr lang="pt-BR" sz="2000" dirty="0"/>
-              <a:t>= </a:t>
-            </a:r>
-            <a:r>
-              <a:rPr lang="pt-BR" sz="2000" dirty="0" err="1"/>
+              <a:rPr lang="en-US" sz="1800" dirty="0"/>
+              <a:t>    operator set-first-task {</a:t>
+            </a:r>
+          </a:p>
+          <a:p>
+            <a:pPr marL="0" indent="0">
+              <a:buNone/>
+            </a:pPr>
+            <a:r>
+              <a:rPr lang="pt-BR" sz="1800" dirty="0"/>
+              <a:t>        V1 = </a:t>
+            </a:r>
+            <a:r>
+              <a:rPr lang="pt-BR" sz="1800" dirty="0" err="1"/>
+              <a:t>fixation</a:t>
+            </a:r>
+            <a:endParaRPr lang="pt-BR" sz="1800" dirty="0"/>
+          </a:p>
+          <a:p>
+            <a:pPr marL="0" indent="0">
+              <a:buNone/>
+            </a:pPr>
+            <a:r>
+              <a:rPr lang="pt-BR" sz="1800" dirty="0"/>
+              <a:t>        WM1 = </a:t>
+            </a:r>
+            <a:r>
+              <a:rPr lang="pt-BR" sz="1800" dirty="0" err="1"/>
               <a:t>nil</a:t>
             </a:r>
-            <a:endParaRPr lang="pt-BR" sz="2000" dirty="0"/>
+            <a:endParaRPr lang="pt-BR" sz="1800" dirty="0"/>
           </a:p>
           <a:p>
             <a:pPr marL="0" indent="0">
               <a:buNone/>
             </a:pPr>
             <a:r>
-              <a:rPr lang="pt-BR" sz="2000" dirty="0"/>
-              <a:t>        WM1 &lt;&gt; </a:t>
-            </a:r>
-            <a:r>
-              <a:rPr lang="pt-BR" sz="2000" dirty="0" err="1"/>
+              <a:rPr lang="pt-BR" sz="1800" dirty="0"/>
+              <a:t>        ==&gt;</a:t>
+            </a:r>
+          </a:p>
+          <a:p>
+            <a:pPr marL="0" indent="0">
+              <a:buNone/>
+            </a:pPr>
+            <a:r>
+              <a:rPr lang="en-US" sz="1800" dirty="0"/>
+              <a:t>	 one -&gt; WM2</a:t>
+            </a:r>
+          </a:p>
+          <a:p>
+            <a:pPr marL="0" indent="0">
+              <a:buNone/>
+            </a:pPr>
+            <a:r>
+              <a:rPr lang="cs-CZ" sz="1800" dirty="0"/>
+              <a:t>        </a:t>
+            </a:r>
+            <a:r>
+              <a:rPr lang="cs-CZ" sz="1800" dirty="0" err="1"/>
               <a:t>nil</a:t>
             </a:r>
-            <a:endParaRPr lang="pt-BR" sz="2000" dirty="0"/>
+            <a:r>
+              <a:rPr lang="cs-CZ" sz="1800" dirty="0"/>
+              <a:t> -&gt; G2</a:t>
+            </a:r>
+            <a:endParaRPr lang="en-US" sz="1800" dirty="0"/>
           </a:p>
           <a:p>
             <a:pPr marL="0" indent="0">
               <a:buNone/>
             </a:pPr>
             <a:r>
-              <a:rPr lang="pt-BR" sz="2000" dirty="0"/>
-              <a:t>        ==&gt;</a:t>
+              <a:rPr lang="en-US" sz="1800" dirty="0"/>
+              <a:t>        wait -&gt; AC1</a:t>
             </a:r>
           </a:p>
           <a:p>
@@ -7820,56 +7657,58 @@
               <a:buNone/>
             </a:pPr>
             <a:r>
-              <a:rPr lang="en-US" sz="2000" dirty="0"/>
-              <a:t>        count-</a:t>
-            </a:r>
-            <a:r>
-              <a:rPr lang="en-US" sz="2000" dirty="0" smtClean="0"/>
-              <a:t>fact -&gt; RT1</a:t>
-            </a:r>
-            <a:endParaRPr lang="en-US" sz="2000" dirty="0"/>
+              <a:rPr lang="en-US" sz="1800" dirty="0"/>
+              <a:t>    }</a:t>
+            </a:r>
           </a:p>
           <a:p>
             <a:pPr marL="0" indent="0">
               <a:buNone/>
             </a:pPr>
             <a:r>
-              <a:rPr lang="en-US" sz="2000" dirty="0"/>
-              <a:t>        </a:t>
-            </a:r>
-            <a:r>
-              <a:rPr lang="en-US" sz="2000" dirty="0" smtClean="0"/>
-              <a:t>WM2 -&gt; RT2</a:t>
-            </a:r>
-            <a:endParaRPr lang="en-US" sz="2000" dirty="0"/>
+              <a:rPr lang="en-US" sz="1800" dirty="0"/>
+              <a:t>...</a:t>
+            </a:r>
           </a:p>
           <a:p>
             <a:pPr marL="0" indent="0">
               <a:buNone/>
             </a:pPr>
             <a:r>
-              <a:rPr lang="en-US" sz="2000" dirty="0"/>
-              <a:t>    }</a:t>
-            </a:r>
+              <a:rPr lang="en-US" sz="1600" baseline="30000" dirty="0"/>
+              <a:t>}</a:t>
+            </a:r>
+          </a:p>
+          <a:p>
+            <a:pPr marL="0" indent="0">
+              <a:buNone/>
+            </a:pPr>
+            <a:endParaRPr lang="da-DK" sz="1600" dirty="0"/>
+          </a:p>
+          <a:p>
+            <a:pPr marL="0" indent="0">
+              <a:buNone/>
+            </a:pPr>
+            <a:endParaRPr lang="en-US" sz="1800" dirty="0"/>
           </a:p>
         </p:txBody>
       </p:sp>
     </p:spTree>
     <p:extLst>
       <p:ext uri="{BB962C8B-B14F-4D97-AF65-F5344CB8AC3E}">
-        <p14:creationId xmlns:p14="http://schemas.microsoft.com/office/powerpoint/2010/main" val="88131697"/>
+        <p14:creationId xmlns:p14="http://schemas.microsoft.com/office/powerpoint/2010/main" val="3649371491"/>
       </p:ext>
     </p:extLst>
   </p:cSld>
   <p:clrMapOvr>
     <a:masterClrMapping/>
   </p:clrMapOvr>
-  <p:transition xmlns:p14="http://schemas.microsoft.com/office/powerpoint/2010/main"/>
+  <p:transition/>
 </p:sld>
 </file>
 
 <file path=ppt/slides/slide13.xml><?xml version="1.0" encoding="utf-8"?>
-<p:sld xmlns:a="http://schemas.openxmlformats.org/drawingml/2006/main" xmlns:r="http://schemas.openxmlformats.org/officeDocument/2006/relationships" xmlns:p="http://schemas.openxmlformats.org/presentationml/2006/main">
+<p:sld xmlns:a="http://schemas.openxmlformats.org/drawingml/2006/main" xmlns:r="http://schemas.openxmlformats.org/officeDocument/2006/relationships" xmlns:p="http://schemas.openxmlformats.org/presentationml/2006/main" show="0">
   <p:cSld>
     <p:spTree>
       <p:nvGrpSpPr>
@@ -7887,7 +7726,7 @@
       </p:grpSpPr>
       <p:sp>
         <p:nvSpPr>
-          <p:cNvPr id="9" name="Title 8"/>
+          <p:cNvPr id="2" name="Title 1"/>
           <p:cNvSpPr>
             <a:spLocks noGrp="1"/>
           </p:cNvSpPr>
@@ -7906,32 +7745,25 @@
       </p:sp>
       <p:sp>
         <p:nvSpPr>
-          <p:cNvPr id="10" name="Content Placeholder 9"/>
+          <p:cNvPr id="3" name="Content Placeholder 2"/>
           <p:cNvSpPr>
             <a:spLocks noGrp="1"/>
           </p:cNvSpPr>
           <p:nvPr>
-            <p:ph sz="half" idx="1"/>
+            <p:ph idx="1"/>
           </p:nvPr>
         </p:nvSpPr>
-        <p:spPr>
-          <a:xfrm>
-            <a:off x="685799" y="1981200"/>
-            <a:ext cx="7910663" cy="4114800"/>
-          </a:xfrm>
-        </p:spPr>
-        <p:txBody>
-          <a:bodyPr>
-            <a:normAutofit/>
-          </a:bodyPr>
+        <p:spPr/>
+        <p:txBody>
+          <a:bodyPr/>
           <a:lstStyle/>
           <a:p>
             <a:pPr marL="0" indent="0">
               <a:buNone/>
             </a:pPr>
             <a:r>
-              <a:rPr lang="en-US" sz="1800" dirty="0"/>
-              <a:t> operator determine-next-task-decide-to-stay {</a:t>
+              <a:rPr lang="en-US" sz="2000" dirty="0"/>
+              <a:t>operator determine-next-task-retrieve-count {</a:t>
             </a:r>
           </a:p>
           <a:p>
@@ -7939,25 +7771,35 @@
               <a:buNone/>
             </a:pPr>
             <a:r>
-              <a:rPr lang="en-US" sz="1800" dirty="0"/>
-              <a:t>        RT1 = count-fact</a:t>
-            </a:r>
+              <a:rPr lang="pt-BR" sz="2000" dirty="0"/>
+              <a:t>	  RT1 = </a:t>
+            </a:r>
+            <a:r>
+              <a:rPr lang="pt-BR" sz="2000" dirty="0" err="1"/>
+              <a:t>nil</a:t>
+            </a:r>
+            <a:endParaRPr lang="pt-BR" sz="2000" dirty="0"/>
           </a:p>
           <a:p>
             <a:pPr marL="0" indent="0">
               <a:buNone/>
             </a:pPr>
             <a:r>
-              <a:rPr lang="en-US" sz="1800" dirty="0"/>
-              <a:t>        RT3 = two</a:t>
-            </a:r>
+              <a:rPr lang="pt-BR" sz="2000" dirty="0"/>
+              <a:t>        WM1 &lt;&gt; </a:t>
+            </a:r>
+            <a:r>
+              <a:rPr lang="pt-BR" sz="2000" dirty="0" err="1"/>
+              <a:t>nil</a:t>
+            </a:r>
+            <a:endParaRPr lang="pt-BR" sz="2000" dirty="0"/>
           </a:p>
           <a:p>
             <a:pPr marL="0" indent="0">
               <a:buNone/>
             </a:pPr>
             <a:r>
-              <a:rPr lang="en-US" sz="1800" dirty="0"/>
+              <a:rPr lang="pt-BR" sz="2000" dirty="0"/>
               <a:t>        ==&gt;</a:t>
             </a:r>
           </a:p>
@@ -7966,8 +7808,8 @@
               <a:buNone/>
             </a:pPr>
             <a:r>
-              <a:rPr lang="en-US" sz="1800" dirty="0"/>
-              <a:t>        RT3 -&gt; WM2</a:t>
+              <a:rPr lang="en-US" sz="2000" dirty="0"/>
+              <a:t>        count-fact -&gt; RT1</a:t>
             </a:r>
           </a:p>
           <a:p>
@@ -7975,8 +7817,8 @@
               <a:buNone/>
             </a:pPr>
             <a:r>
-              <a:rPr lang="en-US" sz="1800" dirty="0"/>
-              <a:t>        nil -&gt; G2</a:t>
+              <a:rPr lang="en-US" sz="2000" dirty="0"/>
+              <a:t>        WM2 -&gt; RT2</a:t>
             </a:r>
           </a:p>
           <a:p>
@@ -7984,43 +7826,28 @@
               <a:buNone/>
             </a:pPr>
             <a:r>
-              <a:rPr lang="en-US" sz="1800" dirty="0"/>
-              <a:t>        wait -&gt; AC1</a:t>
-            </a:r>
-          </a:p>
-          <a:p>
-            <a:pPr marL="0" indent="0">
-              <a:buNone/>
-            </a:pPr>
-            <a:r>
-              <a:rPr lang="en-US" sz="1800" dirty="0"/>
+              <a:rPr lang="en-US" sz="2000" dirty="0"/>
               <a:t>    }</a:t>
             </a:r>
-          </a:p>
-          <a:p>
-            <a:pPr marL="0" indent="0">
-              <a:buNone/>
-            </a:pPr>
-            <a:endParaRPr lang="en-US" sz="1800" dirty="0"/>
           </a:p>
         </p:txBody>
       </p:sp>
     </p:spTree>
     <p:extLst>
       <p:ext uri="{BB962C8B-B14F-4D97-AF65-F5344CB8AC3E}">
-        <p14:creationId xmlns:p14="http://schemas.microsoft.com/office/powerpoint/2010/main" val="675601765"/>
+        <p14:creationId xmlns:p14="http://schemas.microsoft.com/office/powerpoint/2010/main" val="88131697"/>
       </p:ext>
     </p:extLst>
   </p:cSld>
   <p:clrMapOvr>
     <a:masterClrMapping/>
   </p:clrMapOvr>
-  <p:transition xmlns:p14="http://schemas.microsoft.com/office/powerpoint/2010/main"/>
+  <p:transition/>
 </p:sld>
 </file>
 
 <file path=ppt/slides/slide14.xml><?xml version="1.0" encoding="utf-8"?>
-<p:sld xmlns:a="http://schemas.openxmlformats.org/drawingml/2006/main" xmlns:r="http://schemas.openxmlformats.org/officeDocument/2006/relationships" xmlns:p="http://schemas.openxmlformats.org/presentationml/2006/main">
+<p:sld xmlns:a="http://schemas.openxmlformats.org/drawingml/2006/main" xmlns:r="http://schemas.openxmlformats.org/officeDocument/2006/relationships" xmlns:p="http://schemas.openxmlformats.org/presentationml/2006/main" show="0">
   <p:cSld>
     <p:spTree>
       <p:nvGrpSpPr>
@@ -8065,7 +7892,12 @@
             <p:ph sz="half" idx="1"/>
           </p:nvPr>
         </p:nvSpPr>
-        <p:spPr/>
+        <p:spPr>
+          <a:xfrm>
+            <a:off x="685799" y="1981200"/>
+            <a:ext cx="7910663" cy="4114800"/>
+          </a:xfrm>
+        </p:spPr>
         <p:txBody>
           <a:bodyPr>
             <a:normAutofit/>
@@ -8077,7 +7909,7 @@
             </a:pPr>
             <a:r>
               <a:rPr lang="en-US" sz="1800" dirty="0"/>
-              <a:t>operator determine-next-task-decide-to-switch {</a:t>
+              <a:t> operator determine-next-task-decide-to-stay {</a:t>
             </a:r>
           </a:p>
           <a:p>
@@ -8095,7 +7927,7 @@
             </a:pPr>
             <a:r>
               <a:rPr lang="en-US" sz="1800" dirty="0"/>
-              <a:t>        RT3 = three</a:t>
+              <a:t>        RT3 = two</a:t>
             </a:r>
           </a:p>
           <a:p>
@@ -8113,7 +7945,7 @@
             </a:pPr>
             <a:r>
               <a:rPr lang="en-US" sz="1800" dirty="0"/>
-              <a:t>        one -&gt; WM2</a:t>
+              <a:t>        RT3 -&gt; WM2</a:t>
             </a:r>
           </a:p>
           <a:p>
@@ -8122,32 +7954,16 @@
             </a:pPr>
             <a:r>
               <a:rPr lang="en-US" sz="1800" dirty="0"/>
-              <a:t>        </a:t>
-            </a:r>
-            <a:r>
-              <a:rPr lang="en-US" sz="1800" dirty="0" err="1"/>
-              <a:t>othertask</a:t>
-            </a:r>
+              <a:t>        nil -&gt; G2</a:t>
+            </a:r>
+          </a:p>
+          <a:p>
+            <a:pPr marL="0" indent="0">
+              <a:buNone/>
+            </a:pPr>
             <a:r>
               <a:rPr lang="en-US" sz="1800" dirty="0"/>
-              <a:t> -&gt; RT1</a:t>
-            </a:r>
-          </a:p>
-          <a:p>
-            <a:pPr marL="0" indent="0">
-              <a:buNone/>
-            </a:pPr>
-            <a:r>
-              <a:rPr lang="en-US" sz="1800" dirty="0"/>
-              <a:t>        </a:t>
-            </a:r>
-            <a:r>
-              <a:rPr lang="en-US" sz="1800" dirty="0" smtClean="0"/>
-              <a:t>G1 -</a:t>
-            </a:r>
-            <a:r>
-              <a:rPr lang="en-US" sz="1800" dirty="0"/>
-              <a:t>&gt; RT2</a:t>
+              <a:t>        wait -&gt; AC1</a:t>
             </a:r>
           </a:p>
           <a:p>
@@ -8164,114 +7980,25 @@
               <a:buNone/>
             </a:pPr>
             <a:endParaRPr lang="en-US" sz="1800" dirty="0"/>
-          </a:p>
-        </p:txBody>
-      </p:sp>
-      <p:sp>
-        <p:nvSpPr>
-          <p:cNvPr id="11" name="Content Placeholder 10"/>
-          <p:cNvSpPr>
-            <a:spLocks noGrp="1"/>
-          </p:cNvSpPr>
-          <p:nvPr>
-            <p:ph sz="half" idx="2"/>
-          </p:nvPr>
-        </p:nvSpPr>
-        <p:spPr/>
-        <p:txBody>
-          <a:bodyPr/>
-          <a:lstStyle/>
-          <a:p>
-            <a:pPr marL="0" indent="0">
-              <a:buNone/>
-            </a:pPr>
-            <a:r>
-              <a:rPr lang="en-US" sz="1800" dirty="0"/>
-              <a:t>operator set-other-task {</a:t>
-            </a:r>
-          </a:p>
-          <a:p>
-            <a:pPr marL="0" indent="0">
-              <a:buNone/>
-            </a:pPr>
-            <a:r>
-              <a:rPr lang="en-US" sz="1800" dirty="0"/>
-              <a:t>        RT1 = </a:t>
-            </a:r>
-            <a:r>
-              <a:rPr lang="en-US" sz="1800" dirty="0" err="1"/>
-              <a:t>othertask</a:t>
-            </a:r>
-            <a:endParaRPr lang="en-US" sz="1800" dirty="0"/>
-          </a:p>
-          <a:p>
-            <a:pPr marL="0" indent="0">
-              <a:buNone/>
-            </a:pPr>
-            <a:r>
-              <a:rPr lang="en-US" sz="1800" dirty="0"/>
-              <a:t>        ==&gt;</a:t>
-            </a:r>
-          </a:p>
-          <a:p>
-            <a:pPr marL="0" indent="0">
-              <a:buNone/>
-            </a:pPr>
-            <a:r>
-              <a:rPr lang="en-US" sz="1800" dirty="0"/>
-              <a:t>        RT3 -&gt; </a:t>
-            </a:r>
-            <a:r>
-              <a:rPr lang="en-US" sz="1800" dirty="0" smtClean="0"/>
-              <a:t>G1</a:t>
-            </a:r>
-            <a:endParaRPr lang="en-US" sz="1800" dirty="0"/>
-          </a:p>
-          <a:p>
-            <a:pPr marL="0" indent="0">
-              <a:buNone/>
-            </a:pPr>
-            <a:r>
-              <a:rPr lang="en-US" sz="1800" dirty="0"/>
-              <a:t>        nil -&gt; G2</a:t>
-            </a:r>
-          </a:p>
-          <a:p>
-            <a:pPr marL="0" indent="0">
-              <a:buNone/>
-            </a:pPr>
-            <a:r>
-              <a:rPr lang="en-US" sz="1800" dirty="0"/>
-              <a:t>        wait -&gt; AC1</a:t>
-            </a:r>
-          </a:p>
-          <a:p>
-            <a:pPr marL="0" indent="0">
-              <a:buNone/>
-            </a:pPr>
-            <a:r>
-              <a:rPr lang="en-US" sz="1800" dirty="0"/>
-              <a:t>    }</a:t>
-            </a:r>
           </a:p>
         </p:txBody>
       </p:sp>
     </p:spTree>
     <p:extLst>
       <p:ext uri="{BB962C8B-B14F-4D97-AF65-F5344CB8AC3E}">
-        <p14:creationId xmlns:p14="http://schemas.microsoft.com/office/powerpoint/2010/main" val="2591086162"/>
+        <p14:creationId xmlns:p14="http://schemas.microsoft.com/office/powerpoint/2010/main" val="675601765"/>
       </p:ext>
     </p:extLst>
   </p:cSld>
   <p:clrMapOvr>
     <a:masterClrMapping/>
   </p:clrMapOvr>
-  <p:transition xmlns:p14="http://schemas.microsoft.com/office/powerpoint/2010/main"/>
+  <p:transition/>
 </p:sld>
 </file>
 
 <file path=ppt/slides/slide15.xml><?xml version="1.0" encoding="utf-8"?>
-<p:sld xmlns:a="http://schemas.openxmlformats.org/drawingml/2006/main" xmlns:r="http://schemas.openxmlformats.org/officeDocument/2006/relationships" xmlns:p="http://schemas.openxmlformats.org/presentationml/2006/main">
+<p:sld xmlns:a="http://schemas.openxmlformats.org/drawingml/2006/main" xmlns:r="http://schemas.openxmlformats.org/officeDocument/2006/relationships" xmlns:p="http://schemas.openxmlformats.org/presentationml/2006/main" show="0">
   <p:cSld>
     <p:spTree>
       <p:nvGrpSpPr>
@@ -8289,7 +8016,7 @@
       </p:grpSpPr>
       <p:sp>
         <p:nvSpPr>
-          <p:cNvPr id="2" name="Title 1"/>
+          <p:cNvPr id="9" name="Title 8"/>
           <p:cNvSpPr>
             <a:spLocks noGrp="1"/>
           </p:cNvSpPr>
@@ -8302,22 +8029,122 @@
           <a:bodyPr/>
           <a:lstStyle/>
           <a:p>
-            <a:r>
-              <a:rPr lang="en-US" dirty="0" smtClean="0"/>
-              <a:t>Two choices for preparation in Stroop</a:t>
-            </a:r>
-            <a:endParaRPr lang="en-US" dirty="0"/>
-          </a:p>
-        </p:txBody>
-      </p:sp>
-      <p:sp>
-        <p:nvSpPr>
-          <p:cNvPr id="6" name="Content Placeholder 5"/>
+            <a:endParaRPr lang="en-US"/>
+          </a:p>
+        </p:txBody>
+      </p:sp>
+      <p:sp>
+        <p:nvSpPr>
+          <p:cNvPr id="10" name="Content Placeholder 9"/>
           <p:cNvSpPr>
             <a:spLocks noGrp="1"/>
           </p:cNvSpPr>
           <p:nvPr>
-            <p:ph idx="1"/>
+            <p:ph sz="half" idx="1"/>
+          </p:nvPr>
+        </p:nvSpPr>
+        <p:spPr/>
+        <p:txBody>
+          <a:bodyPr>
+            <a:normAutofit/>
+          </a:bodyPr>
+          <a:lstStyle/>
+          <a:p>
+            <a:pPr marL="0" indent="0">
+              <a:buNone/>
+            </a:pPr>
+            <a:r>
+              <a:rPr lang="en-US" sz="1800" dirty="0"/>
+              <a:t>operator determine-next-task-decide-to-switch {</a:t>
+            </a:r>
+          </a:p>
+          <a:p>
+            <a:pPr marL="0" indent="0">
+              <a:buNone/>
+            </a:pPr>
+            <a:r>
+              <a:rPr lang="en-US" sz="1800" dirty="0"/>
+              <a:t>        RT1 = count-fact</a:t>
+            </a:r>
+          </a:p>
+          <a:p>
+            <a:pPr marL="0" indent="0">
+              <a:buNone/>
+            </a:pPr>
+            <a:r>
+              <a:rPr lang="en-US" sz="1800" dirty="0"/>
+              <a:t>        RT3 = three</a:t>
+            </a:r>
+          </a:p>
+          <a:p>
+            <a:pPr marL="0" indent="0">
+              <a:buNone/>
+            </a:pPr>
+            <a:r>
+              <a:rPr lang="en-US" sz="1800" dirty="0"/>
+              <a:t>        ==&gt;</a:t>
+            </a:r>
+          </a:p>
+          <a:p>
+            <a:pPr marL="0" indent="0">
+              <a:buNone/>
+            </a:pPr>
+            <a:r>
+              <a:rPr lang="en-US" sz="1800" dirty="0"/>
+              <a:t>        one -&gt; WM2</a:t>
+            </a:r>
+          </a:p>
+          <a:p>
+            <a:pPr marL="0" indent="0">
+              <a:buNone/>
+            </a:pPr>
+            <a:r>
+              <a:rPr lang="en-US" sz="1800" dirty="0"/>
+              <a:t>        </a:t>
+            </a:r>
+            <a:r>
+              <a:rPr lang="en-US" sz="1800" dirty="0" err="1"/>
+              <a:t>othertask</a:t>
+            </a:r>
+            <a:r>
+              <a:rPr lang="en-US" sz="1800" dirty="0"/>
+              <a:t> -&gt; RT1</a:t>
+            </a:r>
+          </a:p>
+          <a:p>
+            <a:pPr marL="0" indent="0">
+              <a:buNone/>
+            </a:pPr>
+            <a:r>
+              <a:rPr lang="en-US" sz="1800" dirty="0"/>
+              <a:t>        G1 -&gt; RT2</a:t>
+            </a:r>
+          </a:p>
+          <a:p>
+            <a:pPr marL="0" indent="0">
+              <a:buNone/>
+            </a:pPr>
+            <a:r>
+              <a:rPr lang="en-US" sz="1800" dirty="0"/>
+              <a:t>    }</a:t>
+            </a:r>
+          </a:p>
+          <a:p>
+            <a:pPr marL="0" indent="0">
+              <a:buNone/>
+            </a:pPr>
+            <a:endParaRPr lang="en-US" sz="1800" dirty="0"/>
+          </a:p>
+        </p:txBody>
+      </p:sp>
+      <p:sp>
+        <p:nvSpPr>
+          <p:cNvPr id="11" name="Content Placeholder 10"/>
+          <p:cNvSpPr>
+            <a:spLocks noGrp="1"/>
+          </p:cNvSpPr>
+          <p:nvPr>
+            <p:ph sz="half" idx="2"/>
           </p:nvPr>
         </p:nvSpPr>
         <p:spPr/>
@@ -8325,44 +8152,91 @@
           <a:bodyPr/>
           <a:lstStyle/>
           <a:p>
-            <a:r>
-              <a:rPr lang="en-US" dirty="0" smtClean="0"/>
-              <a:t>Each choice is in a separate goal that is not initially associated with Stroop:</a:t>
-            </a:r>
-          </a:p>
-          <a:p>
-            <a:pPr lvl="1"/>
-            <a:r>
-              <a:rPr lang="en-US" dirty="0" smtClean="0"/>
-              <a:t>default attend</a:t>
-            </a:r>
-          </a:p>
-          <a:p>
-            <a:pPr lvl="1"/>
-            <a:r>
-              <a:rPr lang="en-US" dirty="0" smtClean="0"/>
-              <a:t>attend color</a:t>
-            </a:r>
-            <a:endParaRPr lang="en-US" dirty="0"/>
+            <a:pPr marL="0" indent="0">
+              <a:buNone/>
+            </a:pPr>
+            <a:r>
+              <a:rPr lang="en-US" sz="1800" dirty="0"/>
+              <a:t>operator set-other-task {</a:t>
+            </a:r>
+          </a:p>
+          <a:p>
+            <a:pPr marL="0" indent="0">
+              <a:buNone/>
+            </a:pPr>
+            <a:r>
+              <a:rPr lang="en-US" sz="1800" dirty="0"/>
+              <a:t>        RT1 = </a:t>
+            </a:r>
+            <a:r>
+              <a:rPr lang="en-US" sz="1800" dirty="0" err="1"/>
+              <a:t>othertask</a:t>
+            </a:r>
+            <a:endParaRPr lang="en-US" sz="1800" dirty="0"/>
+          </a:p>
+          <a:p>
+            <a:pPr marL="0" indent="0">
+              <a:buNone/>
+            </a:pPr>
+            <a:r>
+              <a:rPr lang="en-US" sz="1800" dirty="0"/>
+              <a:t>        ==&gt;</a:t>
+            </a:r>
+          </a:p>
+          <a:p>
+            <a:pPr marL="0" indent="0">
+              <a:buNone/>
+            </a:pPr>
+            <a:r>
+              <a:rPr lang="en-US" sz="1800" dirty="0"/>
+              <a:t>        RT3 -&gt; G1</a:t>
+            </a:r>
+          </a:p>
+          <a:p>
+            <a:pPr marL="0" indent="0">
+              <a:buNone/>
+            </a:pPr>
+            <a:r>
+              <a:rPr lang="en-US" sz="1800" dirty="0"/>
+              <a:t>        nil -&gt; G2</a:t>
+            </a:r>
+          </a:p>
+          <a:p>
+            <a:pPr marL="0" indent="0">
+              <a:buNone/>
+            </a:pPr>
+            <a:r>
+              <a:rPr lang="en-US" sz="1800" dirty="0"/>
+              <a:t>        wait -&gt; AC1</a:t>
+            </a:r>
+          </a:p>
+          <a:p>
+            <a:pPr marL="0" indent="0">
+              <a:buNone/>
+            </a:pPr>
+            <a:r>
+              <a:rPr lang="en-US" sz="1800" dirty="0"/>
+              <a:t>    }</a:t>
+            </a:r>
           </a:p>
         </p:txBody>
       </p:sp>
     </p:spTree>
     <p:extLst>
       <p:ext uri="{BB962C8B-B14F-4D97-AF65-F5344CB8AC3E}">
-        <p14:creationId xmlns:p14="http://schemas.microsoft.com/office/powerpoint/2010/main" val="1495122094"/>
+        <p14:creationId xmlns:p14="http://schemas.microsoft.com/office/powerpoint/2010/main" val="2591086162"/>
       </p:ext>
     </p:extLst>
   </p:cSld>
   <p:clrMapOvr>
     <a:masterClrMapping/>
   </p:clrMapOvr>
-  <p:transition xmlns:p14="http://schemas.microsoft.com/office/powerpoint/2010/main"/>
+  <p:transition/>
 </p:sld>
 </file>
 
 <file path=ppt/slides/slide16.xml><?xml version="1.0" encoding="utf-8"?>
-<p:sld xmlns:a="http://schemas.openxmlformats.org/drawingml/2006/main" xmlns:r="http://schemas.openxmlformats.org/officeDocument/2006/relationships" xmlns:p="http://schemas.openxmlformats.org/presentationml/2006/main">
+<p:sld xmlns:a="http://schemas.openxmlformats.org/drawingml/2006/main" xmlns:r="http://schemas.openxmlformats.org/officeDocument/2006/relationships" xmlns:p="http://schemas.openxmlformats.org/presentationml/2006/main" show="0">
   <p:cSld>
     <p:spTree>
       <p:nvGrpSpPr>
@@ -8394,10 +8268,9 @@
           <a:lstStyle/>
           <a:p>
             <a:r>
-              <a:rPr lang="en-US" dirty="0" smtClean="0"/>
-              <a:t>In Stroop we need to do a similar thing</a:t>
-            </a:r>
-            <a:endParaRPr lang="en-US" dirty="0"/>
+              <a:rPr lang="en-US" dirty="0"/>
+              <a:t>Two choices for preparation in Stroop</a:t>
+            </a:r>
           </a:p>
         </p:txBody>
       </p:sp>
@@ -8408,7 +8281,7 @@
             <a:spLocks noGrp="1"/>
           </p:cNvSpPr>
           <p:nvPr>
-            <p:ph sz="half" idx="1"/>
+            <p:ph idx="1"/>
           </p:nvPr>
         </p:nvSpPr>
         <p:spPr/>
@@ -8416,229 +8289,23 @@
           <a:bodyPr/>
           <a:lstStyle/>
           <a:p>
-            <a:pPr marL="0" indent="0">
-              <a:buNone/>
-            </a:pPr>
-            <a:r>
-              <a:rPr lang="en-US" sz="1800" dirty="0" smtClean="0"/>
-              <a:t>operator prepare-for-stimulus </a:t>
-            </a:r>
-            <a:r>
-              <a:rPr lang="en-US" sz="1800" dirty="0"/>
-              <a:t>{</a:t>
-            </a:r>
-          </a:p>
-          <a:p>
-            <a:pPr marL="0" indent="0">
-              <a:buNone/>
-            </a:pPr>
-            <a:r>
-              <a:rPr lang="pt-BR" sz="1800" dirty="0" smtClean="0"/>
-              <a:t>   V1 = </a:t>
-            </a:r>
-            <a:r>
-              <a:rPr lang="pt-BR" sz="1800" dirty="0" err="1" smtClean="0"/>
-              <a:t>fixation</a:t>
-            </a:r>
-            <a:endParaRPr lang="pt-BR" sz="1800" dirty="0" smtClean="0"/>
-          </a:p>
-          <a:p>
-            <a:pPr marL="0" indent="0">
-              <a:buNone/>
-            </a:pPr>
-            <a:r>
-              <a:rPr lang="pt-BR" sz="1800" dirty="0" smtClean="0"/>
-              <a:t>   G2 = </a:t>
-            </a:r>
-            <a:r>
-              <a:rPr lang="pt-BR" sz="1800" dirty="0" err="1" smtClean="0"/>
-              <a:t>nil</a:t>
-            </a:r>
-            <a:endParaRPr lang="pt-BR" sz="1800" dirty="0" smtClean="0"/>
-          </a:p>
-          <a:p>
-            <a:pPr marL="0" indent="0">
-              <a:buNone/>
-            </a:pPr>
-            <a:r>
-              <a:rPr lang="pt-BR" sz="1800" dirty="0" smtClean="0"/>
-              <a:t>    ==&gt;</a:t>
-            </a:r>
-          </a:p>
-          <a:p>
-            <a:pPr marL="0" indent="0">
-              <a:buNone/>
-            </a:pPr>
-            <a:r>
-              <a:rPr lang="ro-RO" sz="1800" dirty="0" smtClean="0"/>
-              <a:t>   *prepare -&gt; G2</a:t>
-            </a:r>
-          </a:p>
-          <a:p>
-            <a:pPr marL="0" indent="0">
-              <a:buNone/>
-            </a:pPr>
-            <a:r>
-              <a:rPr lang="ro-RO" sz="1800" dirty="0" smtClean="0"/>
-              <a:t> </a:t>
-            </a:r>
-            <a:r>
-              <a:rPr lang="en-US" sz="1800" dirty="0" smtClean="0"/>
-              <a:t>}</a:t>
-            </a:r>
-          </a:p>
-          <a:p>
-            <a:pPr marL="0" indent="0">
-              <a:buNone/>
-            </a:pPr>
-            <a:endParaRPr lang="en-US" sz="1800" dirty="0"/>
-          </a:p>
-          <a:p>
-            <a:pPr marL="0" indent="0">
-              <a:buNone/>
-            </a:pPr>
-            <a:r>
-              <a:rPr lang="en-US" sz="1800" dirty="0" smtClean="0"/>
-              <a:t>Now prepare is bound to focus-color</a:t>
-            </a:r>
-            <a:endParaRPr lang="en-US" sz="1800" dirty="0"/>
-          </a:p>
-        </p:txBody>
-      </p:sp>
-      <p:sp>
-        <p:nvSpPr>
-          <p:cNvPr id="7" name="Content Placeholder 6"/>
-          <p:cNvSpPr>
-            <a:spLocks noGrp="1"/>
-          </p:cNvSpPr>
-          <p:nvPr>
-            <p:ph sz="half" idx="2"/>
-          </p:nvPr>
-        </p:nvSpPr>
-        <p:spPr>
-          <a:xfrm>
-            <a:off x="4648199" y="1981200"/>
-            <a:ext cx="4137113" cy="4114800"/>
-          </a:xfrm>
-        </p:spPr>
-        <p:txBody>
-          <a:bodyPr/>
-          <a:lstStyle/>
-          <a:p>
-            <a:pPr marL="0" indent="0">
-              <a:buNone/>
-            </a:pPr>
-            <a:r>
-              <a:rPr lang="en-US" sz="1800" dirty="0"/>
-              <a:t>define </a:t>
-            </a:r>
-            <a:r>
-              <a:rPr lang="en-US" sz="1800" dirty="0" smtClean="0"/>
-              <a:t>skill focus-color </a:t>
-            </a:r>
-            <a:r>
-              <a:rPr lang="en-US" sz="1800" dirty="0"/>
-              <a:t>{</a:t>
-            </a:r>
-          </a:p>
-          <a:p>
-            <a:pPr marL="0" indent="0">
-              <a:buNone/>
-            </a:pPr>
-            <a:r>
-              <a:rPr lang="en-US" sz="1800" dirty="0"/>
-              <a:t> </a:t>
-            </a:r>
-            <a:r>
-              <a:rPr lang="en-US" sz="1800" dirty="0" smtClean="0"/>
-              <a:t>operator attend-just-color </a:t>
-            </a:r>
-            <a:r>
-              <a:rPr lang="en-US" sz="1800" dirty="0"/>
-              <a:t>{</a:t>
-            </a:r>
-          </a:p>
-          <a:p>
-            <a:pPr marL="0" indent="0">
-              <a:buNone/>
-            </a:pPr>
-            <a:r>
-              <a:rPr lang="en-US" sz="1800" dirty="0"/>
-              <a:t>  </a:t>
-            </a:r>
-            <a:r>
-              <a:rPr lang="en-US" sz="1800" dirty="0" smtClean="0"/>
-              <a:t>   </a:t>
-            </a:r>
-            <a:r>
-              <a:rPr lang="en-US" sz="1800" dirty="0"/>
-              <a:t>V1 = </a:t>
-            </a:r>
-            <a:r>
-              <a:rPr lang="en-US" sz="1800" dirty="0" err="1"/>
-              <a:t>stim</a:t>
-            </a:r>
-            <a:endParaRPr lang="en-US" sz="1800" dirty="0"/>
-          </a:p>
-          <a:p>
-            <a:pPr marL="0" indent="0">
-              <a:buNone/>
-            </a:pPr>
-            <a:r>
-              <a:rPr lang="en-US" sz="1800" dirty="0"/>
-              <a:t> </a:t>
-            </a:r>
-            <a:r>
-              <a:rPr lang="en-US" sz="1800" dirty="0" smtClean="0"/>
-              <a:t>    </a:t>
-            </a:r>
-            <a:r>
-              <a:rPr lang="en-US" sz="1800" dirty="0"/>
-              <a:t>V2 = nil</a:t>
-            </a:r>
-          </a:p>
-          <a:p>
-            <a:pPr marL="0" indent="0">
-              <a:buNone/>
-            </a:pPr>
-            <a:r>
-              <a:rPr lang="en-US" sz="1800" dirty="0"/>
-              <a:t> </a:t>
-            </a:r>
-            <a:r>
-              <a:rPr lang="en-US" sz="1800" dirty="0" smtClean="0"/>
-              <a:t>    ==&gt; </a:t>
-            </a:r>
-          </a:p>
-          <a:p>
-            <a:pPr marL="0" indent="0">
-              <a:buNone/>
-            </a:pPr>
-            <a:r>
-              <a:rPr lang="en-US" sz="1800" dirty="0" smtClean="0"/>
-              <a:t>     attend-color </a:t>
-            </a:r>
-            <a:r>
-              <a:rPr lang="en-US" sz="1800" dirty="0"/>
-              <a:t>-&gt; AC1</a:t>
-            </a:r>
-          </a:p>
-          <a:p>
-            <a:pPr marL="0" indent="0">
-              <a:buNone/>
-            </a:pPr>
-            <a:r>
-              <a:rPr lang="en-US" sz="1800" dirty="0"/>
-              <a:t>    }</a:t>
-            </a:r>
-          </a:p>
-          <a:p>
-            <a:pPr marL="0" indent="0">
-              <a:buNone/>
-            </a:pPr>
-            <a:r>
-              <a:rPr lang="en-US" sz="1800" dirty="0"/>
-              <a:t>}</a:t>
+            <a:r>
+              <a:rPr lang="en-US" dirty="0"/>
+              <a:t>Each choice is in a separate goal that is not initially associated with Stroop:</a:t>
+            </a:r>
+          </a:p>
+          <a:p>
+            <a:pPr lvl="1"/>
+            <a:r>
+              <a:rPr lang="en-US" dirty="0"/>
+              <a:t>default attend</a:t>
+            </a:r>
+          </a:p>
+          <a:p>
+            <a:pPr lvl="1"/>
+            <a:r>
+              <a:rPr lang="en-US" dirty="0"/>
+              <a:t>attend color</a:t>
             </a:r>
           </a:p>
         </p:txBody>
@@ -8646,19 +8313,19 @@
     </p:spTree>
     <p:extLst>
       <p:ext uri="{BB962C8B-B14F-4D97-AF65-F5344CB8AC3E}">
-        <p14:creationId xmlns:p14="http://schemas.microsoft.com/office/powerpoint/2010/main" val="1017321905"/>
+        <p14:creationId xmlns:p14="http://schemas.microsoft.com/office/powerpoint/2010/main" val="1495122094"/>
       </p:ext>
     </p:extLst>
   </p:cSld>
   <p:clrMapOvr>
     <a:masterClrMapping/>
   </p:clrMapOvr>
-  <p:transition xmlns:p14="http://schemas.microsoft.com/office/powerpoint/2010/main"/>
+  <p:transition/>
 </p:sld>
 </file>
 
 <file path=ppt/slides/slide17.xml><?xml version="1.0" encoding="utf-8"?>
-<p:sld xmlns:a="http://schemas.openxmlformats.org/drawingml/2006/main" xmlns:r="http://schemas.openxmlformats.org/officeDocument/2006/relationships" xmlns:p="http://schemas.openxmlformats.org/presentationml/2006/main">
+<p:sld xmlns:a="http://schemas.openxmlformats.org/drawingml/2006/main" xmlns:r="http://schemas.openxmlformats.org/officeDocument/2006/relationships" xmlns:p="http://schemas.openxmlformats.org/presentationml/2006/main" show="0">
   <p:cSld>
     <p:spTree>
       <p:nvGrpSpPr>
@@ -8690,16 +8357,15 @@
           <a:lstStyle/>
           <a:p>
             <a:r>
-              <a:rPr lang="en-US" dirty="0" smtClean="0"/>
-              <a:t>Competition</a:t>
-            </a:r>
-            <a:endParaRPr lang="en-US" dirty="0"/>
-          </a:p>
-        </p:txBody>
-      </p:sp>
-      <p:sp>
-        <p:nvSpPr>
-          <p:cNvPr id="3" name="Content Placeholder 2"/>
+              <a:rPr lang="en-US" dirty="0"/>
+              <a:t>In Stroop we need to do a similar thing</a:t>
+            </a:r>
+          </a:p>
+        </p:txBody>
+      </p:sp>
+      <p:sp>
+        <p:nvSpPr>
+          <p:cNvPr id="6" name="Content Placeholder 5"/>
           <p:cNvSpPr>
             <a:spLocks noGrp="1"/>
           </p:cNvSpPr>
@@ -8717,7 +8383,7 @@
             </a:pPr>
             <a:r>
               <a:rPr lang="en-US" sz="1800" dirty="0"/>
-              <a:t> operator attend-just-color {</a:t>
+              <a:t>operator prepare-for-stimulus {</a:t>
             </a:r>
           </a:p>
           <a:p>
@@ -8725,13 +8391,64 @@
               <a:buNone/>
             </a:pPr>
             <a:r>
+              <a:rPr lang="pt-BR" sz="1800" dirty="0"/>
+              <a:t>   V1 = </a:t>
+            </a:r>
+            <a:r>
+              <a:rPr lang="pt-BR" sz="1800" dirty="0" err="1"/>
+              <a:t>fixation</a:t>
+            </a:r>
+            <a:endParaRPr lang="pt-BR" sz="1800" dirty="0"/>
+          </a:p>
+          <a:p>
+            <a:pPr marL="0" indent="0">
+              <a:buNone/>
+            </a:pPr>
+            <a:r>
+              <a:rPr lang="pt-BR" sz="1800" dirty="0"/>
+              <a:t>   G2 = </a:t>
+            </a:r>
+            <a:r>
+              <a:rPr lang="pt-BR" sz="1800" dirty="0" err="1"/>
+              <a:t>nil</a:t>
+            </a:r>
+            <a:endParaRPr lang="pt-BR" sz="1800" dirty="0"/>
+          </a:p>
+          <a:p>
+            <a:pPr marL="0" indent="0">
+              <a:buNone/>
+            </a:pPr>
+            <a:r>
+              <a:rPr lang="pt-BR" sz="1800" dirty="0"/>
+              <a:t>    ==&gt;</a:t>
+            </a:r>
+          </a:p>
+          <a:p>
+            <a:pPr marL="0" indent="0">
+              <a:buNone/>
+            </a:pPr>
+            <a:r>
+              <a:rPr lang="ro-RO" sz="1800" dirty="0"/>
+              <a:t>   *prepare -&gt; G2</a:t>
+            </a:r>
+          </a:p>
+          <a:p>
+            <a:pPr marL="0" indent="0">
+              <a:buNone/>
+            </a:pPr>
+            <a:r>
+              <a:rPr lang="ro-RO" sz="1800" dirty="0"/>
+              <a:t> </a:t>
+            </a:r>
+            <a:r>
               <a:rPr lang="en-US" sz="1800" dirty="0"/>
-              <a:t>     V1 = </a:t>
-            </a:r>
-            <a:r>
-              <a:rPr lang="en-US" sz="1800" dirty="0" err="1"/>
-              <a:t>stim</a:t>
-            </a:r>
+              <a:t>}</a:t>
+            </a:r>
+          </a:p>
+          <a:p>
+            <a:pPr marL="0" indent="0">
+              <a:buNone/>
+            </a:pPr>
             <a:endParaRPr lang="en-US" sz="1800" dirty="0"/>
           </a:p>
           <a:p>
@@ -8740,41 +8457,14 @@
             </a:pPr>
             <a:r>
               <a:rPr lang="en-US" sz="1800" dirty="0"/>
-              <a:t>     V2 = nil</a:t>
-            </a:r>
-          </a:p>
-          <a:p>
-            <a:pPr marL="0" indent="0">
-              <a:buNone/>
-            </a:pPr>
-            <a:r>
-              <a:rPr lang="en-US" sz="1800" dirty="0"/>
-              <a:t>     ==&gt; </a:t>
-            </a:r>
-          </a:p>
-          <a:p>
-            <a:pPr marL="0" indent="0">
-              <a:buNone/>
-            </a:pPr>
-            <a:r>
-              <a:rPr lang="en-US" sz="1800" dirty="0"/>
-              <a:t>     attend-color -&gt; AC1</a:t>
-            </a:r>
-          </a:p>
-          <a:p>
-            <a:pPr marL="0" indent="0">
-              <a:buNone/>
-            </a:pPr>
-            <a:r>
-              <a:rPr lang="en-US" sz="1800" dirty="0"/>
-              <a:t>    }</a:t>
-            </a:r>
-          </a:p>
-        </p:txBody>
-      </p:sp>
-      <p:sp>
-        <p:nvSpPr>
-          <p:cNvPr id="4" name="Content Placeholder 3"/>
+              <a:t>Now prepare is bound to focus-color</a:t>
+            </a:r>
+          </a:p>
+        </p:txBody>
+      </p:sp>
+      <p:sp>
+        <p:nvSpPr>
+          <p:cNvPr id="7" name="Content Placeholder 6"/>
           <p:cNvSpPr>
             <a:spLocks noGrp="1"/>
           </p:cNvSpPr>
@@ -8782,7 +8472,12 @@
             <p:ph sz="half" idx="2"/>
           </p:nvPr>
         </p:nvSpPr>
-        <p:spPr/>
+        <p:spPr>
+          <a:xfrm>
+            <a:off x="4648199" y="1981200"/>
+            <a:ext cx="4137113" cy="4114800"/>
+          </a:xfrm>
+        </p:spPr>
         <p:txBody>
           <a:bodyPr/>
           <a:lstStyle/>
@@ -8791,24 +8486,8 @@
               <a:buNone/>
             </a:pPr>
             <a:r>
-              <a:rPr lang="sv-SE" sz="1800" dirty="0"/>
-              <a:t> operator </a:t>
-            </a:r>
-            <a:r>
-              <a:rPr lang="sv-SE" sz="1800" dirty="0" err="1" smtClean="0"/>
-              <a:t>attend</a:t>
-            </a:r>
-            <a:r>
-              <a:rPr lang="sv-SE" sz="1800" dirty="0" smtClean="0"/>
-              <a:t> (</a:t>
-            </a:r>
-            <a:r>
-              <a:rPr lang="sv-SE" sz="1800" dirty="0" err="1"/>
-              <a:t>activation</a:t>
-            </a:r>
-            <a:r>
-              <a:rPr lang="sv-SE" sz="1800" dirty="0"/>
-              <a:t>=1.5) {</a:t>
+              <a:rPr lang="en-US" sz="1800" dirty="0"/>
+              <a:t>define skill focus-color {</a:t>
             </a:r>
           </a:p>
           <a:p>
@@ -8816,8 +8495,8 @@
               <a:buNone/>
             </a:pPr>
             <a:r>
-              <a:rPr lang="sv-SE" sz="1800" dirty="0"/>
-              <a:t>        V1 = stim</a:t>
+              <a:rPr lang="en-US" sz="1800" dirty="0"/>
+              <a:t> operator attend-just-color {</a:t>
             </a:r>
           </a:p>
           <a:p>
@@ -8825,22 +8504,22 @@
               <a:buNone/>
             </a:pPr>
             <a:r>
-              <a:rPr lang="sv-SE" sz="1800" dirty="0"/>
-              <a:t>        V2 = </a:t>
-            </a:r>
-            <a:r>
-              <a:rPr lang="sv-SE" sz="1800" dirty="0" err="1"/>
-              <a:t>nil</a:t>
-            </a:r>
-            <a:endParaRPr lang="sv-SE" sz="1800" dirty="0"/>
+              <a:rPr lang="en-US" sz="1800" dirty="0"/>
+              <a:t>     V1 = </a:t>
+            </a:r>
+            <a:r>
+              <a:rPr lang="en-US" sz="1800" dirty="0" err="1"/>
+              <a:t>stim</a:t>
+            </a:r>
+            <a:endParaRPr lang="en-US" sz="1800" dirty="0"/>
           </a:p>
           <a:p>
             <a:pPr marL="0" indent="0">
               <a:buNone/>
             </a:pPr>
             <a:r>
-              <a:rPr lang="sv-SE" sz="1800" dirty="0"/>
-              <a:t>        ==&gt;</a:t>
+              <a:rPr lang="en-US" sz="1800" dirty="0"/>
+              <a:t>     V2 = nil</a:t>
             </a:r>
           </a:p>
           <a:p>
@@ -8848,16 +8527,8 @@
               <a:buNone/>
             </a:pPr>
             <a:r>
-              <a:rPr lang="sv-SE" sz="1800" dirty="0"/>
-              <a:t>        </a:t>
-            </a:r>
-            <a:r>
-              <a:rPr lang="sv-SE" sz="1800" dirty="0" err="1"/>
-              <a:t>attend</a:t>
-            </a:r>
-            <a:r>
-              <a:rPr lang="sv-SE" sz="1800" dirty="0"/>
-              <a:t> -&gt; AC1</a:t>
+              <a:rPr lang="en-US" sz="1800" dirty="0"/>
+              <a:t>     ==&gt; </a:t>
             </a:r>
           </a:p>
           <a:p>
@@ -8865,29 +8536,46 @@
               <a:buNone/>
             </a:pPr>
             <a:r>
-              <a:rPr lang="sv-SE" sz="1800" dirty="0"/>
+              <a:rPr lang="en-US" sz="1800" dirty="0"/>
+              <a:t>     attend-color -&gt; AC1</a:t>
+            </a:r>
+          </a:p>
+          <a:p>
+            <a:pPr marL="0" indent="0">
+              <a:buNone/>
+            </a:pPr>
+            <a:r>
+              <a:rPr lang="en-US" sz="1800" dirty="0"/>
               <a:t>    }</a:t>
             </a:r>
-            <a:endParaRPr lang="en-US" sz="1800" dirty="0"/>
+          </a:p>
+          <a:p>
+            <a:pPr marL="0" indent="0">
+              <a:buNone/>
+            </a:pPr>
+            <a:r>
+              <a:rPr lang="en-US" sz="1800" dirty="0"/>
+              <a:t>}</a:t>
+            </a:r>
           </a:p>
         </p:txBody>
       </p:sp>
     </p:spTree>
     <p:extLst>
       <p:ext uri="{BB962C8B-B14F-4D97-AF65-F5344CB8AC3E}">
-        <p14:creationId xmlns:p14="http://schemas.microsoft.com/office/powerpoint/2010/main" val="1686833066"/>
+        <p14:creationId xmlns:p14="http://schemas.microsoft.com/office/powerpoint/2010/main" val="1017321905"/>
       </p:ext>
     </p:extLst>
   </p:cSld>
   <p:clrMapOvr>
     <a:masterClrMapping/>
   </p:clrMapOvr>
-  <p:transition xmlns:p14="http://schemas.microsoft.com/office/powerpoint/2010/main"/>
+  <p:transition/>
 </p:sld>
 </file>
 
 <file path=ppt/slides/slide18.xml><?xml version="1.0" encoding="utf-8"?>
-<p:sld xmlns:a="http://schemas.openxmlformats.org/drawingml/2006/main" xmlns:r="http://schemas.openxmlformats.org/officeDocument/2006/relationships" xmlns:p="http://schemas.openxmlformats.org/presentationml/2006/main">
+<p:sld xmlns:a="http://schemas.openxmlformats.org/drawingml/2006/main" xmlns:r="http://schemas.openxmlformats.org/officeDocument/2006/relationships" xmlns:p="http://schemas.openxmlformats.org/presentationml/2006/main" show="0">
   <p:cSld>
     <p:spTree>
       <p:nvGrpSpPr>
@@ -8905,7 +8593,7 @@
       </p:grpSpPr>
       <p:sp>
         <p:nvSpPr>
-          <p:cNvPr id="5" name="Title 4"/>
+          <p:cNvPr id="2" name="Title 1"/>
           <p:cNvSpPr>
             <a:spLocks noGrp="1"/>
           </p:cNvSpPr>
@@ -8919,25 +8607,20 @@
           <a:lstStyle/>
           <a:p>
             <a:r>
-              <a:rPr lang="en-US" dirty="0" smtClean="0"/>
-              <a:t>Running the model multiple times: </a:t>
-            </a:r>
-            <a:r>
-              <a:rPr lang="en-US" dirty="0" err="1" smtClean="0"/>
-              <a:t>taskswitchstrooptransfer.bprims</a:t>
-            </a:r>
-            <a:endParaRPr lang="en-US" dirty="0"/>
-          </a:p>
-        </p:txBody>
-      </p:sp>
-      <p:sp>
-        <p:nvSpPr>
-          <p:cNvPr id="6" name="Content Placeholder 5"/>
+              <a:rPr lang="en-US" dirty="0"/>
+              <a:t>Competition</a:t>
+            </a:r>
+          </a:p>
+        </p:txBody>
+      </p:sp>
+      <p:sp>
+        <p:nvSpPr>
+          <p:cNvPr id="3" name="Content Placeholder 2"/>
           <p:cNvSpPr>
             <a:spLocks noGrp="1"/>
           </p:cNvSpPr>
           <p:nvPr>
-            <p:ph idx="1"/>
+            <p:ph sz="half" idx="1"/>
           </p:nvPr>
         </p:nvSpPr>
         <p:spPr/>
@@ -8949,8 +8632,8 @@
               <a:buNone/>
             </a:pPr>
             <a:r>
-              <a:rPr lang="en-US" dirty="0"/>
-              <a:t>repeat 10</a:t>
+              <a:rPr lang="en-US" sz="1800" dirty="0"/>
+              <a:t> operator attend-just-color {</a:t>
             </a:r>
           </a:p>
           <a:p>
@@ -8958,33 +8641,22 @@
               <a:buNone/>
             </a:pPr>
             <a:r>
-              <a:rPr lang="en-US" dirty="0"/>
-              <a:t>reset</a:t>
-            </a:r>
+              <a:rPr lang="en-US" sz="1800" dirty="0"/>
+              <a:t>     V1 = </a:t>
+            </a:r>
+            <a:r>
+              <a:rPr lang="en-US" sz="1800" dirty="0" err="1"/>
+              <a:t>stim</a:t>
+            </a:r>
+            <a:endParaRPr lang="en-US" sz="1800" dirty="0"/>
           </a:p>
           <a:p>
             <a:pPr marL="0" indent="0">
               <a:buNone/>
             </a:pPr>
             <a:r>
-              <a:rPr lang="en-US" dirty="0"/>
-              <a:t>run </a:t>
-            </a:r>
-            <a:r>
-              <a:rPr lang="en-US" dirty="0" err="1"/>
-              <a:t>stroop</a:t>
-            </a:r>
-            <a:r>
-              <a:rPr lang="en-US" dirty="0"/>
-              <a:t> </a:t>
-            </a:r>
-            <a:r>
-              <a:rPr lang="en-US" dirty="0" err="1"/>
-              <a:t>stroopcontrol</a:t>
-            </a:r>
-            <a:r>
-              <a:rPr lang="en-US" dirty="0"/>
-              <a:t> 50</a:t>
+              <a:rPr lang="en-US" sz="1800" dirty="0"/>
+              <a:t>     V2 = nil</a:t>
             </a:r>
           </a:p>
           <a:p>
@@ -8992,8 +8664,8 @@
               <a:buNone/>
             </a:pPr>
             <a:r>
-              <a:rPr lang="en-US" dirty="0"/>
-              <a:t>reset</a:t>
+              <a:rPr lang="en-US" sz="1800" dirty="0"/>
+              <a:t>     ==&gt; </a:t>
             </a:r>
           </a:p>
           <a:p>
@@ -9001,24 +8673,8 @@
               <a:buNone/>
             </a:pPr>
             <a:r>
-              <a:rPr lang="en-US" dirty="0"/>
-              <a:t>run </a:t>
-            </a:r>
-            <a:r>
-              <a:rPr lang="en-US" dirty="0" err="1"/>
-              <a:t>taskswitching</a:t>
-            </a:r>
-            <a:r>
-              <a:rPr lang="en-US" dirty="0"/>
-              <a:t> </a:t>
-            </a:r>
-            <a:r>
-              <a:rPr lang="en-US" dirty="0" err="1"/>
-              <a:t>taskswitching</a:t>
-            </a:r>
-            <a:r>
-              <a:rPr lang="en-US" dirty="0"/>
-              <a:t> 300</a:t>
+              <a:rPr lang="en-US" sz="1800" dirty="0"/>
+              <a:t>     attend-color -&gt; AC1</a:t>
             </a:r>
           </a:p>
           <a:p>
@@ -9026,44 +8682,128 @@
               <a:buNone/>
             </a:pPr>
             <a:r>
-              <a:rPr lang="en-US" dirty="0"/>
-              <a:t>run </a:t>
-            </a:r>
-            <a:r>
-              <a:rPr lang="en-US" dirty="0" err="1"/>
-              <a:t>stroop</a:t>
-            </a:r>
-            <a:r>
-              <a:rPr lang="en-US" dirty="0"/>
-              <a:t> </a:t>
-            </a:r>
-            <a:r>
-              <a:rPr lang="en-US" dirty="0" err="1"/>
-              <a:t>strooptransfer</a:t>
-            </a:r>
-            <a:r>
-              <a:rPr lang="en-US" dirty="0"/>
-              <a:t> 50</a:t>
-            </a:r>
+              <a:rPr lang="en-US" sz="1800" dirty="0"/>
+              <a:t>    }</a:t>
+            </a:r>
+          </a:p>
+        </p:txBody>
+      </p:sp>
+      <p:sp>
+        <p:nvSpPr>
+          <p:cNvPr id="4" name="Content Placeholder 3"/>
+          <p:cNvSpPr>
+            <a:spLocks noGrp="1"/>
+          </p:cNvSpPr>
+          <p:nvPr>
+            <p:ph sz="half" idx="2"/>
+          </p:nvPr>
+        </p:nvSpPr>
+        <p:spPr/>
+        <p:txBody>
+          <a:bodyPr/>
+          <a:lstStyle/>
+          <a:p>
+            <a:pPr marL="0" indent="0">
+              <a:buNone/>
+            </a:pPr>
+            <a:r>
+              <a:rPr lang="sv-SE" sz="1800" dirty="0"/>
+              <a:t> operator </a:t>
+            </a:r>
+            <a:r>
+              <a:rPr lang="sv-SE" sz="1800" dirty="0" err="1"/>
+              <a:t>attend</a:t>
+            </a:r>
+            <a:r>
+              <a:rPr lang="sv-SE" sz="1800" dirty="0"/>
+              <a:t> (</a:t>
+            </a:r>
+            <a:r>
+              <a:rPr lang="sv-SE" sz="1800" dirty="0" err="1"/>
+              <a:t>activation</a:t>
+            </a:r>
+            <a:r>
+              <a:rPr lang="sv-SE" sz="1800" dirty="0"/>
+              <a:t>=1.5) {</a:t>
+            </a:r>
+          </a:p>
+          <a:p>
+            <a:pPr marL="0" indent="0">
+              <a:buNone/>
+            </a:pPr>
+            <a:r>
+              <a:rPr lang="sv-SE" sz="1800" dirty="0"/>
+              <a:t>        V1 = stim</a:t>
+            </a:r>
+          </a:p>
+          <a:p>
+            <a:pPr marL="0" indent="0">
+              <a:buNone/>
+            </a:pPr>
+            <a:r>
+              <a:rPr lang="sv-SE" sz="1800" dirty="0"/>
+              <a:t>        V2 = </a:t>
+            </a:r>
+            <a:r>
+              <a:rPr lang="sv-SE" sz="1800" dirty="0" err="1"/>
+              <a:t>nil</a:t>
+            </a:r>
+            <a:endParaRPr lang="sv-SE" sz="1800" dirty="0"/>
+          </a:p>
+          <a:p>
+            <a:pPr marL="0" indent="0">
+              <a:buNone/>
+            </a:pPr>
+            <a:r>
+              <a:rPr lang="sv-SE" sz="1800" dirty="0"/>
+              <a:t>        ==&gt;</a:t>
+            </a:r>
+          </a:p>
+          <a:p>
+            <a:pPr marL="0" indent="0">
+              <a:buNone/>
+            </a:pPr>
+            <a:r>
+              <a:rPr lang="sv-SE" sz="1800" dirty="0"/>
+              <a:t>        </a:t>
+            </a:r>
+            <a:r>
+              <a:rPr lang="sv-SE" sz="1800" dirty="0" err="1"/>
+              <a:t>attend</a:t>
+            </a:r>
+            <a:r>
+              <a:rPr lang="sv-SE" sz="1800" dirty="0"/>
+              <a:t> -&gt; AC1</a:t>
+            </a:r>
+          </a:p>
+          <a:p>
+            <a:pPr marL="0" indent="0">
+              <a:buNone/>
+            </a:pPr>
+            <a:r>
+              <a:rPr lang="sv-SE" sz="1800" dirty="0"/>
+              <a:t>    }</a:t>
+            </a:r>
+            <a:endParaRPr lang="en-US" sz="1800" dirty="0"/>
           </a:p>
         </p:txBody>
       </p:sp>
     </p:spTree>
     <p:extLst>
       <p:ext uri="{BB962C8B-B14F-4D97-AF65-F5344CB8AC3E}">
-        <p14:creationId xmlns:p14="http://schemas.microsoft.com/office/powerpoint/2010/main" val="814745430"/>
+        <p14:creationId xmlns:p14="http://schemas.microsoft.com/office/powerpoint/2010/main" val="1686833066"/>
       </p:ext>
     </p:extLst>
   </p:cSld>
   <p:clrMapOvr>
     <a:masterClrMapping/>
   </p:clrMapOvr>
-  <p:transition xmlns:p14="http://schemas.microsoft.com/office/powerpoint/2010/main"/>
+  <p:transition/>
 </p:sld>
 </file>
 
 <file path=ppt/slides/slide19.xml><?xml version="1.0" encoding="utf-8"?>
-<p:sld xmlns:a="http://schemas.openxmlformats.org/drawingml/2006/main" xmlns:r="http://schemas.openxmlformats.org/officeDocument/2006/relationships" xmlns:p="http://schemas.openxmlformats.org/presentationml/2006/main">
+<p:sld xmlns:a="http://schemas.openxmlformats.org/drawingml/2006/main" xmlns:r="http://schemas.openxmlformats.org/officeDocument/2006/relationships" xmlns:p="http://schemas.openxmlformats.org/presentationml/2006/main" show="0">
   <p:cSld>
     <p:spTree>
       <p:nvGrpSpPr>
@@ -9081,7 +8821,7 @@
       </p:grpSpPr>
       <p:sp>
         <p:nvSpPr>
-          <p:cNvPr id="7" name="Title 6"/>
+          <p:cNvPr id="5" name="Title 4"/>
           <p:cNvSpPr>
             <a:spLocks noGrp="1"/>
           </p:cNvSpPr>
@@ -9095,8 +8835,12 @@
           <a:lstStyle/>
           <a:p>
             <a:r>
-              <a:rPr lang="en-US" dirty="0" smtClean="0"/>
-              <a:t>Transfer</a:t>
+              <a:rPr lang="en-US" dirty="0"/>
+              <a:t>Running the model multiple times: </a:t>
+            </a:r>
+            <a:r>
+              <a:rPr lang="en-US" dirty="0" err="1"/>
+              <a:t>taskswitchstrooptransfer.bprims</a:t>
             </a:r>
             <a:endParaRPr lang="en-US" dirty="0"/>
           </a:p>
@@ -9104,7 +8848,7 @@
       </p:sp>
       <p:sp>
         <p:nvSpPr>
-          <p:cNvPr id="8" name="Content Placeholder 7"/>
+          <p:cNvPr id="6" name="Content Placeholder 5"/>
           <p:cNvSpPr>
             <a:spLocks noGrp="1"/>
           </p:cNvSpPr>
@@ -9117,31 +8861,120 @@
           <a:bodyPr/>
           <a:lstStyle/>
           <a:p>
-            <a:r>
-              <a:rPr lang="en-US" dirty="0" smtClean="0"/>
-              <a:t>If we do task-switching before Stroop, the prepare operator will receive extra activation, and is therefore more likely to be chosen</a:t>
-            </a:r>
-          </a:p>
-          <a:p>
-            <a:r>
-              <a:rPr lang="en-US" dirty="0" smtClean="0"/>
-              <a:t>If we do Stroop without preparation, the just-wait operator is the more likely candidate, because it has a higher base-level activation</a:t>
-            </a:r>
-            <a:endParaRPr lang="en-US" dirty="0"/>
+            <a:pPr marL="0" indent="0">
+              <a:buNone/>
+            </a:pPr>
+            <a:r>
+              <a:rPr lang="en-US" dirty="0"/>
+              <a:t>repeat 10</a:t>
+            </a:r>
+          </a:p>
+          <a:p>
+            <a:pPr marL="0" indent="0">
+              <a:buNone/>
+            </a:pPr>
+            <a:r>
+              <a:rPr lang="en-US" dirty="0"/>
+              <a:t>reset</a:t>
+            </a:r>
+          </a:p>
+          <a:p>
+            <a:pPr marL="0" indent="0">
+              <a:buNone/>
+            </a:pPr>
+            <a:r>
+              <a:rPr lang="en-US" dirty="0"/>
+              <a:t>run </a:t>
+            </a:r>
+            <a:r>
+              <a:rPr lang="en-US" dirty="0" err="1"/>
+              <a:t>stroop</a:t>
+            </a:r>
+            <a:r>
+              <a:rPr lang="en-US" dirty="0"/>
+              <a:t> </a:t>
+            </a:r>
+            <a:r>
+              <a:rPr lang="en-US" dirty="0" err="1"/>
+              <a:t>stroopcontrol</a:t>
+            </a:r>
+            <a:r>
+              <a:rPr lang="en-US" dirty="0"/>
+              <a:t> 50</a:t>
+            </a:r>
+          </a:p>
+          <a:p>
+            <a:pPr marL="0" indent="0">
+              <a:buNone/>
+            </a:pPr>
+            <a:r>
+              <a:rPr lang="en-US" dirty="0"/>
+              <a:t>reset</a:t>
+            </a:r>
+          </a:p>
+          <a:p>
+            <a:pPr marL="0" indent="0">
+              <a:buNone/>
+            </a:pPr>
+            <a:r>
+              <a:rPr lang="en-US" dirty="0"/>
+              <a:t>run </a:t>
+            </a:r>
+            <a:r>
+              <a:rPr lang="en-US" dirty="0" err="1"/>
+              <a:t>taskswitching</a:t>
+            </a:r>
+            <a:r>
+              <a:rPr lang="en-US" dirty="0"/>
+              <a:t> </a:t>
+            </a:r>
+            <a:r>
+              <a:rPr lang="en-US" dirty="0" err="1"/>
+              <a:t>taskswitching</a:t>
+            </a:r>
+            <a:r>
+              <a:rPr lang="en-US" dirty="0"/>
+              <a:t> 300</a:t>
+            </a:r>
+          </a:p>
+          <a:p>
+            <a:pPr marL="0" indent="0">
+              <a:buNone/>
+            </a:pPr>
+            <a:r>
+              <a:rPr lang="en-US" dirty="0"/>
+              <a:t>run </a:t>
+            </a:r>
+            <a:r>
+              <a:rPr lang="en-US" dirty="0" err="1"/>
+              <a:t>stroop</a:t>
+            </a:r>
+            <a:r>
+              <a:rPr lang="en-US" dirty="0"/>
+              <a:t> </a:t>
+            </a:r>
+            <a:r>
+              <a:rPr lang="en-US" dirty="0" err="1"/>
+              <a:t>strooptransfer</a:t>
+            </a:r>
+            <a:r>
+              <a:rPr lang="en-US" dirty="0"/>
+              <a:t> 50</a:t>
+            </a:r>
           </a:p>
         </p:txBody>
       </p:sp>
     </p:spTree>
     <p:extLst>
       <p:ext uri="{BB962C8B-B14F-4D97-AF65-F5344CB8AC3E}">
-        <p14:creationId xmlns:p14="http://schemas.microsoft.com/office/powerpoint/2010/main" val="2184253173"/>
+        <p14:creationId xmlns:p14="http://schemas.microsoft.com/office/powerpoint/2010/main" val="814745430"/>
       </p:ext>
     </p:extLst>
   </p:cSld>
   <p:clrMapOvr>
     <a:masterClrMapping/>
   </p:clrMapOvr>
-  <p:transition xmlns:p14="http://schemas.microsoft.com/office/powerpoint/2010/main"/>
+  <p:transition/>
 </p:sld>
 </file>
 
@@ -9178,10 +9011,9 @@
           <a:lstStyle/>
           <a:p>
             <a:r>
-              <a:rPr lang="en-US" dirty="0" smtClean="0"/>
+              <a:rPr lang="en-US" dirty="0"/>
               <a:t>How to discover what to do in a new task?</a:t>
             </a:r>
-            <a:endParaRPr lang="en-US" dirty="0"/>
           </a:p>
         </p:txBody>
       </p:sp>
@@ -9201,13 +9033,13 @@
           <a:lstStyle/>
           <a:p>
             <a:r>
-              <a:rPr lang="en-US" dirty="0" smtClean="0"/>
+              <a:rPr lang="en-US" dirty="0"/>
               <a:t>Construct new operators</a:t>
             </a:r>
           </a:p>
           <a:p>
             <a:r>
-              <a:rPr lang="en-US" dirty="0" smtClean="0"/>
+              <a:rPr lang="en-US" dirty="0"/>
               <a:t>Reuse old operators</a:t>
             </a:r>
           </a:p>
@@ -9216,28 +9048,27 @@
           </a:p>
           <a:p>
             <a:r>
-              <a:rPr lang="en-US" dirty="0" smtClean="0"/>
+              <a:rPr lang="en-US" dirty="0"/>
               <a:t>Trial-and-error</a:t>
             </a:r>
           </a:p>
           <a:p>
             <a:r>
-              <a:rPr lang="en-US" dirty="0" smtClean="0"/>
+              <a:rPr lang="en-US" dirty="0"/>
               <a:t>Using examples</a:t>
             </a:r>
           </a:p>
           <a:p>
             <a:r>
-              <a:rPr lang="en-US" dirty="0" smtClean="0"/>
+              <a:rPr lang="en-US" dirty="0"/>
               <a:t>Using instruction</a:t>
             </a:r>
           </a:p>
           <a:p>
             <a:r>
-              <a:rPr lang="en-US" dirty="0" smtClean="0"/>
+              <a:rPr lang="en-US" dirty="0"/>
               <a:t>Using explicit reasoning</a:t>
             </a:r>
-            <a:endParaRPr lang="en-US" dirty="0"/>
           </a:p>
         </p:txBody>
       </p:sp>
@@ -9251,12 +9082,12 @@
   <p:clrMapOvr>
     <a:masterClrMapping/>
   </p:clrMapOvr>
-  <p:transition xmlns:p14="http://schemas.microsoft.com/office/powerpoint/2010/main"/>
+  <p:transition/>
 </p:sld>
 </file>
 
 <file path=ppt/slides/slide20.xml><?xml version="1.0" encoding="utf-8"?>
-<p:sld xmlns:a="http://schemas.openxmlformats.org/drawingml/2006/main" xmlns:r="http://schemas.openxmlformats.org/officeDocument/2006/relationships" xmlns:p="http://schemas.openxmlformats.org/presentationml/2006/main">
+<p:sld xmlns:a="http://schemas.openxmlformats.org/drawingml/2006/main" xmlns:r="http://schemas.openxmlformats.org/officeDocument/2006/relationships" xmlns:p="http://schemas.openxmlformats.org/presentationml/2006/main" show="0">
   <p:cSld>
     <p:spTree>
       <p:nvGrpSpPr>
@@ -9274,6 +9105,87 @@
       </p:grpSpPr>
       <p:sp>
         <p:nvSpPr>
+          <p:cNvPr id="7" name="Title 6"/>
+          <p:cNvSpPr>
+            <a:spLocks noGrp="1"/>
+          </p:cNvSpPr>
+          <p:nvPr>
+            <p:ph type="title"/>
+          </p:nvPr>
+        </p:nvSpPr>
+        <p:spPr/>
+        <p:txBody>
+          <a:bodyPr/>
+          <a:lstStyle/>
+          <a:p>
+            <a:r>
+              <a:rPr lang="en-US" dirty="0"/>
+              <a:t>Transfer</a:t>
+            </a:r>
+          </a:p>
+        </p:txBody>
+      </p:sp>
+      <p:sp>
+        <p:nvSpPr>
+          <p:cNvPr id="8" name="Content Placeholder 7"/>
+          <p:cNvSpPr>
+            <a:spLocks noGrp="1"/>
+          </p:cNvSpPr>
+          <p:nvPr>
+            <p:ph idx="1"/>
+          </p:nvPr>
+        </p:nvSpPr>
+        <p:spPr/>
+        <p:txBody>
+          <a:bodyPr/>
+          <a:lstStyle/>
+          <a:p>
+            <a:r>
+              <a:rPr lang="en-US" dirty="0"/>
+              <a:t>If we do task-switching before Stroop, the prepare operator will be reinforced, and is therefore more likely to be chosen</a:t>
+            </a:r>
+          </a:p>
+          <a:p>
+            <a:r>
+              <a:rPr lang="en-US" dirty="0"/>
+              <a:t>If we do Stroop without preparation, the just-wait operator is the more likely candidate, because it has a higher base-level activation</a:t>
+            </a:r>
+          </a:p>
+        </p:txBody>
+      </p:sp>
+    </p:spTree>
+    <p:extLst>
+      <p:ext uri="{BB962C8B-B14F-4D97-AF65-F5344CB8AC3E}">
+        <p14:creationId xmlns:p14="http://schemas.microsoft.com/office/powerpoint/2010/main" val="2184253173"/>
+      </p:ext>
+    </p:extLst>
+  </p:cSld>
+  <p:clrMapOvr>
+    <a:masterClrMapping/>
+  </p:clrMapOvr>
+  <p:transition/>
+</p:sld>
+</file>
+
+<file path=ppt/slides/slide21.xml><?xml version="1.0" encoding="utf-8"?>
+<p:sld xmlns:a="http://schemas.openxmlformats.org/drawingml/2006/main" xmlns:r="http://schemas.openxmlformats.org/officeDocument/2006/relationships" xmlns:p="http://schemas.openxmlformats.org/presentationml/2006/main" show="0">
+  <p:cSld>
+    <p:spTree>
+      <p:nvGrpSpPr>
+        <p:cNvPr id="1" name=""/>
+        <p:cNvGrpSpPr/>
+        <p:nvPr/>
+      </p:nvGrpSpPr>
+      <p:grpSpPr>
+        <a:xfrm>
+          <a:off x="0" y="0"/>
+          <a:ext cx="0" cy="0"/>
+          <a:chOff x="0" y="0"/>
+          <a:chExt cx="0" cy="0"/>
+        </a:xfrm>
+      </p:grpSpPr>
+      <p:sp>
+        <p:nvSpPr>
           <p:cNvPr id="2" name="Title 1"/>
           <p:cNvSpPr>
             <a:spLocks noGrp="1"/>
@@ -9288,10 +9200,9 @@
           <a:lstStyle/>
           <a:p>
             <a:r>
-              <a:rPr lang="en-US" dirty="0" smtClean="0"/>
+              <a:rPr lang="en-US" dirty="0"/>
               <a:t>Results of the model</a:t>
             </a:r>
-            <a:endParaRPr lang="en-US" dirty="0"/>
           </a:p>
         </p:txBody>
       </p:sp>
@@ -9329,96 +9240,7 @@
   <p:clrMapOvr>
     <a:masterClrMapping/>
   </p:clrMapOvr>
-  <p:transition xmlns:p14="http://schemas.microsoft.com/office/powerpoint/2010/main"/>
-</p:sld>
-</file>
-
-<file path=ppt/slides/slide21.xml><?xml version="1.0" encoding="utf-8"?>
-<p:sld xmlns:a="http://schemas.openxmlformats.org/drawingml/2006/main" xmlns:r="http://schemas.openxmlformats.org/officeDocument/2006/relationships" xmlns:p="http://schemas.openxmlformats.org/presentationml/2006/main">
-  <p:cSld>
-    <p:spTree>
-      <p:nvGrpSpPr>
-        <p:cNvPr id="1" name=""/>
-        <p:cNvGrpSpPr/>
-        <p:nvPr/>
-      </p:nvGrpSpPr>
-      <p:grpSpPr>
-        <a:xfrm>
-          <a:off x="0" y="0"/>
-          <a:ext cx="0" cy="0"/>
-          <a:chOff x="0" y="0"/>
-          <a:chExt cx="0" cy="0"/>
-        </a:xfrm>
-      </p:grpSpPr>
-      <p:sp>
-        <p:nvSpPr>
-          <p:cNvPr id="4" name="Title 3"/>
-          <p:cNvSpPr>
-            <a:spLocks noGrp="1"/>
-          </p:cNvSpPr>
-          <p:nvPr>
-            <p:ph type="title"/>
-          </p:nvPr>
-        </p:nvSpPr>
-        <p:spPr/>
-        <p:txBody>
-          <a:bodyPr/>
-          <a:lstStyle/>
-          <a:p>
-            <a:r>
-              <a:rPr lang="en-US" dirty="0" smtClean="0"/>
-              <a:t>Learning operators from primitive operations</a:t>
-            </a:r>
-            <a:endParaRPr lang="en-US" dirty="0"/>
-          </a:p>
-        </p:txBody>
-      </p:sp>
-      <p:sp>
-        <p:nvSpPr>
-          <p:cNvPr id="7" name="Content Placeholder 6"/>
-          <p:cNvSpPr>
-            <a:spLocks noGrp="1"/>
-          </p:cNvSpPr>
-          <p:nvPr>
-            <p:ph idx="1"/>
-          </p:nvPr>
-        </p:nvSpPr>
-        <p:spPr/>
-        <p:txBody>
-          <a:bodyPr/>
-          <a:lstStyle/>
-          <a:p>
-            <a:r>
-              <a:rPr lang="en-US" dirty="0" smtClean="0"/>
-              <a:t>Count-learn was an example of learning a skill based on individual operators</a:t>
-            </a:r>
-          </a:p>
-          <a:p>
-            <a:r>
-              <a:rPr lang="en-US" dirty="0" smtClean="0"/>
-              <a:t>Stroop/Task Switching was an example of learning a task based on existing skills</a:t>
-            </a:r>
-          </a:p>
-          <a:p>
-            <a:r>
-              <a:rPr lang="en-US" dirty="0" smtClean="0"/>
-              <a:t>But can we also learn Operators out of PRIMs?</a:t>
-            </a:r>
-            <a:endParaRPr lang="en-US" dirty="0"/>
-          </a:p>
-        </p:txBody>
-      </p:sp>
-    </p:spTree>
-    <p:extLst>
-      <p:ext uri="{BB962C8B-B14F-4D97-AF65-F5344CB8AC3E}">
-        <p14:creationId xmlns:p14="http://schemas.microsoft.com/office/powerpoint/2010/main" val="2717534760"/>
-      </p:ext>
-    </p:extLst>
-  </p:cSld>
-  <p:clrMapOvr>
-    <a:masterClrMapping/>
-  </p:clrMapOvr>
-  <p:transition xmlns:p14="http://schemas.microsoft.com/office/powerpoint/2010/main"/>
+  <p:transition/>
 </p:sld>
 </file>
 
@@ -9441,7 +9263,7 @@
       </p:grpSpPr>
       <p:sp>
         <p:nvSpPr>
-          <p:cNvPr id="2" name="Title 1"/>
+          <p:cNvPr id="4" name="Title 3"/>
           <p:cNvSpPr>
             <a:spLocks noGrp="1"/>
           </p:cNvSpPr>
@@ -9455,16 +9277,15 @@
           <a:lstStyle/>
           <a:p>
             <a:r>
-              <a:rPr lang="en-US" dirty="0" smtClean="0"/>
-              <a:t>Approach</a:t>
-            </a:r>
-            <a:endParaRPr lang="en-US" dirty="0"/>
-          </a:p>
-        </p:txBody>
-      </p:sp>
-      <p:sp>
-        <p:nvSpPr>
-          <p:cNvPr id="3" name="Content Placeholder 2"/>
+              <a:rPr lang="en-US" dirty="0"/>
+              <a:t>Learning operators from primitive operations</a:t>
+            </a:r>
+          </a:p>
+        </p:txBody>
+      </p:sp>
+      <p:sp>
+        <p:nvSpPr>
+          <p:cNvPr id="7" name="Content Placeholder 6"/>
           <p:cNvSpPr>
             <a:spLocks noGrp="1"/>
           </p:cNvSpPr>
@@ -9478,36 +9299,35 @@
           <a:lstStyle/>
           <a:p>
             <a:r>
-              <a:rPr lang="en-US" dirty="0" smtClean="0"/>
-              <a:t>Start with operators that only perform a single PRIM</a:t>
-            </a:r>
-          </a:p>
-          <a:p>
-            <a:r>
-              <a:rPr lang="en-US" dirty="0" smtClean="0"/>
-              <a:t>Use reinforcement learning to discover which PRIMs go well with a certain task/skill</a:t>
-            </a:r>
-          </a:p>
-          <a:p>
-            <a:r>
-              <a:rPr lang="en-US" dirty="0" smtClean="0"/>
-              <a:t>Use operator compilation to combine PRIMs into operators</a:t>
-            </a:r>
-            <a:endParaRPr lang="en-US" dirty="0"/>
+              <a:rPr lang="en-US" dirty="0"/>
+              <a:t>Count-learn was an example of learning a skill based on individual operators</a:t>
+            </a:r>
+          </a:p>
+          <a:p>
+            <a:r>
+              <a:rPr lang="en-US" dirty="0"/>
+              <a:t>Stroop/Task Switching was an example of learning a task based on existing skills</a:t>
+            </a:r>
+          </a:p>
+          <a:p>
+            <a:r>
+              <a:rPr lang="en-US" dirty="0"/>
+              <a:t>But can we also learn Operators out of PRIMs?</a:t>
+            </a:r>
           </a:p>
         </p:txBody>
       </p:sp>
     </p:spTree>
     <p:extLst>
       <p:ext uri="{BB962C8B-B14F-4D97-AF65-F5344CB8AC3E}">
-        <p14:creationId xmlns:p14="http://schemas.microsoft.com/office/powerpoint/2010/main" val="2108992352"/>
+        <p14:creationId xmlns:p14="http://schemas.microsoft.com/office/powerpoint/2010/main" val="2717534760"/>
       </p:ext>
     </p:extLst>
   </p:cSld>
   <p:clrMapOvr>
     <a:masterClrMapping/>
   </p:clrMapOvr>
-  <p:transition xmlns:p14="http://schemas.microsoft.com/office/powerpoint/2010/main"/>
+  <p:transition/>
 </p:sld>
 </file>
 
@@ -9544,21 +9364,20 @@
           <a:lstStyle/>
           <a:p>
             <a:r>
-              <a:rPr lang="en-US" dirty="0" smtClean="0"/>
-              <a:t>Examples</a:t>
-            </a:r>
-            <a:endParaRPr lang="en-US" dirty="0"/>
-          </a:p>
-        </p:txBody>
-      </p:sp>
-      <p:sp>
-        <p:nvSpPr>
-          <p:cNvPr id="6" name="Content Placeholder 5"/>
+              <a:rPr lang="en-US" dirty="0"/>
+              <a:t>Approach</a:t>
+            </a:r>
+          </a:p>
+        </p:txBody>
+      </p:sp>
+      <p:sp>
+        <p:nvSpPr>
+          <p:cNvPr id="3" name="Content Placeholder 2"/>
           <p:cNvSpPr>
             <a:spLocks noGrp="1"/>
           </p:cNvSpPr>
           <p:nvPr>
-            <p:ph sz="half" idx="1"/>
+            <p:ph idx="1"/>
           </p:nvPr>
         </p:nvSpPr>
         <p:spPr/>
@@ -9566,169 +9385,36 @@
           <a:bodyPr/>
           <a:lstStyle/>
           <a:p>
-            <a:pPr marL="0" indent="0">
-              <a:buNone/>
-            </a:pPr>
-            <a:r>
-              <a:rPr lang="mr-IN" dirty="0"/>
-              <a:t>operator </a:t>
-            </a:r>
-            <a:r>
-              <a:rPr lang="mr-IN" dirty="0" smtClean="0"/>
-              <a:t>V1toRT</a:t>
-            </a:r>
-            <a:r>
-              <a:rPr lang="en-US" dirty="0" smtClean="0"/>
-              <a:t>2</a:t>
-            </a:r>
-            <a:r>
-              <a:rPr lang="mr-IN" dirty="0" smtClean="0"/>
-              <a:t> </a:t>
-            </a:r>
-            <a:r>
-              <a:rPr lang="mr-IN" dirty="0"/>
-              <a:t>{</a:t>
-            </a:r>
-          </a:p>
-          <a:p>
-            <a:pPr marL="0" indent="0">
-              <a:buNone/>
-            </a:pPr>
-            <a:r>
-              <a:rPr lang="en-US" dirty="0" smtClean="0"/>
-              <a:t>    </a:t>
-            </a:r>
-            <a:r>
-              <a:rPr lang="mr-IN" dirty="0" smtClean="0"/>
-              <a:t>V1 </a:t>
-            </a:r>
-            <a:r>
-              <a:rPr lang="mr-IN" dirty="0"/>
-              <a:t>&lt;&gt; nil</a:t>
-            </a:r>
-          </a:p>
-          <a:p>
-            <a:pPr marL="0" indent="0">
-              <a:buNone/>
-            </a:pPr>
-            <a:r>
-              <a:rPr lang="mr-IN" dirty="0"/>
-              <a:t>==&gt;</a:t>
-            </a:r>
-          </a:p>
-          <a:p>
-            <a:pPr marL="0" indent="0">
-              <a:buNone/>
-            </a:pPr>
-            <a:r>
-              <a:rPr lang="mr-IN" dirty="0"/>
-              <a:t>    V1 -&gt; </a:t>
-            </a:r>
-            <a:r>
-              <a:rPr lang="en-US" smtClean="0"/>
-              <a:t>RT2</a:t>
-            </a:r>
-            <a:endParaRPr lang="mr-IN" dirty="0"/>
-          </a:p>
-          <a:p>
-            <a:pPr marL="0" indent="0">
-              <a:buNone/>
-            </a:pPr>
-            <a:r>
-              <a:rPr lang="mr-IN" dirty="0"/>
-              <a:t>    nil -&gt; V1</a:t>
-            </a:r>
-          </a:p>
-          <a:p>
-            <a:pPr marL="0" indent="0">
-              <a:buNone/>
-            </a:pPr>
-            <a:r>
-              <a:rPr lang="mr-IN" dirty="0"/>
-              <a:t>}</a:t>
-            </a:r>
-          </a:p>
-          <a:p>
-            <a:pPr marL="0" indent="0">
-              <a:buNone/>
-            </a:pPr>
-            <a:endParaRPr lang="en-US" dirty="0"/>
-          </a:p>
-        </p:txBody>
-      </p:sp>
-      <p:sp>
-        <p:nvSpPr>
-          <p:cNvPr id="7" name="Content Placeholder 6"/>
-          <p:cNvSpPr>
-            <a:spLocks noGrp="1"/>
-          </p:cNvSpPr>
-          <p:nvPr>
-            <p:ph sz="half" idx="2"/>
-          </p:nvPr>
-        </p:nvSpPr>
-        <p:spPr/>
-        <p:txBody>
-          <a:bodyPr/>
-          <a:lstStyle/>
-          <a:p>
-            <a:pPr marL="0" indent="0">
-              <a:buNone/>
-            </a:pPr>
-            <a:r>
-              <a:rPr lang="mr-IN" dirty="0"/>
-              <a:t>operator C1toRT1 {</a:t>
-            </a:r>
-          </a:p>
-          <a:p>
-            <a:pPr marL="0" indent="0">
-              <a:buNone/>
-            </a:pPr>
-            <a:r>
-              <a:rPr lang="mr-IN" dirty="0"/>
-              <a:t>	G1 &lt;&gt; nil</a:t>
-            </a:r>
-          </a:p>
-          <a:p>
-            <a:pPr marL="0" indent="0">
-              <a:buNone/>
-            </a:pPr>
-            <a:r>
-              <a:rPr lang="mr-IN" dirty="0"/>
-              <a:t>==&gt;</a:t>
-            </a:r>
-          </a:p>
-          <a:p>
-            <a:pPr marL="0" indent="0">
-              <a:buNone/>
-            </a:pPr>
-            <a:r>
-              <a:rPr lang="mr-IN" dirty="0"/>
-              <a:t>	*fact-type -&gt; RT1</a:t>
-            </a:r>
-          </a:p>
-          <a:p>
-            <a:pPr marL="0" indent="0">
-              <a:buNone/>
-            </a:pPr>
-            <a:r>
-              <a:rPr lang="mr-IN" dirty="0"/>
-              <a:t>}</a:t>
-            </a:r>
-            <a:endParaRPr lang="en-US" dirty="0"/>
+            <a:r>
+              <a:rPr lang="en-US" dirty="0"/>
+              <a:t>Start with operators that only perform a single PRIM</a:t>
+            </a:r>
+          </a:p>
+          <a:p>
+            <a:r>
+              <a:rPr lang="en-US" dirty="0"/>
+              <a:t>Use reinforcement learning to discover which PRIMs go well with a certain task/skill</a:t>
+            </a:r>
+          </a:p>
+          <a:p>
+            <a:r>
+              <a:rPr lang="en-US" dirty="0"/>
+              <a:t>Use operator compilation to combine PRIMs into operators</a:t>
+            </a:r>
           </a:p>
         </p:txBody>
       </p:sp>
     </p:spTree>
     <p:extLst>
       <p:ext uri="{BB962C8B-B14F-4D97-AF65-F5344CB8AC3E}">
-        <p14:creationId xmlns:p14="http://schemas.microsoft.com/office/powerpoint/2010/main" val="3484469318"/>
+        <p14:creationId xmlns:p14="http://schemas.microsoft.com/office/powerpoint/2010/main" val="2108992352"/>
       </p:ext>
     </p:extLst>
   </p:cSld>
   <p:clrMapOvr>
     <a:masterClrMapping/>
   </p:clrMapOvr>
-  <p:transition xmlns:p14="http://schemas.microsoft.com/office/powerpoint/2010/main"/>
+  <p:transition/>
 </p:sld>
 </file>
 
@@ -9764,13 +9450,16 @@
           <a:bodyPr/>
           <a:lstStyle/>
           <a:p>
-            <a:endParaRPr lang="en-US"/>
-          </a:p>
-        </p:txBody>
-      </p:sp>
-      <p:sp>
-        <p:nvSpPr>
-          <p:cNvPr id="3" name="Content Placeholder 2"/>
+            <a:r>
+              <a:rPr lang="en-US" dirty="0"/>
+              <a:t>Examples</a:t>
+            </a:r>
+          </a:p>
+        </p:txBody>
+      </p:sp>
+      <p:sp>
+        <p:nvSpPr>
+          <p:cNvPr id="6" name="Content Placeholder 5"/>
           <p:cNvSpPr>
             <a:spLocks noGrp="1"/>
           </p:cNvSpPr>
@@ -9778,12 +9467,7 @@
             <p:ph sz="half" idx="1"/>
           </p:nvPr>
         </p:nvSpPr>
-        <p:spPr>
-          <a:xfrm>
-            <a:off x="685800" y="1981200"/>
-            <a:ext cx="6411576" cy="4114800"/>
-          </a:xfrm>
-        </p:spPr>
+        <p:spPr/>
         <p:txBody>
           <a:bodyPr/>
           <a:lstStyle/>
@@ -9792,8 +9476,16 @@
               <a:buNone/>
             </a:pPr>
             <a:r>
-              <a:rPr lang="en-US" dirty="0" smtClean="0"/>
-              <a:t>operator V1toRT2+C1toRT1 {</a:t>
+              <a:rPr lang="mr-IN" dirty="0"/>
+              <a:t>operator V1toRT</a:t>
+            </a:r>
+            <a:r>
+              <a:rPr lang="en-US" dirty="0"/>
+              <a:t>2</a:t>
+            </a:r>
+            <a:r>
+              <a:rPr lang="mr-IN" dirty="0"/>
+              <a:t> {</a:t>
             </a:r>
           </a:p>
           <a:p>
@@ -9802,10 +9494,10 @@
             </a:pPr>
             <a:r>
               <a:rPr lang="en-US" dirty="0"/>
-              <a:t>	</a:t>
-            </a:r>
-            <a:r>
-              <a:rPr lang="en-US" dirty="0" smtClean="0"/>
+              <a:t>    </a:t>
+            </a:r>
+            <a:r>
+              <a:rPr lang="mr-IN" dirty="0"/>
               <a:t>V1 &lt;&gt; nil</a:t>
             </a:r>
           </a:p>
@@ -9814,25 +9506,88 @@
               <a:buNone/>
             </a:pPr>
             <a:r>
-              <a:rPr lang="en-US" dirty="0"/>
-              <a:t>	</a:t>
-            </a:r>
-            <a:r>
-              <a:rPr lang="en-US" dirty="0" smtClean="0"/>
-              <a:t>G1 &lt;&gt; nil</a:t>
-            </a:r>
-            <a:endParaRPr lang="en-US" dirty="0">
-              <a:sym typeface="Wingdings"/>
-            </a:endParaRPr>
+              <a:rPr lang="mr-IN" dirty="0"/>
+              <a:t>==&gt;</a:t>
+            </a:r>
           </a:p>
           <a:p>
             <a:pPr marL="0" indent="0">
               <a:buNone/>
             </a:pPr>
             <a:r>
-              <a:rPr lang="en-US" dirty="0" smtClean="0">
-                <a:sym typeface="Wingdings"/>
-              </a:rPr>
+              <a:rPr lang="mr-IN" dirty="0"/>
+              <a:t>    V1 -&gt; </a:t>
+            </a:r>
+            <a:r>
+              <a:rPr lang="en-US"/>
+              <a:t>RT2</a:t>
+            </a:r>
+            <a:endParaRPr lang="mr-IN" dirty="0"/>
+          </a:p>
+          <a:p>
+            <a:pPr marL="0" indent="0">
+              <a:buNone/>
+            </a:pPr>
+            <a:r>
+              <a:rPr lang="mr-IN" dirty="0"/>
+              <a:t>    nil -&gt; V1</a:t>
+            </a:r>
+          </a:p>
+          <a:p>
+            <a:pPr marL="0" indent="0">
+              <a:buNone/>
+            </a:pPr>
+            <a:r>
+              <a:rPr lang="mr-IN" dirty="0"/>
+              <a:t>}</a:t>
+            </a:r>
+          </a:p>
+          <a:p>
+            <a:pPr marL="0" indent="0">
+              <a:buNone/>
+            </a:pPr>
+            <a:endParaRPr lang="en-US" dirty="0"/>
+          </a:p>
+        </p:txBody>
+      </p:sp>
+      <p:sp>
+        <p:nvSpPr>
+          <p:cNvPr id="7" name="Content Placeholder 6"/>
+          <p:cNvSpPr>
+            <a:spLocks noGrp="1"/>
+          </p:cNvSpPr>
+          <p:nvPr>
+            <p:ph sz="half" idx="2"/>
+          </p:nvPr>
+        </p:nvSpPr>
+        <p:spPr/>
+        <p:txBody>
+          <a:bodyPr/>
+          <a:lstStyle/>
+          <a:p>
+            <a:pPr marL="0" indent="0">
+              <a:buNone/>
+            </a:pPr>
+            <a:r>
+              <a:rPr lang="mr-IN" dirty="0"/>
+              <a:t>operator C1toRT1 {</a:t>
+            </a:r>
+          </a:p>
+          <a:p>
+            <a:pPr marL="0" indent="0">
+              <a:buNone/>
+            </a:pPr>
+            <a:r>
+              <a:rPr lang="mr-IN" dirty="0"/>
+              <a:t>	G1 &lt;&gt; nil</a:t>
+            </a:r>
+          </a:p>
+          <a:p>
+            <a:pPr marL="0" indent="0">
+              <a:buNone/>
+            </a:pPr>
+            <a:r>
+              <a:rPr lang="mr-IN" dirty="0"/>
               <a:t>==&gt;</a:t>
             </a:r>
           </a:p>
@@ -9841,16 +9596,8 @@
               <a:buNone/>
             </a:pPr>
             <a:r>
-              <a:rPr lang="en-US" dirty="0">
-                <a:sym typeface="Wingdings"/>
-              </a:rPr>
-              <a:t>	</a:t>
-            </a:r>
-            <a:r>
-              <a:rPr lang="en-US" dirty="0" smtClean="0">
-                <a:sym typeface="Wingdings"/>
-              </a:rPr>
-              <a:t>V1 -&gt; RT2</a:t>
+              <a:rPr lang="mr-IN" dirty="0"/>
+              <a:t>	*fact-type -&gt; RT1</a:t>
             </a:r>
           </a:p>
           <a:p>
@@ -9858,60 +9605,24 @@
               <a:buNone/>
             </a:pPr>
             <a:r>
-              <a:rPr lang="en-US" dirty="0">
-                <a:sym typeface="Wingdings"/>
-              </a:rPr>
-              <a:t>	</a:t>
-            </a:r>
-            <a:r>
-              <a:rPr lang="en-US" dirty="0" smtClean="0">
-                <a:sym typeface="Wingdings"/>
-              </a:rPr>
-              <a:t>*fact-type -&gt; RT1</a:t>
-            </a:r>
-          </a:p>
-          <a:p>
-            <a:pPr marL="0" indent="0">
-              <a:buNone/>
-            </a:pPr>
-            <a:r>
-              <a:rPr lang="en-US" dirty="0">
-                <a:sym typeface="Wingdings"/>
-              </a:rPr>
-              <a:t>	</a:t>
-            </a:r>
-            <a:r>
-              <a:rPr lang="en-US" dirty="0" smtClean="0">
-                <a:sym typeface="Wingdings"/>
-              </a:rPr>
-              <a:t>nil -&gt; V1</a:t>
-            </a:r>
-          </a:p>
-          <a:p>
-            <a:pPr marL="0" indent="0">
-              <a:buNone/>
-            </a:pPr>
-            <a:r>
-              <a:rPr lang="en-US" dirty="0">
-                <a:sym typeface="Wingdings"/>
-              </a:rPr>
+              <a:rPr lang="mr-IN" dirty="0"/>
               <a:t>}</a:t>
             </a:r>
-            <a:endParaRPr lang="en-US" dirty="0" smtClean="0"/>
+            <a:endParaRPr lang="en-US" dirty="0"/>
           </a:p>
         </p:txBody>
       </p:sp>
     </p:spTree>
     <p:extLst>
       <p:ext uri="{BB962C8B-B14F-4D97-AF65-F5344CB8AC3E}">
-        <p14:creationId xmlns:p14="http://schemas.microsoft.com/office/powerpoint/2010/main" val="2932616413"/>
+        <p14:creationId xmlns:p14="http://schemas.microsoft.com/office/powerpoint/2010/main" val="3484469318"/>
       </p:ext>
     </p:extLst>
   </p:cSld>
   <p:clrMapOvr>
     <a:masterClrMapping/>
   </p:clrMapOvr>
-  <p:transition xmlns:p14="http://schemas.microsoft.com/office/powerpoint/2010/main"/>
+  <p:transition/>
 </p:sld>
 </file>
 
@@ -9934,6 +9645,163 @@
       </p:grpSpPr>
       <p:sp>
         <p:nvSpPr>
+          <p:cNvPr id="2" name="Title 1"/>
+          <p:cNvSpPr>
+            <a:spLocks noGrp="1"/>
+          </p:cNvSpPr>
+          <p:nvPr>
+            <p:ph type="title"/>
+          </p:nvPr>
+        </p:nvSpPr>
+        <p:spPr/>
+        <p:txBody>
+          <a:bodyPr/>
+          <a:lstStyle/>
+          <a:p>
+            <a:endParaRPr lang="en-US"/>
+          </a:p>
+        </p:txBody>
+      </p:sp>
+      <p:sp>
+        <p:nvSpPr>
+          <p:cNvPr id="3" name="Content Placeholder 2"/>
+          <p:cNvSpPr>
+            <a:spLocks noGrp="1"/>
+          </p:cNvSpPr>
+          <p:nvPr>
+            <p:ph sz="half" idx="1"/>
+          </p:nvPr>
+        </p:nvSpPr>
+        <p:spPr>
+          <a:xfrm>
+            <a:off x="685800" y="1981200"/>
+            <a:ext cx="6411576" cy="4114800"/>
+          </a:xfrm>
+        </p:spPr>
+        <p:txBody>
+          <a:bodyPr/>
+          <a:lstStyle/>
+          <a:p>
+            <a:pPr marL="0" indent="0">
+              <a:buNone/>
+            </a:pPr>
+            <a:r>
+              <a:rPr lang="en-US" dirty="0"/>
+              <a:t>operator V1toRT2+C1toRT1 {</a:t>
+            </a:r>
+          </a:p>
+          <a:p>
+            <a:pPr marL="0" indent="0">
+              <a:buNone/>
+            </a:pPr>
+            <a:r>
+              <a:rPr lang="en-US" dirty="0"/>
+              <a:t>	V1 &lt;&gt; nil</a:t>
+            </a:r>
+          </a:p>
+          <a:p>
+            <a:pPr marL="0" indent="0">
+              <a:buNone/>
+            </a:pPr>
+            <a:r>
+              <a:rPr lang="en-US" dirty="0"/>
+              <a:t>	G1 &lt;&gt; nil</a:t>
+            </a:r>
+            <a:endParaRPr lang="en-US" dirty="0">
+              <a:sym typeface="Wingdings"/>
+            </a:endParaRPr>
+          </a:p>
+          <a:p>
+            <a:pPr marL="0" indent="0">
+              <a:buNone/>
+            </a:pPr>
+            <a:r>
+              <a:rPr lang="en-US" dirty="0">
+                <a:sym typeface="Wingdings"/>
+              </a:rPr>
+              <a:t>==&gt;</a:t>
+            </a:r>
+          </a:p>
+          <a:p>
+            <a:pPr marL="0" indent="0">
+              <a:buNone/>
+            </a:pPr>
+            <a:r>
+              <a:rPr lang="en-US" dirty="0">
+                <a:sym typeface="Wingdings"/>
+              </a:rPr>
+              <a:t>	V1 -&gt; RT2</a:t>
+            </a:r>
+          </a:p>
+          <a:p>
+            <a:pPr marL="0" indent="0">
+              <a:buNone/>
+            </a:pPr>
+            <a:r>
+              <a:rPr lang="en-US" dirty="0">
+                <a:sym typeface="Wingdings"/>
+              </a:rPr>
+              <a:t>	*fact-type -&gt; RT1</a:t>
+            </a:r>
+          </a:p>
+          <a:p>
+            <a:pPr marL="0" indent="0">
+              <a:buNone/>
+            </a:pPr>
+            <a:r>
+              <a:rPr lang="en-US" dirty="0">
+                <a:sym typeface="Wingdings"/>
+              </a:rPr>
+              <a:t>	nil -&gt; V1</a:t>
+            </a:r>
+          </a:p>
+          <a:p>
+            <a:pPr marL="0" indent="0">
+              <a:buNone/>
+            </a:pPr>
+            <a:r>
+              <a:rPr lang="en-US" dirty="0">
+                <a:sym typeface="Wingdings"/>
+              </a:rPr>
+              <a:t>}</a:t>
+            </a:r>
+            <a:endParaRPr lang="en-US" dirty="0"/>
+          </a:p>
+        </p:txBody>
+      </p:sp>
+    </p:spTree>
+    <p:extLst>
+      <p:ext uri="{BB962C8B-B14F-4D97-AF65-F5344CB8AC3E}">
+        <p14:creationId xmlns:p14="http://schemas.microsoft.com/office/powerpoint/2010/main" val="2932616413"/>
+      </p:ext>
+    </p:extLst>
+  </p:cSld>
+  <p:clrMapOvr>
+    <a:masterClrMapping/>
+  </p:clrMapOvr>
+  <p:transition/>
+</p:sld>
+</file>
+
+<file path=ppt/slides/slide26.xml><?xml version="1.0" encoding="utf-8"?>
+<p:sld xmlns:a="http://schemas.openxmlformats.org/drawingml/2006/main" xmlns:r="http://schemas.openxmlformats.org/officeDocument/2006/relationships" xmlns:p="http://schemas.openxmlformats.org/presentationml/2006/main">
+  <p:cSld>
+    <p:spTree>
+      <p:nvGrpSpPr>
+        <p:cNvPr id="1" name=""/>
+        <p:cNvGrpSpPr/>
+        <p:nvPr/>
+      </p:nvGrpSpPr>
+      <p:grpSpPr>
+        <a:xfrm>
+          <a:off x="0" y="0"/>
+          <a:ext cx="0" cy="0"/>
+          <a:chOff x="0" y="0"/>
+          <a:chExt cx="0" cy="0"/>
+        </a:xfrm>
+      </p:grpSpPr>
+      <p:sp>
+        <p:nvSpPr>
           <p:cNvPr id="5" name="Title 4"/>
           <p:cNvSpPr>
             <a:spLocks noGrp="1"/>
@@ -9948,10 +9816,9 @@
           <a:lstStyle/>
           <a:p>
             <a:r>
-              <a:rPr lang="en-US" dirty="0" smtClean="0"/>
+              <a:rPr lang="en-US" dirty="0"/>
               <a:t>Assignment</a:t>
             </a:r>
-            <a:endParaRPr lang="en-US" dirty="0"/>
           </a:p>
         </p:txBody>
       </p:sp>
@@ -9971,32 +9838,31 @@
           <a:lstStyle/>
           <a:p>
             <a:r>
-              <a:rPr lang="en-US" dirty="0" smtClean="0"/>
+              <a:rPr lang="en-US" dirty="0"/>
               <a:t>Try out the simple tasks in the “bottom-up learning” folder in Unit 3</a:t>
             </a:r>
           </a:p>
           <a:p>
             <a:r>
-              <a:rPr lang="en-US" dirty="0" err="1" smtClean="0"/>
+              <a:rPr lang="en-US" dirty="0" err="1"/>
               <a:t>primitives.prims</a:t>
             </a:r>
             <a:r>
-              <a:rPr lang="en-US" dirty="0" smtClean="0"/>
+              <a:rPr lang="en-US" dirty="0"/>
               <a:t> contains the primitive operations</a:t>
             </a:r>
           </a:p>
           <a:p>
             <a:r>
-              <a:rPr lang="en-US" dirty="0" smtClean="0"/>
+              <a:rPr lang="en-US" dirty="0"/>
               <a:t>The other files just contain task definitions, scripts and facts (so no skills)</a:t>
             </a:r>
           </a:p>
           <a:p>
             <a:r>
-              <a:rPr lang="en-US" dirty="0" smtClean="0"/>
+              <a:rPr lang="en-US" dirty="0"/>
               <a:t>You can also define your own tasks and test the limitations of the system</a:t>
             </a:r>
-            <a:endParaRPr lang="en-US" dirty="0"/>
           </a:p>
         </p:txBody>
       </p:sp>
@@ -10010,7 +9876,7 @@
   <p:clrMapOvr>
     <a:masterClrMapping/>
   </p:clrMapOvr>
-  <p:transition xmlns:p14="http://schemas.microsoft.com/office/powerpoint/2010/main"/>
+  <p:transition/>
 </p:sld>
 </file>
 
@@ -10047,10 +9913,9 @@
           <a:lstStyle/>
           <a:p>
             <a:r>
-              <a:rPr lang="en-US" dirty="0" smtClean="0"/>
+              <a:rPr lang="en-US" dirty="0"/>
               <a:t>Trial-and-error (possibly guided)</a:t>
             </a:r>
-            <a:endParaRPr lang="en-US" dirty="0"/>
           </a:p>
         </p:txBody>
       </p:sp>
@@ -10070,16 +9935,15 @@
           <a:lstStyle/>
           <a:p>
             <a:r>
-              <a:rPr lang="en-US" dirty="0" smtClean="0"/>
+              <a:rPr lang="en-US" dirty="0"/>
               <a:t>If we are successful in using an operator for a particular goal, we increase the association with that goal</a:t>
             </a:r>
           </a:p>
           <a:p>
             <a:r>
-              <a:rPr lang="en-US" dirty="0" smtClean="0"/>
+              <a:rPr lang="en-US" dirty="0"/>
               <a:t>We also increase the base-level activation of the operator</a:t>
             </a:r>
-            <a:endParaRPr lang="en-US" dirty="0"/>
           </a:p>
         </p:txBody>
       </p:sp>
@@ -10093,7 +9957,7 @@
   <p:clrMapOvr>
     <a:masterClrMapping/>
   </p:clrMapOvr>
-  <p:transition xmlns:p14="http://schemas.microsoft.com/office/powerpoint/2010/main"/>
+  <p:transition/>
 </p:sld>
 </file>
 
@@ -10314,16 +10178,12 @@
               <a:buNone/>
             </a:pPr>
             <a:r>
-              <a:rPr lang="en-US" sz="1600" dirty="0" smtClean="0">
+              <a:rPr lang="en-US" sz="1600" dirty="0">
                 <a:latin typeface="Courier"/>
                 <a:cs typeface="Courier"/>
               </a:rPr>
               <a:t>}</a:t>
             </a:r>
-            <a:endParaRPr lang="en-US" sz="1600" dirty="0">
-              <a:latin typeface="Courier"/>
-              <a:cs typeface="Courier"/>
-            </a:endParaRPr>
           </a:p>
         </p:txBody>
       </p:sp>
@@ -10337,7 +10197,7 @@
   <p:clrMapOvr>
     <a:masterClrMapping/>
   </p:clrMapOvr>
-  <p:transition xmlns:p14="http://schemas.microsoft.com/office/powerpoint/2010/main"/>
+  <p:transition/>
 </p:sld>
 </file>
 
@@ -10374,16 +10234,21 @@
           <a:lstStyle/>
           <a:p>
             <a:r>
-              <a:rPr lang="en-US" dirty="0" smtClean="0"/>
+              <a:rPr lang="en-US" dirty="0"/>
               <a:t>Equations</a:t>
             </a:r>
-            <a:endParaRPr lang="en-US" dirty="0"/>
           </a:p>
         </p:txBody>
       </p:sp>
       <p:pic>
         <p:nvPicPr>
-          <p:cNvPr id="4" name="Picture 3"/>
+          <p:cNvPr id="6" name="Picture 5">
+            <a:extLst>
+              <a:ext uri="{FF2B5EF4-FFF2-40B4-BE49-F238E27FC236}">
+                <a16:creationId xmlns:a16="http://schemas.microsoft.com/office/drawing/2014/main" id="{BA37149F-2AAC-C945-A3C6-A41AD9BBD1E9}"/>
+              </a:ext>
+            </a:extLst>
+          </p:cNvPr>
           <p:cNvPicPr>
             <a:picLocks noChangeAspect="1"/>
           </p:cNvPicPr>
@@ -10397,56 +10262,8 @@
         </p:blipFill>
         <p:spPr>
           <a:xfrm>
-            <a:off x="624925" y="3383300"/>
-            <a:ext cx="8117577" cy="383740"/>
-          </a:xfrm>
-          <a:prstGeom prst="rect">
-            <a:avLst/>
-          </a:prstGeom>
-        </p:spPr>
-      </p:pic>
-      <p:pic>
-        <p:nvPicPr>
-          <p:cNvPr id="9" name="Picture 8"/>
-          <p:cNvPicPr>
-            <a:picLocks noChangeAspect="1"/>
-          </p:cNvPicPr>
-          <p:nvPr/>
-        </p:nvPicPr>
-        <p:blipFill>
-          <a:blip r:embed="rId3"/>
-          <a:stretch>
-            <a:fillRect/>
-          </a:stretch>
-        </p:blipFill>
-        <p:spPr>
-          <a:xfrm>
-            <a:off x="624925" y="4178180"/>
-            <a:ext cx="7245805" cy="382908"/>
-          </a:xfrm>
-          <a:prstGeom prst="rect">
-            <a:avLst/>
-          </a:prstGeom>
-        </p:spPr>
-      </p:pic>
-      <p:pic>
-        <p:nvPicPr>
-          <p:cNvPr id="10" name="Picture 9"/>
-          <p:cNvPicPr>
-            <a:picLocks noChangeAspect="1"/>
-          </p:cNvPicPr>
-          <p:nvPr/>
-        </p:nvPicPr>
-        <p:blipFill>
-          <a:blip r:embed="rId4"/>
-          <a:stretch>
-            <a:fillRect/>
-          </a:stretch>
-        </p:blipFill>
-        <p:spPr>
-          <a:xfrm>
-            <a:off x="624925" y="2398340"/>
-            <a:ext cx="4499262" cy="487420"/>
+            <a:off x="654050" y="2133671"/>
+            <a:ext cx="7835900" cy="3289300"/>
           </a:xfrm>
           <a:prstGeom prst="rect">
             <a:avLst/>
@@ -10463,7 +10280,7 @@
   <p:clrMapOvr>
     <a:masterClrMapping/>
   </p:clrMapOvr>
-  <p:transition xmlns:p14="http://schemas.microsoft.com/office/powerpoint/2010/main"/>
+  <p:transition/>
 </p:sld>
 </file>
 
@@ -10486,6 +10303,110 @@
       </p:grpSpPr>
       <p:sp>
         <p:nvSpPr>
+          <p:cNvPr id="2" name="Title 1">
+            <a:extLst>
+              <a:ext uri="{FF2B5EF4-FFF2-40B4-BE49-F238E27FC236}">
+                <a16:creationId xmlns:a16="http://schemas.microsoft.com/office/drawing/2014/main" id="{03EA7820-4BCF-4040-9CCE-C3BE8852C3BE}"/>
+              </a:ext>
+            </a:extLst>
+          </p:cNvPr>
+          <p:cNvSpPr>
+            <a:spLocks noGrp="1"/>
+          </p:cNvSpPr>
+          <p:nvPr>
+            <p:ph type="title"/>
+          </p:nvPr>
+        </p:nvSpPr>
+        <p:spPr/>
+        <p:txBody>
+          <a:bodyPr/>
+          <a:lstStyle/>
+          <a:p>
+            <a:r>
+              <a:rPr lang="en-US" dirty="0"/>
+              <a:t>Similarities and differences from ACT-R</a:t>
+            </a:r>
+          </a:p>
+        </p:txBody>
+      </p:sp>
+      <p:sp>
+        <p:nvSpPr>
+          <p:cNvPr id="3" name="Content Placeholder 2">
+            <a:extLst>
+              <a:ext uri="{FF2B5EF4-FFF2-40B4-BE49-F238E27FC236}">
+                <a16:creationId xmlns:a16="http://schemas.microsoft.com/office/drawing/2014/main" id="{05CF0E00-C3D7-C545-A3F1-A33DFAEFD492}"/>
+              </a:ext>
+            </a:extLst>
+          </p:cNvPr>
+          <p:cNvSpPr>
+            <a:spLocks noGrp="1"/>
+          </p:cNvSpPr>
+          <p:nvPr>
+            <p:ph idx="1"/>
+          </p:nvPr>
+        </p:nvSpPr>
+        <p:spPr/>
+        <p:txBody>
+          <a:bodyPr/>
+          <a:lstStyle/>
+          <a:p>
+            <a:r>
+              <a:rPr lang="en-US" dirty="0"/>
+              <a:t>The mechanism is the same (reinforcement learning)</a:t>
+            </a:r>
+          </a:p>
+          <a:p>
+            <a:r>
+              <a:rPr lang="en-US" dirty="0"/>
+              <a:t>ACT-R learns utilities, which are context independent</a:t>
+            </a:r>
+          </a:p>
+          <a:p>
+            <a:r>
+              <a:rPr lang="en-US" dirty="0"/>
+              <a:t>PRIMs learns associations, which fully depend on </a:t>
+            </a:r>
+            <a:r>
+              <a:rPr lang="en-US"/>
+              <a:t>the context</a:t>
+            </a:r>
+            <a:endParaRPr lang="en-US" dirty="0"/>
+          </a:p>
+        </p:txBody>
+      </p:sp>
+    </p:spTree>
+    <p:extLst>
+      <p:ext uri="{BB962C8B-B14F-4D97-AF65-F5344CB8AC3E}">
+        <p14:creationId xmlns:p14="http://schemas.microsoft.com/office/powerpoint/2010/main" val="4213049265"/>
+      </p:ext>
+    </p:extLst>
+  </p:cSld>
+  <p:clrMapOvr>
+    <a:masterClrMapping/>
+  </p:clrMapOvr>
+  <p:transition/>
+</p:sld>
+</file>
+
+<file path=ppt/slides/slide7.xml><?xml version="1.0" encoding="utf-8"?>
+<p:sld xmlns:a="http://schemas.openxmlformats.org/drawingml/2006/main" xmlns:r="http://schemas.openxmlformats.org/officeDocument/2006/relationships" xmlns:p="http://schemas.openxmlformats.org/presentationml/2006/main" show="0">
+  <p:cSld>
+    <p:spTree>
+      <p:nvGrpSpPr>
+        <p:cNvPr id="1" name=""/>
+        <p:cNvGrpSpPr/>
+        <p:nvPr/>
+      </p:nvGrpSpPr>
+      <p:grpSpPr>
+        <a:xfrm>
+          <a:off x="0" y="0"/>
+          <a:ext cx="0" cy="0"/>
+          <a:chOff x="0" y="0"/>
+          <a:chExt cx="0" cy="0"/>
+        </a:xfrm>
+      </p:grpSpPr>
+      <p:sp>
+        <p:nvSpPr>
           <p:cNvPr id="2" name="Title 1"/>
           <p:cNvSpPr>
             <a:spLocks noGrp="1"/>
@@ -10500,10 +10421,9 @@
           <a:lstStyle/>
           <a:p>
             <a:r>
-              <a:rPr lang="en-US" dirty="0" smtClean="0"/>
+              <a:rPr lang="en-US" dirty="0"/>
               <a:t>Far transfer</a:t>
             </a:r>
-            <a:endParaRPr lang="en-US" dirty="0"/>
           </a:p>
         </p:txBody>
       </p:sp>
@@ -10523,16 +10443,15 @@
           <a:lstStyle/>
           <a:p>
             <a:r>
-              <a:rPr lang="en-US" dirty="0" smtClean="0"/>
+              <a:rPr lang="en-US" dirty="0"/>
               <a:t>Transfer between tasks that do not resemble each other</a:t>
             </a:r>
           </a:p>
           <a:p>
             <a:r>
-              <a:rPr lang="en-US" dirty="0" smtClean="0"/>
+              <a:rPr lang="en-US" dirty="0"/>
               <a:t>Overlap is in a few key operators that determine the strategy</a:t>
             </a:r>
-            <a:endParaRPr lang="en-US" dirty="0"/>
           </a:p>
         </p:txBody>
       </p:sp>
@@ -10546,12 +10465,12 @@
   <p:clrMapOvr>
     <a:masterClrMapping/>
   </p:clrMapOvr>
-  <p:transition xmlns:p14="http://schemas.microsoft.com/office/powerpoint/2010/main"/>
+  <p:transition/>
 </p:sld>
 </file>
 
-<file path=ppt/slides/slide7.xml><?xml version="1.0" encoding="utf-8"?>
-<p:sld xmlns:a="http://schemas.openxmlformats.org/drawingml/2006/main" xmlns:r="http://schemas.openxmlformats.org/officeDocument/2006/relationships" xmlns:p="http://schemas.openxmlformats.org/presentationml/2006/main">
+<file path=ppt/slides/slide8.xml><?xml version="1.0" encoding="utf-8"?>
+<p:sld xmlns:a="http://schemas.openxmlformats.org/drawingml/2006/main" xmlns:r="http://schemas.openxmlformats.org/officeDocument/2006/relationships" xmlns:p="http://schemas.openxmlformats.org/presentationml/2006/main" show="0">
   <p:cSld>
     <p:spTree>
       <p:nvGrpSpPr>
@@ -10787,10 +10706,9 @@
           <a:lstStyle/>
           <a:p>
             <a:r>
-              <a:rPr lang="en-US" dirty="0" smtClean="0"/>
+              <a:rPr lang="en-US" dirty="0"/>
               <a:t>Task Switching (food/size)</a:t>
             </a:r>
-            <a:endParaRPr lang="en-US" dirty="0"/>
           </a:p>
         </p:txBody>
       </p:sp>
@@ -11117,7 +11035,7 @@
           <a:lstStyle/>
           <a:p>
             <a:r>
-              <a:rPr lang="en-US" dirty="0" smtClean="0">
+              <a:rPr lang="en-US" dirty="0">
                 <a:solidFill>
                   <a:srgbClr val="000000"/>
                 </a:solidFill>
@@ -11125,12 +11043,6 @@
               </a:rPr>
               <a:t>left</a:t>
             </a:r>
-            <a:endParaRPr lang="en-US" dirty="0">
-              <a:solidFill>
-                <a:srgbClr val="000000"/>
-              </a:solidFill>
-              <a:latin typeface="Optima"/>
-            </a:endParaRPr>
           </a:p>
         </p:txBody>
       </p:sp>
@@ -11157,7 +11069,7 @@
           <a:lstStyle/>
           <a:p>
             <a:r>
-              <a:rPr lang="en-US" dirty="0" smtClean="0">
+              <a:rPr lang="en-US" dirty="0">
                 <a:solidFill>
                   <a:srgbClr val="000000"/>
                 </a:solidFill>
@@ -11165,12 +11077,6 @@
               </a:rPr>
               <a:t>right</a:t>
             </a:r>
-            <a:endParaRPr lang="en-US" dirty="0">
-              <a:solidFill>
-                <a:srgbClr val="000000"/>
-              </a:solidFill>
-              <a:latin typeface="Optima"/>
-            </a:endParaRPr>
           </a:p>
         </p:txBody>
       </p:sp>
@@ -11197,7 +11103,7 @@
           <a:lstStyle/>
           <a:p>
             <a:r>
-              <a:rPr lang="en-US" dirty="0" smtClean="0">
+              <a:rPr lang="en-US" dirty="0">
                 <a:solidFill>
                   <a:srgbClr val="000000"/>
                 </a:solidFill>
@@ -11205,12 +11111,6 @@
               </a:rPr>
               <a:t>left</a:t>
             </a:r>
-            <a:endParaRPr lang="en-US" dirty="0">
-              <a:solidFill>
-                <a:srgbClr val="000000"/>
-              </a:solidFill>
-              <a:latin typeface="Optima"/>
-            </a:endParaRPr>
           </a:p>
         </p:txBody>
       </p:sp>
@@ -11237,7 +11137,7 @@
           <a:lstStyle/>
           <a:p>
             <a:r>
-              <a:rPr lang="en-US" dirty="0" smtClean="0">
+              <a:rPr lang="en-US" dirty="0">
                 <a:solidFill>
                   <a:srgbClr val="000000"/>
                 </a:solidFill>
@@ -11245,12 +11145,6 @@
               </a:rPr>
               <a:t>right</a:t>
             </a:r>
-            <a:endParaRPr lang="en-US" dirty="0">
-              <a:solidFill>
-                <a:srgbClr val="000000"/>
-              </a:solidFill>
-              <a:latin typeface="Optima"/>
-            </a:endParaRPr>
           </a:p>
         </p:txBody>
       </p:sp>
@@ -11277,7 +11171,7 @@
           <a:lstStyle/>
           <a:p>
             <a:r>
-              <a:rPr lang="en-US" dirty="0" smtClean="0">
+              <a:rPr lang="en-US" dirty="0">
                 <a:solidFill>
                   <a:srgbClr val="000000"/>
                 </a:solidFill>
@@ -11285,12 +11179,6 @@
               </a:rPr>
               <a:t>left</a:t>
             </a:r>
-            <a:endParaRPr lang="en-US" dirty="0">
-              <a:solidFill>
-                <a:srgbClr val="000000"/>
-              </a:solidFill>
-              <a:latin typeface="Optima"/>
-            </a:endParaRPr>
           </a:p>
         </p:txBody>
       </p:sp>
@@ -11346,7 +11234,7 @@
           <a:lstStyle/>
           <a:p>
             <a:r>
-              <a:rPr lang="en-US" sz="2000" dirty="0" smtClean="0">
+              <a:rPr lang="en-US" sz="2000" dirty="0">
                 <a:solidFill>
                   <a:srgbClr val="000000"/>
                 </a:solidFill>
@@ -11354,12 +11242,6 @@
               </a:rPr>
               <a:t>Respond to fruit/veg</a:t>
             </a:r>
-            <a:endParaRPr lang="en-US" sz="2000" dirty="0">
-              <a:solidFill>
-                <a:srgbClr val="000000"/>
-              </a:solidFill>
-              <a:latin typeface="Optima"/>
-            </a:endParaRPr>
           </a:p>
         </p:txBody>
       </p:sp>
@@ -11415,7 +11297,7 @@
           <a:lstStyle/>
           <a:p>
             <a:r>
-              <a:rPr lang="en-US" sz="2000" dirty="0" smtClean="0">
+              <a:rPr lang="en-US" sz="2000" dirty="0">
                 <a:solidFill>
                   <a:srgbClr val="000000"/>
                 </a:solidFill>
@@ -11423,12 +11305,6 @@
               </a:rPr>
               <a:t>Respond to fruit/veg</a:t>
             </a:r>
-            <a:endParaRPr lang="en-US" sz="2000" dirty="0">
-              <a:solidFill>
-                <a:srgbClr val="000000"/>
-              </a:solidFill>
-              <a:latin typeface="Optima"/>
-            </a:endParaRPr>
           </a:p>
         </p:txBody>
       </p:sp>
@@ -11484,7 +11360,7 @@
           <a:lstStyle/>
           <a:p>
             <a:r>
-              <a:rPr lang="en-US" sz="2000" dirty="0" smtClean="0">
+              <a:rPr lang="en-US" sz="2000" dirty="0">
                 <a:solidFill>
                   <a:srgbClr val="000000"/>
                 </a:solidFill>
@@ -11492,12 +11368,6 @@
               </a:rPr>
               <a:t>Respond to size</a:t>
             </a:r>
-            <a:endParaRPr lang="en-US" sz="2000" dirty="0">
-              <a:solidFill>
-                <a:srgbClr val="000000"/>
-              </a:solidFill>
-              <a:latin typeface="Optima"/>
-            </a:endParaRPr>
           </a:p>
         </p:txBody>
       </p:sp>
@@ -11524,7 +11394,7 @@
           <a:lstStyle/>
           <a:p>
             <a:r>
-              <a:rPr lang="en-US" sz="3600" dirty="0" smtClean="0">
+              <a:rPr lang="en-US" sz="3600" dirty="0">
                 <a:solidFill>
                   <a:srgbClr val="000000"/>
                 </a:solidFill>
@@ -11532,12 +11402,6 @@
               </a:rPr>
               <a:t>. . .</a:t>
             </a:r>
-            <a:endParaRPr lang="en-US" sz="3600" dirty="0">
-              <a:solidFill>
-                <a:srgbClr val="000000"/>
-              </a:solidFill>
-              <a:latin typeface="Optima"/>
-            </a:endParaRPr>
           </a:p>
         </p:txBody>
       </p:sp>
@@ -11551,19 +11415,12 @@
   <p:clrMapOvr>
     <a:masterClrMapping/>
   </p:clrMapOvr>
-  <p:transition xmlns:p14="http://schemas.microsoft.com/office/powerpoint/2010/main"/>
-  <p:timing>
-    <p:tnLst>
-      <p:par>
-        <p:cTn xmlns:p14="http://schemas.microsoft.com/office/powerpoint/2010/main" id="1" dur="indefinite" restart="never" nodeType="tmRoot"/>
-      </p:par>
-    </p:tnLst>
-  </p:timing>
+  <p:transition/>
 </p:sld>
 </file>
 
-<file path=ppt/slides/slide8.xml><?xml version="1.0" encoding="utf-8"?>
-<p:sld xmlns:a="http://schemas.openxmlformats.org/drawingml/2006/main" xmlns:r="http://schemas.openxmlformats.org/officeDocument/2006/relationships" xmlns:p="http://schemas.openxmlformats.org/presentationml/2006/main">
+<file path=ppt/slides/slide9.xml><?xml version="1.0" encoding="utf-8"?>
+<p:sld xmlns:a="http://schemas.openxmlformats.org/drawingml/2006/main" xmlns:r="http://schemas.openxmlformats.org/officeDocument/2006/relationships" xmlns:p="http://schemas.openxmlformats.org/presentationml/2006/main" show="0">
   <p:cSld>
     <p:spTree>
       <p:nvGrpSpPr>
@@ -11595,10 +11452,9 @@
           <a:lstStyle/>
           <a:p>
             <a:r>
-              <a:rPr lang="en-US" dirty="0" smtClean="0"/>
+              <a:rPr lang="en-US" dirty="0"/>
               <a:t>Stroop</a:t>
             </a:r>
-            <a:endParaRPr lang="en-US" dirty="0"/>
           </a:p>
         </p:txBody>
       </p:sp>
@@ -11620,14 +11476,14 @@
           <a:lstStyle/>
           <a:p>
             <a:r>
-              <a:rPr lang="en-US" dirty="0" smtClean="0"/>
+              <a:rPr lang="en-US" dirty="0"/>
               <a:t>Stroop task:</a:t>
             </a:r>
           </a:p>
           <a:p>
             <a:pPr lvl="1"/>
             <a:r>
-              <a:rPr lang="en-US" dirty="0" smtClean="0">
+              <a:rPr lang="en-US" dirty="0">
                 <a:solidFill>
                   <a:srgbClr val="0000FF"/>
                 </a:solidFill>
@@ -11635,11 +11491,11 @@
               <a:t>BLUE</a:t>
             </a:r>
             <a:r>
-              <a:rPr lang="en-US" dirty="0" smtClean="0"/>
+              <a:rPr lang="en-US" dirty="0"/>
               <a:t> or </a:t>
             </a:r>
             <a:r>
-              <a:rPr lang="en-US" dirty="0" smtClean="0">
+              <a:rPr lang="en-US" dirty="0">
                 <a:solidFill>
                   <a:srgbClr val="FF6600"/>
                 </a:solidFill>
@@ -11647,11 +11503,11 @@
               <a:t>PIANO</a:t>
             </a:r>
             <a:r>
-              <a:rPr lang="en-US" dirty="0" smtClean="0"/>
+              <a:rPr lang="en-US" dirty="0"/>
               <a:t> or </a:t>
             </a:r>
             <a:r>
-              <a:rPr lang="en-US" dirty="0" smtClean="0">
+              <a:rPr lang="en-US" dirty="0">
                 <a:solidFill>
                   <a:srgbClr val="008000"/>
                 </a:solidFill>
@@ -11662,7 +11518,7 @@
           <a:p>
             <a:pPr lvl="1"/>
             <a:r>
-              <a:rPr lang="en-US" dirty="0" smtClean="0">
+              <a:rPr lang="en-US" dirty="0">
                 <a:solidFill>
                   <a:srgbClr val="000000"/>
                 </a:solidFill>
@@ -11673,18 +11529,13 @@
           <a:p>
             <a:pPr lvl="1"/>
             <a:r>
-              <a:rPr lang="en-US" dirty="0" smtClean="0">
+              <a:rPr lang="en-US" dirty="0">
                 <a:solidFill>
                   <a:srgbClr val="000000"/>
                 </a:solidFill>
               </a:rPr>
               <a:t>Typical result: people are slower when there is a mismatch between the word and the ink.</a:t>
             </a:r>
-            <a:endParaRPr lang="en-US" dirty="0">
-              <a:solidFill>
-                <a:srgbClr val="000000"/>
-              </a:solidFill>
-            </a:endParaRPr>
           </a:p>
         </p:txBody>
       </p:sp>
@@ -11698,112 +11549,7 @@
   <p:clrMapOvr>
     <a:masterClrMapping/>
   </p:clrMapOvr>
-  <p:transition xmlns:p14="http://schemas.microsoft.com/office/powerpoint/2010/main"/>
-  <p:timing>
-    <p:tnLst>
-      <p:par>
-        <p:cTn xmlns:p14="http://schemas.microsoft.com/office/powerpoint/2010/main" id="1" dur="indefinite" restart="never" nodeType="tmRoot"/>
-      </p:par>
-    </p:tnLst>
-  </p:timing>
-</p:sld>
-</file>
-
-<file path=ppt/slides/slide9.xml><?xml version="1.0" encoding="utf-8"?>
-<p:sld xmlns:a="http://schemas.openxmlformats.org/drawingml/2006/main" xmlns:r="http://schemas.openxmlformats.org/officeDocument/2006/relationships" xmlns:p="http://schemas.openxmlformats.org/presentationml/2006/main">
-  <p:cSld>
-    <p:spTree>
-      <p:nvGrpSpPr>
-        <p:cNvPr id="1" name=""/>
-        <p:cNvGrpSpPr/>
-        <p:nvPr/>
-      </p:nvGrpSpPr>
-      <p:grpSpPr>
-        <a:xfrm>
-          <a:off x="0" y="0"/>
-          <a:ext cx="0" cy="0"/>
-          <a:chOff x="0" y="0"/>
-          <a:chExt cx="0" cy="0"/>
-        </a:xfrm>
-      </p:grpSpPr>
-      <p:sp>
-        <p:nvSpPr>
-          <p:cNvPr id="2" name="Title 1"/>
-          <p:cNvSpPr>
-            <a:spLocks noGrp="1"/>
-          </p:cNvSpPr>
-          <p:nvPr>
-            <p:ph type="title"/>
-          </p:nvPr>
-        </p:nvSpPr>
-        <p:spPr/>
-        <p:txBody>
-          <a:bodyPr/>
-          <a:lstStyle/>
-          <a:p>
-            <a:r>
-              <a:rPr lang="en-US" dirty="0" smtClean="0"/>
-              <a:t>Two strategies</a:t>
-            </a:r>
-            <a:endParaRPr lang="en-US" dirty="0"/>
-          </a:p>
-        </p:txBody>
-      </p:sp>
-      <p:sp>
-        <p:nvSpPr>
-          <p:cNvPr id="3" name="Content Placeholder 2"/>
-          <p:cNvSpPr>
-            <a:spLocks noGrp="1"/>
-          </p:cNvSpPr>
-          <p:nvPr>
-            <p:ph idx="1"/>
-          </p:nvPr>
-        </p:nvSpPr>
-        <p:spPr/>
-        <p:txBody>
-          <a:bodyPr/>
-          <a:lstStyle/>
-          <a:p>
-            <a:r>
-              <a:rPr lang="en-US" dirty="0" smtClean="0"/>
-              <a:t>Proactive: anticipate next trial</a:t>
-            </a:r>
-          </a:p>
-          <a:p>
-            <a:r>
-              <a:rPr lang="en-US" dirty="0" smtClean="0"/>
-              <a:t>Reactive: wait for stimulus, the decide</a:t>
-            </a:r>
-          </a:p>
-          <a:p>
-            <a:endParaRPr lang="en-US" dirty="0"/>
-          </a:p>
-          <a:p>
-            <a:r>
-              <a:rPr lang="en-US" dirty="0" smtClean="0"/>
-              <a:t>This version of task switching requires a proactive strategy</a:t>
-            </a:r>
-          </a:p>
-          <a:p>
-            <a:r>
-              <a:rPr lang="en-US" dirty="0" smtClean="0"/>
-              <a:t>Key: preparation is a separate goal</a:t>
-            </a:r>
-            <a:endParaRPr lang="en-US" dirty="0"/>
-          </a:p>
-        </p:txBody>
-      </p:sp>
-    </p:spTree>
-    <p:extLst>
-      <p:ext uri="{BB962C8B-B14F-4D97-AF65-F5344CB8AC3E}">
-        <p14:creationId xmlns:p14="http://schemas.microsoft.com/office/powerpoint/2010/main" val="3652312494"/>
-      </p:ext>
-    </p:extLst>
-  </p:cSld>
-  <p:clrMapOvr>
-    <a:masterClrMapping/>
-  </p:clrMapOvr>
-  <p:transition xmlns:p14="http://schemas.microsoft.com/office/powerpoint/2010/main"/>
+  <p:transition/>
 </p:sld>
 </file>
 

--- a/PRIMsTutorial4.pptx
+++ b/PRIMsTutorial4.pptx
@@ -10364,12 +10364,13 @@
           <a:p>
             <a:r>
               <a:rPr lang="en-US" dirty="0"/>
-              <a:t>PRIMs learns associations, which fully depend on </a:t>
-            </a:r>
-            <a:r>
-              <a:rPr lang="en-US"/>
-              <a:t>the context</a:t>
-            </a:r>
+              <a:t>PRIMs learns associations, which fully depend on the context</a:t>
+            </a:r>
+          </a:p>
+          <a:p>
+            <a:pPr marL="0" indent="0">
+              <a:buNone/>
+            </a:pPr>
             <a:endParaRPr lang="en-US" dirty="0"/>
           </a:p>
         </p:txBody>

--- a/PRIMsTutorial4.pptx
+++ b/PRIMsTutorial4.pptx
@@ -9,29 +9,37 @@
     <p:sldId id="278" r:id="rId3"/>
     <p:sldId id="257" r:id="rId4"/>
     <p:sldId id="258" r:id="rId5"/>
-    <p:sldId id="259" r:id="rId6"/>
-    <p:sldId id="260" r:id="rId7"/>
-    <p:sldId id="284" r:id="rId8"/>
-    <p:sldId id="261" r:id="rId9"/>
-    <p:sldId id="262" r:id="rId10"/>
-    <p:sldId id="263" r:id="rId11"/>
-    <p:sldId id="264" r:id="rId12"/>
-    <p:sldId id="265" r:id="rId13"/>
-    <p:sldId id="266" r:id="rId14"/>
-    <p:sldId id="267" r:id="rId15"/>
-    <p:sldId id="268" r:id="rId16"/>
-    <p:sldId id="269" r:id="rId17"/>
-    <p:sldId id="270" r:id="rId18"/>
-    <p:sldId id="271" r:id="rId19"/>
-    <p:sldId id="272" r:id="rId20"/>
-    <p:sldId id="273" r:id="rId21"/>
-    <p:sldId id="274" r:id="rId22"/>
-    <p:sldId id="275" r:id="rId23"/>
-    <p:sldId id="279" r:id="rId24"/>
-    <p:sldId id="280" r:id="rId25"/>
-    <p:sldId id="281" r:id="rId26"/>
-    <p:sldId id="282" r:id="rId27"/>
-    <p:sldId id="283" r:id="rId28"/>
+    <p:sldId id="305" r:id="rId6"/>
+    <p:sldId id="259" r:id="rId7"/>
+    <p:sldId id="260" r:id="rId8"/>
+    <p:sldId id="284" r:id="rId9"/>
+    <p:sldId id="261" r:id="rId10"/>
+    <p:sldId id="262" r:id="rId11"/>
+    <p:sldId id="263" r:id="rId12"/>
+    <p:sldId id="264" r:id="rId13"/>
+    <p:sldId id="265" r:id="rId14"/>
+    <p:sldId id="266" r:id="rId15"/>
+    <p:sldId id="267" r:id="rId16"/>
+    <p:sldId id="268" r:id="rId17"/>
+    <p:sldId id="269" r:id="rId18"/>
+    <p:sldId id="270" r:id="rId19"/>
+    <p:sldId id="271" r:id="rId20"/>
+    <p:sldId id="272" r:id="rId21"/>
+    <p:sldId id="273" r:id="rId22"/>
+    <p:sldId id="274" r:id="rId23"/>
+    <p:sldId id="275" r:id="rId24"/>
+    <p:sldId id="279" r:id="rId25"/>
+    <p:sldId id="280" r:id="rId26"/>
+    <p:sldId id="355" r:id="rId27"/>
+    <p:sldId id="366" r:id="rId28"/>
+    <p:sldId id="367" r:id="rId29"/>
+    <p:sldId id="368" r:id="rId30"/>
+    <p:sldId id="369" r:id="rId31"/>
+    <p:sldId id="375" r:id="rId32"/>
+    <p:sldId id="370" r:id="rId33"/>
+    <p:sldId id="371" r:id="rId34"/>
+    <p:sldId id="372" r:id="rId35"/>
+    <p:sldId id="283" r:id="rId36"/>
   </p:sldIdLst>
   <p:sldSz cx="9144000" cy="6858000" type="screen4x3"/>
   <p:notesSz cx="6858000" cy="9144000"/>
@@ -7300,7 +7308,7 @@
           <a:p>
             <a:r>
               <a:rPr lang="en-US" dirty="0"/>
-              <a:t>Two strategies</a:t>
+              <a:t>Stroop</a:t>
             </a:r>
           </a:p>
         </p:txBody>
@@ -7317,33 +7325,71 @@
         </p:nvSpPr>
         <p:spPr/>
         <p:txBody>
-          <a:bodyPr/>
+          <a:bodyPr>
+            <a:normAutofit/>
+          </a:bodyPr>
           <a:lstStyle/>
           <a:p>
             <a:r>
               <a:rPr lang="en-US" dirty="0"/>
-              <a:t>Proactive: anticipate next trial</a:t>
-            </a:r>
-          </a:p>
-          <a:p>
+              <a:t>Stroop task:</a:t>
+            </a:r>
+          </a:p>
+          <a:p>
+            <a:pPr lvl="1"/>
+            <a:r>
+              <a:rPr lang="en-US" dirty="0">
+                <a:solidFill>
+                  <a:srgbClr val="0000FF"/>
+                </a:solidFill>
+              </a:rPr>
+              <a:t>BLUE</a:t>
+            </a:r>
             <a:r>
               <a:rPr lang="en-US" dirty="0"/>
-              <a:t>Reactive: wait for stimulus, the decide</a:t>
-            </a:r>
-          </a:p>
-          <a:p>
-            <a:endParaRPr lang="en-US" dirty="0"/>
-          </a:p>
-          <a:p>
+              <a:t> or </a:t>
+            </a:r>
+            <a:r>
+              <a:rPr lang="en-US" dirty="0">
+                <a:solidFill>
+                  <a:srgbClr val="FF6600"/>
+                </a:solidFill>
+              </a:rPr>
+              <a:t>PIANO</a:t>
+            </a:r>
             <a:r>
               <a:rPr lang="en-US" dirty="0"/>
-              <a:t>This version of task switching requires a proactive strategy</a:t>
-            </a:r>
-          </a:p>
-          <a:p>
-            <a:r>
-              <a:rPr lang="en-US" dirty="0"/>
-              <a:t>Key: preparation is a separate goal</a:t>
+              <a:t> or </a:t>
+            </a:r>
+            <a:r>
+              <a:rPr lang="en-US" dirty="0">
+                <a:solidFill>
+                  <a:srgbClr val="008000"/>
+                </a:solidFill>
+              </a:rPr>
+              <a:t>RED</a:t>
+            </a:r>
+          </a:p>
+          <a:p>
+            <a:pPr lvl="1"/>
+            <a:r>
+              <a:rPr lang="en-US" dirty="0">
+                <a:solidFill>
+                  <a:srgbClr val="000000"/>
+                </a:solidFill>
+              </a:rPr>
+              <a:t>Name the color of the ink as fast as possible</a:t>
+            </a:r>
+          </a:p>
+          <a:p>
+            <a:pPr lvl="1"/>
+            <a:r>
+              <a:rPr lang="en-US" dirty="0">
+                <a:solidFill>
+                  <a:srgbClr val="000000"/>
+                </a:solidFill>
+              </a:rPr>
+              <a:t>Typical result: people are slower when there is a mismatch between the word and the ink.</a:t>
             </a:r>
           </a:p>
         </p:txBody>
@@ -7351,7 +7397,7 @@
     </p:spTree>
     <p:extLst>
       <p:ext uri="{BB962C8B-B14F-4D97-AF65-F5344CB8AC3E}">
-        <p14:creationId xmlns:p14="http://schemas.microsoft.com/office/powerpoint/2010/main" val="3652312494"/>
+        <p14:creationId xmlns:p14="http://schemas.microsoft.com/office/powerpoint/2010/main" val="4057643390"/>
       </p:ext>
     </p:extLst>
   </p:cSld>
@@ -7396,7 +7442,7 @@
           <a:p>
             <a:r>
               <a:rPr lang="en-US" dirty="0"/>
-              <a:t>First step in task switching</a:t>
+              <a:t>Two strategies</a:t>
             </a:r>
           </a:p>
         </p:txBody>
@@ -7416,91 +7462,38 @@
           <a:bodyPr/>
           <a:lstStyle/>
           <a:p>
-            <a:pPr marL="0" indent="0">
-              <a:buNone/>
-            </a:pPr>
             <a:r>
               <a:rPr lang="en-US" dirty="0"/>
-              <a:t> operator prepare-for-stimulus {</a:t>
-            </a:r>
-          </a:p>
-          <a:p>
-            <a:pPr marL="0" indent="0">
-              <a:buNone/>
-            </a:pPr>
-            <a:r>
-              <a:rPr lang="pt-BR" dirty="0"/>
-              <a:t>        V1 = </a:t>
-            </a:r>
-            <a:r>
-              <a:rPr lang="pt-BR" dirty="0" err="1"/>
-              <a:t>fixation</a:t>
-            </a:r>
-            <a:endParaRPr lang="pt-BR" dirty="0"/>
-          </a:p>
-          <a:p>
-            <a:pPr marL="0" indent="0">
-              <a:buNone/>
-            </a:pPr>
-            <a:r>
-              <a:rPr lang="pt-BR" dirty="0"/>
-              <a:t>        G2 = </a:t>
-            </a:r>
-            <a:r>
-              <a:rPr lang="pt-BR" dirty="0" err="1"/>
-              <a:t>nil</a:t>
-            </a:r>
-            <a:endParaRPr lang="pt-BR" dirty="0"/>
-          </a:p>
-          <a:p>
-            <a:pPr marL="0" indent="0">
-              <a:buNone/>
-            </a:pPr>
-            <a:r>
-              <a:rPr lang="pt-BR" dirty="0"/>
-              <a:t>        ==&gt;</a:t>
-            </a:r>
-          </a:p>
-          <a:p>
-            <a:pPr marL="0" indent="0">
-              <a:buNone/>
-            </a:pPr>
+              <a:t>Proactive: anticipate next trial</a:t>
+            </a:r>
+          </a:p>
+          <a:p>
             <a:r>
               <a:rPr lang="en-US" dirty="0"/>
-              <a:t>        *prepare -&gt; G2</a:t>
-            </a:r>
-          </a:p>
-          <a:p>
-            <a:pPr marL="0" indent="0">
-              <a:buNone/>
-            </a:pPr>
+              <a:t>Reactive: wait for stimulus, the decide</a:t>
+            </a:r>
+          </a:p>
+          <a:p>
+            <a:endParaRPr lang="en-US" dirty="0"/>
+          </a:p>
+          <a:p>
             <a:r>
               <a:rPr lang="en-US" dirty="0"/>
-              <a:t>    }</a:t>
-            </a:r>
-          </a:p>
-          <a:p>
-            <a:pPr marL="0" indent="0">
-              <a:buNone/>
-            </a:pPr>
-            <a:endParaRPr lang="en-US" sz="2400" dirty="0"/>
-          </a:p>
-          <a:p>
-            <a:pPr marL="0" indent="0">
-              <a:buNone/>
-            </a:pPr>
+              <a:t>This version of task switching requires a proactive strategy</a:t>
+            </a:r>
+          </a:p>
+          <a:p>
             <a:r>
               <a:rPr lang="en-US" dirty="0"/>
-              <a:t>Here, prepare is bound to a skill that determines the next task (prepare-next)</a:t>
-            </a:r>
-            <a:endParaRPr lang="en-US" sz="2400" dirty="0"/>
+              <a:t>Key: preparation is a separate goal</a:t>
+            </a:r>
           </a:p>
         </p:txBody>
       </p:sp>
     </p:spTree>
     <p:extLst>
       <p:ext uri="{BB962C8B-B14F-4D97-AF65-F5344CB8AC3E}">
-        <p14:creationId xmlns:p14="http://schemas.microsoft.com/office/powerpoint/2010/main" val="3026299069"/>
+        <p14:creationId xmlns:p14="http://schemas.microsoft.com/office/powerpoint/2010/main" val="3652312494"/>
       </p:ext>
     </p:extLst>
   </p:cSld>
@@ -7543,7 +7536,10 @@
           <a:bodyPr/>
           <a:lstStyle/>
           <a:p>
-            <a:endParaRPr lang="en-US"/>
+            <a:r>
+              <a:rPr lang="en-US" dirty="0"/>
+              <a:t>First step in task switching</a:t>
+            </a:r>
           </a:p>
         </p:txBody>
       </p:sp>
@@ -7566,53 +7562,44 @@
               <a:buNone/>
             </a:pPr>
             <a:r>
-              <a:rPr lang="en-US" sz="1800" dirty="0"/>
-              <a:t>define skill prepare-next {</a:t>
-            </a:r>
-          </a:p>
-          <a:p>
-            <a:pPr marL="0" indent="0">
-              <a:buNone/>
-            </a:pPr>
-            <a:r>
-              <a:rPr lang="en-US" sz="1800" dirty="0"/>
-              <a:t>    operator set-first-task {</a:t>
-            </a:r>
-          </a:p>
-          <a:p>
-            <a:pPr marL="0" indent="0">
-              <a:buNone/>
-            </a:pPr>
-            <a:r>
-              <a:rPr lang="pt-BR" sz="1800" dirty="0"/>
+              <a:rPr lang="en-US" dirty="0"/>
+              <a:t> operator prepare-for-stimulus {</a:t>
+            </a:r>
+          </a:p>
+          <a:p>
+            <a:pPr marL="0" indent="0">
+              <a:buNone/>
+            </a:pPr>
+            <a:r>
+              <a:rPr lang="pt-BR" dirty="0"/>
               <a:t>        V1 = </a:t>
             </a:r>
             <a:r>
-              <a:rPr lang="pt-BR" sz="1800" dirty="0" err="1"/>
+              <a:rPr lang="pt-BR" dirty="0" err="1"/>
               <a:t>fixation</a:t>
             </a:r>
-            <a:endParaRPr lang="pt-BR" sz="1800" dirty="0"/>
-          </a:p>
-          <a:p>
-            <a:pPr marL="0" indent="0">
-              <a:buNone/>
-            </a:pPr>
-            <a:r>
-              <a:rPr lang="pt-BR" sz="1800" dirty="0"/>
-              <a:t>        WM1 = </a:t>
-            </a:r>
-            <a:r>
-              <a:rPr lang="pt-BR" sz="1800" dirty="0" err="1"/>
+            <a:endParaRPr lang="pt-BR" dirty="0"/>
+          </a:p>
+          <a:p>
+            <a:pPr marL="0" indent="0">
+              <a:buNone/>
+            </a:pPr>
+            <a:r>
+              <a:rPr lang="pt-BR" dirty="0"/>
+              <a:t>        G2 = </a:t>
+            </a:r>
+            <a:r>
+              <a:rPr lang="pt-BR" dirty="0" err="1"/>
               <a:t>nil</a:t>
             </a:r>
-            <a:endParaRPr lang="pt-BR" sz="1800" dirty="0"/>
-          </a:p>
-          <a:p>
-            <a:pPr marL="0" indent="0">
-              <a:buNone/>
-            </a:pPr>
-            <a:r>
-              <a:rPr lang="pt-BR" sz="1800" dirty="0"/>
+            <a:endParaRPr lang="pt-BR" dirty="0"/>
+          </a:p>
+          <a:p>
+            <a:pPr marL="0" indent="0">
+              <a:buNone/>
+            </a:pPr>
+            <a:r>
+              <a:rPr lang="pt-BR" dirty="0"/>
               <a:t>        ==&gt;</a:t>
             </a:r>
           </a:p>
@@ -7621,43 +7608,16 @@
               <a:buNone/>
             </a:pPr>
             <a:r>
-              <a:rPr lang="en-US" sz="1800" dirty="0"/>
-              <a:t>	 one -&gt; WM2</a:t>
-            </a:r>
-          </a:p>
-          <a:p>
-            <a:pPr marL="0" indent="0">
-              <a:buNone/>
-            </a:pPr>
-            <a:r>
-              <a:rPr lang="cs-CZ" sz="1800" dirty="0"/>
-              <a:t>        </a:t>
-            </a:r>
-            <a:r>
-              <a:rPr lang="cs-CZ" sz="1800" dirty="0" err="1"/>
-              <a:t>nil</a:t>
-            </a:r>
-            <a:r>
-              <a:rPr lang="cs-CZ" sz="1800" dirty="0"/>
-              <a:t> -&gt; G2</a:t>
-            </a:r>
-            <a:endParaRPr lang="en-US" sz="1800" dirty="0"/>
-          </a:p>
-          <a:p>
-            <a:pPr marL="0" indent="0">
-              <a:buNone/>
-            </a:pPr>
-            <a:r>
-              <a:rPr lang="en-US" sz="1800" dirty="0"/>
-              <a:t>        wait -&gt; AC1</a:t>
-            </a:r>
-          </a:p>
-          <a:p>
-            <a:pPr marL="0" indent="0">
-              <a:buNone/>
-            </a:pPr>
-            <a:r>
-              <a:rPr lang="en-US" sz="1800" dirty="0"/>
+              <a:rPr lang="en-US" dirty="0"/>
+              <a:t>        *prepare -&gt; G2</a:t>
+            </a:r>
+          </a:p>
+          <a:p>
+            <a:pPr marL="0" indent="0">
+              <a:buNone/>
+            </a:pPr>
+            <a:r>
+              <a:rPr lang="en-US" dirty="0"/>
               <a:t>    }</a:t>
             </a:r>
           </a:p>
@@ -7665,38 +7625,24 @@
             <a:pPr marL="0" indent="0">
               <a:buNone/>
             </a:pPr>
-            <a:r>
-              <a:rPr lang="en-US" sz="1800" dirty="0"/>
-              <a:t>...</a:t>
-            </a:r>
-          </a:p>
-          <a:p>
-            <a:pPr marL="0" indent="0">
-              <a:buNone/>
-            </a:pPr>
-            <a:r>
-              <a:rPr lang="en-US" sz="1600" baseline="30000" dirty="0"/>
-              <a:t>}</a:t>
-            </a:r>
-          </a:p>
-          <a:p>
-            <a:pPr marL="0" indent="0">
-              <a:buNone/>
-            </a:pPr>
-            <a:endParaRPr lang="da-DK" sz="1600" dirty="0"/>
-          </a:p>
-          <a:p>
-            <a:pPr marL="0" indent="0">
-              <a:buNone/>
-            </a:pPr>
-            <a:endParaRPr lang="en-US" sz="1800" dirty="0"/>
+            <a:endParaRPr lang="en-US" sz="2400" dirty="0"/>
+          </a:p>
+          <a:p>
+            <a:pPr marL="0" indent="0">
+              <a:buNone/>
+            </a:pPr>
+            <a:r>
+              <a:rPr lang="en-US" dirty="0"/>
+              <a:t>Here, prepare is bound to a skill that determines the next task (prepare-next)</a:t>
+            </a:r>
+            <a:endParaRPr lang="en-US" sz="2400" dirty="0"/>
           </a:p>
         </p:txBody>
       </p:sp>
     </p:spTree>
     <p:extLst>
       <p:ext uri="{BB962C8B-B14F-4D97-AF65-F5344CB8AC3E}">
-        <p14:creationId xmlns:p14="http://schemas.microsoft.com/office/powerpoint/2010/main" val="3649371491"/>
+        <p14:creationId xmlns:p14="http://schemas.microsoft.com/office/powerpoint/2010/main" val="3026299069"/>
       </p:ext>
     </p:extLst>
   </p:cSld>
@@ -7762,80 +7708,137 @@
               <a:buNone/>
             </a:pPr>
             <a:r>
-              <a:rPr lang="en-US" sz="2000" dirty="0"/>
-              <a:t>operator determine-next-task-retrieve-count {</a:t>
-            </a:r>
-          </a:p>
-          <a:p>
-            <a:pPr marL="0" indent="0">
-              <a:buNone/>
-            </a:pPr>
-            <a:r>
-              <a:rPr lang="pt-BR" sz="2000" dirty="0"/>
-              <a:t>	  RT1 = </a:t>
-            </a:r>
-            <a:r>
-              <a:rPr lang="pt-BR" sz="2000" dirty="0" err="1"/>
+              <a:rPr lang="en-US" sz="1800" dirty="0"/>
+              <a:t>define skill prepare-next {</a:t>
+            </a:r>
+          </a:p>
+          <a:p>
+            <a:pPr marL="0" indent="0">
+              <a:buNone/>
+            </a:pPr>
+            <a:r>
+              <a:rPr lang="en-US" sz="1800" dirty="0"/>
+              <a:t>    operator set-first-task {</a:t>
+            </a:r>
+          </a:p>
+          <a:p>
+            <a:pPr marL="0" indent="0">
+              <a:buNone/>
+            </a:pPr>
+            <a:r>
+              <a:rPr lang="pt-BR" sz="1800" dirty="0"/>
+              <a:t>        V1 = </a:t>
+            </a:r>
+            <a:r>
+              <a:rPr lang="pt-BR" sz="1800" dirty="0" err="1"/>
+              <a:t>fixation</a:t>
+            </a:r>
+            <a:endParaRPr lang="pt-BR" sz="1800" dirty="0"/>
+          </a:p>
+          <a:p>
+            <a:pPr marL="0" indent="0">
+              <a:buNone/>
+            </a:pPr>
+            <a:r>
+              <a:rPr lang="pt-BR" sz="1800" dirty="0"/>
+              <a:t>        WM1 = </a:t>
+            </a:r>
+            <a:r>
+              <a:rPr lang="pt-BR" sz="1800" dirty="0" err="1"/>
               <a:t>nil</a:t>
             </a:r>
-            <a:endParaRPr lang="pt-BR" sz="2000" dirty="0"/>
-          </a:p>
-          <a:p>
-            <a:pPr marL="0" indent="0">
-              <a:buNone/>
-            </a:pPr>
-            <a:r>
-              <a:rPr lang="pt-BR" sz="2000" dirty="0"/>
-              <a:t>        WM1 &lt;&gt; </a:t>
-            </a:r>
-            <a:r>
-              <a:rPr lang="pt-BR" sz="2000" dirty="0" err="1"/>
+            <a:endParaRPr lang="pt-BR" sz="1800" dirty="0"/>
+          </a:p>
+          <a:p>
+            <a:pPr marL="0" indent="0">
+              <a:buNone/>
+            </a:pPr>
+            <a:r>
+              <a:rPr lang="pt-BR" sz="1800" dirty="0"/>
+              <a:t>        ==&gt;</a:t>
+            </a:r>
+          </a:p>
+          <a:p>
+            <a:pPr marL="0" indent="0">
+              <a:buNone/>
+            </a:pPr>
+            <a:r>
+              <a:rPr lang="en-US" sz="1800" dirty="0"/>
+              <a:t>	 one -&gt; WM2</a:t>
+            </a:r>
+          </a:p>
+          <a:p>
+            <a:pPr marL="0" indent="0">
+              <a:buNone/>
+            </a:pPr>
+            <a:r>
+              <a:rPr lang="cs-CZ" sz="1800" dirty="0"/>
+              <a:t>        </a:t>
+            </a:r>
+            <a:r>
+              <a:rPr lang="cs-CZ" sz="1800" dirty="0" err="1"/>
               <a:t>nil</a:t>
             </a:r>
-            <a:endParaRPr lang="pt-BR" sz="2000" dirty="0"/>
-          </a:p>
-          <a:p>
-            <a:pPr marL="0" indent="0">
-              <a:buNone/>
-            </a:pPr>
-            <a:r>
-              <a:rPr lang="pt-BR" sz="2000" dirty="0"/>
-              <a:t>        ==&gt;</a:t>
-            </a:r>
-          </a:p>
-          <a:p>
-            <a:pPr marL="0" indent="0">
-              <a:buNone/>
-            </a:pPr>
-            <a:r>
-              <a:rPr lang="en-US" sz="2000" dirty="0"/>
-              <a:t>        count-fact -&gt; RT1</a:t>
-            </a:r>
-          </a:p>
-          <a:p>
-            <a:pPr marL="0" indent="0">
-              <a:buNone/>
-            </a:pPr>
-            <a:r>
-              <a:rPr lang="en-US" sz="2000" dirty="0"/>
-              <a:t>        WM2 -&gt; RT2</a:t>
-            </a:r>
-          </a:p>
-          <a:p>
-            <a:pPr marL="0" indent="0">
-              <a:buNone/>
-            </a:pPr>
-            <a:r>
-              <a:rPr lang="en-US" sz="2000" dirty="0"/>
+            <a:r>
+              <a:rPr lang="cs-CZ" sz="1800" dirty="0"/>
+              <a:t> -&gt; G2</a:t>
+            </a:r>
+            <a:endParaRPr lang="en-US" sz="1800" dirty="0"/>
+          </a:p>
+          <a:p>
+            <a:pPr marL="0" indent="0">
+              <a:buNone/>
+            </a:pPr>
+            <a:r>
+              <a:rPr lang="en-US" sz="1800" dirty="0"/>
+              <a:t>        wait -&gt; AC1</a:t>
+            </a:r>
+          </a:p>
+          <a:p>
+            <a:pPr marL="0" indent="0">
+              <a:buNone/>
+            </a:pPr>
+            <a:r>
+              <a:rPr lang="en-US" sz="1800" dirty="0"/>
               <a:t>    }</a:t>
             </a:r>
+          </a:p>
+          <a:p>
+            <a:pPr marL="0" indent="0">
+              <a:buNone/>
+            </a:pPr>
+            <a:r>
+              <a:rPr lang="en-US" sz="1800" dirty="0"/>
+              <a:t>...</a:t>
+            </a:r>
+          </a:p>
+          <a:p>
+            <a:pPr marL="0" indent="0">
+              <a:buNone/>
+            </a:pPr>
+            <a:r>
+              <a:rPr lang="en-US" sz="1600" baseline="30000" dirty="0"/>
+              <a:t>}</a:t>
+            </a:r>
+          </a:p>
+          <a:p>
+            <a:pPr marL="0" indent="0">
+              <a:buNone/>
+            </a:pPr>
+            <a:endParaRPr lang="da-DK" sz="1600" dirty="0"/>
+          </a:p>
+          <a:p>
+            <a:pPr marL="0" indent="0">
+              <a:buNone/>
+            </a:pPr>
+            <a:endParaRPr lang="en-US" sz="1800" dirty="0"/>
           </a:p>
         </p:txBody>
       </p:sp>
     </p:spTree>
     <p:extLst>
       <p:ext uri="{BB962C8B-B14F-4D97-AF65-F5344CB8AC3E}">
-        <p14:creationId xmlns:p14="http://schemas.microsoft.com/office/powerpoint/2010/main" val="88131697"/>
+        <p14:creationId xmlns:p14="http://schemas.microsoft.com/office/powerpoint/2010/main" val="3649371491"/>
       </p:ext>
     </p:extLst>
   </p:cSld>
@@ -7865,7 +7868,7 @@
       </p:grpSpPr>
       <p:sp>
         <p:nvSpPr>
-          <p:cNvPr id="9" name="Title 8"/>
+          <p:cNvPr id="2" name="Title 1"/>
           <p:cNvSpPr>
             <a:spLocks noGrp="1"/>
           </p:cNvSpPr>
@@ -7884,58 +7887,61 @@
       </p:sp>
       <p:sp>
         <p:nvSpPr>
-          <p:cNvPr id="10" name="Content Placeholder 9"/>
+          <p:cNvPr id="3" name="Content Placeholder 2"/>
           <p:cNvSpPr>
             <a:spLocks noGrp="1"/>
           </p:cNvSpPr>
           <p:nvPr>
-            <p:ph sz="half" idx="1"/>
+            <p:ph idx="1"/>
           </p:nvPr>
         </p:nvSpPr>
-        <p:spPr>
-          <a:xfrm>
-            <a:off x="685799" y="1981200"/>
-            <a:ext cx="7910663" cy="4114800"/>
-          </a:xfrm>
-        </p:spPr>
-        <p:txBody>
-          <a:bodyPr>
-            <a:normAutofit/>
-          </a:bodyPr>
+        <p:spPr/>
+        <p:txBody>
+          <a:bodyPr/>
           <a:lstStyle/>
           <a:p>
             <a:pPr marL="0" indent="0">
               <a:buNone/>
             </a:pPr>
             <a:r>
-              <a:rPr lang="en-US" sz="1800" dirty="0"/>
-              <a:t> operator determine-next-task-decide-to-stay {</a:t>
-            </a:r>
-          </a:p>
-          <a:p>
-            <a:pPr marL="0" indent="0">
-              <a:buNone/>
-            </a:pPr>
-            <a:r>
-              <a:rPr lang="en-US" sz="1800" dirty="0"/>
-              <a:t>        RT1 = count-fact</a:t>
-            </a:r>
-          </a:p>
-          <a:p>
-            <a:pPr marL="0" indent="0">
-              <a:buNone/>
-            </a:pPr>
-            <a:r>
-              <a:rPr lang="en-US" sz="1800" dirty="0"/>
-              <a:t>        RT3 = two</a:t>
-            </a:r>
-          </a:p>
-          <a:p>
-            <a:pPr marL="0" indent="0">
-              <a:buNone/>
-            </a:pPr>
-            <a:r>
-              <a:rPr lang="en-US" sz="1800" dirty="0"/>
+              <a:rPr lang="en-US" sz="2000" dirty="0"/>
+              <a:t>operator determine-next-task-retrieve-count {</a:t>
+            </a:r>
+          </a:p>
+          <a:p>
+            <a:pPr marL="0" indent="0">
+              <a:buNone/>
+            </a:pPr>
+            <a:r>
+              <a:rPr lang="pt-BR" sz="2000" dirty="0"/>
+              <a:t>	  RT1 = </a:t>
+            </a:r>
+            <a:r>
+              <a:rPr lang="pt-BR" sz="2000" dirty="0" err="1"/>
+              <a:t>nil</a:t>
+            </a:r>
+            <a:endParaRPr lang="pt-BR" sz="2000" dirty="0"/>
+          </a:p>
+          <a:p>
+            <a:pPr marL="0" indent="0">
+              <a:buNone/>
+            </a:pPr>
+            <a:r>
+              <a:rPr lang="pt-BR" sz="2000" dirty="0"/>
+              <a:t>        WM1 &lt;&gt; </a:t>
+            </a:r>
+            <a:r>
+              <a:rPr lang="pt-BR" sz="2000" dirty="0" err="1"/>
+              <a:t>nil</a:t>
+            </a:r>
+            <a:endParaRPr lang="pt-BR" sz="2000" dirty="0"/>
+          </a:p>
+          <a:p>
+            <a:pPr marL="0" indent="0">
+              <a:buNone/>
+            </a:pPr>
+            <a:r>
+              <a:rPr lang="pt-BR" sz="2000" dirty="0"/>
               <a:t>        ==&gt;</a:t>
             </a:r>
           </a:p>
@@ -7944,49 +7950,34 @@
               <a:buNone/>
             </a:pPr>
             <a:r>
-              <a:rPr lang="en-US" sz="1800" dirty="0"/>
-              <a:t>        RT3 -&gt; WM2</a:t>
-            </a:r>
-          </a:p>
-          <a:p>
-            <a:pPr marL="0" indent="0">
-              <a:buNone/>
-            </a:pPr>
-            <a:r>
-              <a:rPr lang="en-US" sz="1800" dirty="0"/>
-              <a:t>        nil -&gt; G2</a:t>
-            </a:r>
-          </a:p>
-          <a:p>
-            <a:pPr marL="0" indent="0">
-              <a:buNone/>
-            </a:pPr>
-            <a:r>
-              <a:rPr lang="en-US" sz="1800" dirty="0"/>
-              <a:t>        wait -&gt; AC1</a:t>
-            </a:r>
-          </a:p>
-          <a:p>
-            <a:pPr marL="0" indent="0">
-              <a:buNone/>
-            </a:pPr>
-            <a:r>
-              <a:rPr lang="en-US" sz="1800" dirty="0"/>
+              <a:rPr lang="en-US" sz="2000" dirty="0"/>
+              <a:t>        count-fact -&gt; RT1</a:t>
+            </a:r>
+          </a:p>
+          <a:p>
+            <a:pPr marL="0" indent="0">
+              <a:buNone/>
+            </a:pPr>
+            <a:r>
+              <a:rPr lang="en-US" sz="2000" dirty="0"/>
+              <a:t>        WM2 -&gt; RT2</a:t>
+            </a:r>
+          </a:p>
+          <a:p>
+            <a:pPr marL="0" indent="0">
+              <a:buNone/>
+            </a:pPr>
+            <a:r>
+              <a:rPr lang="en-US" sz="2000" dirty="0"/>
               <a:t>    }</a:t>
             </a:r>
-          </a:p>
-          <a:p>
-            <a:pPr marL="0" indent="0">
-              <a:buNone/>
-            </a:pPr>
-            <a:endParaRPr lang="en-US" sz="1800" dirty="0"/>
           </a:p>
         </p:txBody>
       </p:sp>
     </p:spTree>
     <p:extLst>
       <p:ext uri="{BB962C8B-B14F-4D97-AF65-F5344CB8AC3E}">
-        <p14:creationId xmlns:p14="http://schemas.microsoft.com/office/powerpoint/2010/main" val="675601765"/>
+        <p14:creationId xmlns:p14="http://schemas.microsoft.com/office/powerpoint/2010/main" val="88131697"/>
       </p:ext>
     </p:extLst>
   </p:cSld>
@@ -8043,7 +8034,12 @@
             <p:ph sz="half" idx="1"/>
           </p:nvPr>
         </p:nvSpPr>
-        <p:spPr/>
+        <p:spPr>
+          <a:xfrm>
+            <a:off x="685799" y="1981200"/>
+            <a:ext cx="7910663" cy="4114800"/>
+          </a:xfrm>
+        </p:spPr>
         <p:txBody>
           <a:bodyPr>
             <a:normAutofit/>
@@ -8055,7 +8051,7 @@
             </a:pPr>
             <a:r>
               <a:rPr lang="en-US" sz="1800" dirty="0"/>
-              <a:t>operator determine-next-task-decide-to-switch {</a:t>
+              <a:t> operator determine-next-task-decide-to-stay {</a:t>
             </a:r>
           </a:p>
           <a:p>
@@ -8073,7 +8069,7 @@
             </a:pPr>
             <a:r>
               <a:rPr lang="en-US" sz="1800" dirty="0"/>
-              <a:t>        RT3 = three</a:t>
+              <a:t>        RT3 = two</a:t>
             </a:r>
           </a:p>
           <a:p>
@@ -8091,7 +8087,7 @@
             </a:pPr>
             <a:r>
               <a:rPr lang="en-US" sz="1800" dirty="0"/>
-              <a:t>        one -&gt; WM2</a:t>
+              <a:t>        RT3 -&gt; WM2</a:t>
             </a:r>
           </a:p>
           <a:p>
@@ -8100,24 +8096,16 @@
             </a:pPr>
             <a:r>
               <a:rPr lang="en-US" sz="1800" dirty="0"/>
-              <a:t>        </a:t>
-            </a:r>
-            <a:r>
-              <a:rPr lang="en-US" sz="1800" dirty="0" err="1"/>
-              <a:t>othertask</a:t>
-            </a:r>
+              <a:t>        nil -&gt; G2</a:t>
+            </a:r>
+          </a:p>
+          <a:p>
+            <a:pPr marL="0" indent="0">
+              <a:buNone/>
+            </a:pPr>
             <a:r>
               <a:rPr lang="en-US" sz="1800" dirty="0"/>
-              <a:t> -&gt; RT1</a:t>
-            </a:r>
-          </a:p>
-          <a:p>
-            <a:pPr marL="0" indent="0">
-              <a:buNone/>
-            </a:pPr>
-            <a:r>
-              <a:rPr lang="en-US" sz="1800" dirty="0"/>
-              <a:t>        G1 -&gt; RT2</a:t>
+              <a:t>        wait -&gt; AC1</a:t>
             </a:r>
           </a:p>
           <a:p>
@@ -8134,97 +8122,13 @@
               <a:buNone/>
             </a:pPr>
             <a:endParaRPr lang="en-US" sz="1800" dirty="0"/>
-          </a:p>
-        </p:txBody>
-      </p:sp>
-      <p:sp>
-        <p:nvSpPr>
-          <p:cNvPr id="11" name="Content Placeholder 10"/>
-          <p:cNvSpPr>
-            <a:spLocks noGrp="1"/>
-          </p:cNvSpPr>
-          <p:nvPr>
-            <p:ph sz="half" idx="2"/>
-          </p:nvPr>
-        </p:nvSpPr>
-        <p:spPr/>
-        <p:txBody>
-          <a:bodyPr/>
-          <a:lstStyle/>
-          <a:p>
-            <a:pPr marL="0" indent="0">
-              <a:buNone/>
-            </a:pPr>
-            <a:r>
-              <a:rPr lang="en-US" sz="1800" dirty="0"/>
-              <a:t>operator set-other-task {</a:t>
-            </a:r>
-          </a:p>
-          <a:p>
-            <a:pPr marL="0" indent="0">
-              <a:buNone/>
-            </a:pPr>
-            <a:r>
-              <a:rPr lang="en-US" sz="1800" dirty="0"/>
-              <a:t>        RT1 = </a:t>
-            </a:r>
-            <a:r>
-              <a:rPr lang="en-US" sz="1800" dirty="0" err="1"/>
-              <a:t>othertask</a:t>
-            </a:r>
-            <a:endParaRPr lang="en-US" sz="1800" dirty="0"/>
-          </a:p>
-          <a:p>
-            <a:pPr marL="0" indent="0">
-              <a:buNone/>
-            </a:pPr>
-            <a:r>
-              <a:rPr lang="en-US" sz="1800" dirty="0"/>
-              <a:t>        ==&gt;</a:t>
-            </a:r>
-          </a:p>
-          <a:p>
-            <a:pPr marL="0" indent="0">
-              <a:buNone/>
-            </a:pPr>
-            <a:r>
-              <a:rPr lang="en-US" sz="1800" dirty="0"/>
-              <a:t>        RT3 -&gt; G1</a:t>
-            </a:r>
-          </a:p>
-          <a:p>
-            <a:pPr marL="0" indent="0">
-              <a:buNone/>
-            </a:pPr>
-            <a:r>
-              <a:rPr lang="en-US" sz="1800" dirty="0"/>
-              <a:t>        nil -&gt; G2</a:t>
-            </a:r>
-          </a:p>
-          <a:p>
-            <a:pPr marL="0" indent="0">
-              <a:buNone/>
-            </a:pPr>
-            <a:r>
-              <a:rPr lang="en-US" sz="1800" dirty="0"/>
-              <a:t>        wait -&gt; AC1</a:t>
-            </a:r>
-          </a:p>
-          <a:p>
-            <a:pPr marL="0" indent="0">
-              <a:buNone/>
-            </a:pPr>
-            <a:r>
-              <a:rPr lang="en-US" sz="1800" dirty="0"/>
-              <a:t>    }</a:t>
-            </a:r>
           </a:p>
         </p:txBody>
       </p:sp>
     </p:spTree>
     <p:extLst>
       <p:ext uri="{BB962C8B-B14F-4D97-AF65-F5344CB8AC3E}">
-        <p14:creationId xmlns:p14="http://schemas.microsoft.com/office/powerpoint/2010/main" val="2591086162"/>
+        <p14:creationId xmlns:p14="http://schemas.microsoft.com/office/powerpoint/2010/main" val="675601765"/>
       </p:ext>
     </p:extLst>
   </p:cSld>
@@ -8254,7 +8158,7 @@
       </p:grpSpPr>
       <p:sp>
         <p:nvSpPr>
-          <p:cNvPr id="2" name="Title 1"/>
+          <p:cNvPr id="9" name="Title 8"/>
           <p:cNvSpPr>
             <a:spLocks noGrp="1"/>
           </p:cNvSpPr>
@@ -8267,21 +8171,122 @@
           <a:bodyPr/>
           <a:lstStyle/>
           <a:p>
-            <a:r>
-              <a:rPr lang="en-US" dirty="0"/>
-              <a:t>Two choices for preparation in Stroop</a:t>
-            </a:r>
-          </a:p>
-        </p:txBody>
-      </p:sp>
-      <p:sp>
-        <p:nvSpPr>
-          <p:cNvPr id="6" name="Content Placeholder 5"/>
+            <a:endParaRPr lang="en-US"/>
+          </a:p>
+        </p:txBody>
+      </p:sp>
+      <p:sp>
+        <p:nvSpPr>
+          <p:cNvPr id="10" name="Content Placeholder 9"/>
           <p:cNvSpPr>
             <a:spLocks noGrp="1"/>
           </p:cNvSpPr>
           <p:nvPr>
-            <p:ph idx="1"/>
+            <p:ph sz="half" idx="1"/>
+          </p:nvPr>
+        </p:nvSpPr>
+        <p:spPr/>
+        <p:txBody>
+          <a:bodyPr>
+            <a:normAutofit/>
+          </a:bodyPr>
+          <a:lstStyle/>
+          <a:p>
+            <a:pPr marL="0" indent="0">
+              <a:buNone/>
+            </a:pPr>
+            <a:r>
+              <a:rPr lang="en-US" sz="1800" dirty="0"/>
+              <a:t>operator determine-next-task-decide-to-switch {</a:t>
+            </a:r>
+          </a:p>
+          <a:p>
+            <a:pPr marL="0" indent="0">
+              <a:buNone/>
+            </a:pPr>
+            <a:r>
+              <a:rPr lang="en-US" sz="1800" dirty="0"/>
+              <a:t>        RT1 = count-fact</a:t>
+            </a:r>
+          </a:p>
+          <a:p>
+            <a:pPr marL="0" indent="0">
+              <a:buNone/>
+            </a:pPr>
+            <a:r>
+              <a:rPr lang="en-US" sz="1800" dirty="0"/>
+              <a:t>        RT3 = three</a:t>
+            </a:r>
+          </a:p>
+          <a:p>
+            <a:pPr marL="0" indent="0">
+              <a:buNone/>
+            </a:pPr>
+            <a:r>
+              <a:rPr lang="en-US" sz="1800" dirty="0"/>
+              <a:t>        ==&gt;</a:t>
+            </a:r>
+          </a:p>
+          <a:p>
+            <a:pPr marL="0" indent="0">
+              <a:buNone/>
+            </a:pPr>
+            <a:r>
+              <a:rPr lang="en-US" sz="1800" dirty="0"/>
+              <a:t>        one -&gt; WM2</a:t>
+            </a:r>
+          </a:p>
+          <a:p>
+            <a:pPr marL="0" indent="0">
+              <a:buNone/>
+            </a:pPr>
+            <a:r>
+              <a:rPr lang="en-US" sz="1800" dirty="0"/>
+              <a:t>        </a:t>
+            </a:r>
+            <a:r>
+              <a:rPr lang="en-US" sz="1800" dirty="0" err="1"/>
+              <a:t>othertask</a:t>
+            </a:r>
+            <a:r>
+              <a:rPr lang="en-US" sz="1800" dirty="0"/>
+              <a:t> -&gt; RT1</a:t>
+            </a:r>
+          </a:p>
+          <a:p>
+            <a:pPr marL="0" indent="0">
+              <a:buNone/>
+            </a:pPr>
+            <a:r>
+              <a:rPr lang="en-US" sz="1800" dirty="0"/>
+              <a:t>        G1 -&gt; RT2</a:t>
+            </a:r>
+          </a:p>
+          <a:p>
+            <a:pPr marL="0" indent="0">
+              <a:buNone/>
+            </a:pPr>
+            <a:r>
+              <a:rPr lang="en-US" sz="1800" dirty="0"/>
+              <a:t>    }</a:t>
+            </a:r>
+          </a:p>
+          <a:p>
+            <a:pPr marL="0" indent="0">
+              <a:buNone/>
+            </a:pPr>
+            <a:endParaRPr lang="en-US" sz="1800" dirty="0"/>
+          </a:p>
+        </p:txBody>
+      </p:sp>
+      <p:sp>
+        <p:nvSpPr>
+          <p:cNvPr id="11" name="Content Placeholder 10"/>
+          <p:cNvSpPr>
+            <a:spLocks noGrp="1"/>
+          </p:cNvSpPr>
+          <p:nvPr>
+            <p:ph sz="half" idx="2"/>
           </p:nvPr>
         </p:nvSpPr>
         <p:spPr/>
@@ -8289,23 +8294,71 @@
           <a:bodyPr/>
           <a:lstStyle/>
           <a:p>
-            <a:r>
-              <a:rPr lang="en-US" dirty="0"/>
-              <a:t>Each choice is in a separate goal that is not initially associated with Stroop:</a:t>
-            </a:r>
-          </a:p>
-          <a:p>
-            <a:pPr lvl="1"/>
-            <a:r>
-              <a:rPr lang="en-US" dirty="0"/>
-              <a:t>default attend</a:t>
-            </a:r>
-          </a:p>
-          <a:p>
-            <a:pPr lvl="1"/>
-            <a:r>
-              <a:rPr lang="en-US" dirty="0"/>
-              <a:t>attend color</a:t>
+            <a:pPr marL="0" indent="0">
+              <a:buNone/>
+            </a:pPr>
+            <a:r>
+              <a:rPr lang="en-US" sz="1800" dirty="0"/>
+              <a:t>operator set-other-task {</a:t>
+            </a:r>
+          </a:p>
+          <a:p>
+            <a:pPr marL="0" indent="0">
+              <a:buNone/>
+            </a:pPr>
+            <a:r>
+              <a:rPr lang="en-US" sz="1800" dirty="0"/>
+              <a:t>        RT1 = </a:t>
+            </a:r>
+            <a:r>
+              <a:rPr lang="en-US" sz="1800" dirty="0" err="1"/>
+              <a:t>othertask</a:t>
+            </a:r>
+            <a:endParaRPr lang="en-US" sz="1800" dirty="0"/>
+          </a:p>
+          <a:p>
+            <a:pPr marL="0" indent="0">
+              <a:buNone/>
+            </a:pPr>
+            <a:r>
+              <a:rPr lang="en-US" sz="1800" dirty="0"/>
+              <a:t>        ==&gt;</a:t>
+            </a:r>
+          </a:p>
+          <a:p>
+            <a:pPr marL="0" indent="0">
+              <a:buNone/>
+            </a:pPr>
+            <a:r>
+              <a:rPr lang="en-US" sz="1800" dirty="0"/>
+              <a:t>        RT3 -&gt; G1</a:t>
+            </a:r>
+          </a:p>
+          <a:p>
+            <a:pPr marL="0" indent="0">
+              <a:buNone/>
+            </a:pPr>
+            <a:r>
+              <a:rPr lang="en-US" sz="1800" dirty="0"/>
+              <a:t>        nil -&gt; G2</a:t>
+            </a:r>
+          </a:p>
+          <a:p>
+            <a:pPr marL="0" indent="0">
+              <a:buNone/>
+            </a:pPr>
+            <a:r>
+              <a:rPr lang="en-US" sz="1800" dirty="0"/>
+              <a:t>        wait -&gt; AC1</a:t>
+            </a:r>
+          </a:p>
+          <a:p>
+            <a:pPr marL="0" indent="0">
+              <a:buNone/>
+            </a:pPr>
+            <a:r>
+              <a:rPr lang="en-US" sz="1800" dirty="0"/>
+              <a:t>    }</a:t>
             </a:r>
           </a:p>
         </p:txBody>
@@ -8313,7 +8366,7 @@
     </p:spTree>
     <p:extLst>
       <p:ext uri="{BB962C8B-B14F-4D97-AF65-F5344CB8AC3E}">
-        <p14:creationId xmlns:p14="http://schemas.microsoft.com/office/powerpoint/2010/main" val="1495122094"/>
+        <p14:creationId xmlns:p14="http://schemas.microsoft.com/office/powerpoint/2010/main" val="2591086162"/>
       </p:ext>
     </p:extLst>
   </p:cSld>
@@ -8358,7 +8411,7 @@
           <a:p>
             <a:r>
               <a:rPr lang="en-US" dirty="0"/>
-              <a:t>In Stroop we need to do a similar thing</a:t>
+              <a:t>Two choices for preparation in Stroop</a:t>
             </a:r>
           </a:p>
         </p:txBody>
@@ -8370,7 +8423,7 @@
             <a:spLocks noGrp="1"/>
           </p:cNvSpPr>
           <p:nvPr>
-            <p:ph sz="half" idx="1"/>
+            <p:ph idx="1"/>
           </p:nvPr>
         </p:nvSpPr>
         <p:spPr/>
@@ -8378,184 +8431,23 @@
           <a:bodyPr/>
           <a:lstStyle/>
           <a:p>
-            <a:pPr marL="0" indent="0">
-              <a:buNone/>
-            </a:pPr>
-            <a:r>
-              <a:rPr lang="en-US" sz="1800" dirty="0"/>
-              <a:t>operator prepare-for-stimulus {</a:t>
-            </a:r>
-          </a:p>
-          <a:p>
-            <a:pPr marL="0" indent="0">
-              <a:buNone/>
-            </a:pPr>
-            <a:r>
-              <a:rPr lang="pt-BR" sz="1800" dirty="0"/>
-              <a:t>   V1 = </a:t>
-            </a:r>
-            <a:r>
-              <a:rPr lang="pt-BR" sz="1800" dirty="0" err="1"/>
-              <a:t>fixation</a:t>
-            </a:r>
-            <a:endParaRPr lang="pt-BR" sz="1800" dirty="0"/>
-          </a:p>
-          <a:p>
-            <a:pPr marL="0" indent="0">
-              <a:buNone/>
-            </a:pPr>
-            <a:r>
-              <a:rPr lang="pt-BR" sz="1800" dirty="0"/>
-              <a:t>   G2 = </a:t>
-            </a:r>
-            <a:r>
-              <a:rPr lang="pt-BR" sz="1800" dirty="0" err="1"/>
-              <a:t>nil</a:t>
-            </a:r>
-            <a:endParaRPr lang="pt-BR" sz="1800" dirty="0"/>
-          </a:p>
-          <a:p>
-            <a:pPr marL="0" indent="0">
-              <a:buNone/>
-            </a:pPr>
-            <a:r>
-              <a:rPr lang="pt-BR" sz="1800" dirty="0"/>
-              <a:t>    ==&gt;</a:t>
-            </a:r>
-          </a:p>
-          <a:p>
-            <a:pPr marL="0" indent="0">
-              <a:buNone/>
-            </a:pPr>
-            <a:r>
-              <a:rPr lang="ro-RO" sz="1800" dirty="0"/>
-              <a:t>   *prepare -&gt; G2</a:t>
-            </a:r>
-          </a:p>
-          <a:p>
-            <a:pPr marL="0" indent="0">
-              <a:buNone/>
-            </a:pPr>
-            <a:r>
-              <a:rPr lang="ro-RO" sz="1800" dirty="0"/>
-              <a:t> </a:t>
-            </a:r>
-            <a:r>
-              <a:rPr lang="en-US" sz="1800" dirty="0"/>
-              <a:t>}</a:t>
-            </a:r>
-          </a:p>
-          <a:p>
-            <a:pPr marL="0" indent="0">
-              <a:buNone/>
-            </a:pPr>
-            <a:endParaRPr lang="en-US" sz="1800" dirty="0"/>
-          </a:p>
-          <a:p>
-            <a:pPr marL="0" indent="0">
-              <a:buNone/>
-            </a:pPr>
-            <a:r>
-              <a:rPr lang="en-US" sz="1800" dirty="0"/>
-              <a:t>Now prepare is bound to focus-color</a:t>
-            </a:r>
-          </a:p>
-        </p:txBody>
-      </p:sp>
-      <p:sp>
-        <p:nvSpPr>
-          <p:cNvPr id="7" name="Content Placeholder 6"/>
-          <p:cNvSpPr>
-            <a:spLocks noGrp="1"/>
-          </p:cNvSpPr>
-          <p:nvPr>
-            <p:ph sz="half" idx="2"/>
-          </p:nvPr>
-        </p:nvSpPr>
-        <p:spPr>
-          <a:xfrm>
-            <a:off x="4648199" y="1981200"/>
-            <a:ext cx="4137113" cy="4114800"/>
-          </a:xfrm>
-        </p:spPr>
-        <p:txBody>
-          <a:bodyPr/>
-          <a:lstStyle/>
-          <a:p>
-            <a:pPr marL="0" indent="0">
-              <a:buNone/>
-            </a:pPr>
-            <a:r>
-              <a:rPr lang="en-US" sz="1800" dirty="0"/>
-              <a:t>define skill focus-color {</a:t>
-            </a:r>
-          </a:p>
-          <a:p>
-            <a:pPr marL="0" indent="0">
-              <a:buNone/>
-            </a:pPr>
-            <a:r>
-              <a:rPr lang="en-US" sz="1800" dirty="0"/>
-              <a:t> operator attend-just-color {</a:t>
-            </a:r>
-          </a:p>
-          <a:p>
-            <a:pPr marL="0" indent="0">
-              <a:buNone/>
-            </a:pPr>
-            <a:r>
-              <a:rPr lang="en-US" sz="1800" dirty="0"/>
-              <a:t>     V1 = </a:t>
-            </a:r>
-            <a:r>
-              <a:rPr lang="en-US" sz="1800" dirty="0" err="1"/>
-              <a:t>stim</a:t>
-            </a:r>
-            <a:endParaRPr lang="en-US" sz="1800" dirty="0"/>
-          </a:p>
-          <a:p>
-            <a:pPr marL="0" indent="0">
-              <a:buNone/>
-            </a:pPr>
-            <a:r>
-              <a:rPr lang="en-US" sz="1800" dirty="0"/>
-              <a:t>     V2 = nil</a:t>
-            </a:r>
-          </a:p>
-          <a:p>
-            <a:pPr marL="0" indent="0">
-              <a:buNone/>
-            </a:pPr>
-            <a:r>
-              <a:rPr lang="en-US" sz="1800" dirty="0"/>
-              <a:t>     ==&gt; </a:t>
-            </a:r>
-          </a:p>
-          <a:p>
-            <a:pPr marL="0" indent="0">
-              <a:buNone/>
-            </a:pPr>
-            <a:r>
-              <a:rPr lang="en-US" sz="1800" dirty="0"/>
-              <a:t>     attend-color -&gt; AC1</a:t>
-            </a:r>
-          </a:p>
-          <a:p>
-            <a:pPr marL="0" indent="0">
-              <a:buNone/>
-            </a:pPr>
-            <a:r>
-              <a:rPr lang="en-US" sz="1800" dirty="0"/>
-              <a:t>    }</a:t>
-            </a:r>
-          </a:p>
-          <a:p>
-            <a:pPr marL="0" indent="0">
-              <a:buNone/>
-            </a:pPr>
-            <a:r>
-              <a:rPr lang="en-US" sz="1800" dirty="0"/>
-              <a:t>}</a:t>
+            <a:r>
+              <a:rPr lang="en-US" dirty="0"/>
+              <a:t>Each choice is in a separate goal that is not initially associated with Stroop:</a:t>
+            </a:r>
+          </a:p>
+          <a:p>
+            <a:pPr lvl="1"/>
+            <a:r>
+              <a:rPr lang="en-US" dirty="0"/>
+              <a:t>default attend</a:t>
+            </a:r>
+          </a:p>
+          <a:p>
+            <a:pPr lvl="1"/>
+            <a:r>
+              <a:rPr lang="en-US" dirty="0"/>
+              <a:t>attend color</a:t>
             </a:r>
           </a:p>
         </p:txBody>
@@ -8563,7 +8455,7 @@
     </p:spTree>
     <p:extLst>
       <p:ext uri="{BB962C8B-B14F-4D97-AF65-F5344CB8AC3E}">
-        <p14:creationId xmlns:p14="http://schemas.microsoft.com/office/powerpoint/2010/main" val="1017321905"/>
+        <p14:creationId xmlns:p14="http://schemas.microsoft.com/office/powerpoint/2010/main" val="1495122094"/>
       </p:ext>
     </p:extLst>
   </p:cSld>
@@ -8608,14 +8500,14 @@
           <a:p>
             <a:r>
               <a:rPr lang="en-US" dirty="0"/>
-              <a:t>Competition</a:t>
-            </a:r>
-          </a:p>
-        </p:txBody>
-      </p:sp>
-      <p:sp>
-        <p:nvSpPr>
-          <p:cNvPr id="3" name="Content Placeholder 2"/>
+              <a:t>In Stroop we need to do a similar thing</a:t>
+            </a:r>
+          </a:p>
+        </p:txBody>
+      </p:sp>
+      <p:sp>
+        <p:nvSpPr>
+          <p:cNvPr id="6" name="Content Placeholder 5"/>
           <p:cNvSpPr>
             <a:spLocks noGrp="1"/>
           </p:cNvSpPr>
@@ -8633,21 +8525,72 @@
             </a:pPr>
             <a:r>
               <a:rPr lang="en-US" sz="1800" dirty="0"/>
-              <a:t> operator attend-just-color {</a:t>
-            </a:r>
-          </a:p>
-          <a:p>
-            <a:pPr marL="0" indent="0">
-              <a:buNone/>
-            </a:pPr>
+              <a:t>operator prepare-for-stimulus {</a:t>
+            </a:r>
+          </a:p>
+          <a:p>
+            <a:pPr marL="0" indent="0">
+              <a:buNone/>
+            </a:pPr>
+            <a:r>
+              <a:rPr lang="pt-BR" sz="1800" dirty="0"/>
+              <a:t>   V1 = </a:t>
+            </a:r>
+            <a:r>
+              <a:rPr lang="pt-BR" sz="1800" dirty="0" err="1"/>
+              <a:t>fixation</a:t>
+            </a:r>
+            <a:endParaRPr lang="pt-BR" sz="1800" dirty="0"/>
+          </a:p>
+          <a:p>
+            <a:pPr marL="0" indent="0">
+              <a:buNone/>
+            </a:pPr>
+            <a:r>
+              <a:rPr lang="pt-BR" sz="1800" dirty="0"/>
+              <a:t>   G2 = </a:t>
+            </a:r>
+            <a:r>
+              <a:rPr lang="pt-BR" sz="1800" dirty="0" err="1"/>
+              <a:t>nil</a:t>
+            </a:r>
+            <a:endParaRPr lang="pt-BR" sz="1800" dirty="0"/>
+          </a:p>
+          <a:p>
+            <a:pPr marL="0" indent="0">
+              <a:buNone/>
+            </a:pPr>
+            <a:r>
+              <a:rPr lang="pt-BR" sz="1800" dirty="0"/>
+              <a:t>    ==&gt;</a:t>
+            </a:r>
+          </a:p>
+          <a:p>
+            <a:pPr marL="0" indent="0">
+              <a:buNone/>
+            </a:pPr>
+            <a:r>
+              <a:rPr lang="ro-RO" sz="1800" dirty="0"/>
+              <a:t>   *prepare -&gt; G2</a:t>
+            </a:r>
+          </a:p>
+          <a:p>
+            <a:pPr marL="0" indent="0">
+              <a:buNone/>
+            </a:pPr>
+            <a:r>
+              <a:rPr lang="ro-RO" sz="1800" dirty="0"/>
+              <a:t> </a:t>
+            </a:r>
             <a:r>
               <a:rPr lang="en-US" sz="1800" dirty="0"/>
-              <a:t>     V1 = </a:t>
-            </a:r>
-            <a:r>
-              <a:rPr lang="en-US" sz="1800" dirty="0" err="1"/>
-              <a:t>stim</a:t>
-            </a:r>
+              <a:t>}</a:t>
+            </a:r>
+          </a:p>
+          <a:p>
+            <a:pPr marL="0" indent="0">
+              <a:buNone/>
+            </a:pPr>
             <a:endParaRPr lang="en-US" sz="1800" dirty="0"/>
           </a:p>
           <a:p>
@@ -8656,41 +8599,14 @@
             </a:pPr>
             <a:r>
               <a:rPr lang="en-US" sz="1800" dirty="0"/>
-              <a:t>     V2 = nil</a:t>
-            </a:r>
-          </a:p>
-          <a:p>
-            <a:pPr marL="0" indent="0">
-              <a:buNone/>
-            </a:pPr>
-            <a:r>
-              <a:rPr lang="en-US" sz="1800" dirty="0"/>
-              <a:t>     ==&gt; </a:t>
-            </a:r>
-          </a:p>
-          <a:p>
-            <a:pPr marL="0" indent="0">
-              <a:buNone/>
-            </a:pPr>
-            <a:r>
-              <a:rPr lang="en-US" sz="1800" dirty="0"/>
-              <a:t>     attend-color -&gt; AC1</a:t>
-            </a:r>
-          </a:p>
-          <a:p>
-            <a:pPr marL="0" indent="0">
-              <a:buNone/>
-            </a:pPr>
-            <a:r>
-              <a:rPr lang="en-US" sz="1800" dirty="0"/>
-              <a:t>    }</a:t>
-            </a:r>
-          </a:p>
-        </p:txBody>
-      </p:sp>
-      <p:sp>
-        <p:nvSpPr>
-          <p:cNvPr id="4" name="Content Placeholder 3"/>
+              <a:t>Now prepare is bound to focus-color</a:t>
+            </a:r>
+          </a:p>
+        </p:txBody>
+      </p:sp>
+      <p:sp>
+        <p:nvSpPr>
+          <p:cNvPr id="7" name="Content Placeholder 6"/>
           <p:cNvSpPr>
             <a:spLocks noGrp="1"/>
           </p:cNvSpPr>
@@ -8698,7 +8614,12 @@
             <p:ph sz="half" idx="2"/>
           </p:nvPr>
         </p:nvSpPr>
-        <p:spPr/>
+        <p:spPr>
+          <a:xfrm>
+            <a:off x="4648199" y="1981200"/>
+            <a:ext cx="4137113" cy="4114800"/>
+          </a:xfrm>
+        </p:spPr>
         <p:txBody>
           <a:bodyPr/>
           <a:lstStyle/>
@@ -8707,91 +8628,84 @@
               <a:buNone/>
             </a:pPr>
             <a:r>
-              <a:rPr lang="sv-SE" sz="1800" dirty="0"/>
-              <a:t> operator </a:t>
-            </a:r>
-            <a:r>
-              <a:rPr lang="sv-SE" sz="1800" dirty="0" err="1"/>
-              <a:t>attend</a:t>
-            </a:r>
-            <a:r>
-              <a:rPr lang="sv-SE" sz="1800" dirty="0"/>
-              <a:t> (</a:t>
-            </a:r>
-            <a:r>
-              <a:rPr lang="sv-SE" sz="1800" dirty="0" err="1"/>
-              <a:t>activation</a:t>
-            </a:r>
-            <a:r>
-              <a:rPr lang="sv-SE" sz="1800" dirty="0"/>
-              <a:t>=1.5) {</a:t>
-            </a:r>
-          </a:p>
-          <a:p>
-            <a:pPr marL="0" indent="0">
-              <a:buNone/>
-            </a:pPr>
-            <a:r>
-              <a:rPr lang="sv-SE" sz="1800" dirty="0"/>
-              <a:t>        V1 = stim</a:t>
-            </a:r>
-          </a:p>
-          <a:p>
-            <a:pPr marL="0" indent="0">
-              <a:buNone/>
-            </a:pPr>
-            <a:r>
-              <a:rPr lang="sv-SE" sz="1800" dirty="0"/>
-              <a:t>        V2 = </a:t>
-            </a:r>
-            <a:r>
-              <a:rPr lang="sv-SE" sz="1800" dirty="0" err="1"/>
-              <a:t>nil</a:t>
-            </a:r>
-            <a:endParaRPr lang="sv-SE" sz="1800" dirty="0"/>
-          </a:p>
-          <a:p>
-            <a:pPr marL="0" indent="0">
-              <a:buNone/>
-            </a:pPr>
-            <a:r>
-              <a:rPr lang="sv-SE" sz="1800" dirty="0"/>
-              <a:t>        ==&gt;</a:t>
-            </a:r>
-          </a:p>
-          <a:p>
-            <a:pPr marL="0" indent="0">
-              <a:buNone/>
-            </a:pPr>
-            <a:r>
-              <a:rPr lang="sv-SE" sz="1800" dirty="0"/>
-              <a:t>        </a:t>
-            </a:r>
-            <a:r>
-              <a:rPr lang="sv-SE" sz="1800" dirty="0" err="1"/>
-              <a:t>attend</a:t>
-            </a:r>
-            <a:r>
-              <a:rPr lang="sv-SE" sz="1800" dirty="0"/>
-              <a:t> -&gt; AC1</a:t>
-            </a:r>
-          </a:p>
-          <a:p>
-            <a:pPr marL="0" indent="0">
-              <a:buNone/>
-            </a:pPr>
-            <a:r>
-              <a:rPr lang="sv-SE" sz="1800" dirty="0"/>
+              <a:rPr lang="en-US" sz="1800" dirty="0"/>
+              <a:t>define skill focus-color {</a:t>
+            </a:r>
+          </a:p>
+          <a:p>
+            <a:pPr marL="0" indent="0">
+              <a:buNone/>
+            </a:pPr>
+            <a:r>
+              <a:rPr lang="en-US" sz="1800" dirty="0"/>
+              <a:t> operator attend-just-color {</a:t>
+            </a:r>
+          </a:p>
+          <a:p>
+            <a:pPr marL="0" indent="0">
+              <a:buNone/>
+            </a:pPr>
+            <a:r>
+              <a:rPr lang="en-US" sz="1800" dirty="0"/>
+              <a:t>     V1 = </a:t>
+            </a:r>
+            <a:r>
+              <a:rPr lang="en-US" sz="1800" dirty="0" err="1"/>
+              <a:t>stim</a:t>
+            </a:r>
+            <a:endParaRPr lang="en-US" sz="1800" dirty="0"/>
+          </a:p>
+          <a:p>
+            <a:pPr marL="0" indent="0">
+              <a:buNone/>
+            </a:pPr>
+            <a:r>
+              <a:rPr lang="en-US" sz="1800" dirty="0"/>
+              <a:t>     V2 = nil</a:t>
+            </a:r>
+          </a:p>
+          <a:p>
+            <a:pPr marL="0" indent="0">
+              <a:buNone/>
+            </a:pPr>
+            <a:r>
+              <a:rPr lang="en-US" sz="1800" dirty="0"/>
+              <a:t>     ==&gt; </a:t>
+            </a:r>
+          </a:p>
+          <a:p>
+            <a:pPr marL="0" indent="0">
+              <a:buNone/>
+            </a:pPr>
+            <a:r>
+              <a:rPr lang="en-US" sz="1800" dirty="0"/>
+              <a:t>     attend-color -&gt; AC1</a:t>
+            </a:r>
+          </a:p>
+          <a:p>
+            <a:pPr marL="0" indent="0">
+              <a:buNone/>
+            </a:pPr>
+            <a:r>
+              <a:rPr lang="en-US" sz="1800" dirty="0"/>
               <a:t>    }</a:t>
             </a:r>
-            <a:endParaRPr lang="en-US" sz="1800" dirty="0"/>
+          </a:p>
+          <a:p>
+            <a:pPr marL="0" indent="0">
+              <a:buNone/>
+            </a:pPr>
+            <a:r>
+              <a:rPr lang="en-US" sz="1800" dirty="0"/>
+              <a:t>}</a:t>
+            </a:r>
           </a:p>
         </p:txBody>
       </p:sp>
     </p:spTree>
     <p:extLst>
       <p:ext uri="{BB962C8B-B14F-4D97-AF65-F5344CB8AC3E}">
-        <p14:creationId xmlns:p14="http://schemas.microsoft.com/office/powerpoint/2010/main" val="1686833066"/>
+        <p14:creationId xmlns:p14="http://schemas.microsoft.com/office/powerpoint/2010/main" val="1017321905"/>
       </p:ext>
     </p:extLst>
   </p:cSld>
@@ -8821,7 +8735,7 @@
       </p:grpSpPr>
       <p:sp>
         <p:nvSpPr>
-          <p:cNvPr id="5" name="Title 4"/>
+          <p:cNvPr id="2" name="Title 1"/>
           <p:cNvSpPr>
             <a:spLocks noGrp="1"/>
           </p:cNvSpPr>
@@ -8836,24 +8750,19 @@
           <a:p>
             <a:r>
               <a:rPr lang="en-US" dirty="0"/>
-              <a:t>Running the model multiple times: </a:t>
-            </a:r>
-            <a:r>
-              <a:rPr lang="en-US" dirty="0" err="1"/>
-              <a:t>taskswitchstrooptransfer.bprims</a:t>
-            </a:r>
-            <a:endParaRPr lang="en-US" dirty="0"/>
-          </a:p>
-        </p:txBody>
-      </p:sp>
-      <p:sp>
-        <p:nvSpPr>
-          <p:cNvPr id="6" name="Content Placeholder 5"/>
+              <a:t>Competition</a:t>
+            </a:r>
+          </a:p>
+        </p:txBody>
+      </p:sp>
+      <p:sp>
+        <p:nvSpPr>
+          <p:cNvPr id="3" name="Content Placeholder 2"/>
           <p:cNvSpPr>
             <a:spLocks noGrp="1"/>
           </p:cNvSpPr>
           <p:nvPr>
-            <p:ph idx="1"/>
+            <p:ph sz="half" idx="1"/>
           </p:nvPr>
         </p:nvSpPr>
         <p:spPr/>
@@ -8865,109 +8774,166 @@
               <a:buNone/>
             </a:pPr>
             <a:r>
-              <a:rPr lang="en-US" dirty="0"/>
-              <a:t>repeat 10</a:t>
-            </a:r>
-          </a:p>
-          <a:p>
-            <a:pPr marL="0" indent="0">
-              <a:buNone/>
-            </a:pPr>
-            <a:r>
-              <a:rPr lang="en-US" dirty="0"/>
-              <a:t>reset</a:t>
-            </a:r>
-          </a:p>
-          <a:p>
-            <a:pPr marL="0" indent="0">
-              <a:buNone/>
-            </a:pPr>
-            <a:r>
-              <a:rPr lang="en-US" dirty="0"/>
-              <a:t>run </a:t>
-            </a:r>
-            <a:r>
-              <a:rPr lang="en-US" dirty="0" err="1"/>
-              <a:t>stroop</a:t>
-            </a:r>
-            <a:r>
-              <a:rPr lang="en-US" dirty="0"/>
-              <a:t> </a:t>
-            </a:r>
-            <a:r>
-              <a:rPr lang="en-US" dirty="0" err="1"/>
-              <a:t>stroopcontrol</a:t>
-            </a:r>
-            <a:r>
-              <a:rPr lang="en-US" dirty="0"/>
-              <a:t> 50</a:t>
-            </a:r>
-          </a:p>
-          <a:p>
-            <a:pPr marL="0" indent="0">
-              <a:buNone/>
-            </a:pPr>
-            <a:r>
-              <a:rPr lang="en-US" dirty="0"/>
-              <a:t>reset</a:t>
-            </a:r>
-          </a:p>
-          <a:p>
-            <a:pPr marL="0" indent="0">
-              <a:buNone/>
-            </a:pPr>
-            <a:r>
-              <a:rPr lang="en-US" dirty="0"/>
-              <a:t>run </a:t>
-            </a:r>
-            <a:r>
-              <a:rPr lang="en-US" dirty="0" err="1"/>
-              <a:t>taskswitching</a:t>
-            </a:r>
-            <a:r>
-              <a:rPr lang="en-US" dirty="0"/>
-              <a:t> </a:t>
-            </a:r>
-            <a:r>
-              <a:rPr lang="en-US" dirty="0" err="1"/>
-              <a:t>taskswitching</a:t>
-            </a:r>
-            <a:r>
-              <a:rPr lang="en-US" dirty="0"/>
-              <a:t> 300</a:t>
-            </a:r>
-          </a:p>
-          <a:p>
-            <a:pPr marL="0" indent="0">
-              <a:buNone/>
-            </a:pPr>
-            <a:r>
-              <a:rPr lang="en-US" dirty="0"/>
-              <a:t>run </a:t>
-            </a:r>
-            <a:r>
-              <a:rPr lang="en-US" dirty="0" err="1"/>
-              <a:t>stroop</a:t>
-            </a:r>
-            <a:r>
-              <a:rPr lang="en-US" dirty="0"/>
-              <a:t> </a:t>
-            </a:r>
-            <a:r>
-              <a:rPr lang="en-US" dirty="0" err="1"/>
-              <a:t>strooptransfer</a:t>
-            </a:r>
-            <a:r>
-              <a:rPr lang="en-US" dirty="0"/>
-              <a:t> 50</a:t>
-            </a:r>
+              <a:rPr lang="en-US" sz="1800" dirty="0"/>
+              <a:t> operator attend-just-color {</a:t>
+            </a:r>
+          </a:p>
+          <a:p>
+            <a:pPr marL="0" indent="0">
+              <a:buNone/>
+            </a:pPr>
+            <a:r>
+              <a:rPr lang="en-US" sz="1800" dirty="0"/>
+              <a:t>     V1 = </a:t>
+            </a:r>
+            <a:r>
+              <a:rPr lang="en-US" sz="1800" dirty="0" err="1"/>
+              <a:t>stim</a:t>
+            </a:r>
+            <a:endParaRPr lang="en-US" sz="1800" dirty="0"/>
+          </a:p>
+          <a:p>
+            <a:pPr marL="0" indent="0">
+              <a:buNone/>
+            </a:pPr>
+            <a:r>
+              <a:rPr lang="en-US" sz="1800" dirty="0"/>
+              <a:t>     V2 = nil</a:t>
+            </a:r>
+          </a:p>
+          <a:p>
+            <a:pPr marL="0" indent="0">
+              <a:buNone/>
+            </a:pPr>
+            <a:r>
+              <a:rPr lang="en-US" sz="1800" dirty="0"/>
+              <a:t>     ==&gt; </a:t>
+            </a:r>
+          </a:p>
+          <a:p>
+            <a:pPr marL="0" indent="0">
+              <a:buNone/>
+            </a:pPr>
+            <a:r>
+              <a:rPr lang="en-US" sz="1800" dirty="0"/>
+              <a:t>     attend-color -&gt; AC1</a:t>
+            </a:r>
+          </a:p>
+          <a:p>
+            <a:pPr marL="0" indent="0">
+              <a:buNone/>
+            </a:pPr>
+            <a:r>
+              <a:rPr lang="en-US" sz="1800" dirty="0"/>
+              <a:t>    }</a:t>
+            </a:r>
+          </a:p>
+        </p:txBody>
+      </p:sp>
+      <p:sp>
+        <p:nvSpPr>
+          <p:cNvPr id="4" name="Content Placeholder 3"/>
+          <p:cNvSpPr>
+            <a:spLocks noGrp="1"/>
+          </p:cNvSpPr>
+          <p:nvPr>
+            <p:ph sz="half" idx="2"/>
+          </p:nvPr>
+        </p:nvSpPr>
+        <p:spPr/>
+        <p:txBody>
+          <a:bodyPr/>
+          <a:lstStyle/>
+          <a:p>
+            <a:pPr marL="0" indent="0">
+              <a:buNone/>
+            </a:pPr>
+            <a:r>
+              <a:rPr lang="sv-SE" sz="1800" dirty="0"/>
+              <a:t> operator </a:t>
+            </a:r>
+            <a:r>
+              <a:rPr lang="sv-SE" sz="1800" dirty="0" err="1"/>
+              <a:t>attend</a:t>
+            </a:r>
+            <a:r>
+              <a:rPr lang="sv-SE" sz="1800" dirty="0"/>
+              <a:t> (</a:t>
+            </a:r>
+            <a:r>
+              <a:rPr lang="sv-SE" sz="1800" dirty="0" err="1"/>
+              <a:t>activation</a:t>
+            </a:r>
+            <a:r>
+              <a:rPr lang="sv-SE" sz="1800" dirty="0"/>
+              <a:t>=1.5) {</a:t>
+            </a:r>
+          </a:p>
+          <a:p>
+            <a:pPr marL="0" indent="0">
+              <a:buNone/>
+            </a:pPr>
+            <a:r>
+              <a:rPr lang="sv-SE" sz="1800" dirty="0"/>
+              <a:t>        V1 = stim</a:t>
+            </a:r>
+          </a:p>
+          <a:p>
+            <a:pPr marL="0" indent="0">
+              <a:buNone/>
+            </a:pPr>
+            <a:r>
+              <a:rPr lang="sv-SE" sz="1800" dirty="0"/>
+              <a:t>        V2 = </a:t>
+            </a:r>
+            <a:r>
+              <a:rPr lang="sv-SE" sz="1800" dirty="0" err="1"/>
+              <a:t>nil</a:t>
+            </a:r>
+            <a:endParaRPr lang="sv-SE" sz="1800" dirty="0"/>
+          </a:p>
+          <a:p>
+            <a:pPr marL="0" indent="0">
+              <a:buNone/>
+            </a:pPr>
+            <a:r>
+              <a:rPr lang="sv-SE" sz="1800" dirty="0"/>
+              <a:t>        ==&gt;</a:t>
+            </a:r>
+          </a:p>
+          <a:p>
+            <a:pPr marL="0" indent="0">
+              <a:buNone/>
+            </a:pPr>
+            <a:r>
+              <a:rPr lang="sv-SE" sz="1800" dirty="0"/>
+              <a:t>        </a:t>
+            </a:r>
+            <a:r>
+              <a:rPr lang="sv-SE" sz="1800" dirty="0" err="1"/>
+              <a:t>attend</a:t>
+            </a:r>
+            <a:r>
+              <a:rPr lang="sv-SE" sz="1800" dirty="0"/>
+              <a:t> -&gt; AC1</a:t>
+            </a:r>
+          </a:p>
+          <a:p>
+            <a:pPr marL="0" indent="0">
+              <a:buNone/>
+            </a:pPr>
+            <a:r>
+              <a:rPr lang="sv-SE" sz="1800" dirty="0"/>
+              <a:t>    }</a:t>
+            </a:r>
+            <a:endParaRPr lang="en-US" sz="1800" dirty="0"/>
           </a:p>
         </p:txBody>
       </p:sp>
     </p:spTree>
     <p:extLst>
       <p:ext uri="{BB962C8B-B14F-4D97-AF65-F5344CB8AC3E}">
-        <p14:creationId xmlns:p14="http://schemas.microsoft.com/office/powerpoint/2010/main" val="814745430"/>
+        <p14:creationId xmlns:p14="http://schemas.microsoft.com/office/powerpoint/2010/main" val="1686833066"/>
       </p:ext>
     </p:extLst>
   </p:cSld>
@@ -9044,7 +9010,10 @@
             </a:r>
           </a:p>
           <a:p>
-            <a:endParaRPr lang="en-US" dirty="0"/>
+            <a:r>
+              <a:rPr lang="en-US" dirty="0"/>
+              <a:t>Reuse skills</a:t>
+            </a:r>
           </a:p>
           <a:p>
             <a:r>
@@ -9105,6 +9074,182 @@
       </p:grpSpPr>
       <p:sp>
         <p:nvSpPr>
+          <p:cNvPr id="5" name="Title 4"/>
+          <p:cNvSpPr>
+            <a:spLocks noGrp="1"/>
+          </p:cNvSpPr>
+          <p:nvPr>
+            <p:ph type="title"/>
+          </p:nvPr>
+        </p:nvSpPr>
+        <p:spPr/>
+        <p:txBody>
+          <a:bodyPr/>
+          <a:lstStyle/>
+          <a:p>
+            <a:r>
+              <a:rPr lang="en-US" dirty="0"/>
+              <a:t>Running the model multiple times: </a:t>
+            </a:r>
+            <a:r>
+              <a:rPr lang="en-US" dirty="0" err="1"/>
+              <a:t>taskswitchstrooptransfer.bprims</a:t>
+            </a:r>
+            <a:endParaRPr lang="en-US" dirty="0"/>
+          </a:p>
+        </p:txBody>
+      </p:sp>
+      <p:sp>
+        <p:nvSpPr>
+          <p:cNvPr id="6" name="Content Placeholder 5"/>
+          <p:cNvSpPr>
+            <a:spLocks noGrp="1"/>
+          </p:cNvSpPr>
+          <p:nvPr>
+            <p:ph idx="1"/>
+          </p:nvPr>
+        </p:nvSpPr>
+        <p:spPr/>
+        <p:txBody>
+          <a:bodyPr/>
+          <a:lstStyle/>
+          <a:p>
+            <a:pPr marL="0" indent="0">
+              <a:buNone/>
+            </a:pPr>
+            <a:r>
+              <a:rPr lang="en-US" dirty="0"/>
+              <a:t>repeat 10</a:t>
+            </a:r>
+          </a:p>
+          <a:p>
+            <a:pPr marL="0" indent="0">
+              <a:buNone/>
+            </a:pPr>
+            <a:r>
+              <a:rPr lang="en-US" dirty="0"/>
+              <a:t>reset</a:t>
+            </a:r>
+          </a:p>
+          <a:p>
+            <a:pPr marL="0" indent="0">
+              <a:buNone/>
+            </a:pPr>
+            <a:r>
+              <a:rPr lang="en-US" dirty="0"/>
+              <a:t>run </a:t>
+            </a:r>
+            <a:r>
+              <a:rPr lang="en-US" dirty="0" err="1"/>
+              <a:t>stroop</a:t>
+            </a:r>
+            <a:r>
+              <a:rPr lang="en-US" dirty="0"/>
+              <a:t> </a:t>
+            </a:r>
+            <a:r>
+              <a:rPr lang="en-US" dirty="0" err="1"/>
+              <a:t>stroopcontrol</a:t>
+            </a:r>
+            <a:r>
+              <a:rPr lang="en-US" dirty="0"/>
+              <a:t> 50</a:t>
+            </a:r>
+          </a:p>
+          <a:p>
+            <a:pPr marL="0" indent="0">
+              <a:buNone/>
+            </a:pPr>
+            <a:r>
+              <a:rPr lang="en-US" dirty="0"/>
+              <a:t>reset</a:t>
+            </a:r>
+          </a:p>
+          <a:p>
+            <a:pPr marL="0" indent="0">
+              <a:buNone/>
+            </a:pPr>
+            <a:r>
+              <a:rPr lang="en-US" dirty="0"/>
+              <a:t>run </a:t>
+            </a:r>
+            <a:r>
+              <a:rPr lang="en-US" dirty="0" err="1"/>
+              <a:t>taskswitching</a:t>
+            </a:r>
+            <a:r>
+              <a:rPr lang="en-US" dirty="0"/>
+              <a:t> </a:t>
+            </a:r>
+            <a:r>
+              <a:rPr lang="en-US" dirty="0" err="1"/>
+              <a:t>taskswitching</a:t>
+            </a:r>
+            <a:r>
+              <a:rPr lang="en-US" dirty="0"/>
+              <a:t> 300</a:t>
+            </a:r>
+          </a:p>
+          <a:p>
+            <a:pPr marL="0" indent="0">
+              <a:buNone/>
+            </a:pPr>
+            <a:r>
+              <a:rPr lang="en-US" dirty="0"/>
+              <a:t>run </a:t>
+            </a:r>
+            <a:r>
+              <a:rPr lang="en-US" dirty="0" err="1"/>
+              <a:t>stroop</a:t>
+            </a:r>
+            <a:r>
+              <a:rPr lang="en-US" dirty="0"/>
+              <a:t> </a:t>
+            </a:r>
+            <a:r>
+              <a:rPr lang="en-US" dirty="0" err="1"/>
+              <a:t>strooptransfer</a:t>
+            </a:r>
+            <a:r>
+              <a:rPr lang="en-US" dirty="0"/>
+              <a:t> 50</a:t>
+            </a:r>
+          </a:p>
+        </p:txBody>
+      </p:sp>
+    </p:spTree>
+    <p:extLst>
+      <p:ext uri="{BB962C8B-B14F-4D97-AF65-F5344CB8AC3E}">
+        <p14:creationId xmlns:p14="http://schemas.microsoft.com/office/powerpoint/2010/main" val="814745430"/>
+      </p:ext>
+    </p:extLst>
+  </p:cSld>
+  <p:clrMapOvr>
+    <a:masterClrMapping/>
+  </p:clrMapOvr>
+  <p:transition/>
+</p:sld>
+</file>
+
+<file path=ppt/slides/slide21.xml><?xml version="1.0" encoding="utf-8"?>
+<p:sld xmlns:a="http://schemas.openxmlformats.org/drawingml/2006/main" xmlns:r="http://schemas.openxmlformats.org/officeDocument/2006/relationships" xmlns:p="http://schemas.openxmlformats.org/presentationml/2006/main" show="0">
+  <p:cSld>
+    <p:spTree>
+      <p:nvGrpSpPr>
+        <p:cNvPr id="1" name=""/>
+        <p:cNvGrpSpPr/>
+        <p:nvPr/>
+      </p:nvGrpSpPr>
+      <p:grpSpPr>
+        <a:xfrm>
+          <a:off x="0" y="0"/>
+          <a:ext cx="0" cy="0"/>
+          <a:chOff x="0" y="0"/>
+          <a:chExt cx="0" cy="0"/>
+        </a:xfrm>
+      </p:grpSpPr>
+      <p:sp>
+        <p:nvSpPr>
           <p:cNvPr id="7" name="Title 6"/>
           <p:cNvSpPr>
             <a:spLocks noGrp="1"/>
@@ -9167,7 +9312,7 @@
 </p:sld>
 </file>
 
-<file path=ppt/slides/slide21.xml><?xml version="1.0" encoding="utf-8"?>
+<file path=ppt/slides/slide22.xml><?xml version="1.0" encoding="utf-8"?>
 <p:sld xmlns:a="http://schemas.openxmlformats.org/drawingml/2006/main" xmlns:r="http://schemas.openxmlformats.org/officeDocument/2006/relationships" xmlns:p="http://schemas.openxmlformats.org/presentationml/2006/main" show="0">
   <p:cSld>
     <p:spTree>
@@ -9244,93 +9389,6 @@
 </p:sld>
 </file>
 
-<file path=ppt/slides/slide22.xml><?xml version="1.0" encoding="utf-8"?>
-<p:sld xmlns:a="http://schemas.openxmlformats.org/drawingml/2006/main" xmlns:r="http://schemas.openxmlformats.org/officeDocument/2006/relationships" xmlns:p="http://schemas.openxmlformats.org/presentationml/2006/main">
-  <p:cSld>
-    <p:spTree>
-      <p:nvGrpSpPr>
-        <p:cNvPr id="1" name=""/>
-        <p:cNvGrpSpPr/>
-        <p:nvPr/>
-      </p:nvGrpSpPr>
-      <p:grpSpPr>
-        <a:xfrm>
-          <a:off x="0" y="0"/>
-          <a:ext cx="0" cy="0"/>
-          <a:chOff x="0" y="0"/>
-          <a:chExt cx="0" cy="0"/>
-        </a:xfrm>
-      </p:grpSpPr>
-      <p:sp>
-        <p:nvSpPr>
-          <p:cNvPr id="4" name="Title 3"/>
-          <p:cNvSpPr>
-            <a:spLocks noGrp="1"/>
-          </p:cNvSpPr>
-          <p:nvPr>
-            <p:ph type="title"/>
-          </p:nvPr>
-        </p:nvSpPr>
-        <p:spPr/>
-        <p:txBody>
-          <a:bodyPr/>
-          <a:lstStyle/>
-          <a:p>
-            <a:r>
-              <a:rPr lang="en-US" dirty="0"/>
-              <a:t>Learning operators from primitive operations</a:t>
-            </a:r>
-          </a:p>
-        </p:txBody>
-      </p:sp>
-      <p:sp>
-        <p:nvSpPr>
-          <p:cNvPr id="7" name="Content Placeholder 6"/>
-          <p:cNvSpPr>
-            <a:spLocks noGrp="1"/>
-          </p:cNvSpPr>
-          <p:nvPr>
-            <p:ph idx="1"/>
-          </p:nvPr>
-        </p:nvSpPr>
-        <p:spPr/>
-        <p:txBody>
-          <a:bodyPr/>
-          <a:lstStyle/>
-          <a:p>
-            <a:r>
-              <a:rPr lang="en-US" dirty="0"/>
-              <a:t>Count-learn was an example of learning a skill based on individual operators</a:t>
-            </a:r>
-          </a:p>
-          <a:p>
-            <a:r>
-              <a:rPr lang="en-US" dirty="0"/>
-              <a:t>Stroop/Task Switching was an example of learning a task based on existing skills</a:t>
-            </a:r>
-          </a:p>
-          <a:p>
-            <a:r>
-              <a:rPr lang="en-US" dirty="0"/>
-              <a:t>But can we also learn Operators out of PRIMs?</a:t>
-            </a:r>
-          </a:p>
-        </p:txBody>
-      </p:sp>
-    </p:spTree>
-    <p:extLst>
-      <p:ext uri="{BB962C8B-B14F-4D97-AF65-F5344CB8AC3E}">
-        <p14:creationId xmlns:p14="http://schemas.microsoft.com/office/powerpoint/2010/main" val="2717534760"/>
-      </p:ext>
-    </p:extLst>
-  </p:cSld>
-  <p:clrMapOvr>
-    <a:masterClrMapping/>
-  </p:clrMapOvr>
-  <p:transition/>
-</p:sld>
-</file>
-
 <file path=ppt/slides/slide23.xml><?xml version="1.0" encoding="utf-8"?>
 <p:sld xmlns:a="http://schemas.openxmlformats.org/drawingml/2006/main" xmlns:r="http://schemas.openxmlformats.org/officeDocument/2006/relationships" xmlns:p="http://schemas.openxmlformats.org/presentationml/2006/main">
   <p:cSld>
@@ -9350,7 +9408,7 @@
       </p:grpSpPr>
       <p:sp>
         <p:nvSpPr>
-          <p:cNvPr id="2" name="Title 1"/>
+          <p:cNvPr id="4" name="Title 3"/>
           <p:cNvSpPr>
             <a:spLocks noGrp="1"/>
           </p:cNvSpPr>
@@ -9365,14 +9423,14 @@
           <a:p>
             <a:r>
               <a:rPr lang="en-US" dirty="0"/>
-              <a:t>Approach</a:t>
-            </a:r>
-          </a:p>
-        </p:txBody>
-      </p:sp>
-      <p:sp>
-        <p:nvSpPr>
-          <p:cNvPr id="3" name="Content Placeholder 2"/>
+              <a:t>Learning operators from primitive operations</a:t>
+            </a:r>
+          </a:p>
+        </p:txBody>
+      </p:sp>
+      <p:sp>
+        <p:nvSpPr>
+          <p:cNvPr id="7" name="Content Placeholder 6"/>
           <p:cNvSpPr>
             <a:spLocks noGrp="1"/>
           </p:cNvSpPr>
@@ -9387,19 +9445,19 @@
           <a:p>
             <a:r>
               <a:rPr lang="en-US" dirty="0"/>
-              <a:t>Start with operators that only perform a single PRIM</a:t>
+              <a:t>Count-learn was an example of learning a skill based on individual operators</a:t>
             </a:r>
           </a:p>
           <a:p>
             <a:r>
               <a:rPr lang="en-US" dirty="0"/>
-              <a:t>Use reinforcement learning to discover which PRIMs go well with a certain task/skill</a:t>
+              <a:t>Stroop/Task Switching was an example of learning a task based on existing skills</a:t>
             </a:r>
           </a:p>
           <a:p>
             <a:r>
               <a:rPr lang="en-US" dirty="0"/>
-              <a:t>Use operator compilation to combine PRIMs into operators</a:t>
+              <a:t>But can we also learn Operators out of PRIMs?</a:t>
             </a:r>
           </a:p>
         </p:txBody>
@@ -9407,7 +9465,7 @@
     </p:spTree>
     <p:extLst>
       <p:ext uri="{BB962C8B-B14F-4D97-AF65-F5344CB8AC3E}">
-        <p14:creationId xmlns:p14="http://schemas.microsoft.com/office/powerpoint/2010/main" val="2108992352"/>
+        <p14:creationId xmlns:p14="http://schemas.microsoft.com/office/powerpoint/2010/main" val="2717534760"/>
       </p:ext>
     </p:extLst>
   </p:cSld>
@@ -9452,19 +9510,19 @@
           <a:p>
             <a:r>
               <a:rPr lang="en-US" dirty="0"/>
-              <a:t>Examples</a:t>
-            </a:r>
-          </a:p>
-        </p:txBody>
-      </p:sp>
-      <p:sp>
-        <p:nvSpPr>
-          <p:cNvPr id="6" name="Content Placeholder 5"/>
+              <a:t>Approach</a:t>
+            </a:r>
+          </a:p>
+        </p:txBody>
+      </p:sp>
+      <p:sp>
+        <p:nvSpPr>
+          <p:cNvPr id="3" name="Content Placeholder 2"/>
           <p:cNvSpPr>
             <a:spLocks noGrp="1"/>
           </p:cNvSpPr>
           <p:nvPr>
-            <p:ph sz="half" idx="1"/>
+            <p:ph idx="1"/>
           </p:nvPr>
         </p:nvSpPr>
         <p:spPr/>
@@ -9472,150 +9530,29 @@
           <a:bodyPr/>
           <a:lstStyle/>
           <a:p>
-            <a:pPr marL="0" indent="0">
-              <a:buNone/>
-            </a:pPr>
-            <a:r>
-              <a:rPr lang="mr-IN" dirty="0"/>
-              <a:t>operator V1toRT</a:t>
-            </a:r>
             <a:r>
               <a:rPr lang="en-US" dirty="0"/>
-              <a:t>2</a:t>
-            </a:r>
-            <a:r>
-              <a:rPr lang="mr-IN" dirty="0"/>
-              <a:t> {</a:t>
-            </a:r>
-          </a:p>
-          <a:p>
-            <a:pPr marL="0" indent="0">
-              <a:buNone/>
-            </a:pPr>
+              <a:t>Start with operators that only perform a single PRIM</a:t>
+            </a:r>
+          </a:p>
+          <a:p>
             <a:r>
               <a:rPr lang="en-US" dirty="0"/>
-              <a:t>    </a:t>
-            </a:r>
-            <a:r>
-              <a:rPr lang="mr-IN" dirty="0"/>
-              <a:t>V1 &lt;&gt; nil</a:t>
-            </a:r>
-          </a:p>
-          <a:p>
-            <a:pPr marL="0" indent="0">
-              <a:buNone/>
-            </a:pPr>
-            <a:r>
-              <a:rPr lang="mr-IN" dirty="0"/>
-              <a:t>==&gt;</a:t>
-            </a:r>
-          </a:p>
-          <a:p>
-            <a:pPr marL="0" indent="0">
-              <a:buNone/>
-            </a:pPr>
-            <a:r>
-              <a:rPr lang="mr-IN" dirty="0"/>
-              <a:t>    V1 -&gt; </a:t>
-            </a:r>
-            <a:r>
-              <a:rPr lang="en-US"/>
-              <a:t>RT2</a:t>
-            </a:r>
-            <a:endParaRPr lang="mr-IN" dirty="0"/>
-          </a:p>
-          <a:p>
-            <a:pPr marL="0" indent="0">
-              <a:buNone/>
-            </a:pPr>
-            <a:r>
-              <a:rPr lang="mr-IN" dirty="0"/>
-              <a:t>    nil -&gt; V1</a:t>
-            </a:r>
-          </a:p>
-          <a:p>
-            <a:pPr marL="0" indent="0">
-              <a:buNone/>
-            </a:pPr>
-            <a:r>
-              <a:rPr lang="mr-IN" dirty="0"/>
-              <a:t>}</a:t>
-            </a:r>
-          </a:p>
-          <a:p>
-            <a:pPr marL="0" indent="0">
-              <a:buNone/>
-            </a:pPr>
-            <a:endParaRPr lang="en-US" dirty="0"/>
-          </a:p>
-        </p:txBody>
-      </p:sp>
-      <p:sp>
-        <p:nvSpPr>
-          <p:cNvPr id="7" name="Content Placeholder 6"/>
-          <p:cNvSpPr>
-            <a:spLocks noGrp="1"/>
-          </p:cNvSpPr>
-          <p:nvPr>
-            <p:ph sz="half" idx="2"/>
-          </p:nvPr>
-        </p:nvSpPr>
-        <p:spPr/>
-        <p:txBody>
-          <a:bodyPr/>
-          <a:lstStyle/>
-          <a:p>
-            <a:pPr marL="0" indent="0">
-              <a:buNone/>
-            </a:pPr>
-            <a:r>
-              <a:rPr lang="mr-IN" dirty="0"/>
-              <a:t>operator C1toRT1 {</a:t>
-            </a:r>
-          </a:p>
-          <a:p>
-            <a:pPr marL="0" indent="0">
-              <a:buNone/>
-            </a:pPr>
-            <a:r>
-              <a:rPr lang="mr-IN" dirty="0"/>
-              <a:t>	G1 &lt;&gt; nil</a:t>
-            </a:r>
-          </a:p>
-          <a:p>
-            <a:pPr marL="0" indent="0">
-              <a:buNone/>
-            </a:pPr>
-            <a:r>
-              <a:rPr lang="mr-IN" dirty="0"/>
-              <a:t>==&gt;</a:t>
-            </a:r>
-          </a:p>
-          <a:p>
-            <a:pPr marL="0" indent="0">
-              <a:buNone/>
-            </a:pPr>
-            <a:r>
-              <a:rPr lang="mr-IN" dirty="0"/>
-              <a:t>	*fact-type -&gt; RT1</a:t>
-            </a:r>
-          </a:p>
-          <a:p>
-            <a:pPr marL="0" indent="0">
-              <a:buNone/>
-            </a:pPr>
-            <a:r>
-              <a:rPr lang="mr-IN" dirty="0"/>
-              <a:t>}</a:t>
-            </a:r>
-            <a:endParaRPr lang="en-US" dirty="0"/>
+              <a:t>Use reinforcement learning to discover which PRIMs go well with a certain task/skill</a:t>
+            </a:r>
+          </a:p>
+          <a:p>
+            <a:r>
+              <a:rPr lang="en-US" dirty="0"/>
+              <a:t>Use operator compilation to combine PRIMs into operators</a:t>
+            </a:r>
           </a:p>
         </p:txBody>
       </p:sp>
     </p:spTree>
     <p:extLst>
       <p:ext uri="{BB962C8B-B14F-4D97-AF65-F5344CB8AC3E}">
-        <p14:creationId xmlns:p14="http://schemas.microsoft.com/office/powerpoint/2010/main" val="3484469318"/>
+        <p14:creationId xmlns:p14="http://schemas.microsoft.com/office/powerpoint/2010/main" val="2108992352"/>
       </p:ext>
     </p:extLst>
   </p:cSld>
@@ -9658,7 +9595,10 @@
           <a:bodyPr/>
           <a:lstStyle/>
           <a:p>
-            <a:endParaRPr lang="en-US"/>
+            <a:r>
+              <a:rPr lang="en-US" dirty="0"/>
+              <a:t>Lower level of abstraction</a:t>
+            </a:r>
           </a:p>
         </p:txBody>
       </p:sp>
@@ -9669,110 +9609,39 @@
             <a:spLocks noGrp="1"/>
           </p:cNvSpPr>
           <p:nvPr>
-            <p:ph sz="half" idx="1"/>
+            <p:ph idx="1"/>
           </p:nvPr>
         </p:nvSpPr>
-        <p:spPr>
-          <a:xfrm>
-            <a:off x="685800" y="1981200"/>
-            <a:ext cx="6411576" cy="4114800"/>
-          </a:xfrm>
-        </p:spPr>
+        <p:spPr/>
         <p:txBody>
           <a:bodyPr/>
           <a:lstStyle/>
           <a:p>
-            <a:pPr marL="0" indent="0">
-              <a:buNone/>
-            </a:pPr>
             <a:r>
               <a:rPr lang="en-US" dirty="0"/>
-              <a:t>operator V1toRT2+C1toRT1 {</a:t>
-            </a:r>
-          </a:p>
-          <a:p>
-            <a:pPr marL="0" indent="0">
-              <a:buNone/>
-            </a:pPr>
+              <a:t>How can we learn operators from primitive operations?</a:t>
+            </a:r>
+          </a:p>
+          <a:p>
+            <a:pPr lvl="1"/>
             <a:r>
               <a:rPr lang="en-US" dirty="0"/>
-              <a:t>	V1 &lt;&gt; nil</a:t>
-            </a:r>
-          </a:p>
-          <a:p>
-            <a:pPr marL="0" indent="0">
-              <a:buNone/>
-            </a:pPr>
+              <a:t>Construct basic operators with a single primitive operation</a:t>
+            </a:r>
+          </a:p>
+          <a:p>
+            <a:pPr lvl="1"/>
             <a:r>
               <a:rPr lang="en-US" dirty="0"/>
-              <a:t>	G1 &lt;&gt; nil</a:t>
-            </a:r>
-            <a:endParaRPr lang="en-US" dirty="0">
-              <a:sym typeface="Wingdings"/>
-            </a:endParaRPr>
-          </a:p>
-          <a:p>
-            <a:pPr marL="0" indent="0">
-              <a:buNone/>
-            </a:pPr>
-            <a:r>
-              <a:rPr lang="en-US" dirty="0">
-                <a:sym typeface="Wingdings"/>
-              </a:rPr>
-              <a:t>==&gt;</a:t>
-            </a:r>
-          </a:p>
-          <a:p>
-            <a:pPr marL="0" indent="0">
-              <a:buNone/>
-            </a:pPr>
-            <a:r>
-              <a:rPr lang="en-US" dirty="0">
-                <a:sym typeface="Wingdings"/>
-              </a:rPr>
-              <a:t>	V1 -&gt; RT2</a:t>
-            </a:r>
-          </a:p>
-          <a:p>
-            <a:pPr marL="0" indent="0">
-              <a:buNone/>
-            </a:pPr>
-            <a:r>
-              <a:rPr lang="en-US" dirty="0">
-                <a:sym typeface="Wingdings"/>
-              </a:rPr>
-              <a:t>	*fact-type -&gt; RT1</a:t>
-            </a:r>
-          </a:p>
-          <a:p>
-            <a:pPr marL="0" indent="0">
-              <a:buNone/>
-            </a:pPr>
-            <a:r>
-              <a:rPr lang="en-US" dirty="0">
-                <a:sym typeface="Wingdings"/>
-              </a:rPr>
-              <a:t>	nil -&gt; V1</a:t>
-            </a:r>
-          </a:p>
-          <a:p>
-            <a:pPr marL="0" indent="0">
-              <a:buNone/>
-            </a:pPr>
-            <a:r>
-              <a:rPr lang="en-US" dirty="0">
-                <a:sym typeface="Wingdings"/>
-              </a:rPr>
-              <a:t>}</a:t>
-            </a:r>
-            <a:endParaRPr lang="en-US" dirty="0"/>
+              <a:t>Use “operator compilation” and reinforcement learning to discover the knowledge needed for a task</a:t>
+            </a:r>
           </a:p>
         </p:txBody>
       </p:sp>
     </p:spTree>
     <p:extLst>
       <p:ext uri="{BB962C8B-B14F-4D97-AF65-F5344CB8AC3E}">
-        <p14:creationId xmlns:p14="http://schemas.microsoft.com/office/powerpoint/2010/main" val="2932616413"/>
+        <p14:creationId xmlns:p14="http://schemas.microsoft.com/office/powerpoint/2010/main" val="4069719179"/>
       </p:ext>
     </p:extLst>
   </p:cSld>
@@ -9802,6 +9671,535 @@
       </p:grpSpPr>
       <p:sp>
         <p:nvSpPr>
+          <p:cNvPr id="2" name="Title 1"/>
+          <p:cNvSpPr>
+            <a:spLocks noGrp="1"/>
+          </p:cNvSpPr>
+          <p:nvPr>
+            <p:ph type="title"/>
+          </p:nvPr>
+        </p:nvSpPr>
+        <p:spPr/>
+        <p:txBody>
+          <a:bodyPr/>
+          <a:lstStyle/>
+          <a:p>
+            <a:r>
+              <a:rPr lang="en-US" dirty="0"/>
+              <a:t>Example: Choice-reaction task</a:t>
+            </a:r>
+          </a:p>
+        </p:txBody>
+      </p:sp>
+      <p:sp>
+        <p:nvSpPr>
+          <p:cNvPr id="3" name="Content Placeholder 2"/>
+          <p:cNvSpPr>
+            <a:spLocks noGrp="1"/>
+          </p:cNvSpPr>
+          <p:nvPr>
+            <p:ph idx="1"/>
+          </p:nvPr>
+        </p:nvSpPr>
+        <p:spPr/>
+        <p:txBody>
+          <a:bodyPr/>
+          <a:lstStyle/>
+          <a:p>
+            <a:pPr marL="0" indent="0">
+              <a:buNone/>
+            </a:pPr>
+            <a:r>
+              <a:rPr lang="en-US" sz="2000" dirty="0">
+                <a:latin typeface="Courier"/>
+                <a:cs typeface="Courier"/>
+              </a:rPr>
+              <a:t>define facts {</a:t>
+            </a:r>
+          </a:p>
+          <a:p>
+            <a:pPr marL="0" indent="0">
+              <a:buNone/>
+            </a:pPr>
+            <a:r>
+              <a:rPr lang="en-US" sz="2000" dirty="0">
+                <a:latin typeface="Courier"/>
+                <a:cs typeface="Courier"/>
+              </a:rPr>
+              <a:t>	(f1 associate vanilla thumb)</a:t>
+            </a:r>
+          </a:p>
+          <a:p>
+            <a:pPr marL="0" indent="0">
+              <a:buNone/>
+            </a:pPr>
+            <a:r>
+              <a:rPr lang="en-US" sz="2000" dirty="0">
+                <a:latin typeface="Courier"/>
+                <a:cs typeface="Courier"/>
+              </a:rPr>
+              <a:t>	(f2 associate ice ring)</a:t>
+            </a:r>
+          </a:p>
+          <a:p>
+            <a:pPr marL="0" indent="0">
+              <a:buNone/>
+            </a:pPr>
+            <a:r>
+              <a:rPr lang="en-US" sz="2000" dirty="0">
+                <a:latin typeface="Courier"/>
+                <a:cs typeface="Courier"/>
+              </a:rPr>
+              <a:t>	(f3 associate paper pinkie)</a:t>
+            </a:r>
+          </a:p>
+          <a:p>
+            <a:pPr marL="0" indent="0">
+              <a:buNone/>
+            </a:pPr>
+            <a:r>
+              <a:rPr lang="en-US" sz="2000" dirty="0">
+                <a:latin typeface="Courier"/>
+                <a:cs typeface="Courier"/>
+              </a:rPr>
+              <a:t>	(fa1 taste vanilla sweet)</a:t>
+            </a:r>
+          </a:p>
+          <a:p>
+            <a:pPr marL="0" indent="0">
+              <a:buNone/>
+            </a:pPr>
+            <a:r>
+              <a:rPr lang="en-US" sz="2000" dirty="0">
+                <a:latin typeface="Courier"/>
+                <a:cs typeface="Courier"/>
+              </a:rPr>
+              <a:t>	(fa2 temperature ice cold)</a:t>
+            </a:r>
+          </a:p>
+          <a:p>
+            <a:pPr marL="0" indent="0">
+              <a:buNone/>
+            </a:pPr>
+            <a:r>
+              <a:rPr lang="en-US" sz="2000" dirty="0">
+                <a:latin typeface="Courier"/>
+                <a:cs typeface="Courier"/>
+              </a:rPr>
+              <a:t>	(fa3 weight paper small)</a:t>
+            </a:r>
+          </a:p>
+          <a:p>
+            <a:pPr marL="0" indent="0">
+              <a:buNone/>
+            </a:pPr>
+            <a:r>
+              <a:rPr lang="en-US" sz="2000" dirty="0">
+                <a:latin typeface="Courier"/>
+                <a:cs typeface="Courier"/>
+              </a:rPr>
+              <a:t>	(fb1 color vanilla yellow)</a:t>
+            </a:r>
+          </a:p>
+          <a:p>
+            <a:pPr marL="0" indent="0">
+              <a:buNone/>
+            </a:pPr>
+            <a:r>
+              <a:rPr lang="en-US" sz="2000" dirty="0">
+                <a:latin typeface="Courier"/>
+                <a:cs typeface="Courier"/>
+              </a:rPr>
+              <a:t>	(fb2 texture ice slippery)</a:t>
+            </a:r>
+          </a:p>
+          <a:p>
+            <a:pPr marL="0" indent="0">
+              <a:buNone/>
+            </a:pPr>
+            <a:r>
+              <a:rPr lang="en-US" sz="2000" dirty="0">
+                <a:latin typeface="Courier"/>
+                <a:cs typeface="Courier"/>
+              </a:rPr>
+              <a:t>	(fb3 color paper white)</a:t>
+            </a:r>
+          </a:p>
+          <a:p>
+            <a:pPr marL="0" indent="0">
+              <a:buNone/>
+            </a:pPr>
+            <a:r>
+              <a:rPr lang="en-US" sz="2000" dirty="0">
+                <a:latin typeface="Courier"/>
+                <a:cs typeface="Courier"/>
+              </a:rPr>
+              <a:t>}</a:t>
+            </a:r>
+          </a:p>
+          <a:p>
+            <a:endParaRPr lang="en-US" dirty="0"/>
+          </a:p>
+        </p:txBody>
+      </p:sp>
+    </p:spTree>
+    <p:extLst>
+      <p:ext uri="{BB962C8B-B14F-4D97-AF65-F5344CB8AC3E}">
+        <p14:creationId xmlns:p14="http://schemas.microsoft.com/office/powerpoint/2010/main" val="3846947874"/>
+      </p:ext>
+    </p:extLst>
+  </p:cSld>
+  <p:clrMapOvr>
+    <a:masterClrMapping/>
+  </p:clrMapOvr>
+  <p:transition/>
+</p:sld>
+</file>
+
+<file path=ppt/slides/slide27.xml><?xml version="1.0" encoding="utf-8"?>
+<p:sld xmlns:a="http://schemas.openxmlformats.org/drawingml/2006/main" xmlns:r="http://schemas.openxmlformats.org/officeDocument/2006/relationships" xmlns:p="http://schemas.openxmlformats.org/presentationml/2006/main">
+  <p:cSld>
+    <p:spTree>
+      <p:nvGrpSpPr>
+        <p:cNvPr id="1" name=""/>
+        <p:cNvGrpSpPr/>
+        <p:nvPr/>
+      </p:nvGrpSpPr>
+      <p:grpSpPr>
+        <a:xfrm>
+          <a:off x="0" y="0"/>
+          <a:ext cx="0" cy="0"/>
+          <a:chOff x="0" y="0"/>
+          <a:chExt cx="0" cy="0"/>
+        </a:xfrm>
+      </p:grpSpPr>
+      <p:sp>
+        <p:nvSpPr>
+          <p:cNvPr id="2" name="Title 1"/>
+          <p:cNvSpPr>
+            <a:spLocks noGrp="1"/>
+          </p:cNvSpPr>
+          <p:nvPr>
+            <p:ph type="title"/>
+          </p:nvPr>
+        </p:nvSpPr>
+        <p:spPr/>
+        <p:txBody>
+          <a:bodyPr/>
+          <a:lstStyle/>
+          <a:p>
+            <a:r>
+              <a:rPr lang="en-US" dirty="0"/>
+              <a:t>Example basic operators</a:t>
+            </a:r>
+          </a:p>
+        </p:txBody>
+      </p:sp>
+      <p:sp>
+        <p:nvSpPr>
+          <p:cNvPr id="8" name="Content Placeholder 7"/>
+          <p:cNvSpPr>
+            <a:spLocks noGrp="1"/>
+          </p:cNvSpPr>
+          <p:nvPr>
+            <p:ph sz="half" idx="1"/>
+          </p:nvPr>
+        </p:nvSpPr>
+        <p:spPr/>
+        <p:txBody>
+          <a:bodyPr/>
+          <a:lstStyle/>
+          <a:p>
+            <a:pPr marL="0" indent="0">
+              <a:buNone/>
+            </a:pPr>
+            <a:r>
+              <a:rPr lang="mr-IN" sz="2000" dirty="0">
+                <a:latin typeface="Courier"/>
+                <a:cs typeface="Courier"/>
+              </a:rPr>
+              <a:t>operator V1toRT</a:t>
+            </a:r>
+            <a:r>
+              <a:rPr lang="en-US" sz="2000" dirty="0">
+                <a:latin typeface="Courier"/>
+                <a:cs typeface="Courier"/>
+              </a:rPr>
+              <a:t>2</a:t>
+            </a:r>
+            <a:r>
+              <a:rPr lang="mr-IN" sz="2000" dirty="0">
+                <a:latin typeface="Courier"/>
+                <a:cs typeface="Courier"/>
+              </a:rPr>
+              <a:t> {</a:t>
+            </a:r>
+          </a:p>
+          <a:p>
+            <a:pPr marL="0" indent="0">
+              <a:buNone/>
+            </a:pPr>
+            <a:r>
+              <a:rPr lang="en-US" sz="2000" dirty="0">
+                <a:latin typeface="Courier"/>
+                <a:cs typeface="Courier"/>
+              </a:rPr>
+              <a:t>    </a:t>
+            </a:r>
+            <a:r>
+              <a:rPr lang="mr-IN" sz="2000" dirty="0">
+                <a:latin typeface="Courier"/>
+                <a:cs typeface="Courier"/>
+              </a:rPr>
+              <a:t>V1 &lt;&gt; nil</a:t>
+            </a:r>
+          </a:p>
+          <a:p>
+            <a:pPr marL="0" indent="0">
+              <a:buNone/>
+            </a:pPr>
+            <a:r>
+              <a:rPr lang="mr-IN" sz="2000" dirty="0">
+                <a:latin typeface="Courier"/>
+                <a:cs typeface="Courier"/>
+              </a:rPr>
+              <a:t>==&gt;</a:t>
+            </a:r>
+          </a:p>
+          <a:p>
+            <a:pPr marL="0" indent="0">
+              <a:buNone/>
+            </a:pPr>
+            <a:r>
+              <a:rPr lang="mr-IN" sz="2000" dirty="0">
+                <a:latin typeface="Courier"/>
+                <a:cs typeface="Courier"/>
+              </a:rPr>
+              <a:t>    V1 -&gt; RT</a:t>
+            </a:r>
+            <a:r>
+              <a:rPr lang="en-US" sz="2000" dirty="0">
+                <a:latin typeface="Courier"/>
+                <a:cs typeface="Courier"/>
+              </a:rPr>
+              <a:t>2</a:t>
+            </a:r>
+            <a:endParaRPr lang="mr-IN" sz="2000" dirty="0">
+              <a:latin typeface="Courier"/>
+              <a:cs typeface="Courier"/>
+            </a:endParaRPr>
+          </a:p>
+          <a:p>
+            <a:pPr marL="0" indent="0">
+              <a:buNone/>
+            </a:pPr>
+            <a:r>
+              <a:rPr lang="mr-IN" sz="2000" dirty="0">
+                <a:latin typeface="Courier"/>
+                <a:cs typeface="Courier"/>
+              </a:rPr>
+              <a:t>    nil -&gt; V1</a:t>
+            </a:r>
+          </a:p>
+          <a:p>
+            <a:pPr marL="0" indent="0">
+              <a:buNone/>
+            </a:pPr>
+            <a:r>
+              <a:rPr lang="mr-IN" sz="2000" dirty="0">
+                <a:latin typeface="Courier"/>
+                <a:cs typeface="Courier"/>
+              </a:rPr>
+              <a:t>}</a:t>
+            </a:r>
+          </a:p>
+          <a:p>
+            <a:endParaRPr lang="en-US" dirty="0"/>
+          </a:p>
+          <a:p>
+            <a:endParaRPr lang="en-US" dirty="0"/>
+          </a:p>
+        </p:txBody>
+      </p:sp>
+      <p:sp>
+        <p:nvSpPr>
+          <p:cNvPr id="9" name="Content Placeholder 8"/>
+          <p:cNvSpPr>
+            <a:spLocks noGrp="1"/>
+          </p:cNvSpPr>
+          <p:nvPr>
+            <p:ph sz="half" idx="2"/>
+          </p:nvPr>
+        </p:nvSpPr>
+        <p:spPr/>
+        <p:txBody>
+          <a:bodyPr/>
+          <a:lstStyle/>
+          <a:p>
+            <a:pPr marL="0" indent="0">
+              <a:buNone/>
+            </a:pPr>
+            <a:r>
+              <a:rPr lang="mr-IN" sz="2000" dirty="0">
+                <a:latin typeface="Courier"/>
+                <a:cs typeface="Courier"/>
+              </a:rPr>
+              <a:t>operator RT2toRT1 {</a:t>
+            </a:r>
+          </a:p>
+          <a:p>
+            <a:pPr marL="0" indent="0">
+              <a:buNone/>
+            </a:pPr>
+            <a:r>
+              <a:rPr lang="mr-IN" sz="2000" dirty="0">
+                <a:latin typeface="Courier"/>
+                <a:cs typeface="Courier"/>
+              </a:rPr>
+              <a:t>	RT2 &lt;&gt; nil</a:t>
+            </a:r>
+          </a:p>
+          <a:p>
+            <a:pPr marL="0" indent="0">
+              <a:buNone/>
+            </a:pPr>
+            <a:r>
+              <a:rPr lang="mr-IN" sz="2000" dirty="0">
+                <a:latin typeface="Courier"/>
+                <a:cs typeface="Courier"/>
+              </a:rPr>
+              <a:t>==&gt;</a:t>
+            </a:r>
+          </a:p>
+          <a:p>
+            <a:pPr marL="0" indent="0">
+              <a:buNone/>
+            </a:pPr>
+            <a:r>
+              <a:rPr lang="mr-IN" sz="2000" dirty="0">
+                <a:latin typeface="Courier"/>
+                <a:cs typeface="Courier"/>
+              </a:rPr>
+              <a:t>	RT2 -&gt; RT1</a:t>
+            </a:r>
+          </a:p>
+          <a:p>
+            <a:pPr marL="0" indent="0">
+              <a:buNone/>
+            </a:pPr>
+            <a:r>
+              <a:rPr lang="mr-IN" sz="2000" dirty="0">
+                <a:latin typeface="Courier"/>
+                <a:cs typeface="Courier"/>
+              </a:rPr>
+              <a:t>}</a:t>
+            </a:r>
+            <a:endParaRPr lang="en-US" sz="2000" dirty="0">
+              <a:latin typeface="Courier"/>
+              <a:cs typeface="Courier"/>
+            </a:endParaRPr>
+          </a:p>
+          <a:p>
+            <a:pPr marL="0" indent="0">
+              <a:buNone/>
+            </a:pPr>
+            <a:endParaRPr lang="en-US" sz="2000" dirty="0">
+              <a:latin typeface="Courier"/>
+              <a:cs typeface="Courier"/>
+            </a:endParaRPr>
+          </a:p>
+          <a:p>
+            <a:pPr marL="0" indent="0">
+              <a:buNone/>
+            </a:pPr>
+            <a:r>
+              <a:rPr lang="en-US" sz="2000" dirty="0">
+                <a:latin typeface="Courier"/>
+                <a:cs typeface="Courier"/>
+              </a:rPr>
+              <a:t>operator RT1equalC1 {</a:t>
+            </a:r>
+          </a:p>
+          <a:p>
+            <a:pPr marL="0" indent="0">
+              <a:buNone/>
+            </a:pPr>
+            <a:r>
+              <a:rPr lang="en-US" sz="2000" dirty="0">
+                <a:latin typeface="Courier"/>
+                <a:cs typeface="Courier"/>
+              </a:rPr>
+              <a:t>	RT1 = *fact-type</a:t>
+            </a:r>
+          </a:p>
+          <a:p>
+            <a:pPr marL="0" indent="0">
+              <a:buNone/>
+            </a:pPr>
+            <a:r>
+              <a:rPr lang="en-US" sz="2000" dirty="0">
+                <a:latin typeface="Courier"/>
+                <a:cs typeface="Courier"/>
+              </a:rPr>
+              <a:t>==&gt;</a:t>
+            </a:r>
+          </a:p>
+          <a:p>
+            <a:pPr marL="0" indent="0">
+              <a:buNone/>
+            </a:pPr>
+            <a:r>
+              <a:rPr lang="en-US" sz="2000" dirty="0">
+                <a:latin typeface="Courier"/>
+                <a:cs typeface="Courier"/>
+              </a:rPr>
+              <a:t>}</a:t>
+            </a:r>
+          </a:p>
+          <a:p>
+            <a:pPr marL="0" indent="0">
+              <a:buNone/>
+            </a:pPr>
+            <a:endParaRPr lang="en-US" sz="2000" dirty="0">
+              <a:latin typeface="Courier"/>
+              <a:cs typeface="Courier"/>
+            </a:endParaRPr>
+          </a:p>
+        </p:txBody>
+      </p:sp>
+    </p:spTree>
+    <p:extLst>
+      <p:ext uri="{BB962C8B-B14F-4D97-AF65-F5344CB8AC3E}">
+        <p14:creationId xmlns:p14="http://schemas.microsoft.com/office/powerpoint/2010/main" val="1898165411"/>
+      </p:ext>
+    </p:extLst>
+  </p:cSld>
+  <p:clrMapOvr>
+    <a:masterClrMapping/>
+  </p:clrMapOvr>
+  <p:transition/>
+</p:sld>
+</file>
+
+<file path=ppt/slides/slide28.xml><?xml version="1.0" encoding="utf-8"?>
+<p:sld xmlns:a="http://schemas.openxmlformats.org/drawingml/2006/main" xmlns:r="http://schemas.openxmlformats.org/officeDocument/2006/relationships" xmlns:p="http://schemas.openxmlformats.org/presentationml/2006/main">
+  <p:cSld>
+    <p:spTree>
+      <p:nvGrpSpPr>
+        <p:cNvPr id="1" name=""/>
+        <p:cNvGrpSpPr/>
+        <p:nvPr/>
+      </p:nvGrpSpPr>
+      <p:grpSpPr>
+        <a:xfrm>
+          <a:off x="0" y="0"/>
+          <a:ext cx="0" cy="0"/>
+          <a:chOff x="0" y="0"/>
+          <a:chExt cx="0" cy="0"/>
+        </a:xfrm>
+      </p:grpSpPr>
+      <p:sp>
+        <p:nvSpPr>
           <p:cNvPr id="5" name="Title 4"/>
           <p:cNvSpPr>
             <a:spLocks noGrp="1"/>
@@ -9817,19 +10215,80 @@
           <a:p>
             <a:r>
               <a:rPr lang="en-US" dirty="0"/>
-              <a:t>Assignment</a:t>
-            </a:r>
-          </a:p>
-        </p:txBody>
-      </p:sp>
-      <p:sp>
-        <p:nvSpPr>
-          <p:cNvPr id="6" name="Content Placeholder 5"/>
+              <a:t>Initial model</a:t>
+            </a:r>
+          </a:p>
+        </p:txBody>
+      </p:sp>
+      <p:pic>
+        <p:nvPicPr>
+          <p:cNvPr id="6" name="Picture 5" descr="CRTexampleInit.pdf"/>
+          <p:cNvPicPr>
+            <a:picLocks noChangeAspect="1"/>
+          </p:cNvPicPr>
+          <p:nvPr/>
+        </p:nvPicPr>
+        <p:blipFill>
+          <a:blip r:embed="rId2">
+            <a:extLst>
+              <a:ext uri="{28A0092B-C50C-407E-A947-70E740481C1C}">
+                <a14:useLocalDpi xmlns:a14="http://schemas.microsoft.com/office/drawing/2010/main" val="0"/>
+              </a:ext>
+            </a:extLst>
+          </a:blip>
+          <a:stretch>
+            <a:fillRect/>
+          </a:stretch>
+        </p:blipFill>
+        <p:spPr>
+          <a:xfrm>
+            <a:off x="-648478" y="-495406"/>
+            <a:ext cx="8060154" cy="6858000"/>
+          </a:xfrm>
+          <a:prstGeom prst="rect">
+            <a:avLst/>
+          </a:prstGeom>
+        </p:spPr>
+      </p:pic>
+    </p:spTree>
+    <p:extLst>
+      <p:ext uri="{BB962C8B-B14F-4D97-AF65-F5344CB8AC3E}">
+        <p14:creationId xmlns:p14="http://schemas.microsoft.com/office/powerpoint/2010/main" val="2885247652"/>
+      </p:ext>
+    </p:extLst>
+  </p:cSld>
+  <p:clrMapOvr>
+    <a:masterClrMapping/>
+  </p:clrMapOvr>
+  <p:transition/>
+</p:sld>
+</file>
+
+<file path=ppt/slides/slide29.xml><?xml version="1.0" encoding="utf-8"?>
+<p:sld xmlns:a="http://schemas.openxmlformats.org/drawingml/2006/main" xmlns:r="http://schemas.openxmlformats.org/officeDocument/2006/relationships" xmlns:p="http://schemas.openxmlformats.org/presentationml/2006/main">
+  <p:cSld>
+    <p:spTree>
+      <p:nvGrpSpPr>
+        <p:cNvPr id="1" name=""/>
+        <p:cNvGrpSpPr/>
+        <p:nvPr/>
+      </p:nvGrpSpPr>
+      <p:grpSpPr>
+        <a:xfrm>
+          <a:off x="0" y="0"/>
+          <a:ext cx="0" cy="0"/>
+          <a:chOff x="0" y="0"/>
+          <a:chExt cx="0" cy="0"/>
+        </a:xfrm>
+      </p:grpSpPr>
+      <p:sp>
+        <p:nvSpPr>
+          <p:cNvPr id="2" name="Title 1"/>
           <p:cNvSpPr>
             <a:spLocks noGrp="1"/>
           </p:cNvSpPr>
           <p:nvPr>
-            <p:ph idx="1"/>
+            <p:ph type="title"/>
           </p:nvPr>
         </p:nvSpPr>
         <p:spPr/>
@@ -9839,37 +10298,45 @@
           <a:p>
             <a:r>
               <a:rPr lang="en-US" dirty="0"/>
-              <a:t>Try out the simple tasks in the “bottom-up learning” folder in Unit 3</a:t>
-            </a:r>
-          </a:p>
-          <a:p>
-            <a:r>
-              <a:rPr lang="en-US" dirty="0" err="1"/>
-              <a:t>primitives.prims</a:t>
-            </a:r>
-            <a:r>
-              <a:rPr lang="en-US" dirty="0"/>
-              <a:t> contains the primitive operations</a:t>
-            </a:r>
-          </a:p>
-          <a:p>
-            <a:r>
-              <a:rPr lang="en-US" dirty="0"/>
-              <a:t>The other files just contain task definitions, scripts and facts (so no skills)</a:t>
-            </a:r>
-          </a:p>
-          <a:p>
-            <a:r>
-              <a:rPr lang="en-US" dirty="0"/>
-              <a:t>You can also define your own tasks and test the limitations of the system</a:t>
-            </a:r>
-          </a:p>
-        </p:txBody>
-      </p:sp>
+              <a:t>After learning</a:t>
+            </a:r>
+          </a:p>
+        </p:txBody>
+      </p:sp>
+      <p:pic>
+        <p:nvPicPr>
+          <p:cNvPr id="3" name="Picture 2" descr="CRTexample.pdf"/>
+          <p:cNvPicPr>
+            <a:picLocks noChangeAspect="1"/>
+          </p:cNvPicPr>
+          <p:nvPr/>
+        </p:nvPicPr>
+        <p:blipFill>
+          <a:blip r:embed="rId2">
+            <a:extLst>
+              <a:ext uri="{28A0092B-C50C-407E-A947-70E740481C1C}">
+                <a14:useLocalDpi xmlns:a14="http://schemas.microsoft.com/office/drawing/2010/main" val="0"/>
+              </a:ext>
+            </a:extLst>
+          </a:blip>
+          <a:stretch>
+            <a:fillRect/>
+          </a:stretch>
+        </p:blipFill>
+        <p:spPr>
+          <a:xfrm>
+            <a:off x="984773" y="936768"/>
+            <a:ext cx="8060154" cy="6858000"/>
+          </a:xfrm>
+          <a:prstGeom prst="rect">
+            <a:avLst/>
+          </a:prstGeom>
+        </p:spPr>
+      </p:pic>
     </p:spTree>
     <p:extLst>
       <p:ext uri="{BB962C8B-B14F-4D97-AF65-F5344CB8AC3E}">
-        <p14:creationId xmlns:p14="http://schemas.microsoft.com/office/powerpoint/2010/main" val="4086922406"/>
+        <p14:creationId xmlns:p14="http://schemas.microsoft.com/office/powerpoint/2010/main" val="3007780058"/>
       </p:ext>
     </p:extLst>
   </p:cSld>
@@ -9936,7 +10403,7 @@
           <a:p>
             <a:r>
               <a:rPr lang="en-US" dirty="0"/>
-              <a:t>If we are successful in using an operator for a particular goal, we increase the association with that goal</a:t>
+              <a:t>If we are successful in using an operator for a particular skill, we increase the association with that skill</a:t>
             </a:r>
           </a:p>
           <a:p>
@@ -9951,6 +10418,971 @@
     <p:extLst>
       <p:ext uri="{BB962C8B-B14F-4D97-AF65-F5344CB8AC3E}">
         <p14:creationId xmlns:p14="http://schemas.microsoft.com/office/powerpoint/2010/main" val="1109134038"/>
+      </p:ext>
+    </p:extLst>
+  </p:cSld>
+  <p:clrMapOvr>
+    <a:masterClrMapping/>
+  </p:clrMapOvr>
+  <p:transition/>
+</p:sld>
+</file>
+
+<file path=ppt/slides/slide30.xml><?xml version="1.0" encoding="utf-8"?>
+<p:sld xmlns:a="http://schemas.openxmlformats.org/drawingml/2006/main" xmlns:r="http://schemas.openxmlformats.org/officeDocument/2006/relationships" xmlns:p="http://schemas.openxmlformats.org/presentationml/2006/main">
+  <p:cSld>
+    <p:spTree>
+      <p:nvGrpSpPr>
+        <p:cNvPr id="1" name=""/>
+        <p:cNvGrpSpPr/>
+        <p:nvPr/>
+      </p:nvGrpSpPr>
+      <p:grpSpPr>
+        <a:xfrm>
+          <a:off x="0" y="0"/>
+          <a:ext cx="0" cy="0"/>
+          <a:chOff x="0" y="0"/>
+          <a:chExt cx="0" cy="0"/>
+        </a:xfrm>
+      </p:grpSpPr>
+      <p:sp>
+        <p:nvSpPr>
+          <p:cNvPr id="3" name="Title 2">
+            <a:extLst>
+              <a:ext uri="{FF2B5EF4-FFF2-40B4-BE49-F238E27FC236}">
+                <a16:creationId xmlns:a16="http://schemas.microsoft.com/office/drawing/2014/main" id="{52810686-38EC-AC48-9EB8-103193E2E6BD}"/>
+              </a:ext>
+            </a:extLst>
+          </p:cNvPr>
+          <p:cNvSpPr>
+            <a:spLocks noGrp="1"/>
+          </p:cNvSpPr>
+          <p:nvPr>
+            <p:ph type="title"/>
+          </p:nvPr>
+        </p:nvSpPr>
+        <p:spPr/>
+        <p:txBody>
+          <a:bodyPr/>
+          <a:lstStyle/>
+          <a:p>
+            <a:r>
+              <a:rPr lang="en-US" dirty="0"/>
+              <a:t>One possible solution</a:t>
+            </a:r>
+          </a:p>
+        </p:txBody>
+      </p:sp>
+      <p:sp>
+        <p:nvSpPr>
+          <p:cNvPr id="4" name="Content Placeholder 3">
+            <a:extLst>
+              <a:ext uri="{FF2B5EF4-FFF2-40B4-BE49-F238E27FC236}">
+                <a16:creationId xmlns:a16="http://schemas.microsoft.com/office/drawing/2014/main" id="{90C53EA1-5DAD-4148-B1FE-DC7C12BDFB55}"/>
+              </a:ext>
+            </a:extLst>
+          </p:cNvPr>
+          <p:cNvSpPr>
+            <a:spLocks noGrp="1"/>
+          </p:cNvSpPr>
+          <p:nvPr>
+            <p:ph sz="half" idx="1"/>
+          </p:nvPr>
+        </p:nvSpPr>
+        <p:spPr/>
+        <p:txBody>
+          <a:bodyPr/>
+          <a:lstStyle/>
+          <a:p>
+            <a:pPr marL="0" indent="0">
+              <a:buNone/>
+            </a:pPr>
+            <a:r>
+              <a:rPr lang="en-US" dirty="0">
+                <a:latin typeface="Courier" pitchFamily="2" charset="0"/>
+              </a:rPr>
+              <a:t>Operator 1</a:t>
+            </a:r>
+          </a:p>
+          <a:p>
+            <a:pPr marL="0" indent="0">
+              <a:buNone/>
+            </a:pPr>
+            <a:r>
+              <a:rPr lang="en-US" dirty="0">
+                <a:latin typeface="Courier" pitchFamily="2" charset="0"/>
+              </a:rPr>
+              <a:t>V1 &lt;&gt; nil</a:t>
+            </a:r>
+          </a:p>
+          <a:p>
+            <a:pPr marL="0" indent="0">
+              <a:buNone/>
+            </a:pPr>
+            <a:r>
+              <a:rPr lang="en-US" dirty="0">
+                <a:latin typeface="Courier" pitchFamily="2" charset="0"/>
+                <a:sym typeface="Wingdings" pitchFamily="2" charset="2"/>
+              </a:rPr>
+              <a:t>==&gt; </a:t>
+            </a:r>
+          </a:p>
+          <a:p>
+            <a:pPr marL="0" indent="0">
+              <a:buNone/>
+            </a:pPr>
+            <a:r>
+              <a:rPr lang="en-US" dirty="0">
+                <a:latin typeface="Courier" pitchFamily="2" charset="0"/>
+                <a:sym typeface="Wingdings" pitchFamily="2" charset="2"/>
+              </a:rPr>
+              <a:t>V1 -&gt; RT2</a:t>
+            </a:r>
+          </a:p>
+          <a:p>
+            <a:pPr marL="0" indent="0">
+              <a:buNone/>
+            </a:pPr>
+            <a:r>
+              <a:rPr lang="en-US" dirty="0">
+                <a:latin typeface="Courier" pitchFamily="2" charset="0"/>
+                <a:sym typeface="Wingdings" pitchFamily="2" charset="2"/>
+              </a:rPr>
+              <a:t>*fact-type -&gt; RT1</a:t>
+            </a:r>
+          </a:p>
+        </p:txBody>
+      </p:sp>
+      <p:sp>
+        <p:nvSpPr>
+          <p:cNvPr id="5" name="Content Placeholder 4">
+            <a:extLst>
+              <a:ext uri="{FF2B5EF4-FFF2-40B4-BE49-F238E27FC236}">
+                <a16:creationId xmlns:a16="http://schemas.microsoft.com/office/drawing/2014/main" id="{1058CBAA-7398-4342-813F-C3E022DB3AFE}"/>
+              </a:ext>
+            </a:extLst>
+          </p:cNvPr>
+          <p:cNvSpPr>
+            <a:spLocks noGrp="1"/>
+          </p:cNvSpPr>
+          <p:nvPr>
+            <p:ph sz="half" idx="2"/>
+          </p:nvPr>
+        </p:nvSpPr>
+        <p:spPr/>
+        <p:txBody>
+          <a:bodyPr/>
+          <a:lstStyle/>
+          <a:p>
+            <a:pPr marL="0" indent="0">
+              <a:buNone/>
+            </a:pPr>
+            <a:r>
+              <a:rPr lang="en-US" dirty="0">
+                <a:latin typeface="Courier" pitchFamily="2" charset="0"/>
+              </a:rPr>
+              <a:t>Operator 2</a:t>
+            </a:r>
+          </a:p>
+          <a:p>
+            <a:pPr marL="0" indent="0">
+              <a:buNone/>
+            </a:pPr>
+            <a:r>
+              <a:rPr lang="en-US" dirty="0">
+                <a:latin typeface="Courier" pitchFamily="2" charset="0"/>
+              </a:rPr>
+              <a:t>RT1 = *fact-type</a:t>
+            </a:r>
+          </a:p>
+          <a:p>
+            <a:pPr marL="0" indent="0">
+              <a:buNone/>
+            </a:pPr>
+            <a:r>
+              <a:rPr lang="en-US" dirty="0">
+                <a:latin typeface="Courier" pitchFamily="2" charset="0"/>
+              </a:rPr>
+              <a:t>RT3 &lt;&gt; nil</a:t>
+            </a:r>
+          </a:p>
+          <a:p>
+            <a:pPr marL="0" indent="0">
+              <a:buNone/>
+            </a:pPr>
+            <a:r>
+              <a:rPr lang="en-US" dirty="0">
+                <a:latin typeface="Courier" pitchFamily="2" charset="0"/>
+                <a:sym typeface="Wingdings" pitchFamily="2" charset="2"/>
+              </a:rPr>
+              <a:t>==&gt; </a:t>
+            </a:r>
+          </a:p>
+          <a:p>
+            <a:pPr marL="0" indent="0">
+              <a:buNone/>
+            </a:pPr>
+            <a:r>
+              <a:rPr lang="en-US" dirty="0">
+                <a:latin typeface="Courier" pitchFamily="2" charset="0"/>
+                <a:sym typeface="Wingdings" pitchFamily="2" charset="2"/>
+              </a:rPr>
+              <a:t>action -&gt; AC1</a:t>
+            </a:r>
+          </a:p>
+          <a:p>
+            <a:pPr marL="0" indent="0">
+              <a:buNone/>
+            </a:pPr>
+            <a:r>
+              <a:rPr lang="en-US" dirty="0">
+                <a:latin typeface="Courier" pitchFamily="2" charset="0"/>
+                <a:sym typeface="Wingdings" pitchFamily="2" charset="2"/>
+              </a:rPr>
+              <a:t>RT3 -&gt; AC2</a:t>
+            </a:r>
+            <a:endParaRPr lang="en-US" dirty="0">
+              <a:latin typeface="Courier" pitchFamily="2" charset="0"/>
+            </a:endParaRPr>
+          </a:p>
+        </p:txBody>
+      </p:sp>
+    </p:spTree>
+    <p:extLst>
+      <p:ext uri="{BB962C8B-B14F-4D97-AF65-F5344CB8AC3E}">
+        <p14:creationId xmlns:p14="http://schemas.microsoft.com/office/powerpoint/2010/main" val="2912577256"/>
+      </p:ext>
+    </p:extLst>
+  </p:cSld>
+  <p:clrMapOvr>
+    <a:masterClrMapping/>
+  </p:clrMapOvr>
+  <p:transition/>
+</p:sld>
+</file>
+
+<file path=ppt/slides/slide31.xml><?xml version="1.0" encoding="utf-8"?>
+<p:sld xmlns:a="http://schemas.openxmlformats.org/drawingml/2006/main" xmlns:r="http://schemas.openxmlformats.org/officeDocument/2006/relationships" xmlns:p="http://schemas.openxmlformats.org/presentationml/2006/main">
+  <p:cSld>
+    <p:spTree>
+      <p:nvGrpSpPr>
+        <p:cNvPr id="1" name=""/>
+        <p:cNvGrpSpPr/>
+        <p:nvPr/>
+      </p:nvGrpSpPr>
+      <p:grpSpPr>
+        <a:xfrm>
+          <a:off x="0" y="0"/>
+          <a:ext cx="0" cy="0"/>
+          <a:chOff x="0" y="0"/>
+          <a:chExt cx="0" cy="0"/>
+        </a:xfrm>
+      </p:grpSpPr>
+      <p:sp>
+        <p:nvSpPr>
+          <p:cNvPr id="2" name="Title 1"/>
+          <p:cNvSpPr>
+            <a:spLocks noGrp="1"/>
+          </p:cNvSpPr>
+          <p:nvPr>
+            <p:ph type="title"/>
+          </p:nvPr>
+        </p:nvSpPr>
+        <p:spPr/>
+        <p:txBody>
+          <a:bodyPr/>
+          <a:lstStyle/>
+          <a:p>
+            <a:r>
+              <a:rPr lang="en-US" dirty="0"/>
+              <a:t>More complex task</a:t>
+            </a:r>
+          </a:p>
+        </p:txBody>
+      </p:sp>
+      <p:sp>
+        <p:nvSpPr>
+          <p:cNvPr id="3" name="Content Placeholder 2"/>
+          <p:cNvSpPr>
+            <a:spLocks noGrp="1"/>
+          </p:cNvSpPr>
+          <p:nvPr>
+            <p:ph idx="1"/>
+          </p:nvPr>
+        </p:nvSpPr>
+        <p:spPr/>
+        <p:txBody>
+          <a:bodyPr/>
+          <a:lstStyle/>
+          <a:p>
+            <a:pPr marL="0" indent="0">
+              <a:buNone/>
+            </a:pPr>
+            <a:r>
+              <a:rPr lang="en-US" sz="1400" dirty="0">
+                <a:latin typeface="Courier"/>
+                <a:cs typeface="Courier"/>
+              </a:rPr>
+              <a:t>define facts {</a:t>
+            </a:r>
+          </a:p>
+          <a:p>
+            <a:pPr marL="0" indent="0">
+              <a:buNone/>
+            </a:pPr>
+            <a:r>
+              <a:rPr lang="en-US" sz="1400" dirty="0">
+                <a:latin typeface="Courier"/>
+                <a:cs typeface="Courier"/>
+              </a:rPr>
+              <a:t>	(fac1 category goat animal)</a:t>
+            </a:r>
+          </a:p>
+          <a:p>
+            <a:pPr marL="0" indent="0">
+              <a:buNone/>
+            </a:pPr>
+            <a:r>
+              <a:rPr lang="en-US" sz="1400" dirty="0">
+                <a:latin typeface="Courier"/>
+                <a:cs typeface="Courier"/>
+              </a:rPr>
+              <a:t>	(fac2 category </a:t>
+            </a:r>
+            <a:r>
+              <a:rPr lang="en-US" sz="1400" dirty="0" err="1">
+                <a:latin typeface="Courier"/>
+                <a:cs typeface="Courier"/>
+              </a:rPr>
+              <a:t>pinguin</a:t>
+            </a:r>
+            <a:r>
+              <a:rPr lang="en-US" sz="1400" dirty="0">
+                <a:latin typeface="Courier"/>
+                <a:cs typeface="Courier"/>
+              </a:rPr>
+              <a:t> animal)</a:t>
+            </a:r>
+          </a:p>
+          <a:p>
+            <a:pPr marL="0" indent="0">
+              <a:buNone/>
+            </a:pPr>
+            <a:r>
+              <a:rPr lang="en-US" sz="1400" dirty="0">
+                <a:latin typeface="Courier"/>
+                <a:cs typeface="Courier"/>
+              </a:rPr>
+              <a:t>	(fac3 category cabbage plant)</a:t>
+            </a:r>
+          </a:p>
+          <a:p>
+            <a:pPr marL="0" indent="0">
+              <a:buNone/>
+            </a:pPr>
+            <a:r>
+              <a:rPr lang="en-US" sz="1400" dirty="0">
+                <a:latin typeface="Courier"/>
+                <a:cs typeface="Courier"/>
+              </a:rPr>
+              <a:t>	(fac4 category tulip plant)</a:t>
+            </a:r>
+          </a:p>
+          <a:p>
+            <a:pPr marL="0" indent="0">
+              <a:buNone/>
+            </a:pPr>
+            <a:r>
+              <a:rPr lang="en-US" sz="1400" dirty="0">
+                <a:latin typeface="Courier"/>
+                <a:cs typeface="Courier"/>
+              </a:rPr>
+              <a:t>	(altfac1 property goat hair)</a:t>
+            </a:r>
+          </a:p>
+          <a:p>
+            <a:pPr marL="0" indent="0">
+              <a:buNone/>
+            </a:pPr>
+            <a:r>
+              <a:rPr lang="en-US" sz="1400" dirty="0">
+                <a:latin typeface="Courier"/>
+                <a:cs typeface="Courier"/>
+              </a:rPr>
+              <a:t>	(altfac2 property </a:t>
+            </a:r>
+            <a:r>
+              <a:rPr lang="en-US" sz="1400" dirty="0" err="1">
+                <a:latin typeface="Courier"/>
+                <a:cs typeface="Courier"/>
+              </a:rPr>
+              <a:t>pinguin</a:t>
+            </a:r>
+            <a:r>
+              <a:rPr lang="en-US" sz="1400" dirty="0">
+                <a:latin typeface="Courier"/>
+                <a:cs typeface="Courier"/>
+              </a:rPr>
+              <a:t> </a:t>
+            </a:r>
+            <a:r>
+              <a:rPr lang="en-US" sz="1400" dirty="0" err="1">
+                <a:latin typeface="Courier"/>
+                <a:cs typeface="Courier"/>
+              </a:rPr>
+              <a:t>notfly</a:t>
+            </a:r>
+            <a:r>
+              <a:rPr lang="en-US" sz="1400" dirty="0">
+                <a:latin typeface="Courier"/>
+                <a:cs typeface="Courier"/>
+              </a:rPr>
+              <a:t>)</a:t>
+            </a:r>
+          </a:p>
+          <a:p>
+            <a:pPr marL="0" indent="0">
+              <a:buNone/>
+            </a:pPr>
+            <a:r>
+              <a:rPr lang="en-US" sz="1400" dirty="0">
+                <a:latin typeface="Courier"/>
+                <a:cs typeface="Courier"/>
+              </a:rPr>
+              <a:t>	(altfac3 property cabbage food)</a:t>
+            </a:r>
+          </a:p>
+          <a:p>
+            <a:pPr marL="0" indent="0">
+              <a:buNone/>
+            </a:pPr>
+            <a:r>
+              <a:rPr lang="en-US" sz="1400" dirty="0">
+                <a:latin typeface="Courier"/>
+                <a:cs typeface="Courier"/>
+              </a:rPr>
+              <a:t>	(altfac4 property tulip mania)</a:t>
+            </a:r>
+          </a:p>
+          <a:p>
+            <a:pPr marL="0" indent="0">
+              <a:buNone/>
+            </a:pPr>
+            <a:r>
+              <a:rPr lang="en-US" sz="1400" dirty="0">
+                <a:latin typeface="Courier"/>
+                <a:cs typeface="Courier"/>
+              </a:rPr>
+              <a:t>	(fca1 response animal left)</a:t>
+            </a:r>
+          </a:p>
+          <a:p>
+            <a:pPr marL="0" indent="0">
+              <a:buNone/>
+            </a:pPr>
+            <a:r>
+              <a:rPr lang="en-US" sz="1400" dirty="0">
+                <a:latin typeface="Courier"/>
+                <a:cs typeface="Courier"/>
+              </a:rPr>
+              <a:t>	(fca2 response plant right)</a:t>
+            </a:r>
+          </a:p>
+          <a:p>
+            <a:pPr marL="0" indent="0">
+              <a:buNone/>
+            </a:pPr>
+            <a:r>
+              <a:rPr lang="en-US" sz="1400" dirty="0">
+                <a:latin typeface="Courier"/>
+                <a:cs typeface="Courier"/>
+              </a:rPr>
+              <a:t>	(fca3 response </a:t>
+            </a:r>
+            <a:r>
+              <a:rPr lang="en-US" sz="1400" dirty="0" err="1">
+                <a:latin typeface="Courier"/>
+                <a:cs typeface="Courier"/>
+              </a:rPr>
+              <a:t>somethingelse</a:t>
+            </a:r>
+            <a:r>
+              <a:rPr lang="en-US" sz="1400" dirty="0">
+                <a:latin typeface="Courier"/>
+                <a:cs typeface="Courier"/>
+              </a:rPr>
+              <a:t> middle)</a:t>
+            </a:r>
+          </a:p>
+          <a:p>
+            <a:pPr marL="0" indent="0">
+              <a:buNone/>
+            </a:pPr>
+            <a:r>
+              <a:rPr lang="en-US" sz="1400" dirty="0">
+                <a:latin typeface="Courier"/>
+                <a:cs typeface="Courier"/>
+              </a:rPr>
+              <a:t>	(fca4 response </a:t>
+            </a:r>
+            <a:r>
+              <a:rPr lang="en-US" sz="1400" dirty="0" err="1">
+                <a:latin typeface="Courier"/>
+                <a:cs typeface="Courier"/>
+              </a:rPr>
+              <a:t>differentyet</a:t>
+            </a:r>
+            <a:r>
+              <a:rPr lang="en-US" sz="1400" dirty="0">
+                <a:latin typeface="Courier"/>
+                <a:cs typeface="Courier"/>
+              </a:rPr>
+              <a:t> upper)</a:t>
+            </a:r>
+          </a:p>
+          <a:p>
+            <a:pPr marL="0" indent="0">
+              <a:buNone/>
+            </a:pPr>
+            <a:r>
+              <a:rPr lang="en-US" sz="1400" dirty="0">
+                <a:latin typeface="Courier"/>
+                <a:cs typeface="Courier"/>
+              </a:rPr>
+              <a:t>	(fca5 response </a:t>
+            </a:r>
+            <a:r>
+              <a:rPr lang="en-US" sz="1400" dirty="0" err="1">
+                <a:latin typeface="Courier"/>
+                <a:cs typeface="Courier"/>
+              </a:rPr>
+              <a:t>noguessing</a:t>
+            </a:r>
+            <a:r>
+              <a:rPr lang="en-US" sz="1400" dirty="0">
+                <a:latin typeface="Courier"/>
+                <a:cs typeface="Courier"/>
+              </a:rPr>
+              <a:t> lower)</a:t>
+            </a:r>
+          </a:p>
+          <a:p>
+            <a:pPr marL="0" indent="0">
+              <a:buNone/>
+            </a:pPr>
+            <a:r>
+              <a:rPr lang="en-US" sz="1400" dirty="0">
+                <a:latin typeface="Courier"/>
+                <a:cs typeface="Courier"/>
+              </a:rPr>
+              <a:t>	(altfca1 property animal </a:t>
+            </a:r>
+            <a:r>
+              <a:rPr lang="en-US" sz="1400" dirty="0" err="1">
+                <a:latin typeface="Courier"/>
+                <a:cs typeface="Courier"/>
+              </a:rPr>
+              <a:t>livingthing</a:t>
+            </a:r>
+            <a:r>
+              <a:rPr lang="en-US" sz="1400" dirty="0">
+                <a:latin typeface="Courier"/>
+                <a:cs typeface="Courier"/>
+              </a:rPr>
+              <a:t>)</a:t>
+            </a:r>
+          </a:p>
+          <a:p>
+            <a:pPr marL="0" indent="0">
+              <a:buNone/>
+            </a:pPr>
+            <a:r>
+              <a:rPr lang="en-US" sz="1400" dirty="0">
+                <a:latin typeface="Courier"/>
+                <a:cs typeface="Courier"/>
+              </a:rPr>
+              <a:t>	(altfca2 property plant </a:t>
+            </a:r>
+            <a:r>
+              <a:rPr lang="en-US" sz="1400" dirty="0" err="1">
+                <a:latin typeface="Courier"/>
+                <a:cs typeface="Courier"/>
+              </a:rPr>
+              <a:t>livingthing</a:t>
+            </a:r>
+            <a:r>
+              <a:rPr lang="en-US" sz="1400" dirty="0">
+                <a:latin typeface="Courier"/>
+                <a:cs typeface="Courier"/>
+              </a:rPr>
+              <a:t>)</a:t>
+            </a:r>
+          </a:p>
+          <a:p>
+            <a:pPr marL="0" indent="0">
+              <a:buNone/>
+            </a:pPr>
+            <a:r>
+              <a:rPr lang="en-US" sz="1400" dirty="0">
+                <a:latin typeface="Courier"/>
+                <a:cs typeface="Courier"/>
+              </a:rPr>
+              <a:t>}</a:t>
+            </a:r>
+          </a:p>
+        </p:txBody>
+      </p:sp>
+    </p:spTree>
+    <p:extLst>
+      <p:ext uri="{BB962C8B-B14F-4D97-AF65-F5344CB8AC3E}">
+        <p14:creationId xmlns:p14="http://schemas.microsoft.com/office/powerpoint/2010/main" val="2646441250"/>
+      </p:ext>
+    </p:extLst>
+  </p:cSld>
+  <p:clrMapOvr>
+    <a:masterClrMapping/>
+  </p:clrMapOvr>
+  <p:transition/>
+</p:sld>
+</file>
+
+<file path=ppt/slides/slide32.xml><?xml version="1.0" encoding="utf-8"?>
+<p:sld xmlns:a="http://schemas.openxmlformats.org/drawingml/2006/main" xmlns:r="http://schemas.openxmlformats.org/officeDocument/2006/relationships" xmlns:p="http://schemas.openxmlformats.org/presentationml/2006/main">
+  <p:cSld>
+    <p:spTree>
+      <p:nvGrpSpPr>
+        <p:cNvPr id="1" name=""/>
+        <p:cNvGrpSpPr/>
+        <p:nvPr/>
+      </p:nvGrpSpPr>
+      <p:grpSpPr>
+        <a:xfrm>
+          <a:off x="0" y="0"/>
+          <a:ext cx="0" cy="0"/>
+          <a:chOff x="0" y="0"/>
+          <a:chExt cx="0" cy="0"/>
+        </a:xfrm>
+      </p:grpSpPr>
+      <p:sp>
+        <p:nvSpPr>
+          <p:cNvPr id="2" name="Title 1"/>
+          <p:cNvSpPr>
+            <a:spLocks noGrp="1"/>
+          </p:cNvSpPr>
+          <p:nvPr>
+            <p:ph type="title"/>
+          </p:nvPr>
+        </p:nvSpPr>
+        <p:spPr/>
+        <p:txBody>
+          <a:bodyPr/>
+          <a:lstStyle/>
+          <a:p>
+            <a:endParaRPr lang="en-US"/>
+          </a:p>
+        </p:txBody>
+      </p:sp>
+      <p:pic>
+        <p:nvPicPr>
+          <p:cNvPr id="3" name="Picture 2" descr="CategoryExample.pdf"/>
+          <p:cNvPicPr>
+            <a:picLocks noChangeAspect="1"/>
+          </p:cNvPicPr>
+          <p:nvPr/>
+        </p:nvPicPr>
+        <p:blipFill>
+          <a:blip r:embed="rId2">
+            <a:extLst>
+              <a:ext uri="{28A0092B-C50C-407E-A947-70E740481C1C}">
+                <a14:useLocalDpi xmlns:a14="http://schemas.microsoft.com/office/drawing/2010/main" val="0"/>
+              </a:ext>
+            </a:extLst>
+          </a:blip>
+          <a:stretch>
+            <a:fillRect/>
+          </a:stretch>
+        </p:blipFill>
+        <p:spPr>
+          <a:xfrm>
+            <a:off x="831359" y="-144118"/>
+            <a:ext cx="7073732" cy="6858000"/>
+          </a:xfrm>
+          <a:prstGeom prst="rect">
+            <a:avLst/>
+          </a:prstGeom>
+        </p:spPr>
+      </p:pic>
+    </p:spTree>
+    <p:extLst>
+      <p:ext uri="{BB962C8B-B14F-4D97-AF65-F5344CB8AC3E}">
+        <p14:creationId xmlns:p14="http://schemas.microsoft.com/office/powerpoint/2010/main" val="683961602"/>
+      </p:ext>
+    </p:extLst>
+  </p:cSld>
+  <p:clrMapOvr>
+    <a:masterClrMapping/>
+  </p:clrMapOvr>
+  <p:transition/>
+</p:sld>
+</file>
+
+<file path=ppt/slides/slide33.xml><?xml version="1.0" encoding="utf-8"?>
+<p:sld xmlns:a="http://schemas.openxmlformats.org/drawingml/2006/main" xmlns:r="http://schemas.openxmlformats.org/officeDocument/2006/relationships" xmlns:p="http://schemas.openxmlformats.org/presentationml/2006/main">
+  <p:cSld>
+    <p:spTree>
+      <p:nvGrpSpPr>
+        <p:cNvPr id="1" name=""/>
+        <p:cNvGrpSpPr/>
+        <p:nvPr/>
+      </p:nvGrpSpPr>
+      <p:grpSpPr>
+        <a:xfrm>
+          <a:off x="0" y="0"/>
+          <a:ext cx="0" cy="0"/>
+          <a:chOff x="0" y="0"/>
+          <a:chExt cx="0" cy="0"/>
+        </a:xfrm>
+      </p:grpSpPr>
+      <p:pic>
+        <p:nvPicPr>
+          <p:cNvPr id="3" name="Picture 2" descr="categoryResults.pdf"/>
+          <p:cNvPicPr>
+            <a:picLocks noChangeAspect="1"/>
+          </p:cNvPicPr>
+          <p:nvPr/>
+        </p:nvPicPr>
+        <p:blipFill>
+          <a:blip r:embed="rId2">
+            <a:extLst>
+              <a:ext uri="{28A0092B-C50C-407E-A947-70E740481C1C}">
+                <a14:useLocalDpi xmlns:a14="http://schemas.microsoft.com/office/drawing/2010/main" val="0"/>
+              </a:ext>
+            </a:extLst>
+          </a:blip>
+          <a:stretch>
+            <a:fillRect/>
+          </a:stretch>
+        </p:blipFill>
+        <p:spPr>
+          <a:xfrm>
+            <a:off x="1341992" y="1284735"/>
+            <a:ext cx="7304392" cy="5735398"/>
+          </a:xfrm>
+          <a:prstGeom prst="rect">
+            <a:avLst/>
+          </a:prstGeom>
+        </p:spPr>
+      </p:pic>
+      <p:sp>
+        <p:nvSpPr>
+          <p:cNvPr id="2" name="Title 1"/>
+          <p:cNvSpPr>
+            <a:spLocks noGrp="1"/>
+          </p:cNvSpPr>
+          <p:nvPr>
+            <p:ph type="title"/>
+          </p:nvPr>
+        </p:nvSpPr>
+        <p:spPr/>
+        <p:txBody>
+          <a:bodyPr/>
+          <a:lstStyle/>
+          <a:p>
+            <a:r>
+              <a:rPr lang="en-US" dirty="0"/>
+              <a:t>Learning is more successful with prior learning</a:t>
+            </a:r>
+          </a:p>
+        </p:txBody>
+      </p:sp>
+      <p:sp>
+        <p:nvSpPr>
+          <p:cNvPr id="4" name="TextBox 3"/>
+          <p:cNvSpPr txBox="1"/>
+          <p:nvPr/>
+        </p:nvSpPr>
+        <p:spPr>
+          <a:xfrm>
+            <a:off x="5584122" y="4521709"/>
+            <a:ext cx="1945436" cy="369332"/>
+          </a:xfrm>
+          <a:prstGeom prst="rect">
+            <a:avLst/>
+          </a:prstGeom>
+          <a:noFill/>
+        </p:spPr>
+        <p:txBody>
+          <a:bodyPr wrap="square" rtlCol="0">
+            <a:spAutoFit/>
+          </a:bodyPr>
+          <a:lstStyle/>
+          <a:p>
+            <a:r>
+              <a:rPr lang="en-US" dirty="0"/>
+              <a:t>No prior learning</a:t>
+            </a:r>
+          </a:p>
+        </p:txBody>
+      </p:sp>
+      <p:sp>
+        <p:nvSpPr>
+          <p:cNvPr id="5" name="TextBox 4"/>
+          <p:cNvSpPr txBox="1"/>
+          <p:nvPr/>
+        </p:nvSpPr>
+        <p:spPr>
+          <a:xfrm>
+            <a:off x="3268700" y="2881639"/>
+            <a:ext cx="1945436" cy="369332"/>
+          </a:xfrm>
+          <a:prstGeom prst="rect">
+            <a:avLst/>
+          </a:prstGeom>
+          <a:noFill/>
+        </p:spPr>
+        <p:txBody>
+          <a:bodyPr wrap="square" rtlCol="0">
+            <a:spAutoFit/>
+          </a:bodyPr>
+          <a:lstStyle/>
+          <a:p>
+            <a:r>
+              <a:rPr lang="en-US" dirty="0"/>
+              <a:t>Two CRT tasks</a:t>
+            </a:r>
+          </a:p>
+        </p:txBody>
+      </p:sp>
+      <p:sp>
+        <p:nvSpPr>
+          <p:cNvPr id="6" name="TextBox 5"/>
+          <p:cNvSpPr txBox="1"/>
+          <p:nvPr/>
+        </p:nvSpPr>
+        <p:spPr>
+          <a:xfrm>
+            <a:off x="5285476" y="3066305"/>
+            <a:ext cx="1945436" cy="369332"/>
+          </a:xfrm>
+          <a:prstGeom prst="rect">
+            <a:avLst/>
+          </a:prstGeom>
+          <a:noFill/>
+        </p:spPr>
+        <p:txBody>
+          <a:bodyPr wrap="square" rtlCol="0">
+            <a:spAutoFit/>
+          </a:bodyPr>
+          <a:lstStyle/>
+          <a:p>
+            <a:r>
+              <a:rPr lang="en-US" dirty="0"/>
+              <a:t>One CRT task</a:t>
+            </a:r>
+          </a:p>
+        </p:txBody>
+      </p:sp>
+    </p:spTree>
+    <p:extLst>
+      <p:ext uri="{BB962C8B-B14F-4D97-AF65-F5344CB8AC3E}">
+        <p14:creationId xmlns:p14="http://schemas.microsoft.com/office/powerpoint/2010/main" val="4105108243"/>
+      </p:ext>
+    </p:extLst>
+  </p:cSld>
+  <p:clrMapOvr>
+    <a:masterClrMapping/>
+  </p:clrMapOvr>
+  <p:transition/>
+</p:sld>
+</file>
+
+<file path=ppt/slides/slide34.xml><?xml version="1.0" encoding="utf-8"?>
+<p:sld xmlns:a="http://schemas.openxmlformats.org/drawingml/2006/main" xmlns:r="http://schemas.openxmlformats.org/officeDocument/2006/relationships" xmlns:p="http://schemas.openxmlformats.org/presentationml/2006/main">
+  <p:cSld>
+    <p:spTree>
+      <p:nvGrpSpPr>
+        <p:cNvPr id="1" name=""/>
+        <p:cNvGrpSpPr/>
+        <p:nvPr/>
+      </p:nvGrpSpPr>
+      <p:grpSpPr>
+        <a:xfrm>
+          <a:off x="0" y="0"/>
+          <a:ext cx="0" cy="0"/>
+          <a:chOff x="0" y="0"/>
+          <a:chExt cx="0" cy="0"/>
+        </a:xfrm>
+      </p:grpSpPr>
+      <p:sp>
+        <p:nvSpPr>
+          <p:cNvPr id="5" name="Title 4"/>
+          <p:cNvSpPr>
+            <a:spLocks noGrp="1"/>
+          </p:cNvSpPr>
+          <p:nvPr>
+            <p:ph type="title"/>
+          </p:nvPr>
+        </p:nvSpPr>
+        <p:spPr/>
+        <p:txBody>
+          <a:bodyPr/>
+          <a:lstStyle/>
+          <a:p>
+            <a:r>
+              <a:rPr lang="en-US" dirty="0"/>
+              <a:t>Assignment</a:t>
+            </a:r>
+          </a:p>
+        </p:txBody>
+      </p:sp>
+      <p:sp>
+        <p:nvSpPr>
+          <p:cNvPr id="6" name="Content Placeholder 5"/>
+          <p:cNvSpPr>
+            <a:spLocks noGrp="1"/>
+          </p:cNvSpPr>
+          <p:nvPr>
+            <p:ph idx="1"/>
+          </p:nvPr>
+        </p:nvSpPr>
+        <p:spPr/>
+        <p:txBody>
+          <a:bodyPr/>
+          <a:lstStyle/>
+          <a:p>
+            <a:r>
+              <a:rPr lang="en-US" dirty="0"/>
+              <a:t>Try out the simple tasks in the “bottom-up learning” folder in Unit 3</a:t>
+            </a:r>
+          </a:p>
+          <a:p>
+            <a:r>
+              <a:rPr lang="en-US" dirty="0" err="1"/>
+              <a:t>primitives.prims</a:t>
+            </a:r>
+            <a:r>
+              <a:rPr lang="en-US" dirty="0"/>
+              <a:t> contains the primitive operations</a:t>
+            </a:r>
+          </a:p>
+          <a:p>
+            <a:r>
+              <a:rPr lang="en-US" dirty="0"/>
+              <a:t>The other files just contain task definitions, scripts and facts (so no skills)</a:t>
+            </a:r>
+          </a:p>
+          <a:p>
+            <a:r>
+              <a:rPr lang="en-US" dirty="0"/>
+              <a:t>You can also define your own tasks and test the limitations of the system</a:t>
+            </a:r>
+          </a:p>
+        </p:txBody>
+      </p:sp>
+    </p:spTree>
+    <p:extLst>
+      <p:ext uri="{BB962C8B-B14F-4D97-AF65-F5344CB8AC3E}">
+        <p14:creationId xmlns:p14="http://schemas.microsoft.com/office/powerpoint/2010/main" val="4086922406"/>
       </p:ext>
     </p:extLst>
   </p:cSld>
@@ -9993,6 +11425,1226 @@
           <a:bodyPr/>
           <a:lstStyle/>
           <a:p>
+            <a:r>
+              <a:rPr lang="en-US" dirty="0"/>
+              <a:t>PRIMs associations</a:t>
+            </a:r>
+          </a:p>
+        </p:txBody>
+      </p:sp>
+      <p:sp>
+        <p:nvSpPr>
+          <p:cNvPr id="4" name="Rectangle 3"/>
+          <p:cNvSpPr/>
+          <p:nvPr/>
+        </p:nvSpPr>
+        <p:spPr bwMode="auto">
+          <a:xfrm>
+            <a:off x="776111" y="2159000"/>
+            <a:ext cx="1509889" cy="2808111"/>
+          </a:xfrm>
+          <a:prstGeom prst="rect">
+            <a:avLst/>
+          </a:prstGeom>
+          <a:solidFill>
+            <a:schemeClr val="accent1"/>
+          </a:solidFill>
+          <a:ln w="28575" cap="flat" cmpd="sng" algn="ctr">
+            <a:solidFill>
+              <a:schemeClr val="tx1"/>
+            </a:solidFill>
+            <a:prstDash val="solid"/>
+            <a:round/>
+            <a:headEnd type="none" w="med" len="med"/>
+            <a:tailEnd type="none" w="med" len="med"/>
+          </a:ln>
+          <a:effectLst/>
+        </p:spPr>
+        <p:txBody>
+          <a:bodyPr vert="horz" wrap="square" lIns="91440" tIns="45720" rIns="91440" bIns="45720" numCol="1" rtlCol="0" anchor="t" anchorCtr="0" compatLnSpc="1">
+            <a:prstTxWarp prst="textNoShape">
+              <a:avLst/>
+            </a:prstTxWarp>
+          </a:bodyPr>
+          <a:lstStyle/>
+          <a:p>
+            <a:pPr marL="0" marR="0" indent="0" algn="l" defTabSz="914400" rtl="0" eaLnBrk="0" fontAlgn="base" latinLnBrk="0" hangingPunct="0">
+              <a:lnSpc>
+                <a:spcPct val="100000"/>
+              </a:lnSpc>
+              <a:spcBef>
+                <a:spcPct val="0"/>
+              </a:spcBef>
+              <a:spcAft>
+                <a:spcPct val="0"/>
+              </a:spcAft>
+              <a:buClrTx/>
+              <a:buSzTx/>
+              <a:buFontTx/>
+              <a:buNone/>
+              <a:tabLst/>
+            </a:pPr>
+            <a:r>
+              <a:rPr kumimoji="0" lang="en-US" sz="2400" b="0" i="0" u="none" strike="noStrike" cap="none" normalizeH="0" baseline="0" dirty="0">
+                <a:ln>
+                  <a:noFill/>
+                </a:ln>
+                <a:solidFill>
+                  <a:schemeClr val="tx1"/>
+                </a:solidFill>
+                <a:effectLst/>
+                <a:latin typeface="Arial" charset="0"/>
+                <a:ea typeface="ＭＳ Ｐゴシック" charset="-128"/>
+                <a:cs typeface="ＭＳ Ｐゴシック" charset="-128"/>
+              </a:rPr>
+              <a:t>Goal</a:t>
+            </a:r>
+          </a:p>
+        </p:txBody>
+      </p:sp>
+      <p:sp>
+        <p:nvSpPr>
+          <p:cNvPr id="5" name="Rounded Rectangle 4"/>
+          <p:cNvSpPr/>
+          <p:nvPr/>
+        </p:nvSpPr>
+        <p:spPr bwMode="auto">
+          <a:xfrm>
+            <a:off x="1663982" y="2340187"/>
+            <a:ext cx="1244036" cy="552591"/>
+          </a:xfrm>
+          <a:prstGeom prst="roundRect">
+            <a:avLst/>
+          </a:prstGeom>
+          <a:solidFill>
+            <a:schemeClr val="accent6">
+              <a:lumMod val="20000"/>
+              <a:lumOff val="80000"/>
+            </a:schemeClr>
+          </a:solidFill>
+          <a:ln w="28575" cap="flat" cmpd="sng" algn="ctr">
+            <a:solidFill>
+              <a:schemeClr val="tx1"/>
+            </a:solidFill>
+            <a:prstDash val="solid"/>
+            <a:round/>
+            <a:headEnd type="none" w="med" len="med"/>
+            <a:tailEnd type="none" w="med" len="med"/>
+          </a:ln>
+          <a:effectLst/>
+        </p:spPr>
+        <p:txBody>
+          <a:bodyPr/>
+          <a:lstStyle/>
+          <a:p>
+            <a:r>
+              <a:rPr lang="en-US" sz="2400" dirty="0">
+                <a:latin typeface="Helvetica"/>
+                <a:cs typeface="Helvetica"/>
+              </a:rPr>
+              <a:t>Count</a:t>
+            </a:r>
+            <a:endParaRPr lang="en-US" dirty="0">
+              <a:latin typeface="Helvetica"/>
+              <a:cs typeface="Helvetica"/>
+            </a:endParaRPr>
+          </a:p>
+        </p:txBody>
+      </p:sp>
+      <p:sp>
+        <p:nvSpPr>
+          <p:cNvPr id="6" name="Rounded Rectangle 5"/>
+          <p:cNvSpPr/>
+          <p:nvPr/>
+        </p:nvSpPr>
+        <p:spPr bwMode="auto">
+          <a:xfrm>
+            <a:off x="1663982" y="3045178"/>
+            <a:ext cx="1752035" cy="552591"/>
+          </a:xfrm>
+          <a:prstGeom prst="roundRect">
+            <a:avLst/>
+          </a:prstGeom>
+          <a:solidFill>
+            <a:schemeClr val="accent6">
+              <a:lumMod val="20000"/>
+              <a:lumOff val="80000"/>
+            </a:schemeClr>
+          </a:solidFill>
+          <a:ln w="28575" cap="flat" cmpd="sng" algn="ctr">
+            <a:solidFill>
+              <a:schemeClr val="tx1"/>
+            </a:solidFill>
+            <a:prstDash val="solid"/>
+            <a:round/>
+            <a:headEnd type="none" w="med" len="med"/>
+            <a:tailEnd type="none" w="med" len="med"/>
+          </a:ln>
+          <a:effectLst/>
+        </p:spPr>
+        <p:txBody>
+          <a:bodyPr/>
+          <a:lstStyle/>
+          <a:p>
+            <a:r>
+              <a:rPr lang="en-US" sz="2400" dirty="0">
+                <a:latin typeface="Helvetica"/>
+                <a:cs typeface="Helvetica"/>
+              </a:rPr>
+              <a:t>Daydream</a:t>
+            </a:r>
+            <a:endParaRPr lang="en-US" dirty="0">
+              <a:latin typeface="Helvetica"/>
+              <a:cs typeface="Helvetica"/>
+            </a:endParaRPr>
+          </a:p>
+        </p:txBody>
+      </p:sp>
+      <p:sp>
+        <p:nvSpPr>
+          <p:cNvPr id="7" name="Oval 6"/>
+          <p:cNvSpPr/>
+          <p:nvPr/>
+        </p:nvSpPr>
+        <p:spPr bwMode="auto">
+          <a:xfrm>
+            <a:off x="5461000" y="1481667"/>
+            <a:ext cx="1524000" cy="1411111"/>
+          </a:xfrm>
+          <a:prstGeom prst="ellipse">
+            <a:avLst/>
+          </a:prstGeom>
+          <a:solidFill>
+            <a:schemeClr val="accent5">
+              <a:lumMod val="90000"/>
+            </a:schemeClr>
+          </a:solidFill>
+          <a:ln w="28575" cap="flat" cmpd="sng" algn="ctr">
+            <a:solidFill>
+              <a:schemeClr val="tx1"/>
+            </a:solidFill>
+            <a:prstDash val="solid"/>
+            <a:round/>
+            <a:headEnd type="none" w="med" len="med"/>
+            <a:tailEnd type="none" w="med" len="med"/>
+          </a:ln>
+          <a:effectLst/>
+        </p:spPr>
+        <p:txBody>
+          <a:bodyPr vert="horz" wrap="square" lIns="91440" tIns="45720" rIns="91440" bIns="45720" numCol="1" rtlCol="0" anchor="ctr" anchorCtr="0" compatLnSpc="1">
+            <a:prstTxWarp prst="textNoShape">
+              <a:avLst/>
+            </a:prstTxWarp>
+          </a:bodyPr>
+          <a:lstStyle/>
+          <a:p>
+            <a:pPr marL="0" marR="0" indent="0" algn="ctr" defTabSz="914400" rtl="0" eaLnBrk="0" fontAlgn="base" latinLnBrk="0" hangingPunct="0">
+              <a:lnSpc>
+                <a:spcPct val="100000"/>
+              </a:lnSpc>
+              <a:spcBef>
+                <a:spcPct val="0"/>
+              </a:spcBef>
+              <a:spcAft>
+                <a:spcPct val="0"/>
+              </a:spcAft>
+              <a:buClrTx/>
+              <a:buSzTx/>
+              <a:buFontTx/>
+              <a:buNone/>
+              <a:tabLst/>
+            </a:pPr>
+            <a:r>
+              <a:rPr kumimoji="0" lang="en-US" sz="2400" b="0" i="0" u="none" strike="noStrike" cap="none" normalizeH="0" baseline="0" dirty="0">
+                <a:ln>
+                  <a:noFill/>
+                </a:ln>
+                <a:solidFill>
+                  <a:schemeClr val="tx1"/>
+                </a:solidFill>
+                <a:effectLst/>
+                <a:latin typeface="Arial" charset="0"/>
+                <a:ea typeface="ＭＳ Ｐゴシック" charset="-128"/>
+                <a:cs typeface="ＭＳ Ｐゴシック" charset="-128"/>
+              </a:rPr>
+              <a:t>Start-Count</a:t>
+            </a:r>
+          </a:p>
+        </p:txBody>
+      </p:sp>
+      <p:sp>
+        <p:nvSpPr>
+          <p:cNvPr id="8" name="Oval 7"/>
+          <p:cNvSpPr/>
+          <p:nvPr/>
+        </p:nvSpPr>
+        <p:spPr bwMode="auto">
+          <a:xfrm>
+            <a:off x="5461000" y="3203222"/>
+            <a:ext cx="1524000" cy="1411111"/>
+          </a:xfrm>
+          <a:prstGeom prst="ellipse">
+            <a:avLst/>
+          </a:prstGeom>
+          <a:solidFill>
+            <a:schemeClr val="accent5">
+              <a:lumMod val="90000"/>
+            </a:schemeClr>
+          </a:solidFill>
+          <a:ln w="28575" cap="flat" cmpd="sng" algn="ctr">
+            <a:solidFill>
+              <a:schemeClr val="tx1"/>
+            </a:solidFill>
+            <a:prstDash val="solid"/>
+            <a:round/>
+            <a:headEnd type="none" w="med" len="med"/>
+            <a:tailEnd type="none" w="med" len="med"/>
+          </a:ln>
+          <a:effectLst/>
+        </p:spPr>
+        <p:txBody>
+          <a:bodyPr vert="horz" wrap="square" lIns="91440" tIns="45720" rIns="91440" bIns="45720" numCol="1" rtlCol="0" anchor="ctr" anchorCtr="0" compatLnSpc="1">
+            <a:prstTxWarp prst="textNoShape">
+              <a:avLst/>
+            </a:prstTxWarp>
+          </a:bodyPr>
+          <a:lstStyle/>
+          <a:p>
+            <a:pPr marL="0" marR="0" indent="0" algn="ctr" defTabSz="914400" rtl="0" eaLnBrk="0" fontAlgn="base" latinLnBrk="0" hangingPunct="0">
+              <a:lnSpc>
+                <a:spcPct val="100000"/>
+              </a:lnSpc>
+              <a:spcBef>
+                <a:spcPct val="0"/>
+              </a:spcBef>
+              <a:spcAft>
+                <a:spcPct val="0"/>
+              </a:spcAft>
+              <a:buClrTx/>
+              <a:buSzTx/>
+              <a:buFontTx/>
+              <a:buNone/>
+              <a:tabLst/>
+            </a:pPr>
+            <a:r>
+              <a:rPr kumimoji="0" lang="en-US" sz="2400" b="0" i="0" u="none" strike="noStrike" cap="none" normalizeH="0" baseline="0" dirty="0">
+                <a:ln>
+                  <a:noFill/>
+                </a:ln>
+                <a:solidFill>
+                  <a:schemeClr val="tx1"/>
+                </a:solidFill>
+                <a:effectLst/>
+                <a:latin typeface="Arial" charset="0"/>
+                <a:ea typeface="ＭＳ Ｐゴシック" charset="-128"/>
+                <a:cs typeface="ＭＳ Ｐゴシック" charset="-128"/>
+              </a:rPr>
+              <a:t>Iterate</a:t>
+            </a:r>
+          </a:p>
+        </p:txBody>
+      </p:sp>
+      <p:sp>
+        <p:nvSpPr>
+          <p:cNvPr id="9" name="Oval 8"/>
+          <p:cNvSpPr/>
+          <p:nvPr/>
+        </p:nvSpPr>
+        <p:spPr bwMode="auto">
+          <a:xfrm>
+            <a:off x="5461000" y="5051777"/>
+            <a:ext cx="1524000" cy="1411111"/>
+          </a:xfrm>
+          <a:prstGeom prst="ellipse">
+            <a:avLst/>
+          </a:prstGeom>
+          <a:solidFill>
+            <a:schemeClr val="accent5">
+              <a:lumMod val="90000"/>
+            </a:schemeClr>
+          </a:solidFill>
+          <a:ln w="28575" cap="flat" cmpd="sng" algn="ctr">
+            <a:solidFill>
+              <a:schemeClr val="tx1"/>
+            </a:solidFill>
+            <a:prstDash val="solid"/>
+            <a:round/>
+            <a:headEnd type="none" w="med" len="med"/>
+            <a:tailEnd type="none" w="med" len="med"/>
+          </a:ln>
+          <a:effectLst/>
+        </p:spPr>
+        <p:txBody>
+          <a:bodyPr vert="horz" wrap="square" lIns="91440" tIns="45720" rIns="91440" bIns="45720" numCol="1" rtlCol="0" anchor="ctr" anchorCtr="0" compatLnSpc="1">
+            <a:prstTxWarp prst="textNoShape">
+              <a:avLst/>
+            </a:prstTxWarp>
+          </a:bodyPr>
+          <a:lstStyle/>
+          <a:p>
+            <a:pPr marL="0" marR="0" indent="0" algn="ctr" defTabSz="914400" rtl="0" eaLnBrk="0" fontAlgn="base" latinLnBrk="0" hangingPunct="0">
+              <a:lnSpc>
+                <a:spcPct val="100000"/>
+              </a:lnSpc>
+              <a:spcBef>
+                <a:spcPct val="0"/>
+              </a:spcBef>
+              <a:spcAft>
+                <a:spcPct val="0"/>
+              </a:spcAft>
+              <a:buClrTx/>
+              <a:buSzTx/>
+              <a:buFontTx/>
+              <a:buNone/>
+              <a:tabLst/>
+            </a:pPr>
+            <a:r>
+              <a:rPr kumimoji="0" lang="en-US" sz="2400" b="0" i="0" u="none" strike="noStrike" cap="none" normalizeH="0" baseline="0" dirty="0">
+                <a:ln>
+                  <a:noFill/>
+                </a:ln>
+                <a:solidFill>
+                  <a:schemeClr val="tx1"/>
+                </a:solidFill>
+                <a:effectLst/>
+                <a:latin typeface="Arial" charset="0"/>
+                <a:ea typeface="ＭＳ Ｐゴシック" charset="-128"/>
+                <a:cs typeface="ＭＳ Ｐゴシック" charset="-128"/>
+              </a:rPr>
+              <a:t>Final</a:t>
+            </a:r>
+          </a:p>
+        </p:txBody>
+      </p:sp>
+      <p:cxnSp>
+        <p:nvCxnSpPr>
+          <p:cNvPr id="38" name="Curved Connector 37"/>
+          <p:cNvCxnSpPr>
+            <a:stCxn id="7" idx="7"/>
+            <a:endCxn id="7" idx="0"/>
+          </p:cNvCxnSpPr>
+          <p:nvPr/>
+        </p:nvCxnSpPr>
+        <p:spPr bwMode="auto">
+          <a:xfrm rot="16200000" flipV="1">
+            <a:off x="6389082" y="1315585"/>
+            <a:ext cx="206652" cy="538815"/>
+          </a:xfrm>
+          <a:prstGeom prst="curvedConnector3">
+            <a:avLst>
+              <a:gd name="adj1" fmla="val 299390"/>
+            </a:avLst>
+          </a:prstGeom>
+          <a:solidFill>
+            <a:schemeClr val="accent1"/>
+          </a:solidFill>
+          <a:ln w="28575" cap="flat" cmpd="sng" algn="ctr">
+            <a:solidFill>
+              <a:schemeClr val="tx1"/>
+            </a:solidFill>
+            <a:prstDash val="solid"/>
+            <a:round/>
+            <a:headEnd type="oval"/>
+            <a:tailEnd type="oval"/>
+          </a:ln>
+          <a:effectLst/>
+        </p:spPr>
+      </p:cxnSp>
+      <p:cxnSp>
+        <p:nvCxnSpPr>
+          <p:cNvPr id="41" name="Curved Connector 40"/>
+          <p:cNvCxnSpPr>
+            <a:stCxn id="8" idx="4"/>
+            <a:endCxn id="8" idx="3"/>
+          </p:cNvCxnSpPr>
+          <p:nvPr/>
+        </p:nvCxnSpPr>
+        <p:spPr bwMode="auto">
+          <a:xfrm rot="5400000" flipH="1">
+            <a:off x="5850267" y="4241600"/>
+            <a:ext cx="206652" cy="538815"/>
+          </a:xfrm>
+          <a:prstGeom prst="curvedConnector3">
+            <a:avLst>
+              <a:gd name="adj1" fmla="val -110621"/>
+            </a:avLst>
+          </a:prstGeom>
+          <a:solidFill>
+            <a:schemeClr val="accent1"/>
+          </a:solidFill>
+          <a:ln w="28575" cap="flat" cmpd="sng" algn="ctr">
+            <a:solidFill>
+              <a:schemeClr val="tx1"/>
+            </a:solidFill>
+            <a:prstDash val="solid"/>
+            <a:round/>
+            <a:headEnd type="oval"/>
+            <a:tailEnd type="oval"/>
+          </a:ln>
+          <a:effectLst/>
+        </p:spPr>
+      </p:cxnSp>
+      <p:cxnSp>
+        <p:nvCxnSpPr>
+          <p:cNvPr id="43" name="Curved Connector 42"/>
+          <p:cNvCxnSpPr>
+            <a:stCxn id="9" idx="5"/>
+            <a:endCxn id="9" idx="3"/>
+          </p:cNvCxnSpPr>
+          <p:nvPr/>
+        </p:nvCxnSpPr>
+        <p:spPr bwMode="auto">
+          <a:xfrm rot="5400000">
+            <a:off x="6223000" y="5717421"/>
+            <a:ext cx="12700" cy="1077630"/>
+          </a:xfrm>
+          <a:prstGeom prst="curvedConnector3">
+            <a:avLst>
+              <a:gd name="adj1" fmla="val 3427181"/>
+            </a:avLst>
+          </a:prstGeom>
+          <a:solidFill>
+            <a:schemeClr val="accent1"/>
+          </a:solidFill>
+          <a:ln w="28575" cap="flat" cmpd="sng" algn="ctr">
+            <a:solidFill>
+              <a:schemeClr val="tx1"/>
+            </a:solidFill>
+            <a:prstDash val="solid"/>
+            <a:round/>
+            <a:headEnd type="oval"/>
+            <a:tailEnd type="oval"/>
+          </a:ln>
+          <a:effectLst/>
+        </p:spPr>
+      </p:cxnSp>
+      <p:grpSp>
+        <p:nvGrpSpPr>
+          <p:cNvPr id="12" name="Group 11">
+            <a:extLst>
+              <a:ext uri="{FF2B5EF4-FFF2-40B4-BE49-F238E27FC236}">
+                <a16:creationId xmlns:a16="http://schemas.microsoft.com/office/drawing/2014/main" id="{96C2207B-BAF5-E94E-BE2E-F656FD9730F3}"/>
+              </a:ext>
+            </a:extLst>
+          </p:cNvPr>
+          <p:cNvGrpSpPr/>
+          <p:nvPr/>
+        </p:nvGrpSpPr>
+        <p:grpSpPr>
+          <a:xfrm>
+            <a:off x="2908018" y="1834444"/>
+            <a:ext cx="4807938" cy="3922889"/>
+            <a:chOff x="2908018" y="1834444"/>
+            <a:chExt cx="4807938" cy="3922889"/>
+          </a:xfrm>
+        </p:grpSpPr>
+        <p:cxnSp>
+          <p:nvCxnSpPr>
+            <p:cNvPr id="32" name="Curved Connector 31"/>
+            <p:cNvCxnSpPr>
+              <a:stCxn id="8" idx="6"/>
+              <a:endCxn id="9" idx="6"/>
+            </p:cNvCxnSpPr>
+            <p:nvPr/>
+          </p:nvCxnSpPr>
+          <p:spPr bwMode="auto">
+            <a:xfrm>
+              <a:off x="6985000" y="3908778"/>
+              <a:ext cx="12700" cy="1848555"/>
+            </a:xfrm>
+            <a:prstGeom prst="curvedConnector3">
+              <a:avLst>
+                <a:gd name="adj1" fmla="val 1800000"/>
+              </a:avLst>
+            </a:prstGeom>
+            <a:solidFill>
+              <a:schemeClr val="accent1"/>
+            </a:solidFill>
+            <a:ln w="28575" cap="flat" cmpd="sng" algn="ctr">
+              <a:solidFill>
+                <a:schemeClr val="tx1"/>
+              </a:solidFill>
+              <a:prstDash val="solid"/>
+              <a:round/>
+              <a:headEnd type="arrow"/>
+              <a:tailEnd type="arrow"/>
+            </a:ln>
+            <a:effectLst/>
+          </p:spPr>
+        </p:cxnSp>
+        <p:grpSp>
+          <p:nvGrpSpPr>
+            <p:cNvPr id="10" name="Group 9">
+              <a:extLst>
+                <a:ext uri="{FF2B5EF4-FFF2-40B4-BE49-F238E27FC236}">
+                  <a16:creationId xmlns:a16="http://schemas.microsoft.com/office/drawing/2014/main" id="{B5CF92F0-6B7E-C047-9143-B03B2854EEEF}"/>
+                </a:ext>
+              </a:extLst>
+            </p:cNvPr>
+            <p:cNvGrpSpPr/>
+            <p:nvPr/>
+          </p:nvGrpSpPr>
+          <p:grpSpPr>
+            <a:xfrm>
+              <a:off x="2908018" y="1834444"/>
+              <a:ext cx="4807938" cy="3922889"/>
+              <a:chOff x="2908018" y="1834444"/>
+              <a:chExt cx="4807938" cy="3922889"/>
+            </a:xfrm>
+          </p:grpSpPr>
+          <p:cxnSp>
+            <p:nvCxnSpPr>
+              <p:cNvPr id="11" name="Straight Arrow Connector 10"/>
+              <p:cNvCxnSpPr>
+                <a:stCxn id="5" idx="3"/>
+                <a:endCxn id="7" idx="2"/>
+              </p:cNvCxnSpPr>
+              <p:nvPr/>
+            </p:nvCxnSpPr>
+            <p:spPr bwMode="auto">
+              <a:xfrm flipV="1">
+                <a:off x="2908018" y="2187223"/>
+                <a:ext cx="2552982" cy="429260"/>
+              </a:xfrm>
+              <a:prstGeom prst="straightConnector1">
+                <a:avLst/>
+              </a:prstGeom>
+              <a:solidFill>
+                <a:schemeClr val="accent1"/>
+              </a:solidFill>
+              <a:ln w="28575" cap="flat" cmpd="sng" algn="ctr">
+                <a:solidFill>
+                  <a:schemeClr val="tx1"/>
+                </a:solidFill>
+                <a:prstDash val="solid"/>
+                <a:round/>
+                <a:headEnd type="arrow"/>
+                <a:tailEnd type="arrow"/>
+              </a:ln>
+              <a:effectLst/>
+            </p:spPr>
+          </p:cxnSp>
+          <p:cxnSp>
+            <p:nvCxnSpPr>
+              <p:cNvPr id="13" name="Straight Arrow Connector 12"/>
+              <p:cNvCxnSpPr>
+                <a:stCxn id="5" idx="3"/>
+                <a:endCxn id="8" idx="2"/>
+              </p:cNvCxnSpPr>
+              <p:nvPr/>
+            </p:nvCxnSpPr>
+            <p:spPr bwMode="auto">
+              <a:xfrm>
+                <a:off x="2908018" y="2616483"/>
+                <a:ext cx="2552982" cy="1292295"/>
+              </a:xfrm>
+              <a:prstGeom prst="straightConnector1">
+                <a:avLst/>
+              </a:prstGeom>
+              <a:solidFill>
+                <a:schemeClr val="accent1"/>
+              </a:solidFill>
+              <a:ln w="28575" cap="flat" cmpd="sng" algn="ctr">
+                <a:solidFill>
+                  <a:schemeClr val="tx1"/>
+                </a:solidFill>
+                <a:prstDash val="solid"/>
+                <a:round/>
+                <a:headEnd type="arrow"/>
+                <a:tailEnd type="arrow"/>
+              </a:ln>
+              <a:effectLst/>
+            </p:spPr>
+          </p:cxnSp>
+          <p:cxnSp>
+            <p:nvCxnSpPr>
+              <p:cNvPr id="15" name="Straight Arrow Connector 14"/>
+              <p:cNvCxnSpPr>
+                <a:stCxn id="5" idx="3"/>
+                <a:endCxn id="9" idx="2"/>
+              </p:cNvCxnSpPr>
+              <p:nvPr/>
+            </p:nvCxnSpPr>
+            <p:spPr bwMode="auto">
+              <a:xfrm>
+                <a:off x="2908018" y="2616483"/>
+                <a:ext cx="2552982" cy="3140850"/>
+              </a:xfrm>
+              <a:prstGeom prst="straightConnector1">
+                <a:avLst/>
+              </a:prstGeom>
+              <a:solidFill>
+                <a:schemeClr val="accent1"/>
+              </a:solidFill>
+              <a:ln w="28575" cap="flat" cmpd="sng" algn="ctr">
+                <a:solidFill>
+                  <a:schemeClr val="tx1"/>
+                </a:solidFill>
+                <a:prstDash val="solid"/>
+                <a:round/>
+                <a:headEnd type="arrow"/>
+                <a:tailEnd type="arrow"/>
+              </a:ln>
+              <a:effectLst/>
+            </p:spPr>
+          </p:cxnSp>
+          <p:cxnSp>
+            <p:nvCxnSpPr>
+              <p:cNvPr id="24" name="Curved Connector 23"/>
+              <p:cNvCxnSpPr>
+                <a:stCxn id="7" idx="6"/>
+                <a:endCxn id="8" idx="6"/>
+              </p:cNvCxnSpPr>
+              <p:nvPr/>
+            </p:nvCxnSpPr>
+            <p:spPr bwMode="auto">
+              <a:xfrm>
+                <a:off x="6985000" y="2187223"/>
+                <a:ext cx="12700" cy="1721555"/>
+              </a:xfrm>
+              <a:prstGeom prst="curvedConnector3">
+                <a:avLst>
+                  <a:gd name="adj1" fmla="val 1800000"/>
+                </a:avLst>
+              </a:prstGeom>
+              <a:solidFill>
+                <a:schemeClr val="accent1"/>
+              </a:solidFill>
+              <a:ln w="28575" cap="flat" cmpd="sng" algn="ctr">
+                <a:solidFill>
+                  <a:schemeClr val="tx1"/>
+                </a:solidFill>
+                <a:prstDash val="solid"/>
+                <a:round/>
+                <a:headEnd type="arrow"/>
+                <a:tailEnd type="arrow"/>
+              </a:ln>
+              <a:effectLst/>
+            </p:spPr>
+          </p:cxnSp>
+          <p:cxnSp>
+            <p:nvCxnSpPr>
+              <p:cNvPr id="26" name="Curved Connector 25"/>
+              <p:cNvCxnSpPr>
+                <a:stCxn id="7" idx="6"/>
+                <a:endCxn id="9" idx="6"/>
+              </p:cNvCxnSpPr>
+              <p:nvPr/>
+            </p:nvCxnSpPr>
+            <p:spPr bwMode="auto">
+              <a:xfrm>
+                <a:off x="6985000" y="2187223"/>
+                <a:ext cx="12700" cy="3570110"/>
+              </a:xfrm>
+              <a:prstGeom prst="curvedConnector3">
+                <a:avLst>
+                  <a:gd name="adj1" fmla="val 5688890"/>
+                </a:avLst>
+              </a:prstGeom>
+              <a:solidFill>
+                <a:schemeClr val="accent1"/>
+              </a:solidFill>
+              <a:ln w="28575" cap="flat" cmpd="sng" algn="ctr">
+                <a:solidFill>
+                  <a:schemeClr val="tx1"/>
+                </a:solidFill>
+                <a:prstDash val="solid"/>
+                <a:round/>
+                <a:headEnd type="arrow"/>
+                <a:tailEnd type="arrow"/>
+              </a:ln>
+              <a:effectLst/>
+            </p:spPr>
+          </p:cxnSp>
+          <p:grpSp>
+            <p:nvGrpSpPr>
+              <p:cNvPr id="3" name="Group 2">
+                <a:extLst>
+                  <a:ext uri="{FF2B5EF4-FFF2-40B4-BE49-F238E27FC236}">
+                    <a16:creationId xmlns:a16="http://schemas.microsoft.com/office/drawing/2014/main" id="{7319AB59-4047-C74A-A442-E73613BD7664}"/>
+                  </a:ext>
+                </a:extLst>
+              </p:cNvPr>
+              <p:cNvGrpSpPr/>
+              <p:nvPr/>
+            </p:nvGrpSpPr>
+            <p:grpSpPr>
+              <a:xfrm>
+                <a:off x="3719125" y="1834444"/>
+                <a:ext cx="3996831" cy="3070296"/>
+                <a:chOff x="3719125" y="1834444"/>
+                <a:chExt cx="3996831" cy="3070296"/>
+              </a:xfrm>
+            </p:grpSpPr>
+            <p:sp>
+              <p:nvSpPr>
+                <p:cNvPr id="44" name="Plus 43"/>
+                <p:cNvSpPr/>
+                <p:nvPr/>
+              </p:nvSpPr>
+              <p:spPr bwMode="auto">
+                <a:xfrm>
+                  <a:off x="3850076" y="1834444"/>
+                  <a:ext cx="566702" cy="580814"/>
+                </a:xfrm>
+                <a:prstGeom prst="mathPlus">
+                  <a:avLst/>
+                </a:prstGeom>
+                <a:solidFill>
+                  <a:srgbClr val="008000"/>
+                </a:solidFill>
+                <a:ln w="9525" cap="flat" cmpd="sng" algn="ctr">
+                  <a:solidFill>
+                    <a:schemeClr val="tx1"/>
+                  </a:solidFill>
+                  <a:prstDash val="solid"/>
+                  <a:round/>
+                  <a:headEnd type="none" w="med" len="med"/>
+                  <a:tailEnd type="none" w="med" len="med"/>
+                </a:ln>
+                <a:effectLst/>
+              </p:spPr>
+              <p:txBody>
+                <a:bodyPr/>
+                <a:lstStyle/>
+                <a:p>
+                  <a:endParaRPr lang="en-US"/>
+                </a:p>
+              </p:txBody>
+            </p:sp>
+            <p:sp>
+              <p:nvSpPr>
+                <p:cNvPr id="45" name="Plus 44"/>
+                <p:cNvSpPr/>
+                <p:nvPr/>
+              </p:nvSpPr>
+              <p:spPr bwMode="auto">
+                <a:xfrm>
+                  <a:off x="4416778" y="3045178"/>
+                  <a:ext cx="566702" cy="580814"/>
+                </a:xfrm>
+                <a:prstGeom prst="mathPlus">
+                  <a:avLst/>
+                </a:prstGeom>
+                <a:solidFill>
+                  <a:srgbClr val="008000"/>
+                </a:solidFill>
+                <a:ln w="9525" cap="flat" cmpd="sng" algn="ctr">
+                  <a:solidFill>
+                    <a:schemeClr val="tx1"/>
+                  </a:solidFill>
+                  <a:prstDash val="solid"/>
+                  <a:round/>
+                  <a:headEnd type="none" w="med" len="med"/>
+                  <a:tailEnd type="none" w="med" len="med"/>
+                </a:ln>
+                <a:effectLst/>
+              </p:spPr>
+              <p:txBody>
+                <a:bodyPr/>
+                <a:lstStyle/>
+                <a:p>
+                  <a:endParaRPr lang="en-US"/>
+                </a:p>
+              </p:txBody>
+            </p:sp>
+            <p:sp>
+              <p:nvSpPr>
+                <p:cNvPr id="46" name="Plus 45"/>
+                <p:cNvSpPr/>
+                <p:nvPr/>
+              </p:nvSpPr>
+              <p:spPr bwMode="auto">
+                <a:xfrm>
+                  <a:off x="3719125" y="4323926"/>
+                  <a:ext cx="566702" cy="580814"/>
+                </a:xfrm>
+                <a:prstGeom prst="mathPlus">
+                  <a:avLst/>
+                </a:prstGeom>
+                <a:solidFill>
+                  <a:srgbClr val="008000"/>
+                </a:solidFill>
+                <a:ln w="9525" cap="flat" cmpd="sng" algn="ctr">
+                  <a:solidFill>
+                    <a:schemeClr val="tx1"/>
+                  </a:solidFill>
+                  <a:prstDash val="solid"/>
+                  <a:round/>
+                  <a:headEnd type="none" w="med" len="med"/>
+                  <a:tailEnd type="none" w="med" len="med"/>
+                </a:ln>
+                <a:effectLst/>
+              </p:spPr>
+              <p:txBody>
+                <a:bodyPr/>
+                <a:lstStyle/>
+                <a:p>
+                  <a:endParaRPr lang="en-US"/>
+                </a:p>
+              </p:txBody>
+            </p:sp>
+            <p:sp>
+              <p:nvSpPr>
+                <p:cNvPr id="47" name="Plus 46"/>
+                <p:cNvSpPr/>
+                <p:nvPr/>
+              </p:nvSpPr>
+              <p:spPr bwMode="auto">
+                <a:xfrm>
+                  <a:off x="7149254" y="3618371"/>
+                  <a:ext cx="566702" cy="580814"/>
+                </a:xfrm>
+                <a:prstGeom prst="mathPlus">
+                  <a:avLst/>
+                </a:prstGeom>
+                <a:solidFill>
+                  <a:srgbClr val="008000"/>
+                </a:solidFill>
+                <a:ln w="9525" cap="flat" cmpd="sng" algn="ctr">
+                  <a:solidFill>
+                    <a:schemeClr val="tx1"/>
+                  </a:solidFill>
+                  <a:prstDash val="solid"/>
+                  <a:round/>
+                  <a:headEnd type="none" w="med" len="med"/>
+                  <a:tailEnd type="none" w="med" len="med"/>
+                </a:ln>
+                <a:effectLst/>
+              </p:spPr>
+              <p:txBody>
+                <a:bodyPr/>
+                <a:lstStyle/>
+                <a:p>
+                  <a:endParaRPr lang="en-US"/>
+                </a:p>
+              </p:txBody>
+            </p:sp>
+          </p:grpSp>
+        </p:grpSp>
+      </p:grpSp>
+      <p:sp>
+        <p:nvSpPr>
+          <p:cNvPr id="48" name="Minus 47"/>
+          <p:cNvSpPr/>
+          <p:nvPr/>
+        </p:nvSpPr>
+        <p:spPr bwMode="auto">
+          <a:xfrm>
+            <a:off x="6292144" y="564444"/>
+            <a:ext cx="578556" cy="578556"/>
+          </a:xfrm>
+          <a:prstGeom prst="mathMinus">
+            <a:avLst/>
+          </a:prstGeom>
+          <a:solidFill>
+            <a:srgbClr val="FF0000"/>
+          </a:solidFill>
+          <a:ln w="9525" cap="flat" cmpd="sng" algn="ctr">
+            <a:solidFill>
+              <a:schemeClr val="tx1"/>
+            </a:solidFill>
+            <a:prstDash val="solid"/>
+            <a:round/>
+            <a:headEnd type="none" w="med" len="med"/>
+            <a:tailEnd type="none" w="med" len="med"/>
+          </a:ln>
+          <a:effectLst/>
+        </p:spPr>
+        <p:txBody>
+          <a:bodyPr vert="horz" wrap="square" lIns="91440" tIns="45720" rIns="91440" bIns="45720" numCol="1" rtlCol="0" anchor="t" anchorCtr="0" compatLnSpc="1">
+            <a:prstTxWarp prst="textNoShape">
+              <a:avLst/>
+            </a:prstTxWarp>
+          </a:bodyPr>
+          <a:lstStyle/>
+          <a:p>
+            <a:pPr marL="0" marR="0" indent="0" algn="l" defTabSz="914400" rtl="0" eaLnBrk="0" fontAlgn="base" latinLnBrk="0" hangingPunct="0">
+              <a:lnSpc>
+                <a:spcPct val="100000"/>
+              </a:lnSpc>
+              <a:spcBef>
+                <a:spcPct val="0"/>
+              </a:spcBef>
+              <a:spcAft>
+                <a:spcPct val="0"/>
+              </a:spcAft>
+              <a:buClrTx/>
+              <a:buSzTx/>
+              <a:buFontTx/>
+              <a:buNone/>
+              <a:tabLst/>
+            </a:pPr>
+            <a:endParaRPr kumimoji="0" lang="en-US" sz="2400" b="0" i="0" u="none" strike="noStrike" cap="none" normalizeH="0" baseline="0">
+              <a:ln>
+                <a:noFill/>
+              </a:ln>
+              <a:solidFill>
+                <a:schemeClr val="tx1"/>
+              </a:solidFill>
+              <a:effectLst/>
+              <a:latin typeface="Arial" charset="0"/>
+              <a:ea typeface="ＭＳ Ｐゴシック" charset="-128"/>
+              <a:cs typeface="ＭＳ Ｐゴシック" charset="-128"/>
+            </a:endParaRPr>
+          </a:p>
+        </p:txBody>
+      </p:sp>
+      <p:sp>
+        <p:nvSpPr>
+          <p:cNvPr id="49" name="Minus 48"/>
+          <p:cNvSpPr/>
+          <p:nvPr/>
+        </p:nvSpPr>
+        <p:spPr bwMode="auto">
+          <a:xfrm>
+            <a:off x="5171722" y="4323926"/>
+            <a:ext cx="578556" cy="578556"/>
+          </a:xfrm>
+          <a:prstGeom prst="mathMinus">
+            <a:avLst/>
+          </a:prstGeom>
+          <a:solidFill>
+            <a:srgbClr val="FF0000"/>
+          </a:solidFill>
+          <a:ln w="9525" cap="flat" cmpd="sng" algn="ctr">
+            <a:solidFill>
+              <a:schemeClr val="tx1"/>
+            </a:solidFill>
+            <a:prstDash val="solid"/>
+            <a:round/>
+            <a:headEnd type="none" w="med" len="med"/>
+            <a:tailEnd type="none" w="med" len="med"/>
+          </a:ln>
+          <a:effectLst/>
+        </p:spPr>
+        <p:txBody>
+          <a:bodyPr vert="horz" wrap="square" lIns="91440" tIns="45720" rIns="91440" bIns="45720" numCol="1" rtlCol="0" anchor="t" anchorCtr="0" compatLnSpc="1">
+            <a:prstTxWarp prst="textNoShape">
+              <a:avLst/>
+            </a:prstTxWarp>
+          </a:bodyPr>
+          <a:lstStyle/>
+          <a:p>
+            <a:pPr marL="0" marR="0" indent="0" algn="l" defTabSz="914400" rtl="0" eaLnBrk="0" fontAlgn="base" latinLnBrk="0" hangingPunct="0">
+              <a:lnSpc>
+                <a:spcPct val="100000"/>
+              </a:lnSpc>
+              <a:spcBef>
+                <a:spcPct val="0"/>
+              </a:spcBef>
+              <a:spcAft>
+                <a:spcPct val="0"/>
+              </a:spcAft>
+              <a:buClrTx/>
+              <a:buSzTx/>
+              <a:buFontTx/>
+              <a:buNone/>
+              <a:tabLst/>
+            </a:pPr>
+            <a:endParaRPr kumimoji="0" lang="en-US" sz="2400" b="0" i="0" u="none" strike="noStrike" cap="none" normalizeH="0" baseline="0">
+              <a:ln>
+                <a:noFill/>
+              </a:ln>
+              <a:solidFill>
+                <a:schemeClr val="tx1"/>
+              </a:solidFill>
+              <a:effectLst/>
+              <a:latin typeface="Arial" charset="0"/>
+              <a:ea typeface="ＭＳ Ｐゴシック" charset="-128"/>
+              <a:cs typeface="ＭＳ Ｐゴシック" charset="-128"/>
+            </a:endParaRPr>
+          </a:p>
+        </p:txBody>
+      </p:sp>
+      <p:sp>
+        <p:nvSpPr>
+          <p:cNvPr id="50" name="Minus 49"/>
+          <p:cNvSpPr/>
+          <p:nvPr/>
+        </p:nvSpPr>
+        <p:spPr bwMode="auto">
+          <a:xfrm>
+            <a:off x="6695722" y="6279444"/>
+            <a:ext cx="578556" cy="578556"/>
+          </a:xfrm>
+          <a:prstGeom prst="mathMinus">
+            <a:avLst/>
+          </a:prstGeom>
+          <a:solidFill>
+            <a:srgbClr val="FF0000"/>
+          </a:solidFill>
+          <a:ln w="9525" cap="flat" cmpd="sng" algn="ctr">
+            <a:solidFill>
+              <a:schemeClr val="tx1"/>
+            </a:solidFill>
+            <a:prstDash val="solid"/>
+            <a:round/>
+            <a:headEnd type="none" w="med" len="med"/>
+            <a:tailEnd type="none" w="med" len="med"/>
+          </a:ln>
+          <a:effectLst/>
+        </p:spPr>
+        <p:txBody>
+          <a:bodyPr vert="horz" wrap="square" lIns="91440" tIns="45720" rIns="91440" bIns="45720" numCol="1" rtlCol="0" anchor="t" anchorCtr="0" compatLnSpc="1">
+            <a:prstTxWarp prst="textNoShape">
+              <a:avLst/>
+            </a:prstTxWarp>
+          </a:bodyPr>
+          <a:lstStyle/>
+          <a:p>
+            <a:pPr marL="0" marR="0" indent="0" algn="l" defTabSz="914400" rtl="0" eaLnBrk="0" fontAlgn="base" latinLnBrk="0" hangingPunct="0">
+              <a:lnSpc>
+                <a:spcPct val="100000"/>
+              </a:lnSpc>
+              <a:spcBef>
+                <a:spcPct val="0"/>
+              </a:spcBef>
+              <a:spcAft>
+                <a:spcPct val="0"/>
+              </a:spcAft>
+              <a:buClrTx/>
+              <a:buSzTx/>
+              <a:buFontTx/>
+              <a:buNone/>
+              <a:tabLst/>
+            </a:pPr>
+            <a:endParaRPr kumimoji="0" lang="en-US" sz="2400" b="0" i="0" u="none" strike="noStrike" cap="none" normalizeH="0" baseline="0">
+              <a:ln>
+                <a:noFill/>
+              </a:ln>
+              <a:solidFill>
+                <a:schemeClr val="tx1"/>
+              </a:solidFill>
+              <a:effectLst/>
+              <a:latin typeface="Arial" charset="0"/>
+              <a:ea typeface="ＭＳ Ｐゴシック" charset="-128"/>
+              <a:cs typeface="ＭＳ Ｐゴシック" charset="-128"/>
+            </a:endParaRPr>
+          </a:p>
+        </p:txBody>
+      </p:sp>
+    </p:spTree>
+    <p:extLst>
+      <p:ext uri="{BB962C8B-B14F-4D97-AF65-F5344CB8AC3E}">
+        <p14:creationId xmlns:p14="http://schemas.microsoft.com/office/powerpoint/2010/main" val="2660108813"/>
+      </p:ext>
+    </p:extLst>
+  </p:cSld>
+  <p:clrMapOvr>
+    <a:masterClrMapping/>
+  </p:clrMapOvr>
+  <p:transition/>
+  <p:timing>
+    <p:tnLst>
+      <p:par>
+        <p:cTn id="1" dur="indefinite" restart="never" nodeType="tmRoot">
+          <p:childTnLst>
+            <p:seq concurrent="1" nextAc="seek">
+              <p:cTn id="2" dur="indefinite" nodeType="mainSeq">
+                <p:childTnLst>
+                  <p:par>
+                    <p:cTn id="3" fill="hold">
+                      <p:stCondLst>
+                        <p:cond delay="indefinite"/>
+                      </p:stCondLst>
+                      <p:childTnLst>
+                        <p:par>
+                          <p:cTn id="4" fill="hold">
+                            <p:stCondLst>
+                              <p:cond delay="0"/>
+                            </p:stCondLst>
+                            <p:childTnLst>
+                              <p:par>
+                                <p:cTn id="5" presetID="1" presetClass="exit" presetSubtype="0" fill="hold" nodeType="clickEffect">
+                                  <p:stCondLst>
+                                    <p:cond delay="0"/>
+                                  </p:stCondLst>
+                                  <p:childTnLst>
+                                    <p:set>
+                                      <p:cBhvr>
+                                        <p:cTn id="6" dur="1" fill="hold">
+                                          <p:stCondLst>
+                                            <p:cond delay="0"/>
+                                          </p:stCondLst>
+                                        </p:cTn>
+                                        <p:tgtEl>
+                                          <p:spTgt spid="12"/>
+                                        </p:tgtEl>
+                                        <p:attrNameLst>
+                                          <p:attrName>style.visibility</p:attrName>
+                                        </p:attrNameLst>
+                                      </p:cBhvr>
+                                      <p:to>
+                                        <p:strVal val="hidden"/>
+                                      </p:to>
+                                    </p:set>
+                                  </p:childTnLst>
+                                </p:cTn>
+                              </p:par>
+                            </p:childTnLst>
+                          </p:cTn>
+                        </p:par>
+                      </p:childTnLst>
+                    </p:cTn>
+                  </p:par>
+                </p:childTnLst>
+              </p:cTn>
+              <p:prevCondLst>
+                <p:cond evt="onPrev" delay="0">
+                  <p:tgtEl>
+                    <p:sldTgt/>
+                  </p:tgtEl>
+                </p:cond>
+              </p:prevCondLst>
+              <p:nextCondLst>
+                <p:cond evt="onNext" delay="0">
+                  <p:tgtEl>
+                    <p:sldTgt/>
+                  </p:tgtEl>
+                </p:cond>
+              </p:nextCondLst>
+            </p:seq>
+          </p:childTnLst>
+        </p:cTn>
+      </p:par>
+    </p:tnLst>
+  </p:timing>
+</p:sld>
+</file>
+
+<file path=ppt/slides/slide5.xml><?xml version="1.0" encoding="utf-8"?>
+<p:sld xmlns:a="http://schemas.openxmlformats.org/drawingml/2006/main" xmlns:r="http://schemas.openxmlformats.org/officeDocument/2006/relationships" xmlns:p="http://schemas.openxmlformats.org/presentationml/2006/main">
+  <p:cSld>
+    <p:spTree>
+      <p:nvGrpSpPr>
+        <p:cNvPr id="1" name=""/>
+        <p:cNvGrpSpPr/>
+        <p:nvPr/>
+      </p:nvGrpSpPr>
+      <p:grpSpPr>
+        <a:xfrm>
+          <a:off x="0" y="0"/>
+          <a:ext cx="0" cy="0"/>
+          <a:chOff x="0" y="0"/>
+          <a:chExt cx="0" cy="0"/>
+        </a:xfrm>
+      </p:grpSpPr>
+      <p:sp>
+        <p:nvSpPr>
+          <p:cNvPr id="2" name="Title 1"/>
+          <p:cNvSpPr>
+            <a:spLocks noGrp="1"/>
+          </p:cNvSpPr>
+          <p:nvPr>
+            <p:ph type="title"/>
+          </p:nvPr>
+        </p:nvSpPr>
+        <p:spPr/>
+        <p:txBody>
+          <a:bodyPr/>
+          <a:lstStyle/>
+          <a:p>
             <a:endParaRPr lang="en-US" dirty="0"/>
           </a:p>
         </p:txBody>
@@ -10201,7 +12853,7 @@
 </p:sld>
 </file>
 
-<file path=ppt/slides/slide5.xml><?xml version="1.0" encoding="utf-8"?>
+<file path=ppt/slides/slide6.xml><?xml version="1.0" encoding="utf-8"?>
 <p:sld xmlns:a="http://schemas.openxmlformats.org/drawingml/2006/main" xmlns:r="http://schemas.openxmlformats.org/officeDocument/2006/relationships" xmlns:p="http://schemas.openxmlformats.org/presentationml/2006/main">
   <p:cSld>
     <p:spTree>
@@ -10284,7 +12936,7 @@
 </p:sld>
 </file>
 
-<file path=ppt/slides/slide6.xml><?xml version="1.0" encoding="utf-8"?>
+<file path=ppt/slides/slide7.xml><?xml version="1.0" encoding="utf-8"?>
 <p:sld xmlns:a="http://schemas.openxmlformats.org/drawingml/2006/main" xmlns:r="http://schemas.openxmlformats.org/officeDocument/2006/relationships" xmlns:p="http://schemas.openxmlformats.org/presentationml/2006/main">
   <p:cSld>
     <p:spTree>
@@ -10389,7 +13041,7 @@
 </p:sld>
 </file>
 
-<file path=ppt/slides/slide7.xml><?xml version="1.0" encoding="utf-8"?>
+<file path=ppt/slides/slide8.xml><?xml version="1.0" encoding="utf-8"?>
 <p:sld xmlns:a="http://schemas.openxmlformats.org/drawingml/2006/main" xmlns:r="http://schemas.openxmlformats.org/officeDocument/2006/relationships" xmlns:p="http://schemas.openxmlformats.org/presentationml/2006/main" show="0">
   <p:cSld>
     <p:spTree>
@@ -10470,7 +13122,7 @@
 </p:sld>
 </file>
 
-<file path=ppt/slides/slide8.xml><?xml version="1.0" encoding="utf-8"?>
+<file path=ppt/slides/slide9.xml><?xml version="1.0" encoding="utf-8"?>
 <p:sld xmlns:a="http://schemas.openxmlformats.org/drawingml/2006/main" xmlns:r="http://schemas.openxmlformats.org/officeDocument/2006/relationships" xmlns:p="http://schemas.openxmlformats.org/presentationml/2006/main" show="0">
   <p:cSld>
     <p:spTree>
@@ -11410,140 +14062,6 @@
     <p:extLst>
       <p:ext uri="{BB962C8B-B14F-4D97-AF65-F5344CB8AC3E}">
         <p14:creationId xmlns:p14="http://schemas.microsoft.com/office/powerpoint/2010/main" val="1291128258"/>
-      </p:ext>
-    </p:extLst>
-  </p:cSld>
-  <p:clrMapOvr>
-    <a:masterClrMapping/>
-  </p:clrMapOvr>
-  <p:transition/>
-</p:sld>
-</file>
-
-<file path=ppt/slides/slide9.xml><?xml version="1.0" encoding="utf-8"?>
-<p:sld xmlns:a="http://schemas.openxmlformats.org/drawingml/2006/main" xmlns:r="http://schemas.openxmlformats.org/officeDocument/2006/relationships" xmlns:p="http://schemas.openxmlformats.org/presentationml/2006/main" show="0">
-  <p:cSld>
-    <p:spTree>
-      <p:nvGrpSpPr>
-        <p:cNvPr id="1" name=""/>
-        <p:cNvGrpSpPr/>
-        <p:nvPr/>
-      </p:nvGrpSpPr>
-      <p:grpSpPr>
-        <a:xfrm>
-          <a:off x="0" y="0"/>
-          <a:ext cx="0" cy="0"/>
-          <a:chOff x="0" y="0"/>
-          <a:chExt cx="0" cy="0"/>
-        </a:xfrm>
-      </p:grpSpPr>
-      <p:sp>
-        <p:nvSpPr>
-          <p:cNvPr id="2" name="Title 1"/>
-          <p:cNvSpPr>
-            <a:spLocks noGrp="1"/>
-          </p:cNvSpPr>
-          <p:nvPr>
-            <p:ph type="title"/>
-          </p:nvPr>
-        </p:nvSpPr>
-        <p:spPr/>
-        <p:txBody>
-          <a:bodyPr/>
-          <a:lstStyle/>
-          <a:p>
-            <a:r>
-              <a:rPr lang="en-US" dirty="0"/>
-              <a:t>Stroop</a:t>
-            </a:r>
-          </a:p>
-        </p:txBody>
-      </p:sp>
-      <p:sp>
-        <p:nvSpPr>
-          <p:cNvPr id="3" name="Content Placeholder 2"/>
-          <p:cNvSpPr>
-            <a:spLocks noGrp="1"/>
-          </p:cNvSpPr>
-          <p:nvPr>
-            <p:ph idx="1"/>
-          </p:nvPr>
-        </p:nvSpPr>
-        <p:spPr/>
-        <p:txBody>
-          <a:bodyPr>
-            <a:normAutofit/>
-          </a:bodyPr>
-          <a:lstStyle/>
-          <a:p>
-            <a:r>
-              <a:rPr lang="en-US" dirty="0"/>
-              <a:t>Stroop task:</a:t>
-            </a:r>
-          </a:p>
-          <a:p>
-            <a:pPr lvl="1"/>
-            <a:r>
-              <a:rPr lang="en-US" dirty="0">
-                <a:solidFill>
-                  <a:srgbClr val="0000FF"/>
-                </a:solidFill>
-              </a:rPr>
-              <a:t>BLUE</a:t>
-            </a:r>
-            <a:r>
-              <a:rPr lang="en-US" dirty="0"/>
-              <a:t> or </a:t>
-            </a:r>
-            <a:r>
-              <a:rPr lang="en-US" dirty="0">
-                <a:solidFill>
-                  <a:srgbClr val="FF6600"/>
-                </a:solidFill>
-              </a:rPr>
-              <a:t>PIANO</a:t>
-            </a:r>
-            <a:r>
-              <a:rPr lang="en-US" dirty="0"/>
-              <a:t> or </a:t>
-            </a:r>
-            <a:r>
-              <a:rPr lang="en-US" dirty="0">
-                <a:solidFill>
-                  <a:srgbClr val="008000"/>
-                </a:solidFill>
-              </a:rPr>
-              <a:t>RED</a:t>
-            </a:r>
-          </a:p>
-          <a:p>
-            <a:pPr lvl="1"/>
-            <a:r>
-              <a:rPr lang="en-US" dirty="0">
-                <a:solidFill>
-                  <a:srgbClr val="000000"/>
-                </a:solidFill>
-              </a:rPr>
-              <a:t>Name the color of the ink as fast as possible</a:t>
-            </a:r>
-          </a:p>
-          <a:p>
-            <a:pPr lvl="1"/>
-            <a:r>
-              <a:rPr lang="en-US" dirty="0">
-                <a:solidFill>
-                  <a:srgbClr val="000000"/>
-                </a:solidFill>
-              </a:rPr>
-              <a:t>Typical result: people are slower when there is a mismatch between the word and the ink.</a:t>
-            </a:r>
-          </a:p>
-        </p:txBody>
-      </p:sp>
-    </p:spTree>
-    <p:extLst>
-      <p:ext uri="{BB962C8B-B14F-4D97-AF65-F5344CB8AC3E}">
-        <p14:creationId xmlns:p14="http://schemas.microsoft.com/office/powerpoint/2010/main" val="4057643390"/>
       </p:ext>
     </p:extLst>
   </p:cSld>

--- a/PRIMsTutorial4.pptx
+++ b/PRIMsTutorial4.pptx
@@ -14,32 +14,33 @@
     <p:sldId id="260" r:id="rId8"/>
     <p:sldId id="284" r:id="rId9"/>
     <p:sldId id="261" r:id="rId10"/>
-    <p:sldId id="262" r:id="rId11"/>
-    <p:sldId id="263" r:id="rId12"/>
-    <p:sldId id="264" r:id="rId13"/>
-    <p:sldId id="265" r:id="rId14"/>
-    <p:sldId id="266" r:id="rId15"/>
-    <p:sldId id="267" r:id="rId16"/>
-    <p:sldId id="268" r:id="rId17"/>
-    <p:sldId id="269" r:id="rId18"/>
-    <p:sldId id="270" r:id="rId19"/>
-    <p:sldId id="271" r:id="rId20"/>
-    <p:sldId id="272" r:id="rId21"/>
-    <p:sldId id="273" r:id="rId22"/>
-    <p:sldId id="274" r:id="rId23"/>
-    <p:sldId id="275" r:id="rId24"/>
-    <p:sldId id="279" r:id="rId25"/>
-    <p:sldId id="280" r:id="rId26"/>
-    <p:sldId id="355" r:id="rId27"/>
-    <p:sldId id="366" r:id="rId28"/>
-    <p:sldId id="367" r:id="rId29"/>
-    <p:sldId id="368" r:id="rId30"/>
-    <p:sldId id="369" r:id="rId31"/>
-    <p:sldId id="375" r:id="rId32"/>
-    <p:sldId id="370" r:id="rId33"/>
-    <p:sldId id="371" r:id="rId34"/>
-    <p:sldId id="372" r:id="rId35"/>
-    <p:sldId id="283" r:id="rId36"/>
+    <p:sldId id="376" r:id="rId11"/>
+    <p:sldId id="262" r:id="rId12"/>
+    <p:sldId id="263" r:id="rId13"/>
+    <p:sldId id="264" r:id="rId14"/>
+    <p:sldId id="265" r:id="rId15"/>
+    <p:sldId id="266" r:id="rId16"/>
+    <p:sldId id="267" r:id="rId17"/>
+    <p:sldId id="268" r:id="rId18"/>
+    <p:sldId id="269" r:id="rId19"/>
+    <p:sldId id="270" r:id="rId20"/>
+    <p:sldId id="271" r:id="rId21"/>
+    <p:sldId id="272" r:id="rId22"/>
+    <p:sldId id="273" r:id="rId23"/>
+    <p:sldId id="274" r:id="rId24"/>
+    <p:sldId id="275" r:id="rId25"/>
+    <p:sldId id="279" r:id="rId26"/>
+    <p:sldId id="280" r:id="rId27"/>
+    <p:sldId id="355" r:id="rId28"/>
+    <p:sldId id="366" r:id="rId29"/>
+    <p:sldId id="367" r:id="rId30"/>
+    <p:sldId id="368" r:id="rId31"/>
+    <p:sldId id="369" r:id="rId32"/>
+    <p:sldId id="375" r:id="rId33"/>
+    <p:sldId id="370" r:id="rId34"/>
+    <p:sldId id="371" r:id="rId35"/>
+    <p:sldId id="372" r:id="rId36"/>
+    <p:sldId id="283" r:id="rId37"/>
   </p:sldIdLst>
   <p:sldSz cx="9144000" cy="6858000" type="screen4x3"/>
   <p:notesSz cx="6858000" cy="9144000"/>
@@ -7275,7 +7276,7 @@
 </file>
 
 <file path=ppt/slides/slide10.xml><?xml version="1.0" encoding="utf-8"?>
-<p:sld xmlns:a="http://schemas.openxmlformats.org/drawingml/2006/main" xmlns:r="http://schemas.openxmlformats.org/officeDocument/2006/relationships" xmlns:p="http://schemas.openxmlformats.org/presentationml/2006/main" show="0">
+<p:sld xmlns:a="http://schemas.openxmlformats.org/drawingml/2006/main" xmlns:r="http://schemas.openxmlformats.org/officeDocument/2006/relationships" xmlns:p="http://schemas.openxmlformats.org/presentationml/2006/main">
   <p:cSld>
     <p:spTree>
       <p:nvGrpSpPr>
@@ -7291,6 +7292,205 @@
           <a:chExt cx="0" cy="0"/>
         </a:xfrm>
       </p:grpSpPr>
+      <p:grpSp>
+        <p:nvGrpSpPr>
+          <p:cNvPr id="18" name="Group 17"/>
+          <p:cNvGrpSpPr/>
+          <p:nvPr/>
+        </p:nvGrpSpPr>
+        <p:grpSpPr>
+          <a:xfrm>
+            <a:off x="5410200" y="2662535"/>
+            <a:ext cx="1428044" cy="1752600"/>
+            <a:chOff x="6858000" y="1905000"/>
+            <a:chExt cx="1428044" cy="1752600"/>
+          </a:xfrm>
+        </p:grpSpPr>
+        <p:sp>
+          <p:nvSpPr>
+            <p:cNvPr id="13" name="Rectangle 12"/>
+            <p:cNvSpPr/>
+            <p:nvPr/>
+          </p:nvSpPr>
+          <p:spPr bwMode="auto">
+            <a:xfrm>
+              <a:off x="6858000" y="1905000"/>
+              <a:ext cx="1428044" cy="1752600"/>
+            </a:xfrm>
+            <a:prstGeom prst="rect">
+              <a:avLst/>
+            </a:prstGeom>
+            <a:solidFill>
+              <a:srgbClr val="FFFFFF"/>
+            </a:solidFill>
+            <a:ln w="19050" cap="flat" cmpd="sng" algn="ctr">
+              <a:solidFill>
+                <a:srgbClr val="000000"/>
+              </a:solidFill>
+              <a:prstDash val="solid"/>
+              <a:round/>
+              <a:headEnd type="none" w="med" len="med"/>
+              <a:tailEnd type="none" w="med" len="med"/>
+            </a:ln>
+            <a:effectLst>
+              <a:outerShdw blurRad="50800" dist="38100" dir="2700000" algn="tl" rotWithShape="0">
+                <a:prstClr val="black">
+                  <a:alpha val="40000"/>
+                </a:prstClr>
+              </a:outerShdw>
+            </a:effectLst>
+          </p:spPr>
+          <p:txBody>
+            <a:bodyPr vert="horz" wrap="square" lIns="91440" tIns="45720" rIns="91440" bIns="45720" numCol="1" rtlCol="0" anchor="t" anchorCtr="0" compatLnSpc="1">
+              <a:prstTxWarp prst="textNoShape">
+                <a:avLst/>
+              </a:prstTxWarp>
+            </a:bodyPr>
+            <a:lstStyle/>
+            <a:p>
+              <a:pPr defTabSz="914400" eaLnBrk="0" fontAlgn="base" hangingPunct="0">
+                <a:spcBef>
+                  <a:spcPct val="0"/>
+                </a:spcBef>
+                <a:spcAft>
+                  <a:spcPct val="0"/>
+                </a:spcAft>
+              </a:pPr>
+              <a:endParaRPr lang="en-US" sz="2400">
+                <a:solidFill>
+                  <a:srgbClr val="000000"/>
+                </a:solidFill>
+                <a:latin typeface="Arial" charset="0"/>
+                <a:ea typeface="ＭＳ Ｐゴシック" charset="-128"/>
+                <a:cs typeface="ＭＳ Ｐゴシック" charset="-128"/>
+              </a:endParaRPr>
+            </a:p>
+          </p:txBody>
+        </p:sp>
+        <p:pic>
+          <p:nvPicPr>
+            <p:cNvPr id="4" name="Picture 3"/>
+            <p:cNvPicPr>
+              <a:picLocks noChangeAspect="1"/>
+            </p:cNvPicPr>
+            <p:nvPr/>
+          </p:nvPicPr>
+          <p:blipFill>
+            <a:blip r:embed="rId2"/>
+            <a:stretch>
+              <a:fillRect/>
+            </a:stretch>
+          </p:blipFill>
+          <p:spPr>
+            <a:xfrm>
+              <a:off x="7162800" y="2400968"/>
+              <a:ext cx="857693" cy="647032"/>
+            </a:xfrm>
+            <a:prstGeom prst="rect">
+              <a:avLst/>
+            </a:prstGeom>
+          </p:spPr>
+        </p:pic>
+      </p:grpSp>
+      <p:grpSp>
+        <p:nvGrpSpPr>
+          <p:cNvPr id="17" name="Group 16"/>
+          <p:cNvGrpSpPr/>
+          <p:nvPr/>
+        </p:nvGrpSpPr>
+        <p:grpSpPr>
+          <a:xfrm>
+            <a:off x="4267200" y="2814935"/>
+            <a:ext cx="1428044" cy="1752600"/>
+            <a:chOff x="5257800" y="1905000"/>
+            <a:chExt cx="1428044" cy="1752600"/>
+          </a:xfrm>
+        </p:grpSpPr>
+        <p:sp>
+          <p:nvSpPr>
+            <p:cNvPr id="12" name="Rectangle 11"/>
+            <p:cNvSpPr/>
+            <p:nvPr/>
+          </p:nvSpPr>
+          <p:spPr bwMode="auto">
+            <a:xfrm>
+              <a:off x="5257800" y="1905000"/>
+              <a:ext cx="1428044" cy="1752600"/>
+            </a:xfrm>
+            <a:prstGeom prst="rect">
+              <a:avLst/>
+            </a:prstGeom>
+            <a:solidFill>
+              <a:srgbClr val="FFFFFF"/>
+            </a:solidFill>
+            <a:ln w="19050" cap="flat" cmpd="sng" algn="ctr">
+              <a:solidFill>
+                <a:srgbClr val="000000"/>
+              </a:solidFill>
+              <a:prstDash val="solid"/>
+              <a:round/>
+              <a:headEnd type="none" w="med" len="med"/>
+              <a:tailEnd type="none" w="med" len="med"/>
+            </a:ln>
+            <a:effectLst>
+              <a:outerShdw blurRad="50800" dist="38100" dir="2700000" algn="tl" rotWithShape="0">
+                <a:prstClr val="black">
+                  <a:alpha val="40000"/>
+                </a:prstClr>
+              </a:outerShdw>
+            </a:effectLst>
+          </p:spPr>
+          <p:txBody>
+            <a:bodyPr vert="horz" wrap="square" lIns="91440" tIns="45720" rIns="91440" bIns="45720" numCol="1" rtlCol="0" anchor="t" anchorCtr="0" compatLnSpc="1">
+              <a:prstTxWarp prst="textNoShape">
+                <a:avLst/>
+              </a:prstTxWarp>
+            </a:bodyPr>
+            <a:lstStyle/>
+            <a:p>
+              <a:pPr defTabSz="914400" eaLnBrk="0" fontAlgn="base" hangingPunct="0">
+                <a:spcBef>
+                  <a:spcPct val="0"/>
+                </a:spcBef>
+                <a:spcAft>
+                  <a:spcPct val="0"/>
+                </a:spcAft>
+              </a:pPr>
+              <a:endParaRPr lang="en-US" sz="2400">
+                <a:solidFill>
+                  <a:srgbClr val="000000"/>
+                </a:solidFill>
+                <a:latin typeface="Arial" charset="0"/>
+                <a:ea typeface="ＭＳ Ｐゴシック" charset="-128"/>
+                <a:cs typeface="ＭＳ Ｐゴシック" charset="-128"/>
+              </a:endParaRPr>
+            </a:p>
+          </p:txBody>
+        </p:sp>
+        <p:pic>
+          <p:nvPicPr>
+            <p:cNvPr id="6" name="Picture 5"/>
+            <p:cNvPicPr>
+              <a:picLocks noChangeAspect="1"/>
+            </p:cNvPicPr>
+            <p:nvPr/>
+          </p:nvPicPr>
+          <p:blipFill rotWithShape="1">
+            <a:blip r:embed="rId3"/>
+            <a:srcRect r="9868"/>
+            <a:stretch/>
+          </p:blipFill>
+          <p:spPr>
+            <a:xfrm>
+              <a:off x="5334000" y="2133600"/>
+              <a:ext cx="1236246" cy="1203056"/>
+            </a:xfrm>
+            <a:prstGeom prst="rect">
+              <a:avLst/>
+            </a:prstGeom>
+          </p:spPr>
+        </p:pic>
+      </p:grpSp>
       <p:sp>
         <p:nvSpPr>
           <p:cNvPr id="2" name="Title 1"/>
@@ -7301,95 +7501,712 @@
             <p:ph type="title"/>
           </p:nvPr>
         </p:nvSpPr>
-        <p:spPr/>
+        <p:spPr>
+          <a:xfrm>
+            <a:off x="1143000" y="457200"/>
+            <a:ext cx="7772400" cy="838200"/>
+          </a:xfrm>
+        </p:spPr>
         <p:txBody>
           <a:bodyPr/>
           <a:lstStyle/>
           <a:p>
             <a:r>
               <a:rPr lang="en-US" dirty="0"/>
-              <a:t>Stroop</a:t>
-            </a:r>
-          </a:p>
-        </p:txBody>
-      </p:sp>
-      <p:sp>
-        <p:nvSpPr>
-          <p:cNvPr id="3" name="Content Placeholder 2"/>
-          <p:cNvSpPr>
-            <a:spLocks noGrp="1"/>
-          </p:cNvSpPr>
-          <p:nvPr>
-            <p:ph idx="1"/>
-          </p:nvPr>
-        </p:nvSpPr>
-        <p:spPr/>
-        <p:txBody>
-          <a:bodyPr>
-            <a:normAutofit/>
+              <a:t>Task Switching (food/size)</a:t>
+            </a:r>
+          </a:p>
+        </p:txBody>
+      </p:sp>
+      <p:grpSp>
+        <p:nvGrpSpPr>
+          <p:cNvPr id="16" name="Group 15"/>
+          <p:cNvGrpSpPr/>
+          <p:nvPr/>
+        </p:nvGrpSpPr>
+        <p:grpSpPr>
+          <a:xfrm>
+            <a:off x="3067756" y="2967335"/>
+            <a:ext cx="1428044" cy="1752600"/>
+            <a:chOff x="3657600" y="1905000"/>
+            <a:chExt cx="1428044" cy="1752600"/>
+          </a:xfrm>
+        </p:grpSpPr>
+        <p:sp>
+          <p:nvSpPr>
+            <p:cNvPr id="11" name="Rectangle 10"/>
+            <p:cNvSpPr/>
+            <p:nvPr/>
+          </p:nvSpPr>
+          <p:spPr bwMode="auto">
+            <a:xfrm>
+              <a:off x="3657600" y="1905000"/>
+              <a:ext cx="1428044" cy="1752600"/>
+            </a:xfrm>
+            <a:prstGeom prst="rect">
+              <a:avLst/>
+            </a:prstGeom>
+            <a:solidFill>
+              <a:srgbClr val="FFFFFF"/>
+            </a:solidFill>
+            <a:ln w="19050" cap="flat" cmpd="sng" algn="ctr">
+              <a:solidFill>
+                <a:srgbClr val="000000"/>
+              </a:solidFill>
+              <a:prstDash val="solid"/>
+              <a:round/>
+              <a:headEnd type="none" w="med" len="med"/>
+              <a:tailEnd type="none" w="med" len="med"/>
+            </a:ln>
+            <a:effectLst>
+              <a:outerShdw blurRad="50800" dist="38100" dir="2700000" algn="tl" rotWithShape="0">
+                <a:prstClr val="black">
+                  <a:alpha val="40000"/>
+                </a:prstClr>
+              </a:outerShdw>
+            </a:effectLst>
+          </p:spPr>
+          <p:txBody>
+            <a:bodyPr vert="horz" wrap="square" lIns="91440" tIns="45720" rIns="91440" bIns="45720" numCol="1" rtlCol="0" anchor="t" anchorCtr="0" compatLnSpc="1">
+              <a:prstTxWarp prst="textNoShape">
+                <a:avLst/>
+              </a:prstTxWarp>
+            </a:bodyPr>
+            <a:lstStyle/>
+            <a:p>
+              <a:pPr defTabSz="914400" eaLnBrk="0" fontAlgn="base" hangingPunct="0">
+                <a:spcBef>
+                  <a:spcPct val="0"/>
+                </a:spcBef>
+                <a:spcAft>
+                  <a:spcPct val="0"/>
+                </a:spcAft>
+              </a:pPr>
+              <a:endParaRPr lang="en-US" sz="2400">
+                <a:solidFill>
+                  <a:srgbClr val="000000"/>
+                </a:solidFill>
+                <a:latin typeface="Arial" charset="0"/>
+                <a:ea typeface="ＭＳ Ｐゴシック" charset="-128"/>
+                <a:cs typeface="ＭＳ Ｐゴシック" charset="-128"/>
+              </a:endParaRPr>
+            </a:p>
+          </p:txBody>
+        </p:sp>
+        <p:pic>
+          <p:nvPicPr>
+            <p:cNvPr id="5" name="Picture 4"/>
+            <p:cNvPicPr>
+              <a:picLocks noChangeAspect="1"/>
+            </p:cNvPicPr>
+            <p:nvPr/>
+          </p:nvPicPr>
+          <p:blipFill>
+            <a:blip r:embed="rId4"/>
+            <a:stretch>
+              <a:fillRect/>
+            </a:stretch>
+          </p:blipFill>
+          <p:spPr>
+            <a:xfrm>
+              <a:off x="3886200" y="2514600"/>
+              <a:ext cx="761499" cy="533400"/>
+            </a:xfrm>
+            <a:prstGeom prst="rect">
+              <a:avLst/>
+            </a:prstGeom>
+          </p:spPr>
+        </p:pic>
+      </p:grpSp>
+      <p:grpSp>
+        <p:nvGrpSpPr>
+          <p:cNvPr id="15" name="Group 14"/>
+          <p:cNvGrpSpPr/>
+          <p:nvPr/>
+        </p:nvGrpSpPr>
+        <p:grpSpPr>
+          <a:xfrm>
+            <a:off x="1981200" y="3119735"/>
+            <a:ext cx="1428044" cy="1752600"/>
+            <a:chOff x="2057400" y="1905000"/>
+            <a:chExt cx="1428044" cy="1752600"/>
+          </a:xfrm>
+        </p:grpSpPr>
+        <p:sp>
+          <p:nvSpPr>
+            <p:cNvPr id="10" name="Rectangle 9"/>
+            <p:cNvSpPr/>
+            <p:nvPr/>
+          </p:nvSpPr>
+          <p:spPr bwMode="auto">
+            <a:xfrm>
+              <a:off x="2057400" y="1905000"/>
+              <a:ext cx="1428044" cy="1752600"/>
+            </a:xfrm>
+            <a:prstGeom prst="rect">
+              <a:avLst/>
+            </a:prstGeom>
+            <a:solidFill>
+              <a:srgbClr val="FFFFFF"/>
+            </a:solidFill>
+            <a:ln w="19050" cap="flat" cmpd="sng" algn="ctr">
+              <a:solidFill>
+                <a:srgbClr val="000000"/>
+              </a:solidFill>
+              <a:prstDash val="solid"/>
+              <a:round/>
+              <a:headEnd type="none" w="med" len="med"/>
+              <a:tailEnd type="none" w="med" len="med"/>
+            </a:ln>
+            <a:effectLst>
+              <a:outerShdw blurRad="50800" dist="38100" dir="2700000" algn="tl" rotWithShape="0">
+                <a:prstClr val="black">
+                  <a:alpha val="40000"/>
+                </a:prstClr>
+              </a:outerShdw>
+            </a:effectLst>
+          </p:spPr>
+          <p:txBody>
+            <a:bodyPr vert="horz" wrap="square" lIns="91440" tIns="45720" rIns="91440" bIns="45720" numCol="1" rtlCol="0" anchor="t" anchorCtr="0" compatLnSpc="1">
+              <a:prstTxWarp prst="textNoShape">
+                <a:avLst/>
+              </a:prstTxWarp>
+            </a:bodyPr>
+            <a:lstStyle/>
+            <a:p>
+              <a:pPr defTabSz="914400" eaLnBrk="0" fontAlgn="base" hangingPunct="0">
+                <a:spcBef>
+                  <a:spcPct val="0"/>
+                </a:spcBef>
+                <a:spcAft>
+                  <a:spcPct val="0"/>
+                </a:spcAft>
+              </a:pPr>
+              <a:endParaRPr lang="en-US" sz="2400">
+                <a:solidFill>
+                  <a:srgbClr val="000000"/>
+                </a:solidFill>
+                <a:latin typeface="Arial" charset="0"/>
+                <a:ea typeface="ＭＳ Ｐゴシック" charset="-128"/>
+                <a:cs typeface="ＭＳ Ｐゴシック" charset="-128"/>
+              </a:endParaRPr>
+            </a:p>
+          </p:txBody>
+        </p:sp>
+        <p:pic>
+          <p:nvPicPr>
+            <p:cNvPr id="8" name="Picture 7"/>
+            <p:cNvPicPr>
+              <a:picLocks noChangeAspect="1"/>
+            </p:cNvPicPr>
+            <p:nvPr/>
+          </p:nvPicPr>
+          <p:blipFill>
+            <a:blip r:embed="rId5"/>
+            <a:stretch>
+              <a:fillRect/>
+            </a:stretch>
+          </p:blipFill>
+          <p:spPr>
+            <a:xfrm>
+              <a:off x="2438400" y="2438400"/>
+              <a:ext cx="609600" cy="573974"/>
+            </a:xfrm>
+            <a:prstGeom prst="rect">
+              <a:avLst/>
+            </a:prstGeom>
+          </p:spPr>
+        </p:pic>
+      </p:grpSp>
+      <p:grpSp>
+        <p:nvGrpSpPr>
+          <p:cNvPr id="14" name="Group 13"/>
+          <p:cNvGrpSpPr/>
+          <p:nvPr/>
+        </p:nvGrpSpPr>
+        <p:grpSpPr>
+          <a:xfrm>
+            <a:off x="762000" y="3348335"/>
+            <a:ext cx="1428044" cy="1752600"/>
+            <a:chOff x="457200" y="1905000"/>
+            <a:chExt cx="1428044" cy="1752600"/>
+          </a:xfrm>
+        </p:grpSpPr>
+        <p:sp>
+          <p:nvSpPr>
+            <p:cNvPr id="9" name="Rectangle 8"/>
+            <p:cNvSpPr/>
+            <p:nvPr/>
+          </p:nvSpPr>
+          <p:spPr bwMode="auto">
+            <a:xfrm>
+              <a:off x="457200" y="1905000"/>
+              <a:ext cx="1428044" cy="1752600"/>
+            </a:xfrm>
+            <a:prstGeom prst="rect">
+              <a:avLst/>
+            </a:prstGeom>
+            <a:solidFill>
+              <a:srgbClr val="FFFFFF"/>
+            </a:solidFill>
+            <a:ln w="19050" cap="flat" cmpd="sng" algn="ctr">
+              <a:solidFill>
+                <a:srgbClr val="000000"/>
+              </a:solidFill>
+              <a:prstDash val="solid"/>
+              <a:round/>
+              <a:headEnd type="none" w="med" len="med"/>
+              <a:tailEnd type="none" w="med" len="med"/>
+            </a:ln>
+            <a:effectLst>
+              <a:outerShdw blurRad="50800" dist="38100" dir="2700000" algn="tl" rotWithShape="0">
+                <a:prstClr val="black">
+                  <a:alpha val="40000"/>
+                </a:prstClr>
+              </a:outerShdw>
+            </a:effectLst>
+          </p:spPr>
+          <p:txBody>
+            <a:bodyPr vert="horz" wrap="square" lIns="91440" tIns="45720" rIns="91440" bIns="45720" numCol="1" rtlCol="0" anchor="t" anchorCtr="0" compatLnSpc="1">
+              <a:prstTxWarp prst="textNoShape">
+                <a:avLst/>
+              </a:prstTxWarp>
+            </a:bodyPr>
+            <a:lstStyle/>
+            <a:p>
+              <a:pPr defTabSz="914400" eaLnBrk="0" fontAlgn="base" hangingPunct="0">
+                <a:spcBef>
+                  <a:spcPct val="0"/>
+                </a:spcBef>
+                <a:spcAft>
+                  <a:spcPct val="0"/>
+                </a:spcAft>
+              </a:pPr>
+              <a:endParaRPr lang="en-US" sz="2400">
+                <a:solidFill>
+                  <a:srgbClr val="000000"/>
+                </a:solidFill>
+                <a:latin typeface="Arial" charset="0"/>
+                <a:ea typeface="ＭＳ Ｐゴシック" charset="-128"/>
+                <a:cs typeface="ＭＳ Ｐゴシック" charset="-128"/>
+              </a:endParaRPr>
+            </a:p>
+          </p:txBody>
+        </p:sp>
+        <p:pic>
+          <p:nvPicPr>
+            <p:cNvPr id="7" name="Picture 6"/>
+            <p:cNvPicPr>
+              <a:picLocks noChangeAspect="1"/>
+            </p:cNvPicPr>
+            <p:nvPr/>
+          </p:nvPicPr>
+          <p:blipFill>
+            <a:blip r:embed="rId6"/>
+            <a:stretch>
+              <a:fillRect/>
+            </a:stretch>
+          </p:blipFill>
+          <p:spPr>
+            <a:xfrm>
+              <a:off x="533400" y="2133600"/>
+              <a:ext cx="1271427" cy="1143000"/>
+            </a:xfrm>
+            <a:prstGeom prst="rect">
+              <a:avLst/>
+            </a:prstGeom>
+          </p:spPr>
+        </p:pic>
+      </p:grpSp>
+      <p:sp>
+        <p:nvSpPr>
+          <p:cNvPr id="19" name="TextBox 18"/>
+          <p:cNvSpPr txBox="1"/>
+          <p:nvPr/>
+        </p:nvSpPr>
+        <p:spPr>
+          <a:xfrm>
+            <a:off x="1066800" y="5024735"/>
+            <a:ext cx="762000" cy="461665"/>
+          </a:xfrm>
+          <a:prstGeom prst="rect">
+            <a:avLst/>
+          </a:prstGeom>
+          <a:noFill/>
+        </p:spPr>
+        <p:txBody>
+          <a:bodyPr wrap="square" rtlCol="0">
+            <a:spAutoFit/>
           </a:bodyPr>
           <a:lstStyle/>
           <a:p>
-            <a:r>
-              <a:rPr lang="en-US" dirty="0"/>
-              <a:t>Stroop task:</a:t>
-            </a:r>
-          </a:p>
-          <a:p>
-            <a:pPr lvl="1"/>
-            <a:r>
-              <a:rPr lang="en-US" dirty="0">
-                <a:solidFill>
-                  <a:srgbClr val="0000FF"/>
-                </a:solidFill>
-              </a:rPr>
-              <a:t>BLUE</a:t>
-            </a:r>
-            <a:r>
-              <a:rPr lang="en-US" dirty="0"/>
-              <a:t> or </a:t>
-            </a:r>
-            <a:r>
-              <a:rPr lang="en-US" dirty="0">
-                <a:solidFill>
-                  <a:srgbClr val="FF6600"/>
-                </a:solidFill>
-              </a:rPr>
-              <a:t>PIANO</a:t>
-            </a:r>
-            <a:r>
-              <a:rPr lang="en-US" dirty="0"/>
-              <a:t> or </a:t>
-            </a:r>
-            <a:r>
-              <a:rPr lang="en-US" dirty="0">
-                <a:solidFill>
-                  <a:srgbClr val="008000"/>
-                </a:solidFill>
-              </a:rPr>
-              <a:t>RED</a:t>
-            </a:r>
-          </a:p>
-          <a:p>
-            <a:pPr lvl="1"/>
             <a:r>
               <a:rPr lang="en-US" dirty="0">
                 <a:solidFill>
                   <a:srgbClr val="000000"/>
                 </a:solidFill>
+                <a:latin typeface="Optima"/>
               </a:rPr>
-              <a:t>Name the color of the ink as fast as possible</a:t>
-            </a:r>
-          </a:p>
-          <a:p>
-            <a:pPr lvl="1"/>
+              <a:t>left</a:t>
+            </a:r>
+          </a:p>
+        </p:txBody>
+      </p:sp>
+      <p:sp>
+        <p:nvSpPr>
+          <p:cNvPr id="20" name="TextBox 19"/>
+          <p:cNvSpPr txBox="1"/>
+          <p:nvPr/>
+        </p:nvSpPr>
+        <p:spPr>
+          <a:xfrm>
+            <a:off x="2362200" y="4796135"/>
+            <a:ext cx="762000" cy="461665"/>
+          </a:xfrm>
+          <a:prstGeom prst="rect">
+            <a:avLst/>
+          </a:prstGeom>
+          <a:noFill/>
+        </p:spPr>
+        <p:txBody>
+          <a:bodyPr wrap="square" rtlCol="0">
+            <a:spAutoFit/>
+          </a:bodyPr>
+          <a:lstStyle/>
+          <a:p>
             <a:r>
               <a:rPr lang="en-US" dirty="0">
                 <a:solidFill>
                   <a:srgbClr val="000000"/>
                 </a:solidFill>
+                <a:latin typeface="Optima"/>
               </a:rPr>
-              <a:t>Typical result: people are slower when there is a mismatch between the word and the ink.</a:t>
+              <a:t>right</a:t>
+            </a:r>
+          </a:p>
+        </p:txBody>
+      </p:sp>
+      <p:sp>
+        <p:nvSpPr>
+          <p:cNvPr id="21" name="TextBox 20"/>
+          <p:cNvSpPr txBox="1"/>
+          <p:nvPr/>
+        </p:nvSpPr>
+        <p:spPr>
+          <a:xfrm>
+            <a:off x="4724400" y="4486870"/>
+            <a:ext cx="762000" cy="461665"/>
+          </a:xfrm>
+          <a:prstGeom prst="rect">
+            <a:avLst/>
+          </a:prstGeom>
+          <a:noFill/>
+        </p:spPr>
+        <p:txBody>
+          <a:bodyPr wrap="square" rtlCol="0">
+            <a:spAutoFit/>
+          </a:bodyPr>
+          <a:lstStyle/>
+          <a:p>
+            <a:r>
+              <a:rPr lang="en-US" dirty="0">
+                <a:solidFill>
+                  <a:srgbClr val="000000"/>
+                </a:solidFill>
+                <a:latin typeface="Optima"/>
+              </a:rPr>
+              <a:t>left</a:t>
+            </a:r>
+          </a:p>
+        </p:txBody>
+      </p:sp>
+      <p:sp>
+        <p:nvSpPr>
+          <p:cNvPr id="22" name="TextBox 21"/>
+          <p:cNvSpPr txBox="1"/>
+          <p:nvPr/>
+        </p:nvSpPr>
+        <p:spPr>
+          <a:xfrm>
+            <a:off x="3505200" y="4643735"/>
+            <a:ext cx="762000" cy="461665"/>
+          </a:xfrm>
+          <a:prstGeom prst="rect">
+            <a:avLst/>
+          </a:prstGeom>
+          <a:noFill/>
+        </p:spPr>
+        <p:txBody>
+          <a:bodyPr wrap="square" rtlCol="0">
+            <a:spAutoFit/>
+          </a:bodyPr>
+          <a:lstStyle/>
+          <a:p>
+            <a:r>
+              <a:rPr lang="en-US" dirty="0">
+                <a:solidFill>
+                  <a:srgbClr val="000000"/>
+                </a:solidFill>
+                <a:latin typeface="Optima"/>
+              </a:rPr>
+              <a:t>right</a:t>
+            </a:r>
+          </a:p>
+        </p:txBody>
+      </p:sp>
+      <p:sp>
+        <p:nvSpPr>
+          <p:cNvPr id="23" name="TextBox 22"/>
+          <p:cNvSpPr txBox="1"/>
+          <p:nvPr/>
+        </p:nvSpPr>
+        <p:spPr>
+          <a:xfrm>
+            <a:off x="5943600" y="4338935"/>
+            <a:ext cx="762000" cy="461665"/>
+          </a:xfrm>
+          <a:prstGeom prst="rect">
+            <a:avLst/>
+          </a:prstGeom>
+          <a:noFill/>
+        </p:spPr>
+        <p:txBody>
+          <a:bodyPr wrap="square" rtlCol="0">
+            <a:spAutoFit/>
+          </a:bodyPr>
+          <a:lstStyle/>
+          <a:p>
+            <a:r>
+              <a:rPr lang="en-US" dirty="0">
+                <a:solidFill>
+                  <a:srgbClr val="000000"/>
+                </a:solidFill>
+                <a:latin typeface="Optima"/>
+              </a:rPr>
+              <a:t>left</a:t>
+            </a:r>
+          </a:p>
+        </p:txBody>
+      </p:sp>
+      <p:cxnSp>
+        <p:nvCxnSpPr>
+          <p:cNvPr id="25" name="Straight Connector 24"/>
+          <p:cNvCxnSpPr/>
+          <p:nvPr/>
+        </p:nvCxnSpPr>
+        <p:spPr bwMode="auto">
+          <a:xfrm>
+            <a:off x="838200" y="2891135"/>
+            <a:ext cx="2057400" cy="0"/>
+          </a:xfrm>
+          <a:prstGeom prst="line">
+            <a:avLst/>
+          </a:prstGeom>
+          <a:solidFill>
+            <a:schemeClr val="accent1"/>
+          </a:solidFill>
+          <a:ln w="57150" cap="flat" cmpd="sng" algn="ctr">
+            <a:solidFill>
+              <a:srgbClr val="000000"/>
+            </a:solidFill>
+            <a:prstDash val="solid"/>
+            <a:round/>
+            <a:headEnd type="diamond" w="sm" len="med"/>
+            <a:tailEnd type="diamond" w="sm" len="med"/>
+          </a:ln>
+          <a:effectLst/>
+        </p:spPr>
+      </p:cxnSp>
+      <p:sp>
+        <p:nvSpPr>
+          <p:cNvPr id="26" name="TextBox 25"/>
+          <p:cNvSpPr txBox="1"/>
+          <p:nvPr/>
+        </p:nvSpPr>
+        <p:spPr>
+          <a:xfrm>
+            <a:off x="685800" y="2433935"/>
+            <a:ext cx="2293241" cy="400110"/>
+          </a:xfrm>
+          <a:prstGeom prst="rect">
+            <a:avLst/>
+          </a:prstGeom>
+          <a:noFill/>
+        </p:spPr>
+        <p:txBody>
+          <a:bodyPr wrap="none" rtlCol="0">
+            <a:spAutoFit/>
+          </a:bodyPr>
+          <a:lstStyle/>
+          <a:p>
+            <a:r>
+              <a:rPr lang="en-US" sz="2000" dirty="0">
+                <a:solidFill>
+                  <a:srgbClr val="000000"/>
+                </a:solidFill>
+                <a:latin typeface="Optima"/>
+              </a:rPr>
+              <a:t>Respond to fruit/veg</a:t>
+            </a:r>
+          </a:p>
+        </p:txBody>
+      </p:sp>
+      <p:cxnSp>
+        <p:nvCxnSpPr>
+          <p:cNvPr id="27" name="Straight Connector 26"/>
+          <p:cNvCxnSpPr/>
+          <p:nvPr/>
+        </p:nvCxnSpPr>
+        <p:spPr bwMode="auto">
+          <a:xfrm>
+            <a:off x="5486400" y="2433935"/>
+            <a:ext cx="2057400" cy="0"/>
+          </a:xfrm>
+          <a:prstGeom prst="line">
+            <a:avLst/>
+          </a:prstGeom>
+          <a:solidFill>
+            <a:schemeClr val="accent1"/>
+          </a:solidFill>
+          <a:ln w="57150" cap="flat" cmpd="sng" algn="ctr">
+            <a:solidFill>
+              <a:srgbClr val="000000"/>
+            </a:solidFill>
+            <a:prstDash val="solid"/>
+            <a:round/>
+            <a:headEnd type="diamond" w="sm" len="med"/>
+            <a:tailEnd type="diamond" w="sm" len="med"/>
+          </a:ln>
+          <a:effectLst/>
+        </p:spPr>
+      </p:cxnSp>
+      <p:sp>
+        <p:nvSpPr>
+          <p:cNvPr id="28" name="TextBox 27"/>
+          <p:cNvSpPr txBox="1"/>
+          <p:nvPr/>
+        </p:nvSpPr>
+        <p:spPr>
+          <a:xfrm>
+            <a:off x="5334000" y="1976735"/>
+            <a:ext cx="2293241" cy="400110"/>
+          </a:xfrm>
+          <a:prstGeom prst="rect">
+            <a:avLst/>
+          </a:prstGeom>
+          <a:noFill/>
+        </p:spPr>
+        <p:txBody>
+          <a:bodyPr wrap="none" rtlCol="0">
+            <a:spAutoFit/>
+          </a:bodyPr>
+          <a:lstStyle/>
+          <a:p>
+            <a:r>
+              <a:rPr lang="en-US" sz="2000" dirty="0">
+                <a:solidFill>
+                  <a:srgbClr val="000000"/>
+                </a:solidFill>
+                <a:latin typeface="Optima"/>
+              </a:rPr>
+              <a:t>Respond to fruit/veg</a:t>
+            </a:r>
+          </a:p>
+        </p:txBody>
+      </p:sp>
+      <p:cxnSp>
+        <p:nvCxnSpPr>
+          <p:cNvPr id="29" name="Straight Connector 28"/>
+          <p:cNvCxnSpPr/>
+          <p:nvPr/>
+        </p:nvCxnSpPr>
+        <p:spPr bwMode="auto">
+          <a:xfrm>
+            <a:off x="3124200" y="2662535"/>
+            <a:ext cx="2057400" cy="0"/>
+          </a:xfrm>
+          <a:prstGeom prst="line">
+            <a:avLst/>
+          </a:prstGeom>
+          <a:solidFill>
+            <a:schemeClr val="accent1"/>
+          </a:solidFill>
+          <a:ln w="57150" cap="flat" cmpd="sng" algn="ctr">
+            <a:solidFill>
+              <a:srgbClr val="000000"/>
+            </a:solidFill>
+            <a:prstDash val="solid"/>
+            <a:round/>
+            <a:headEnd type="diamond" w="sm" len="med"/>
+            <a:tailEnd type="diamond" w="sm" len="med"/>
+          </a:ln>
+          <a:effectLst/>
+        </p:spPr>
+      </p:cxnSp>
+      <p:sp>
+        <p:nvSpPr>
+          <p:cNvPr id="30" name="TextBox 29"/>
+          <p:cNvSpPr txBox="1"/>
+          <p:nvPr/>
+        </p:nvSpPr>
+        <p:spPr>
+          <a:xfrm>
+            <a:off x="2971800" y="2205335"/>
+            <a:ext cx="1808834" cy="400110"/>
+          </a:xfrm>
+          <a:prstGeom prst="rect">
+            <a:avLst/>
+          </a:prstGeom>
+          <a:noFill/>
+        </p:spPr>
+        <p:txBody>
+          <a:bodyPr wrap="none" rtlCol="0">
+            <a:spAutoFit/>
+          </a:bodyPr>
+          <a:lstStyle/>
+          <a:p>
+            <a:r>
+              <a:rPr lang="en-US" sz="2000" dirty="0">
+                <a:solidFill>
+                  <a:srgbClr val="000000"/>
+                </a:solidFill>
+                <a:latin typeface="Optima"/>
+              </a:rPr>
+              <a:t>Respond to size</a:t>
+            </a:r>
+          </a:p>
+        </p:txBody>
+      </p:sp>
+      <p:sp>
+        <p:nvSpPr>
+          <p:cNvPr id="31" name="TextBox 30"/>
+          <p:cNvSpPr txBox="1"/>
+          <p:nvPr/>
+        </p:nvSpPr>
+        <p:spPr>
+          <a:xfrm>
+            <a:off x="6934200" y="3195935"/>
+            <a:ext cx="761747" cy="646331"/>
+          </a:xfrm>
+          <a:prstGeom prst="rect">
+            <a:avLst/>
+          </a:prstGeom>
+          <a:noFill/>
+        </p:spPr>
+        <p:txBody>
+          <a:bodyPr wrap="none" rtlCol="0">
+            <a:spAutoFit/>
+          </a:bodyPr>
+          <a:lstStyle/>
+          <a:p>
+            <a:r>
+              <a:rPr lang="en-US" sz="3600" dirty="0">
+                <a:solidFill>
+                  <a:srgbClr val="000000"/>
+                </a:solidFill>
+                <a:latin typeface="Optima"/>
+              </a:rPr>
+              <a:t>. . .</a:t>
             </a:r>
           </a:p>
         </p:txBody>
@@ -7397,7 +8214,7 @@
     </p:spTree>
     <p:extLst>
       <p:ext uri="{BB962C8B-B14F-4D97-AF65-F5344CB8AC3E}">
-        <p14:creationId xmlns:p14="http://schemas.microsoft.com/office/powerpoint/2010/main" val="4057643390"/>
+        <p14:creationId xmlns:p14="http://schemas.microsoft.com/office/powerpoint/2010/main" val="1291128258"/>
       </p:ext>
     </p:extLst>
   </p:cSld>
@@ -7409,7 +8226,7 @@
 </file>
 
 <file path=ppt/slides/slide11.xml><?xml version="1.0" encoding="utf-8"?>
-<p:sld xmlns:a="http://schemas.openxmlformats.org/drawingml/2006/main" xmlns:r="http://schemas.openxmlformats.org/officeDocument/2006/relationships" xmlns:p="http://schemas.openxmlformats.org/presentationml/2006/main" show="0">
+<p:sld xmlns:a="http://schemas.openxmlformats.org/drawingml/2006/main" xmlns:r="http://schemas.openxmlformats.org/officeDocument/2006/relationships" xmlns:p="http://schemas.openxmlformats.org/presentationml/2006/main">
   <p:cSld>
     <p:spTree>
       <p:nvGrpSpPr>
@@ -7442,7 +8259,7 @@
           <a:p>
             <a:r>
               <a:rPr lang="en-US" dirty="0"/>
-              <a:t>Two strategies</a:t>
+              <a:t>Stroop</a:t>
             </a:r>
           </a:p>
         </p:txBody>
@@ -7459,33 +8276,71 @@
         </p:nvSpPr>
         <p:spPr/>
         <p:txBody>
-          <a:bodyPr/>
+          <a:bodyPr>
+            <a:normAutofit/>
+          </a:bodyPr>
           <a:lstStyle/>
           <a:p>
             <a:r>
               <a:rPr lang="en-US" dirty="0"/>
-              <a:t>Proactive: anticipate next trial</a:t>
-            </a:r>
-          </a:p>
-          <a:p>
+              <a:t>Stroop task:</a:t>
+            </a:r>
+          </a:p>
+          <a:p>
+            <a:pPr lvl="1"/>
+            <a:r>
+              <a:rPr lang="en-US" dirty="0">
+                <a:solidFill>
+                  <a:srgbClr val="0000FF"/>
+                </a:solidFill>
+              </a:rPr>
+              <a:t>BLUE</a:t>
+            </a:r>
             <a:r>
               <a:rPr lang="en-US" dirty="0"/>
-              <a:t>Reactive: wait for stimulus, the decide</a:t>
-            </a:r>
-          </a:p>
-          <a:p>
-            <a:endParaRPr lang="en-US" dirty="0"/>
-          </a:p>
-          <a:p>
+              <a:t> or </a:t>
+            </a:r>
+            <a:r>
+              <a:rPr lang="en-US" dirty="0">
+                <a:solidFill>
+                  <a:srgbClr val="FF6600"/>
+                </a:solidFill>
+              </a:rPr>
+              <a:t>PIANO</a:t>
+            </a:r>
             <a:r>
               <a:rPr lang="en-US" dirty="0"/>
-              <a:t>This version of task switching requires a proactive strategy</a:t>
-            </a:r>
-          </a:p>
-          <a:p>
-            <a:r>
-              <a:rPr lang="en-US" dirty="0"/>
-              <a:t>Key: preparation is a separate goal</a:t>
+              <a:t> or </a:t>
+            </a:r>
+            <a:r>
+              <a:rPr lang="en-US" dirty="0">
+                <a:solidFill>
+                  <a:srgbClr val="008000"/>
+                </a:solidFill>
+              </a:rPr>
+              <a:t>RED</a:t>
+            </a:r>
+          </a:p>
+          <a:p>
+            <a:pPr lvl="1"/>
+            <a:r>
+              <a:rPr lang="en-US" dirty="0">
+                <a:solidFill>
+                  <a:srgbClr val="000000"/>
+                </a:solidFill>
+              </a:rPr>
+              <a:t>Name the color of the ink as fast as possible</a:t>
+            </a:r>
+          </a:p>
+          <a:p>
+            <a:pPr lvl="1"/>
+            <a:r>
+              <a:rPr lang="en-US" dirty="0">
+                <a:solidFill>
+                  <a:srgbClr val="000000"/>
+                </a:solidFill>
+              </a:rPr>
+              <a:t>Typical result: people are slower when there is a mismatch between the word and the ink.</a:t>
             </a:r>
           </a:p>
         </p:txBody>
@@ -7493,7 +8348,7 @@
     </p:spTree>
     <p:extLst>
       <p:ext uri="{BB962C8B-B14F-4D97-AF65-F5344CB8AC3E}">
-        <p14:creationId xmlns:p14="http://schemas.microsoft.com/office/powerpoint/2010/main" val="3652312494"/>
+        <p14:creationId xmlns:p14="http://schemas.microsoft.com/office/powerpoint/2010/main" val="4057643390"/>
       </p:ext>
     </p:extLst>
   </p:cSld>
@@ -7505,7 +8360,7 @@
 </file>
 
 <file path=ppt/slides/slide12.xml><?xml version="1.0" encoding="utf-8"?>
-<p:sld xmlns:a="http://schemas.openxmlformats.org/drawingml/2006/main" xmlns:r="http://schemas.openxmlformats.org/officeDocument/2006/relationships" xmlns:p="http://schemas.openxmlformats.org/presentationml/2006/main" show="0">
+<p:sld xmlns:a="http://schemas.openxmlformats.org/drawingml/2006/main" xmlns:r="http://schemas.openxmlformats.org/officeDocument/2006/relationships" xmlns:p="http://schemas.openxmlformats.org/presentationml/2006/main">
   <p:cSld>
     <p:spTree>
       <p:nvGrpSpPr>
@@ -7538,7 +8393,7 @@
           <a:p>
             <a:r>
               <a:rPr lang="en-US" dirty="0"/>
-              <a:t>First step in task switching</a:t>
+              <a:t>Two strategies</a:t>
             </a:r>
           </a:p>
         </p:txBody>
@@ -7558,91 +8413,38 @@
           <a:bodyPr/>
           <a:lstStyle/>
           <a:p>
-            <a:pPr marL="0" indent="0">
-              <a:buNone/>
-            </a:pPr>
             <a:r>
               <a:rPr lang="en-US" dirty="0"/>
-              <a:t> operator prepare-for-stimulus {</a:t>
-            </a:r>
-          </a:p>
-          <a:p>
-            <a:pPr marL="0" indent="0">
-              <a:buNone/>
-            </a:pPr>
-            <a:r>
-              <a:rPr lang="pt-BR" dirty="0"/>
-              <a:t>        V1 = </a:t>
-            </a:r>
-            <a:r>
-              <a:rPr lang="pt-BR" dirty="0" err="1"/>
-              <a:t>fixation</a:t>
-            </a:r>
-            <a:endParaRPr lang="pt-BR" dirty="0"/>
-          </a:p>
-          <a:p>
-            <a:pPr marL="0" indent="0">
-              <a:buNone/>
-            </a:pPr>
-            <a:r>
-              <a:rPr lang="pt-BR" dirty="0"/>
-              <a:t>        G2 = </a:t>
-            </a:r>
-            <a:r>
-              <a:rPr lang="pt-BR" dirty="0" err="1"/>
-              <a:t>nil</a:t>
-            </a:r>
-            <a:endParaRPr lang="pt-BR" dirty="0"/>
-          </a:p>
-          <a:p>
-            <a:pPr marL="0" indent="0">
-              <a:buNone/>
-            </a:pPr>
-            <a:r>
-              <a:rPr lang="pt-BR" dirty="0"/>
-              <a:t>        ==&gt;</a:t>
-            </a:r>
-          </a:p>
-          <a:p>
-            <a:pPr marL="0" indent="0">
-              <a:buNone/>
-            </a:pPr>
+              <a:t>Proactive: anticipate next trial</a:t>
+            </a:r>
+          </a:p>
+          <a:p>
             <a:r>
               <a:rPr lang="en-US" dirty="0"/>
-              <a:t>        *prepare -&gt; G2</a:t>
-            </a:r>
-          </a:p>
-          <a:p>
-            <a:pPr marL="0" indent="0">
-              <a:buNone/>
-            </a:pPr>
+              <a:t>Reactive: wait for stimulus, the decide</a:t>
+            </a:r>
+          </a:p>
+          <a:p>
+            <a:endParaRPr lang="en-US" dirty="0"/>
+          </a:p>
+          <a:p>
             <a:r>
               <a:rPr lang="en-US" dirty="0"/>
-              <a:t>    }</a:t>
-            </a:r>
-          </a:p>
-          <a:p>
-            <a:pPr marL="0" indent="0">
-              <a:buNone/>
-            </a:pPr>
-            <a:endParaRPr lang="en-US" sz="2400" dirty="0"/>
-          </a:p>
-          <a:p>
-            <a:pPr marL="0" indent="0">
-              <a:buNone/>
-            </a:pPr>
+              <a:t>This version of task switching requires a proactive strategy</a:t>
+            </a:r>
+          </a:p>
+          <a:p>
             <a:r>
               <a:rPr lang="en-US" dirty="0"/>
-              <a:t>Here, prepare is bound to a skill that determines the next task (prepare-next)</a:t>
-            </a:r>
-            <a:endParaRPr lang="en-US" sz="2400" dirty="0"/>
+              <a:t>Key: preparation is a separate goal</a:t>
+            </a:r>
           </a:p>
         </p:txBody>
       </p:sp>
     </p:spTree>
     <p:extLst>
       <p:ext uri="{BB962C8B-B14F-4D97-AF65-F5344CB8AC3E}">
-        <p14:creationId xmlns:p14="http://schemas.microsoft.com/office/powerpoint/2010/main" val="3026299069"/>
+        <p14:creationId xmlns:p14="http://schemas.microsoft.com/office/powerpoint/2010/main" val="3652312494"/>
       </p:ext>
     </p:extLst>
   </p:cSld>
@@ -7654,7 +8456,7 @@
 </file>
 
 <file path=ppt/slides/slide13.xml><?xml version="1.0" encoding="utf-8"?>
-<p:sld xmlns:a="http://schemas.openxmlformats.org/drawingml/2006/main" xmlns:r="http://schemas.openxmlformats.org/officeDocument/2006/relationships" xmlns:p="http://schemas.openxmlformats.org/presentationml/2006/main" show="0">
+<p:sld xmlns:a="http://schemas.openxmlformats.org/drawingml/2006/main" xmlns:r="http://schemas.openxmlformats.org/officeDocument/2006/relationships" xmlns:p="http://schemas.openxmlformats.org/presentationml/2006/main">
   <p:cSld>
     <p:spTree>
       <p:nvGrpSpPr>
@@ -7685,7 +8487,10 @@
           <a:bodyPr/>
           <a:lstStyle/>
           <a:p>
-            <a:endParaRPr lang="en-US"/>
+            <a:r>
+              <a:rPr lang="en-US" dirty="0"/>
+              <a:t>First step in task switching</a:t>
+            </a:r>
           </a:p>
         </p:txBody>
       </p:sp>
@@ -7708,53 +8513,44 @@
               <a:buNone/>
             </a:pPr>
             <a:r>
-              <a:rPr lang="en-US" sz="1800" dirty="0"/>
-              <a:t>define skill prepare-next {</a:t>
-            </a:r>
-          </a:p>
-          <a:p>
-            <a:pPr marL="0" indent="0">
-              <a:buNone/>
-            </a:pPr>
-            <a:r>
-              <a:rPr lang="en-US" sz="1800" dirty="0"/>
-              <a:t>    operator set-first-task {</a:t>
-            </a:r>
-          </a:p>
-          <a:p>
-            <a:pPr marL="0" indent="0">
-              <a:buNone/>
-            </a:pPr>
-            <a:r>
-              <a:rPr lang="pt-BR" sz="1800" dirty="0"/>
+              <a:rPr lang="en-US" dirty="0"/>
+              <a:t> operator prepare-for-stimulus {</a:t>
+            </a:r>
+          </a:p>
+          <a:p>
+            <a:pPr marL="0" indent="0">
+              <a:buNone/>
+            </a:pPr>
+            <a:r>
+              <a:rPr lang="pt-BR" dirty="0"/>
               <a:t>        V1 = </a:t>
             </a:r>
             <a:r>
-              <a:rPr lang="pt-BR" sz="1800" dirty="0" err="1"/>
+              <a:rPr lang="pt-BR" dirty="0" err="1"/>
               <a:t>fixation</a:t>
             </a:r>
-            <a:endParaRPr lang="pt-BR" sz="1800" dirty="0"/>
-          </a:p>
-          <a:p>
-            <a:pPr marL="0" indent="0">
-              <a:buNone/>
-            </a:pPr>
-            <a:r>
-              <a:rPr lang="pt-BR" sz="1800" dirty="0"/>
-              <a:t>        WM1 = </a:t>
-            </a:r>
-            <a:r>
-              <a:rPr lang="pt-BR" sz="1800" dirty="0" err="1"/>
+            <a:endParaRPr lang="pt-BR" dirty="0"/>
+          </a:p>
+          <a:p>
+            <a:pPr marL="0" indent="0">
+              <a:buNone/>
+            </a:pPr>
+            <a:r>
+              <a:rPr lang="pt-BR" dirty="0"/>
+              <a:t>        G2 = </a:t>
+            </a:r>
+            <a:r>
+              <a:rPr lang="pt-BR" dirty="0" err="1"/>
               <a:t>nil</a:t>
             </a:r>
-            <a:endParaRPr lang="pt-BR" sz="1800" dirty="0"/>
-          </a:p>
-          <a:p>
-            <a:pPr marL="0" indent="0">
-              <a:buNone/>
-            </a:pPr>
-            <a:r>
-              <a:rPr lang="pt-BR" sz="1800" dirty="0"/>
+            <a:endParaRPr lang="pt-BR" dirty="0"/>
+          </a:p>
+          <a:p>
+            <a:pPr marL="0" indent="0">
+              <a:buNone/>
+            </a:pPr>
+            <a:r>
+              <a:rPr lang="pt-BR" dirty="0"/>
               <a:t>        ==&gt;</a:t>
             </a:r>
           </a:p>
@@ -7763,43 +8559,16 @@
               <a:buNone/>
             </a:pPr>
             <a:r>
-              <a:rPr lang="en-US" sz="1800" dirty="0"/>
-              <a:t>	 one -&gt; WM2</a:t>
-            </a:r>
-          </a:p>
-          <a:p>
-            <a:pPr marL="0" indent="0">
-              <a:buNone/>
-            </a:pPr>
-            <a:r>
-              <a:rPr lang="cs-CZ" sz="1800" dirty="0"/>
-              <a:t>        </a:t>
-            </a:r>
-            <a:r>
-              <a:rPr lang="cs-CZ" sz="1800" dirty="0" err="1"/>
-              <a:t>nil</a:t>
-            </a:r>
-            <a:r>
-              <a:rPr lang="cs-CZ" sz="1800" dirty="0"/>
-              <a:t> -&gt; G2</a:t>
-            </a:r>
-            <a:endParaRPr lang="en-US" sz="1800" dirty="0"/>
-          </a:p>
-          <a:p>
-            <a:pPr marL="0" indent="0">
-              <a:buNone/>
-            </a:pPr>
-            <a:r>
-              <a:rPr lang="en-US" sz="1800" dirty="0"/>
-              <a:t>        wait -&gt; AC1</a:t>
-            </a:r>
-          </a:p>
-          <a:p>
-            <a:pPr marL="0" indent="0">
-              <a:buNone/>
-            </a:pPr>
-            <a:r>
-              <a:rPr lang="en-US" sz="1800" dirty="0"/>
+              <a:rPr lang="en-US" dirty="0"/>
+              <a:t>        *prepare -&gt; G2</a:t>
+            </a:r>
+          </a:p>
+          <a:p>
+            <a:pPr marL="0" indent="0">
+              <a:buNone/>
+            </a:pPr>
+            <a:r>
+              <a:rPr lang="en-US" dirty="0"/>
               <a:t>    }</a:t>
             </a:r>
           </a:p>
@@ -7807,38 +8576,24 @@
             <a:pPr marL="0" indent="0">
               <a:buNone/>
             </a:pPr>
-            <a:r>
-              <a:rPr lang="en-US" sz="1800" dirty="0"/>
-              <a:t>...</a:t>
-            </a:r>
-          </a:p>
-          <a:p>
-            <a:pPr marL="0" indent="0">
-              <a:buNone/>
-            </a:pPr>
-            <a:r>
-              <a:rPr lang="en-US" sz="1600" baseline="30000" dirty="0"/>
-              <a:t>}</a:t>
-            </a:r>
-          </a:p>
-          <a:p>
-            <a:pPr marL="0" indent="0">
-              <a:buNone/>
-            </a:pPr>
-            <a:endParaRPr lang="da-DK" sz="1600" dirty="0"/>
-          </a:p>
-          <a:p>
-            <a:pPr marL="0" indent="0">
-              <a:buNone/>
-            </a:pPr>
-            <a:endParaRPr lang="en-US" sz="1800" dirty="0"/>
+            <a:endParaRPr lang="en-US" sz="2400" dirty="0"/>
+          </a:p>
+          <a:p>
+            <a:pPr marL="0" indent="0">
+              <a:buNone/>
+            </a:pPr>
+            <a:r>
+              <a:rPr lang="en-US" dirty="0"/>
+              <a:t>Here, prepare is bound to a skill that determines the next task (prepare-next)</a:t>
+            </a:r>
+            <a:endParaRPr lang="en-US" sz="2400" dirty="0"/>
           </a:p>
         </p:txBody>
       </p:sp>
     </p:spTree>
     <p:extLst>
       <p:ext uri="{BB962C8B-B14F-4D97-AF65-F5344CB8AC3E}">
-        <p14:creationId xmlns:p14="http://schemas.microsoft.com/office/powerpoint/2010/main" val="3649371491"/>
+        <p14:creationId xmlns:p14="http://schemas.microsoft.com/office/powerpoint/2010/main" val="3026299069"/>
       </p:ext>
     </p:extLst>
   </p:cSld>
@@ -7850,7 +8605,7 @@
 </file>
 
 <file path=ppt/slides/slide14.xml><?xml version="1.0" encoding="utf-8"?>
-<p:sld xmlns:a="http://schemas.openxmlformats.org/drawingml/2006/main" xmlns:r="http://schemas.openxmlformats.org/officeDocument/2006/relationships" xmlns:p="http://schemas.openxmlformats.org/presentationml/2006/main" show="0">
+<p:sld xmlns:a="http://schemas.openxmlformats.org/drawingml/2006/main" xmlns:r="http://schemas.openxmlformats.org/officeDocument/2006/relationships" xmlns:p="http://schemas.openxmlformats.org/presentationml/2006/main">
   <p:cSld>
     <p:spTree>
       <p:nvGrpSpPr>
@@ -7904,80 +8659,137 @@
               <a:buNone/>
             </a:pPr>
             <a:r>
-              <a:rPr lang="en-US" sz="2000" dirty="0"/>
-              <a:t>operator determine-next-task-retrieve-count {</a:t>
-            </a:r>
-          </a:p>
-          <a:p>
-            <a:pPr marL="0" indent="0">
-              <a:buNone/>
-            </a:pPr>
-            <a:r>
-              <a:rPr lang="pt-BR" sz="2000" dirty="0"/>
-              <a:t>	  RT1 = </a:t>
-            </a:r>
-            <a:r>
-              <a:rPr lang="pt-BR" sz="2000" dirty="0" err="1"/>
+              <a:rPr lang="en-US" sz="1800" dirty="0"/>
+              <a:t>define skill prepare-next {</a:t>
+            </a:r>
+          </a:p>
+          <a:p>
+            <a:pPr marL="0" indent="0">
+              <a:buNone/>
+            </a:pPr>
+            <a:r>
+              <a:rPr lang="en-US" sz="1800" dirty="0"/>
+              <a:t>    operator set-first-task {</a:t>
+            </a:r>
+          </a:p>
+          <a:p>
+            <a:pPr marL="0" indent="0">
+              <a:buNone/>
+            </a:pPr>
+            <a:r>
+              <a:rPr lang="pt-BR" sz="1800" dirty="0"/>
+              <a:t>        V1 = </a:t>
+            </a:r>
+            <a:r>
+              <a:rPr lang="pt-BR" sz="1800" dirty="0" err="1"/>
+              <a:t>fixation</a:t>
+            </a:r>
+            <a:endParaRPr lang="pt-BR" sz="1800" dirty="0"/>
+          </a:p>
+          <a:p>
+            <a:pPr marL="0" indent="0">
+              <a:buNone/>
+            </a:pPr>
+            <a:r>
+              <a:rPr lang="pt-BR" sz="1800" dirty="0"/>
+              <a:t>        WM1 = </a:t>
+            </a:r>
+            <a:r>
+              <a:rPr lang="pt-BR" sz="1800" dirty="0" err="1"/>
               <a:t>nil</a:t>
             </a:r>
-            <a:endParaRPr lang="pt-BR" sz="2000" dirty="0"/>
-          </a:p>
-          <a:p>
-            <a:pPr marL="0" indent="0">
-              <a:buNone/>
-            </a:pPr>
-            <a:r>
-              <a:rPr lang="pt-BR" sz="2000" dirty="0"/>
-              <a:t>        WM1 &lt;&gt; </a:t>
-            </a:r>
-            <a:r>
-              <a:rPr lang="pt-BR" sz="2000" dirty="0" err="1"/>
+            <a:endParaRPr lang="pt-BR" sz="1800" dirty="0"/>
+          </a:p>
+          <a:p>
+            <a:pPr marL="0" indent="0">
+              <a:buNone/>
+            </a:pPr>
+            <a:r>
+              <a:rPr lang="pt-BR" sz="1800" dirty="0"/>
+              <a:t>        ==&gt;</a:t>
+            </a:r>
+          </a:p>
+          <a:p>
+            <a:pPr marL="0" indent="0">
+              <a:buNone/>
+            </a:pPr>
+            <a:r>
+              <a:rPr lang="en-US" sz="1800" dirty="0"/>
+              <a:t>	 one -&gt; WM2</a:t>
+            </a:r>
+          </a:p>
+          <a:p>
+            <a:pPr marL="0" indent="0">
+              <a:buNone/>
+            </a:pPr>
+            <a:r>
+              <a:rPr lang="cs-CZ" sz="1800" dirty="0"/>
+              <a:t>        </a:t>
+            </a:r>
+            <a:r>
+              <a:rPr lang="cs-CZ" sz="1800" dirty="0" err="1"/>
               <a:t>nil</a:t>
             </a:r>
-            <a:endParaRPr lang="pt-BR" sz="2000" dirty="0"/>
-          </a:p>
-          <a:p>
-            <a:pPr marL="0" indent="0">
-              <a:buNone/>
-            </a:pPr>
-            <a:r>
-              <a:rPr lang="pt-BR" sz="2000" dirty="0"/>
-              <a:t>        ==&gt;</a:t>
-            </a:r>
-          </a:p>
-          <a:p>
-            <a:pPr marL="0" indent="0">
-              <a:buNone/>
-            </a:pPr>
-            <a:r>
-              <a:rPr lang="en-US" sz="2000" dirty="0"/>
-              <a:t>        count-fact -&gt; RT1</a:t>
-            </a:r>
-          </a:p>
-          <a:p>
-            <a:pPr marL="0" indent="0">
-              <a:buNone/>
-            </a:pPr>
-            <a:r>
-              <a:rPr lang="en-US" sz="2000" dirty="0"/>
-              <a:t>        WM2 -&gt; RT2</a:t>
-            </a:r>
-          </a:p>
-          <a:p>
-            <a:pPr marL="0" indent="0">
-              <a:buNone/>
-            </a:pPr>
-            <a:r>
-              <a:rPr lang="en-US" sz="2000" dirty="0"/>
+            <a:r>
+              <a:rPr lang="cs-CZ" sz="1800" dirty="0"/>
+              <a:t> -&gt; G2</a:t>
+            </a:r>
+            <a:endParaRPr lang="en-US" sz="1800" dirty="0"/>
+          </a:p>
+          <a:p>
+            <a:pPr marL="0" indent="0">
+              <a:buNone/>
+            </a:pPr>
+            <a:r>
+              <a:rPr lang="en-US" sz="1800" dirty="0"/>
+              <a:t>        wait -&gt; AC1</a:t>
+            </a:r>
+          </a:p>
+          <a:p>
+            <a:pPr marL="0" indent="0">
+              <a:buNone/>
+            </a:pPr>
+            <a:r>
+              <a:rPr lang="en-US" sz="1800" dirty="0"/>
               <a:t>    }</a:t>
             </a:r>
+          </a:p>
+          <a:p>
+            <a:pPr marL="0" indent="0">
+              <a:buNone/>
+            </a:pPr>
+            <a:r>
+              <a:rPr lang="en-US" sz="1800" dirty="0"/>
+              <a:t>...</a:t>
+            </a:r>
+          </a:p>
+          <a:p>
+            <a:pPr marL="0" indent="0">
+              <a:buNone/>
+            </a:pPr>
+            <a:r>
+              <a:rPr lang="en-US" sz="1600" baseline="30000" dirty="0"/>
+              <a:t>}</a:t>
+            </a:r>
+          </a:p>
+          <a:p>
+            <a:pPr marL="0" indent="0">
+              <a:buNone/>
+            </a:pPr>
+            <a:endParaRPr lang="da-DK" sz="1600" dirty="0"/>
+          </a:p>
+          <a:p>
+            <a:pPr marL="0" indent="0">
+              <a:buNone/>
+            </a:pPr>
+            <a:endParaRPr lang="en-US" sz="1800" dirty="0"/>
           </a:p>
         </p:txBody>
       </p:sp>
     </p:spTree>
     <p:extLst>
       <p:ext uri="{BB962C8B-B14F-4D97-AF65-F5344CB8AC3E}">
-        <p14:creationId xmlns:p14="http://schemas.microsoft.com/office/powerpoint/2010/main" val="88131697"/>
+        <p14:creationId xmlns:p14="http://schemas.microsoft.com/office/powerpoint/2010/main" val="3649371491"/>
       </p:ext>
     </p:extLst>
   </p:cSld>
@@ -7989,7 +8801,7 @@
 </file>
 
 <file path=ppt/slides/slide15.xml><?xml version="1.0" encoding="utf-8"?>
-<p:sld xmlns:a="http://schemas.openxmlformats.org/drawingml/2006/main" xmlns:r="http://schemas.openxmlformats.org/officeDocument/2006/relationships" xmlns:p="http://schemas.openxmlformats.org/presentationml/2006/main" show="0">
+<p:sld xmlns:a="http://schemas.openxmlformats.org/drawingml/2006/main" xmlns:r="http://schemas.openxmlformats.org/officeDocument/2006/relationships" xmlns:p="http://schemas.openxmlformats.org/presentationml/2006/main">
   <p:cSld>
     <p:spTree>
       <p:nvGrpSpPr>
@@ -8007,7 +8819,7 @@
       </p:grpSpPr>
       <p:sp>
         <p:nvSpPr>
-          <p:cNvPr id="9" name="Title 8"/>
+          <p:cNvPr id="2" name="Title 1"/>
           <p:cNvSpPr>
             <a:spLocks noGrp="1"/>
           </p:cNvSpPr>
@@ -8026,58 +8838,61 @@
       </p:sp>
       <p:sp>
         <p:nvSpPr>
-          <p:cNvPr id="10" name="Content Placeholder 9"/>
+          <p:cNvPr id="3" name="Content Placeholder 2"/>
           <p:cNvSpPr>
             <a:spLocks noGrp="1"/>
           </p:cNvSpPr>
           <p:nvPr>
-            <p:ph sz="half" idx="1"/>
+            <p:ph idx="1"/>
           </p:nvPr>
         </p:nvSpPr>
-        <p:spPr>
-          <a:xfrm>
-            <a:off x="685799" y="1981200"/>
-            <a:ext cx="7910663" cy="4114800"/>
-          </a:xfrm>
-        </p:spPr>
-        <p:txBody>
-          <a:bodyPr>
-            <a:normAutofit/>
-          </a:bodyPr>
+        <p:spPr/>
+        <p:txBody>
+          <a:bodyPr/>
           <a:lstStyle/>
           <a:p>
             <a:pPr marL="0" indent="0">
               <a:buNone/>
             </a:pPr>
             <a:r>
-              <a:rPr lang="en-US" sz="1800" dirty="0"/>
-              <a:t> operator determine-next-task-decide-to-stay {</a:t>
-            </a:r>
-          </a:p>
-          <a:p>
-            <a:pPr marL="0" indent="0">
-              <a:buNone/>
-            </a:pPr>
-            <a:r>
-              <a:rPr lang="en-US" sz="1800" dirty="0"/>
-              <a:t>        RT1 = count-fact</a:t>
-            </a:r>
-          </a:p>
-          <a:p>
-            <a:pPr marL="0" indent="0">
-              <a:buNone/>
-            </a:pPr>
-            <a:r>
-              <a:rPr lang="en-US" sz="1800" dirty="0"/>
-              <a:t>        RT3 = two</a:t>
-            </a:r>
-          </a:p>
-          <a:p>
-            <a:pPr marL="0" indent="0">
-              <a:buNone/>
-            </a:pPr>
-            <a:r>
-              <a:rPr lang="en-US" sz="1800" dirty="0"/>
+              <a:rPr lang="en-US" sz="2000" dirty="0"/>
+              <a:t>operator determine-next-task-retrieve-count {</a:t>
+            </a:r>
+          </a:p>
+          <a:p>
+            <a:pPr marL="0" indent="0">
+              <a:buNone/>
+            </a:pPr>
+            <a:r>
+              <a:rPr lang="pt-BR" sz="2000" dirty="0"/>
+              <a:t>	  RT1 = </a:t>
+            </a:r>
+            <a:r>
+              <a:rPr lang="pt-BR" sz="2000" dirty="0" err="1"/>
+              <a:t>nil</a:t>
+            </a:r>
+            <a:endParaRPr lang="pt-BR" sz="2000" dirty="0"/>
+          </a:p>
+          <a:p>
+            <a:pPr marL="0" indent="0">
+              <a:buNone/>
+            </a:pPr>
+            <a:r>
+              <a:rPr lang="pt-BR" sz="2000" dirty="0"/>
+              <a:t>        WM1 &lt;&gt; </a:t>
+            </a:r>
+            <a:r>
+              <a:rPr lang="pt-BR" sz="2000" dirty="0" err="1"/>
+              <a:t>nil</a:t>
+            </a:r>
+            <a:endParaRPr lang="pt-BR" sz="2000" dirty="0"/>
+          </a:p>
+          <a:p>
+            <a:pPr marL="0" indent="0">
+              <a:buNone/>
+            </a:pPr>
+            <a:r>
+              <a:rPr lang="pt-BR" sz="2000" dirty="0"/>
               <a:t>        ==&gt;</a:t>
             </a:r>
           </a:p>
@@ -8086,49 +8901,34 @@
               <a:buNone/>
             </a:pPr>
             <a:r>
-              <a:rPr lang="en-US" sz="1800" dirty="0"/>
-              <a:t>        RT3 -&gt; WM2</a:t>
-            </a:r>
-          </a:p>
-          <a:p>
-            <a:pPr marL="0" indent="0">
-              <a:buNone/>
-            </a:pPr>
-            <a:r>
-              <a:rPr lang="en-US" sz="1800" dirty="0"/>
-              <a:t>        nil -&gt; G2</a:t>
-            </a:r>
-          </a:p>
-          <a:p>
-            <a:pPr marL="0" indent="0">
-              <a:buNone/>
-            </a:pPr>
-            <a:r>
-              <a:rPr lang="en-US" sz="1800" dirty="0"/>
-              <a:t>        wait -&gt; AC1</a:t>
-            </a:r>
-          </a:p>
-          <a:p>
-            <a:pPr marL="0" indent="0">
-              <a:buNone/>
-            </a:pPr>
-            <a:r>
-              <a:rPr lang="en-US" sz="1800" dirty="0"/>
+              <a:rPr lang="en-US" sz="2000" dirty="0"/>
+              <a:t>        count-fact -&gt; RT1</a:t>
+            </a:r>
+          </a:p>
+          <a:p>
+            <a:pPr marL="0" indent="0">
+              <a:buNone/>
+            </a:pPr>
+            <a:r>
+              <a:rPr lang="en-US" sz="2000" dirty="0"/>
+              <a:t>        WM2 -&gt; RT2</a:t>
+            </a:r>
+          </a:p>
+          <a:p>
+            <a:pPr marL="0" indent="0">
+              <a:buNone/>
+            </a:pPr>
+            <a:r>
+              <a:rPr lang="en-US" sz="2000" dirty="0"/>
               <a:t>    }</a:t>
             </a:r>
-          </a:p>
-          <a:p>
-            <a:pPr marL="0" indent="0">
-              <a:buNone/>
-            </a:pPr>
-            <a:endParaRPr lang="en-US" sz="1800" dirty="0"/>
           </a:p>
         </p:txBody>
       </p:sp>
     </p:spTree>
     <p:extLst>
       <p:ext uri="{BB962C8B-B14F-4D97-AF65-F5344CB8AC3E}">
-        <p14:creationId xmlns:p14="http://schemas.microsoft.com/office/powerpoint/2010/main" val="675601765"/>
+        <p14:creationId xmlns:p14="http://schemas.microsoft.com/office/powerpoint/2010/main" val="88131697"/>
       </p:ext>
     </p:extLst>
   </p:cSld>
@@ -8140,7 +8940,7 @@
 </file>
 
 <file path=ppt/slides/slide16.xml><?xml version="1.0" encoding="utf-8"?>
-<p:sld xmlns:a="http://schemas.openxmlformats.org/drawingml/2006/main" xmlns:r="http://schemas.openxmlformats.org/officeDocument/2006/relationships" xmlns:p="http://schemas.openxmlformats.org/presentationml/2006/main" show="0">
+<p:sld xmlns:a="http://schemas.openxmlformats.org/drawingml/2006/main" xmlns:r="http://schemas.openxmlformats.org/officeDocument/2006/relationships" xmlns:p="http://schemas.openxmlformats.org/presentationml/2006/main">
   <p:cSld>
     <p:spTree>
       <p:nvGrpSpPr>
@@ -8185,7 +8985,12 @@
             <p:ph sz="half" idx="1"/>
           </p:nvPr>
         </p:nvSpPr>
-        <p:spPr/>
+        <p:spPr>
+          <a:xfrm>
+            <a:off x="685799" y="1981200"/>
+            <a:ext cx="7910663" cy="4114800"/>
+          </a:xfrm>
+        </p:spPr>
         <p:txBody>
           <a:bodyPr>
             <a:normAutofit/>
@@ -8197,7 +9002,7 @@
             </a:pPr>
             <a:r>
               <a:rPr lang="en-US" sz="1800" dirty="0"/>
-              <a:t>operator determine-next-task-decide-to-switch {</a:t>
+              <a:t> operator determine-next-task-decide-to-stay {</a:t>
             </a:r>
           </a:p>
           <a:p>
@@ -8215,7 +9020,7 @@
             </a:pPr>
             <a:r>
               <a:rPr lang="en-US" sz="1800" dirty="0"/>
-              <a:t>        RT3 = three</a:t>
+              <a:t>        RT3 = two</a:t>
             </a:r>
           </a:p>
           <a:p>
@@ -8233,7 +9038,7 @@
             </a:pPr>
             <a:r>
               <a:rPr lang="en-US" sz="1800" dirty="0"/>
-              <a:t>        one -&gt; WM2</a:t>
+              <a:t>        RT3 -&gt; WM2</a:t>
             </a:r>
           </a:p>
           <a:p>
@@ -8242,24 +9047,16 @@
             </a:pPr>
             <a:r>
               <a:rPr lang="en-US" sz="1800" dirty="0"/>
-              <a:t>        </a:t>
-            </a:r>
-            <a:r>
-              <a:rPr lang="en-US" sz="1800" dirty="0" err="1"/>
-              <a:t>othertask</a:t>
-            </a:r>
+              <a:t>        nil -&gt; G2</a:t>
+            </a:r>
+          </a:p>
+          <a:p>
+            <a:pPr marL="0" indent="0">
+              <a:buNone/>
+            </a:pPr>
             <a:r>
               <a:rPr lang="en-US" sz="1800" dirty="0"/>
-              <a:t> -&gt; RT1</a:t>
-            </a:r>
-          </a:p>
-          <a:p>
-            <a:pPr marL="0" indent="0">
-              <a:buNone/>
-            </a:pPr>
-            <a:r>
-              <a:rPr lang="en-US" sz="1800" dirty="0"/>
-              <a:t>        G1 -&gt; RT2</a:t>
+              <a:t>        wait -&gt; AC1</a:t>
             </a:r>
           </a:p>
           <a:p>
@@ -8276,97 +9073,13 @@
               <a:buNone/>
             </a:pPr>
             <a:endParaRPr lang="en-US" sz="1800" dirty="0"/>
-          </a:p>
-        </p:txBody>
-      </p:sp>
-      <p:sp>
-        <p:nvSpPr>
-          <p:cNvPr id="11" name="Content Placeholder 10"/>
-          <p:cNvSpPr>
-            <a:spLocks noGrp="1"/>
-          </p:cNvSpPr>
-          <p:nvPr>
-            <p:ph sz="half" idx="2"/>
-          </p:nvPr>
-        </p:nvSpPr>
-        <p:spPr/>
-        <p:txBody>
-          <a:bodyPr/>
-          <a:lstStyle/>
-          <a:p>
-            <a:pPr marL="0" indent="0">
-              <a:buNone/>
-            </a:pPr>
-            <a:r>
-              <a:rPr lang="en-US" sz="1800" dirty="0"/>
-              <a:t>operator set-other-task {</a:t>
-            </a:r>
-          </a:p>
-          <a:p>
-            <a:pPr marL="0" indent="0">
-              <a:buNone/>
-            </a:pPr>
-            <a:r>
-              <a:rPr lang="en-US" sz="1800" dirty="0"/>
-              <a:t>        RT1 = </a:t>
-            </a:r>
-            <a:r>
-              <a:rPr lang="en-US" sz="1800" dirty="0" err="1"/>
-              <a:t>othertask</a:t>
-            </a:r>
-            <a:endParaRPr lang="en-US" sz="1800" dirty="0"/>
-          </a:p>
-          <a:p>
-            <a:pPr marL="0" indent="0">
-              <a:buNone/>
-            </a:pPr>
-            <a:r>
-              <a:rPr lang="en-US" sz="1800" dirty="0"/>
-              <a:t>        ==&gt;</a:t>
-            </a:r>
-          </a:p>
-          <a:p>
-            <a:pPr marL="0" indent="0">
-              <a:buNone/>
-            </a:pPr>
-            <a:r>
-              <a:rPr lang="en-US" sz="1800" dirty="0"/>
-              <a:t>        RT3 -&gt; G1</a:t>
-            </a:r>
-          </a:p>
-          <a:p>
-            <a:pPr marL="0" indent="0">
-              <a:buNone/>
-            </a:pPr>
-            <a:r>
-              <a:rPr lang="en-US" sz="1800" dirty="0"/>
-              <a:t>        nil -&gt; G2</a:t>
-            </a:r>
-          </a:p>
-          <a:p>
-            <a:pPr marL="0" indent="0">
-              <a:buNone/>
-            </a:pPr>
-            <a:r>
-              <a:rPr lang="en-US" sz="1800" dirty="0"/>
-              <a:t>        wait -&gt; AC1</a:t>
-            </a:r>
-          </a:p>
-          <a:p>
-            <a:pPr marL="0" indent="0">
-              <a:buNone/>
-            </a:pPr>
-            <a:r>
-              <a:rPr lang="en-US" sz="1800" dirty="0"/>
-              <a:t>    }</a:t>
-            </a:r>
           </a:p>
         </p:txBody>
       </p:sp>
     </p:spTree>
     <p:extLst>
       <p:ext uri="{BB962C8B-B14F-4D97-AF65-F5344CB8AC3E}">
-        <p14:creationId xmlns:p14="http://schemas.microsoft.com/office/powerpoint/2010/main" val="2591086162"/>
+        <p14:creationId xmlns:p14="http://schemas.microsoft.com/office/powerpoint/2010/main" val="675601765"/>
       </p:ext>
     </p:extLst>
   </p:cSld>
@@ -8378,7 +9091,7 @@
 </file>
 
 <file path=ppt/slides/slide17.xml><?xml version="1.0" encoding="utf-8"?>
-<p:sld xmlns:a="http://schemas.openxmlformats.org/drawingml/2006/main" xmlns:r="http://schemas.openxmlformats.org/officeDocument/2006/relationships" xmlns:p="http://schemas.openxmlformats.org/presentationml/2006/main" show="0">
+<p:sld xmlns:a="http://schemas.openxmlformats.org/drawingml/2006/main" xmlns:r="http://schemas.openxmlformats.org/officeDocument/2006/relationships" xmlns:p="http://schemas.openxmlformats.org/presentationml/2006/main">
   <p:cSld>
     <p:spTree>
       <p:nvGrpSpPr>
@@ -8396,7 +9109,7 @@
       </p:grpSpPr>
       <p:sp>
         <p:nvSpPr>
-          <p:cNvPr id="2" name="Title 1"/>
+          <p:cNvPr id="9" name="Title 8"/>
           <p:cNvSpPr>
             <a:spLocks noGrp="1"/>
           </p:cNvSpPr>
@@ -8409,21 +9122,122 @@
           <a:bodyPr/>
           <a:lstStyle/>
           <a:p>
-            <a:r>
-              <a:rPr lang="en-US" dirty="0"/>
-              <a:t>Two choices for preparation in Stroop</a:t>
-            </a:r>
-          </a:p>
-        </p:txBody>
-      </p:sp>
-      <p:sp>
-        <p:nvSpPr>
-          <p:cNvPr id="6" name="Content Placeholder 5"/>
+            <a:endParaRPr lang="en-US"/>
+          </a:p>
+        </p:txBody>
+      </p:sp>
+      <p:sp>
+        <p:nvSpPr>
+          <p:cNvPr id="10" name="Content Placeholder 9"/>
           <p:cNvSpPr>
             <a:spLocks noGrp="1"/>
           </p:cNvSpPr>
           <p:nvPr>
-            <p:ph idx="1"/>
+            <p:ph sz="half" idx="1"/>
+          </p:nvPr>
+        </p:nvSpPr>
+        <p:spPr/>
+        <p:txBody>
+          <a:bodyPr>
+            <a:normAutofit/>
+          </a:bodyPr>
+          <a:lstStyle/>
+          <a:p>
+            <a:pPr marL="0" indent="0">
+              <a:buNone/>
+            </a:pPr>
+            <a:r>
+              <a:rPr lang="en-US" sz="1800" dirty="0"/>
+              <a:t>operator determine-next-task-decide-to-switch {</a:t>
+            </a:r>
+          </a:p>
+          <a:p>
+            <a:pPr marL="0" indent="0">
+              <a:buNone/>
+            </a:pPr>
+            <a:r>
+              <a:rPr lang="en-US" sz="1800" dirty="0"/>
+              <a:t>        RT1 = count-fact</a:t>
+            </a:r>
+          </a:p>
+          <a:p>
+            <a:pPr marL="0" indent="0">
+              <a:buNone/>
+            </a:pPr>
+            <a:r>
+              <a:rPr lang="en-US" sz="1800" dirty="0"/>
+              <a:t>        RT3 = three</a:t>
+            </a:r>
+          </a:p>
+          <a:p>
+            <a:pPr marL="0" indent="0">
+              <a:buNone/>
+            </a:pPr>
+            <a:r>
+              <a:rPr lang="en-US" sz="1800" dirty="0"/>
+              <a:t>        ==&gt;</a:t>
+            </a:r>
+          </a:p>
+          <a:p>
+            <a:pPr marL="0" indent="0">
+              <a:buNone/>
+            </a:pPr>
+            <a:r>
+              <a:rPr lang="en-US" sz="1800" dirty="0"/>
+              <a:t>        one -&gt; WM2</a:t>
+            </a:r>
+          </a:p>
+          <a:p>
+            <a:pPr marL="0" indent="0">
+              <a:buNone/>
+            </a:pPr>
+            <a:r>
+              <a:rPr lang="en-US" sz="1800" dirty="0"/>
+              <a:t>        </a:t>
+            </a:r>
+            <a:r>
+              <a:rPr lang="en-US" sz="1800" dirty="0" err="1"/>
+              <a:t>othertask</a:t>
+            </a:r>
+            <a:r>
+              <a:rPr lang="en-US" sz="1800" dirty="0"/>
+              <a:t> -&gt; RT1</a:t>
+            </a:r>
+          </a:p>
+          <a:p>
+            <a:pPr marL="0" indent="0">
+              <a:buNone/>
+            </a:pPr>
+            <a:r>
+              <a:rPr lang="en-US" sz="1800" dirty="0"/>
+              <a:t>        G1 -&gt; RT2</a:t>
+            </a:r>
+          </a:p>
+          <a:p>
+            <a:pPr marL="0" indent="0">
+              <a:buNone/>
+            </a:pPr>
+            <a:r>
+              <a:rPr lang="en-US" sz="1800" dirty="0"/>
+              <a:t>    }</a:t>
+            </a:r>
+          </a:p>
+          <a:p>
+            <a:pPr marL="0" indent="0">
+              <a:buNone/>
+            </a:pPr>
+            <a:endParaRPr lang="en-US" sz="1800" dirty="0"/>
+          </a:p>
+        </p:txBody>
+      </p:sp>
+      <p:sp>
+        <p:nvSpPr>
+          <p:cNvPr id="11" name="Content Placeholder 10"/>
+          <p:cNvSpPr>
+            <a:spLocks noGrp="1"/>
+          </p:cNvSpPr>
+          <p:nvPr>
+            <p:ph sz="half" idx="2"/>
           </p:nvPr>
         </p:nvSpPr>
         <p:spPr/>
@@ -8431,23 +9245,71 @@
           <a:bodyPr/>
           <a:lstStyle/>
           <a:p>
-            <a:r>
-              <a:rPr lang="en-US" dirty="0"/>
-              <a:t>Each choice is in a separate goal that is not initially associated with Stroop:</a:t>
-            </a:r>
-          </a:p>
-          <a:p>
-            <a:pPr lvl="1"/>
-            <a:r>
-              <a:rPr lang="en-US" dirty="0"/>
-              <a:t>default attend</a:t>
-            </a:r>
-          </a:p>
-          <a:p>
-            <a:pPr lvl="1"/>
-            <a:r>
-              <a:rPr lang="en-US" dirty="0"/>
-              <a:t>attend color</a:t>
+            <a:pPr marL="0" indent="0">
+              <a:buNone/>
+            </a:pPr>
+            <a:r>
+              <a:rPr lang="en-US" sz="1800" dirty="0"/>
+              <a:t>operator set-other-task {</a:t>
+            </a:r>
+          </a:p>
+          <a:p>
+            <a:pPr marL="0" indent="0">
+              <a:buNone/>
+            </a:pPr>
+            <a:r>
+              <a:rPr lang="en-US" sz="1800" dirty="0"/>
+              <a:t>        RT1 = </a:t>
+            </a:r>
+            <a:r>
+              <a:rPr lang="en-US" sz="1800" dirty="0" err="1"/>
+              <a:t>othertask</a:t>
+            </a:r>
+            <a:endParaRPr lang="en-US" sz="1800" dirty="0"/>
+          </a:p>
+          <a:p>
+            <a:pPr marL="0" indent="0">
+              <a:buNone/>
+            </a:pPr>
+            <a:r>
+              <a:rPr lang="en-US" sz="1800" dirty="0"/>
+              <a:t>        ==&gt;</a:t>
+            </a:r>
+          </a:p>
+          <a:p>
+            <a:pPr marL="0" indent="0">
+              <a:buNone/>
+            </a:pPr>
+            <a:r>
+              <a:rPr lang="en-US" sz="1800" dirty="0"/>
+              <a:t>        RT3 -&gt; G1</a:t>
+            </a:r>
+          </a:p>
+          <a:p>
+            <a:pPr marL="0" indent="0">
+              <a:buNone/>
+            </a:pPr>
+            <a:r>
+              <a:rPr lang="en-US" sz="1800" dirty="0"/>
+              <a:t>        nil -&gt; G2</a:t>
+            </a:r>
+          </a:p>
+          <a:p>
+            <a:pPr marL="0" indent="0">
+              <a:buNone/>
+            </a:pPr>
+            <a:r>
+              <a:rPr lang="en-US" sz="1800" dirty="0"/>
+              <a:t>        wait -&gt; AC1</a:t>
+            </a:r>
+          </a:p>
+          <a:p>
+            <a:pPr marL="0" indent="0">
+              <a:buNone/>
+            </a:pPr>
+            <a:r>
+              <a:rPr lang="en-US" sz="1800" dirty="0"/>
+              <a:t>    }</a:t>
             </a:r>
           </a:p>
         </p:txBody>
@@ -8455,7 +9317,7 @@
     </p:spTree>
     <p:extLst>
       <p:ext uri="{BB962C8B-B14F-4D97-AF65-F5344CB8AC3E}">
-        <p14:creationId xmlns:p14="http://schemas.microsoft.com/office/powerpoint/2010/main" val="1495122094"/>
+        <p14:creationId xmlns:p14="http://schemas.microsoft.com/office/powerpoint/2010/main" val="2591086162"/>
       </p:ext>
     </p:extLst>
   </p:cSld>
@@ -8467,7 +9329,7 @@
 </file>
 
 <file path=ppt/slides/slide18.xml><?xml version="1.0" encoding="utf-8"?>
-<p:sld xmlns:a="http://schemas.openxmlformats.org/drawingml/2006/main" xmlns:r="http://schemas.openxmlformats.org/officeDocument/2006/relationships" xmlns:p="http://schemas.openxmlformats.org/presentationml/2006/main" show="0">
+<p:sld xmlns:a="http://schemas.openxmlformats.org/drawingml/2006/main" xmlns:r="http://schemas.openxmlformats.org/officeDocument/2006/relationships" xmlns:p="http://schemas.openxmlformats.org/presentationml/2006/main">
   <p:cSld>
     <p:spTree>
       <p:nvGrpSpPr>
@@ -8500,7 +9362,7 @@
           <a:p>
             <a:r>
               <a:rPr lang="en-US" dirty="0"/>
-              <a:t>In Stroop we need to do a similar thing</a:t>
+              <a:t>Two choices for preparation in Stroop</a:t>
             </a:r>
           </a:p>
         </p:txBody>
@@ -8512,7 +9374,7 @@
             <a:spLocks noGrp="1"/>
           </p:cNvSpPr>
           <p:nvPr>
-            <p:ph sz="half" idx="1"/>
+            <p:ph idx="1"/>
           </p:nvPr>
         </p:nvSpPr>
         <p:spPr/>
@@ -8520,184 +9382,23 @@
           <a:bodyPr/>
           <a:lstStyle/>
           <a:p>
-            <a:pPr marL="0" indent="0">
-              <a:buNone/>
-            </a:pPr>
-            <a:r>
-              <a:rPr lang="en-US" sz="1800" dirty="0"/>
-              <a:t>operator prepare-for-stimulus {</a:t>
-            </a:r>
-          </a:p>
-          <a:p>
-            <a:pPr marL="0" indent="0">
-              <a:buNone/>
-            </a:pPr>
-            <a:r>
-              <a:rPr lang="pt-BR" sz="1800" dirty="0"/>
-              <a:t>   V1 = </a:t>
-            </a:r>
-            <a:r>
-              <a:rPr lang="pt-BR" sz="1800" dirty="0" err="1"/>
-              <a:t>fixation</a:t>
-            </a:r>
-            <a:endParaRPr lang="pt-BR" sz="1800" dirty="0"/>
-          </a:p>
-          <a:p>
-            <a:pPr marL="0" indent="0">
-              <a:buNone/>
-            </a:pPr>
-            <a:r>
-              <a:rPr lang="pt-BR" sz="1800" dirty="0"/>
-              <a:t>   G2 = </a:t>
-            </a:r>
-            <a:r>
-              <a:rPr lang="pt-BR" sz="1800" dirty="0" err="1"/>
-              <a:t>nil</a:t>
-            </a:r>
-            <a:endParaRPr lang="pt-BR" sz="1800" dirty="0"/>
-          </a:p>
-          <a:p>
-            <a:pPr marL="0" indent="0">
-              <a:buNone/>
-            </a:pPr>
-            <a:r>
-              <a:rPr lang="pt-BR" sz="1800" dirty="0"/>
-              <a:t>    ==&gt;</a:t>
-            </a:r>
-          </a:p>
-          <a:p>
-            <a:pPr marL="0" indent="0">
-              <a:buNone/>
-            </a:pPr>
-            <a:r>
-              <a:rPr lang="ro-RO" sz="1800" dirty="0"/>
-              <a:t>   *prepare -&gt; G2</a:t>
-            </a:r>
-          </a:p>
-          <a:p>
-            <a:pPr marL="0" indent="0">
-              <a:buNone/>
-            </a:pPr>
-            <a:r>
-              <a:rPr lang="ro-RO" sz="1800" dirty="0"/>
-              <a:t> </a:t>
-            </a:r>
-            <a:r>
-              <a:rPr lang="en-US" sz="1800" dirty="0"/>
-              <a:t>}</a:t>
-            </a:r>
-          </a:p>
-          <a:p>
-            <a:pPr marL="0" indent="0">
-              <a:buNone/>
-            </a:pPr>
-            <a:endParaRPr lang="en-US" sz="1800" dirty="0"/>
-          </a:p>
-          <a:p>
-            <a:pPr marL="0" indent="0">
-              <a:buNone/>
-            </a:pPr>
-            <a:r>
-              <a:rPr lang="en-US" sz="1800" dirty="0"/>
-              <a:t>Now prepare is bound to focus-color</a:t>
-            </a:r>
-          </a:p>
-        </p:txBody>
-      </p:sp>
-      <p:sp>
-        <p:nvSpPr>
-          <p:cNvPr id="7" name="Content Placeholder 6"/>
-          <p:cNvSpPr>
-            <a:spLocks noGrp="1"/>
-          </p:cNvSpPr>
-          <p:nvPr>
-            <p:ph sz="half" idx="2"/>
-          </p:nvPr>
-        </p:nvSpPr>
-        <p:spPr>
-          <a:xfrm>
-            <a:off x="4648199" y="1981200"/>
-            <a:ext cx="4137113" cy="4114800"/>
-          </a:xfrm>
-        </p:spPr>
-        <p:txBody>
-          <a:bodyPr/>
-          <a:lstStyle/>
-          <a:p>
-            <a:pPr marL="0" indent="0">
-              <a:buNone/>
-            </a:pPr>
-            <a:r>
-              <a:rPr lang="en-US" sz="1800" dirty="0"/>
-              <a:t>define skill focus-color {</a:t>
-            </a:r>
-          </a:p>
-          <a:p>
-            <a:pPr marL="0" indent="0">
-              <a:buNone/>
-            </a:pPr>
-            <a:r>
-              <a:rPr lang="en-US" sz="1800" dirty="0"/>
-              <a:t> operator attend-just-color {</a:t>
-            </a:r>
-          </a:p>
-          <a:p>
-            <a:pPr marL="0" indent="0">
-              <a:buNone/>
-            </a:pPr>
-            <a:r>
-              <a:rPr lang="en-US" sz="1800" dirty="0"/>
-              <a:t>     V1 = </a:t>
-            </a:r>
-            <a:r>
-              <a:rPr lang="en-US" sz="1800" dirty="0" err="1"/>
-              <a:t>stim</a:t>
-            </a:r>
-            <a:endParaRPr lang="en-US" sz="1800" dirty="0"/>
-          </a:p>
-          <a:p>
-            <a:pPr marL="0" indent="0">
-              <a:buNone/>
-            </a:pPr>
-            <a:r>
-              <a:rPr lang="en-US" sz="1800" dirty="0"/>
-              <a:t>     V2 = nil</a:t>
-            </a:r>
-          </a:p>
-          <a:p>
-            <a:pPr marL="0" indent="0">
-              <a:buNone/>
-            </a:pPr>
-            <a:r>
-              <a:rPr lang="en-US" sz="1800" dirty="0"/>
-              <a:t>     ==&gt; </a:t>
-            </a:r>
-          </a:p>
-          <a:p>
-            <a:pPr marL="0" indent="0">
-              <a:buNone/>
-            </a:pPr>
-            <a:r>
-              <a:rPr lang="en-US" sz="1800" dirty="0"/>
-              <a:t>     attend-color -&gt; AC1</a:t>
-            </a:r>
-          </a:p>
-          <a:p>
-            <a:pPr marL="0" indent="0">
-              <a:buNone/>
-            </a:pPr>
-            <a:r>
-              <a:rPr lang="en-US" sz="1800" dirty="0"/>
-              <a:t>    }</a:t>
-            </a:r>
-          </a:p>
-          <a:p>
-            <a:pPr marL="0" indent="0">
-              <a:buNone/>
-            </a:pPr>
-            <a:r>
-              <a:rPr lang="en-US" sz="1800" dirty="0"/>
-              <a:t>}</a:t>
+            <a:r>
+              <a:rPr lang="en-US" dirty="0"/>
+              <a:t>Each choice is in a separate goal that is not initially associated with Stroop:</a:t>
+            </a:r>
+          </a:p>
+          <a:p>
+            <a:pPr lvl="1"/>
+            <a:r>
+              <a:rPr lang="en-US" dirty="0"/>
+              <a:t>default attend</a:t>
+            </a:r>
+          </a:p>
+          <a:p>
+            <a:pPr lvl="1"/>
+            <a:r>
+              <a:rPr lang="en-US" dirty="0"/>
+              <a:t>attend color</a:t>
             </a:r>
           </a:p>
         </p:txBody>
@@ -8705,7 +9406,7 @@
     </p:spTree>
     <p:extLst>
       <p:ext uri="{BB962C8B-B14F-4D97-AF65-F5344CB8AC3E}">
-        <p14:creationId xmlns:p14="http://schemas.microsoft.com/office/powerpoint/2010/main" val="1017321905"/>
+        <p14:creationId xmlns:p14="http://schemas.microsoft.com/office/powerpoint/2010/main" val="1495122094"/>
       </p:ext>
     </p:extLst>
   </p:cSld>
@@ -8717,7 +9418,7 @@
 </file>
 
 <file path=ppt/slides/slide19.xml><?xml version="1.0" encoding="utf-8"?>
-<p:sld xmlns:a="http://schemas.openxmlformats.org/drawingml/2006/main" xmlns:r="http://schemas.openxmlformats.org/officeDocument/2006/relationships" xmlns:p="http://schemas.openxmlformats.org/presentationml/2006/main" show="0">
+<p:sld xmlns:a="http://schemas.openxmlformats.org/drawingml/2006/main" xmlns:r="http://schemas.openxmlformats.org/officeDocument/2006/relationships" xmlns:p="http://schemas.openxmlformats.org/presentationml/2006/main">
   <p:cSld>
     <p:spTree>
       <p:nvGrpSpPr>
@@ -8750,14 +9451,14 @@
           <a:p>
             <a:r>
               <a:rPr lang="en-US" dirty="0"/>
-              <a:t>Competition</a:t>
-            </a:r>
-          </a:p>
-        </p:txBody>
-      </p:sp>
-      <p:sp>
-        <p:nvSpPr>
-          <p:cNvPr id="3" name="Content Placeholder 2"/>
+              <a:t>In Stroop we need to do a similar thing</a:t>
+            </a:r>
+          </a:p>
+        </p:txBody>
+      </p:sp>
+      <p:sp>
+        <p:nvSpPr>
+          <p:cNvPr id="6" name="Content Placeholder 5"/>
           <p:cNvSpPr>
             <a:spLocks noGrp="1"/>
           </p:cNvSpPr>
@@ -8775,21 +9476,72 @@
             </a:pPr>
             <a:r>
               <a:rPr lang="en-US" sz="1800" dirty="0"/>
-              <a:t> operator attend-just-color {</a:t>
-            </a:r>
-          </a:p>
-          <a:p>
-            <a:pPr marL="0" indent="0">
-              <a:buNone/>
-            </a:pPr>
+              <a:t>operator prepare-for-stimulus {</a:t>
+            </a:r>
+          </a:p>
+          <a:p>
+            <a:pPr marL="0" indent="0">
+              <a:buNone/>
+            </a:pPr>
+            <a:r>
+              <a:rPr lang="pt-BR" sz="1800" dirty="0"/>
+              <a:t>   V1 = </a:t>
+            </a:r>
+            <a:r>
+              <a:rPr lang="pt-BR" sz="1800" dirty="0" err="1"/>
+              <a:t>fixation</a:t>
+            </a:r>
+            <a:endParaRPr lang="pt-BR" sz="1800" dirty="0"/>
+          </a:p>
+          <a:p>
+            <a:pPr marL="0" indent="0">
+              <a:buNone/>
+            </a:pPr>
+            <a:r>
+              <a:rPr lang="pt-BR" sz="1800" dirty="0"/>
+              <a:t>   G2 = </a:t>
+            </a:r>
+            <a:r>
+              <a:rPr lang="pt-BR" sz="1800" dirty="0" err="1"/>
+              <a:t>nil</a:t>
+            </a:r>
+            <a:endParaRPr lang="pt-BR" sz="1800" dirty="0"/>
+          </a:p>
+          <a:p>
+            <a:pPr marL="0" indent="0">
+              <a:buNone/>
+            </a:pPr>
+            <a:r>
+              <a:rPr lang="pt-BR" sz="1800" dirty="0"/>
+              <a:t>    ==&gt;</a:t>
+            </a:r>
+          </a:p>
+          <a:p>
+            <a:pPr marL="0" indent="0">
+              <a:buNone/>
+            </a:pPr>
+            <a:r>
+              <a:rPr lang="ro-RO" sz="1800" dirty="0"/>
+              <a:t>   *prepare -&gt; G2</a:t>
+            </a:r>
+          </a:p>
+          <a:p>
+            <a:pPr marL="0" indent="0">
+              <a:buNone/>
+            </a:pPr>
+            <a:r>
+              <a:rPr lang="ro-RO" sz="1800" dirty="0"/>
+              <a:t> </a:t>
+            </a:r>
             <a:r>
               <a:rPr lang="en-US" sz="1800" dirty="0"/>
-              <a:t>     V1 = </a:t>
-            </a:r>
-            <a:r>
-              <a:rPr lang="en-US" sz="1800" dirty="0" err="1"/>
-              <a:t>stim</a:t>
-            </a:r>
+              <a:t>}</a:t>
+            </a:r>
+          </a:p>
+          <a:p>
+            <a:pPr marL="0" indent="0">
+              <a:buNone/>
+            </a:pPr>
             <a:endParaRPr lang="en-US" sz="1800" dirty="0"/>
           </a:p>
           <a:p>
@@ -8798,41 +9550,14 @@
             </a:pPr>
             <a:r>
               <a:rPr lang="en-US" sz="1800" dirty="0"/>
-              <a:t>     V2 = nil</a:t>
-            </a:r>
-          </a:p>
-          <a:p>
-            <a:pPr marL="0" indent="0">
-              <a:buNone/>
-            </a:pPr>
-            <a:r>
-              <a:rPr lang="en-US" sz="1800" dirty="0"/>
-              <a:t>     ==&gt; </a:t>
-            </a:r>
-          </a:p>
-          <a:p>
-            <a:pPr marL="0" indent="0">
-              <a:buNone/>
-            </a:pPr>
-            <a:r>
-              <a:rPr lang="en-US" sz="1800" dirty="0"/>
-              <a:t>     attend-color -&gt; AC1</a:t>
-            </a:r>
-          </a:p>
-          <a:p>
-            <a:pPr marL="0" indent="0">
-              <a:buNone/>
-            </a:pPr>
-            <a:r>
-              <a:rPr lang="en-US" sz="1800" dirty="0"/>
-              <a:t>    }</a:t>
-            </a:r>
-          </a:p>
-        </p:txBody>
-      </p:sp>
-      <p:sp>
-        <p:nvSpPr>
-          <p:cNvPr id="4" name="Content Placeholder 3"/>
+              <a:t>Now prepare is bound to focus-color</a:t>
+            </a:r>
+          </a:p>
+        </p:txBody>
+      </p:sp>
+      <p:sp>
+        <p:nvSpPr>
+          <p:cNvPr id="7" name="Content Placeholder 6"/>
           <p:cNvSpPr>
             <a:spLocks noGrp="1"/>
           </p:cNvSpPr>
@@ -8840,7 +9565,12 @@
             <p:ph sz="half" idx="2"/>
           </p:nvPr>
         </p:nvSpPr>
-        <p:spPr/>
+        <p:spPr>
+          <a:xfrm>
+            <a:off x="4648199" y="1981200"/>
+            <a:ext cx="4137113" cy="4114800"/>
+          </a:xfrm>
+        </p:spPr>
         <p:txBody>
           <a:bodyPr/>
           <a:lstStyle/>
@@ -8849,91 +9579,84 @@
               <a:buNone/>
             </a:pPr>
             <a:r>
-              <a:rPr lang="sv-SE" sz="1800" dirty="0"/>
-              <a:t> operator </a:t>
-            </a:r>
-            <a:r>
-              <a:rPr lang="sv-SE" sz="1800" dirty="0" err="1"/>
-              <a:t>attend</a:t>
-            </a:r>
-            <a:r>
-              <a:rPr lang="sv-SE" sz="1800" dirty="0"/>
-              <a:t> (</a:t>
-            </a:r>
-            <a:r>
-              <a:rPr lang="sv-SE" sz="1800" dirty="0" err="1"/>
-              <a:t>activation</a:t>
-            </a:r>
-            <a:r>
-              <a:rPr lang="sv-SE" sz="1800" dirty="0"/>
-              <a:t>=1.5) {</a:t>
-            </a:r>
-          </a:p>
-          <a:p>
-            <a:pPr marL="0" indent="0">
-              <a:buNone/>
-            </a:pPr>
-            <a:r>
-              <a:rPr lang="sv-SE" sz="1800" dirty="0"/>
-              <a:t>        V1 = stim</a:t>
-            </a:r>
-          </a:p>
-          <a:p>
-            <a:pPr marL="0" indent="0">
-              <a:buNone/>
-            </a:pPr>
-            <a:r>
-              <a:rPr lang="sv-SE" sz="1800" dirty="0"/>
-              <a:t>        V2 = </a:t>
-            </a:r>
-            <a:r>
-              <a:rPr lang="sv-SE" sz="1800" dirty="0" err="1"/>
-              <a:t>nil</a:t>
-            </a:r>
-            <a:endParaRPr lang="sv-SE" sz="1800" dirty="0"/>
-          </a:p>
-          <a:p>
-            <a:pPr marL="0" indent="0">
-              <a:buNone/>
-            </a:pPr>
-            <a:r>
-              <a:rPr lang="sv-SE" sz="1800" dirty="0"/>
-              <a:t>        ==&gt;</a:t>
-            </a:r>
-          </a:p>
-          <a:p>
-            <a:pPr marL="0" indent="0">
-              <a:buNone/>
-            </a:pPr>
-            <a:r>
-              <a:rPr lang="sv-SE" sz="1800" dirty="0"/>
-              <a:t>        </a:t>
-            </a:r>
-            <a:r>
-              <a:rPr lang="sv-SE" sz="1800" dirty="0" err="1"/>
-              <a:t>attend</a:t>
-            </a:r>
-            <a:r>
-              <a:rPr lang="sv-SE" sz="1800" dirty="0"/>
-              <a:t> -&gt; AC1</a:t>
-            </a:r>
-          </a:p>
-          <a:p>
-            <a:pPr marL="0" indent="0">
-              <a:buNone/>
-            </a:pPr>
-            <a:r>
-              <a:rPr lang="sv-SE" sz="1800" dirty="0"/>
+              <a:rPr lang="en-US" sz="1800" dirty="0"/>
+              <a:t>define skill focus-color {</a:t>
+            </a:r>
+          </a:p>
+          <a:p>
+            <a:pPr marL="0" indent="0">
+              <a:buNone/>
+            </a:pPr>
+            <a:r>
+              <a:rPr lang="en-US" sz="1800" dirty="0"/>
+              <a:t> operator attend-just-color {</a:t>
+            </a:r>
+          </a:p>
+          <a:p>
+            <a:pPr marL="0" indent="0">
+              <a:buNone/>
+            </a:pPr>
+            <a:r>
+              <a:rPr lang="en-US" sz="1800" dirty="0"/>
+              <a:t>     V1 = </a:t>
+            </a:r>
+            <a:r>
+              <a:rPr lang="en-US" sz="1800" dirty="0" err="1"/>
+              <a:t>stim</a:t>
+            </a:r>
+            <a:endParaRPr lang="en-US" sz="1800" dirty="0"/>
+          </a:p>
+          <a:p>
+            <a:pPr marL="0" indent="0">
+              <a:buNone/>
+            </a:pPr>
+            <a:r>
+              <a:rPr lang="en-US" sz="1800" dirty="0"/>
+              <a:t>     V2 = nil</a:t>
+            </a:r>
+          </a:p>
+          <a:p>
+            <a:pPr marL="0" indent="0">
+              <a:buNone/>
+            </a:pPr>
+            <a:r>
+              <a:rPr lang="en-US" sz="1800" dirty="0"/>
+              <a:t>     ==&gt; </a:t>
+            </a:r>
+          </a:p>
+          <a:p>
+            <a:pPr marL="0" indent="0">
+              <a:buNone/>
+            </a:pPr>
+            <a:r>
+              <a:rPr lang="en-US" sz="1800" dirty="0"/>
+              <a:t>     attend-color -&gt; AC1</a:t>
+            </a:r>
+          </a:p>
+          <a:p>
+            <a:pPr marL="0" indent="0">
+              <a:buNone/>
+            </a:pPr>
+            <a:r>
+              <a:rPr lang="en-US" sz="1800" dirty="0"/>
               <a:t>    }</a:t>
             </a:r>
-            <a:endParaRPr lang="en-US" sz="1800" dirty="0"/>
+          </a:p>
+          <a:p>
+            <a:pPr marL="0" indent="0">
+              <a:buNone/>
+            </a:pPr>
+            <a:r>
+              <a:rPr lang="en-US" sz="1800" dirty="0"/>
+              <a:t>}</a:t>
+            </a:r>
           </a:p>
         </p:txBody>
       </p:sp>
     </p:spTree>
     <p:extLst>
       <p:ext uri="{BB962C8B-B14F-4D97-AF65-F5344CB8AC3E}">
-        <p14:creationId xmlns:p14="http://schemas.microsoft.com/office/powerpoint/2010/main" val="1686833066"/>
+        <p14:creationId xmlns:p14="http://schemas.microsoft.com/office/powerpoint/2010/main" val="1017321905"/>
       </p:ext>
     </p:extLst>
   </p:cSld>
@@ -9056,7 +9779,7 @@
 </file>
 
 <file path=ppt/slides/slide20.xml><?xml version="1.0" encoding="utf-8"?>
-<p:sld xmlns:a="http://schemas.openxmlformats.org/drawingml/2006/main" xmlns:r="http://schemas.openxmlformats.org/officeDocument/2006/relationships" xmlns:p="http://schemas.openxmlformats.org/presentationml/2006/main" show="0">
+<p:sld xmlns:a="http://schemas.openxmlformats.org/drawingml/2006/main" xmlns:r="http://schemas.openxmlformats.org/officeDocument/2006/relationships" xmlns:p="http://schemas.openxmlformats.org/presentationml/2006/main">
   <p:cSld>
     <p:spTree>
       <p:nvGrpSpPr>
@@ -9074,7 +9797,7 @@
       </p:grpSpPr>
       <p:sp>
         <p:nvSpPr>
-          <p:cNvPr id="5" name="Title 4"/>
+          <p:cNvPr id="2" name="Title 1"/>
           <p:cNvSpPr>
             <a:spLocks noGrp="1"/>
           </p:cNvSpPr>
@@ -9089,24 +9812,19 @@
           <a:p>
             <a:r>
               <a:rPr lang="en-US" dirty="0"/>
-              <a:t>Running the model multiple times: </a:t>
-            </a:r>
-            <a:r>
-              <a:rPr lang="en-US" dirty="0" err="1"/>
-              <a:t>taskswitchstrooptransfer.bprims</a:t>
-            </a:r>
-            <a:endParaRPr lang="en-US" dirty="0"/>
-          </a:p>
-        </p:txBody>
-      </p:sp>
-      <p:sp>
-        <p:nvSpPr>
-          <p:cNvPr id="6" name="Content Placeholder 5"/>
+              <a:t>Competition</a:t>
+            </a:r>
+          </a:p>
+        </p:txBody>
+      </p:sp>
+      <p:sp>
+        <p:nvSpPr>
+          <p:cNvPr id="3" name="Content Placeholder 2"/>
           <p:cNvSpPr>
             <a:spLocks noGrp="1"/>
           </p:cNvSpPr>
           <p:nvPr>
-            <p:ph idx="1"/>
+            <p:ph sz="half" idx="1"/>
           </p:nvPr>
         </p:nvSpPr>
         <p:spPr/>
@@ -9118,109 +9836,166 @@
               <a:buNone/>
             </a:pPr>
             <a:r>
-              <a:rPr lang="en-US" dirty="0"/>
-              <a:t>repeat 10</a:t>
-            </a:r>
-          </a:p>
-          <a:p>
-            <a:pPr marL="0" indent="0">
-              <a:buNone/>
-            </a:pPr>
-            <a:r>
-              <a:rPr lang="en-US" dirty="0"/>
-              <a:t>reset</a:t>
-            </a:r>
-          </a:p>
-          <a:p>
-            <a:pPr marL="0" indent="0">
-              <a:buNone/>
-            </a:pPr>
-            <a:r>
-              <a:rPr lang="en-US" dirty="0"/>
-              <a:t>run </a:t>
-            </a:r>
-            <a:r>
-              <a:rPr lang="en-US" dirty="0" err="1"/>
-              <a:t>stroop</a:t>
-            </a:r>
-            <a:r>
-              <a:rPr lang="en-US" dirty="0"/>
-              <a:t> </a:t>
-            </a:r>
-            <a:r>
-              <a:rPr lang="en-US" dirty="0" err="1"/>
-              <a:t>stroopcontrol</a:t>
-            </a:r>
-            <a:r>
-              <a:rPr lang="en-US" dirty="0"/>
-              <a:t> 50</a:t>
-            </a:r>
-          </a:p>
-          <a:p>
-            <a:pPr marL="0" indent="0">
-              <a:buNone/>
-            </a:pPr>
-            <a:r>
-              <a:rPr lang="en-US" dirty="0"/>
-              <a:t>reset</a:t>
-            </a:r>
-          </a:p>
-          <a:p>
-            <a:pPr marL="0" indent="0">
-              <a:buNone/>
-            </a:pPr>
-            <a:r>
-              <a:rPr lang="en-US" dirty="0"/>
-              <a:t>run </a:t>
-            </a:r>
-            <a:r>
-              <a:rPr lang="en-US" dirty="0" err="1"/>
-              <a:t>taskswitching</a:t>
-            </a:r>
-            <a:r>
-              <a:rPr lang="en-US" dirty="0"/>
-              <a:t> </a:t>
-            </a:r>
-            <a:r>
-              <a:rPr lang="en-US" dirty="0" err="1"/>
-              <a:t>taskswitching</a:t>
-            </a:r>
-            <a:r>
-              <a:rPr lang="en-US" dirty="0"/>
-              <a:t> 300</a:t>
-            </a:r>
-          </a:p>
-          <a:p>
-            <a:pPr marL="0" indent="0">
-              <a:buNone/>
-            </a:pPr>
-            <a:r>
-              <a:rPr lang="en-US" dirty="0"/>
-              <a:t>run </a:t>
-            </a:r>
-            <a:r>
-              <a:rPr lang="en-US" dirty="0" err="1"/>
-              <a:t>stroop</a:t>
-            </a:r>
-            <a:r>
-              <a:rPr lang="en-US" dirty="0"/>
-              <a:t> </a:t>
-            </a:r>
-            <a:r>
-              <a:rPr lang="en-US" dirty="0" err="1"/>
-              <a:t>strooptransfer</a:t>
-            </a:r>
-            <a:r>
-              <a:rPr lang="en-US" dirty="0"/>
-              <a:t> 50</a:t>
-            </a:r>
+              <a:rPr lang="en-US" sz="1800" dirty="0"/>
+              <a:t> operator attend-just-color {</a:t>
+            </a:r>
+          </a:p>
+          <a:p>
+            <a:pPr marL="0" indent="0">
+              <a:buNone/>
+            </a:pPr>
+            <a:r>
+              <a:rPr lang="en-US" sz="1800" dirty="0"/>
+              <a:t>     V1 = </a:t>
+            </a:r>
+            <a:r>
+              <a:rPr lang="en-US" sz="1800" dirty="0" err="1"/>
+              <a:t>stim</a:t>
+            </a:r>
+            <a:endParaRPr lang="en-US" sz="1800" dirty="0"/>
+          </a:p>
+          <a:p>
+            <a:pPr marL="0" indent="0">
+              <a:buNone/>
+            </a:pPr>
+            <a:r>
+              <a:rPr lang="en-US" sz="1800" dirty="0"/>
+              <a:t>     V2 = nil</a:t>
+            </a:r>
+          </a:p>
+          <a:p>
+            <a:pPr marL="0" indent="0">
+              <a:buNone/>
+            </a:pPr>
+            <a:r>
+              <a:rPr lang="en-US" sz="1800" dirty="0"/>
+              <a:t>     ==&gt; </a:t>
+            </a:r>
+          </a:p>
+          <a:p>
+            <a:pPr marL="0" indent="0">
+              <a:buNone/>
+            </a:pPr>
+            <a:r>
+              <a:rPr lang="en-US" sz="1800" dirty="0"/>
+              <a:t>     attend-color -&gt; AC1</a:t>
+            </a:r>
+          </a:p>
+          <a:p>
+            <a:pPr marL="0" indent="0">
+              <a:buNone/>
+            </a:pPr>
+            <a:r>
+              <a:rPr lang="en-US" sz="1800" dirty="0"/>
+              <a:t>    }</a:t>
+            </a:r>
+          </a:p>
+        </p:txBody>
+      </p:sp>
+      <p:sp>
+        <p:nvSpPr>
+          <p:cNvPr id="4" name="Content Placeholder 3"/>
+          <p:cNvSpPr>
+            <a:spLocks noGrp="1"/>
+          </p:cNvSpPr>
+          <p:nvPr>
+            <p:ph sz="half" idx="2"/>
+          </p:nvPr>
+        </p:nvSpPr>
+        <p:spPr/>
+        <p:txBody>
+          <a:bodyPr/>
+          <a:lstStyle/>
+          <a:p>
+            <a:pPr marL="0" indent="0">
+              <a:buNone/>
+            </a:pPr>
+            <a:r>
+              <a:rPr lang="sv-SE" sz="1800" dirty="0"/>
+              <a:t> operator </a:t>
+            </a:r>
+            <a:r>
+              <a:rPr lang="sv-SE" sz="1800" dirty="0" err="1"/>
+              <a:t>attend</a:t>
+            </a:r>
+            <a:r>
+              <a:rPr lang="sv-SE" sz="1800" dirty="0"/>
+              <a:t> (</a:t>
+            </a:r>
+            <a:r>
+              <a:rPr lang="sv-SE" sz="1800" dirty="0" err="1"/>
+              <a:t>activation</a:t>
+            </a:r>
+            <a:r>
+              <a:rPr lang="sv-SE" sz="1800" dirty="0"/>
+              <a:t>=1.5) {</a:t>
+            </a:r>
+          </a:p>
+          <a:p>
+            <a:pPr marL="0" indent="0">
+              <a:buNone/>
+            </a:pPr>
+            <a:r>
+              <a:rPr lang="sv-SE" sz="1800" dirty="0"/>
+              <a:t>        V1 = stim</a:t>
+            </a:r>
+          </a:p>
+          <a:p>
+            <a:pPr marL="0" indent="0">
+              <a:buNone/>
+            </a:pPr>
+            <a:r>
+              <a:rPr lang="sv-SE" sz="1800" dirty="0"/>
+              <a:t>        V2 = </a:t>
+            </a:r>
+            <a:r>
+              <a:rPr lang="sv-SE" sz="1800" dirty="0" err="1"/>
+              <a:t>nil</a:t>
+            </a:r>
+            <a:endParaRPr lang="sv-SE" sz="1800" dirty="0"/>
+          </a:p>
+          <a:p>
+            <a:pPr marL="0" indent="0">
+              <a:buNone/>
+            </a:pPr>
+            <a:r>
+              <a:rPr lang="sv-SE" sz="1800" dirty="0"/>
+              <a:t>        ==&gt;</a:t>
+            </a:r>
+          </a:p>
+          <a:p>
+            <a:pPr marL="0" indent="0">
+              <a:buNone/>
+            </a:pPr>
+            <a:r>
+              <a:rPr lang="sv-SE" sz="1800" dirty="0"/>
+              <a:t>        </a:t>
+            </a:r>
+            <a:r>
+              <a:rPr lang="sv-SE" sz="1800" dirty="0" err="1"/>
+              <a:t>attend</a:t>
+            </a:r>
+            <a:r>
+              <a:rPr lang="sv-SE" sz="1800" dirty="0"/>
+              <a:t> -&gt; AC1</a:t>
+            </a:r>
+          </a:p>
+          <a:p>
+            <a:pPr marL="0" indent="0">
+              <a:buNone/>
+            </a:pPr>
+            <a:r>
+              <a:rPr lang="sv-SE" sz="1800" dirty="0"/>
+              <a:t>    }</a:t>
+            </a:r>
+            <a:endParaRPr lang="en-US" sz="1800" dirty="0"/>
           </a:p>
         </p:txBody>
       </p:sp>
     </p:spTree>
     <p:extLst>
       <p:ext uri="{BB962C8B-B14F-4D97-AF65-F5344CB8AC3E}">
-        <p14:creationId xmlns:p14="http://schemas.microsoft.com/office/powerpoint/2010/main" val="814745430"/>
+        <p14:creationId xmlns:p14="http://schemas.microsoft.com/office/powerpoint/2010/main" val="1686833066"/>
       </p:ext>
     </p:extLst>
   </p:cSld>
@@ -9232,7 +10007,7 @@
 </file>
 
 <file path=ppt/slides/slide21.xml><?xml version="1.0" encoding="utf-8"?>
-<p:sld xmlns:a="http://schemas.openxmlformats.org/drawingml/2006/main" xmlns:r="http://schemas.openxmlformats.org/officeDocument/2006/relationships" xmlns:p="http://schemas.openxmlformats.org/presentationml/2006/main" show="0">
+<p:sld xmlns:a="http://schemas.openxmlformats.org/drawingml/2006/main" xmlns:r="http://schemas.openxmlformats.org/officeDocument/2006/relationships" xmlns:p="http://schemas.openxmlformats.org/presentationml/2006/main">
   <p:cSld>
     <p:spTree>
       <p:nvGrpSpPr>
@@ -9250,6 +10025,182 @@
       </p:grpSpPr>
       <p:sp>
         <p:nvSpPr>
+          <p:cNvPr id="5" name="Title 4"/>
+          <p:cNvSpPr>
+            <a:spLocks noGrp="1"/>
+          </p:cNvSpPr>
+          <p:nvPr>
+            <p:ph type="title"/>
+          </p:nvPr>
+        </p:nvSpPr>
+        <p:spPr/>
+        <p:txBody>
+          <a:bodyPr/>
+          <a:lstStyle/>
+          <a:p>
+            <a:r>
+              <a:rPr lang="en-US" dirty="0"/>
+              <a:t>Running the model multiple times: </a:t>
+            </a:r>
+            <a:r>
+              <a:rPr lang="en-US" dirty="0" err="1"/>
+              <a:t>taskswitchstrooptransfer.bprims</a:t>
+            </a:r>
+            <a:endParaRPr lang="en-US" dirty="0"/>
+          </a:p>
+        </p:txBody>
+      </p:sp>
+      <p:sp>
+        <p:nvSpPr>
+          <p:cNvPr id="6" name="Content Placeholder 5"/>
+          <p:cNvSpPr>
+            <a:spLocks noGrp="1"/>
+          </p:cNvSpPr>
+          <p:nvPr>
+            <p:ph idx="1"/>
+          </p:nvPr>
+        </p:nvSpPr>
+        <p:spPr/>
+        <p:txBody>
+          <a:bodyPr/>
+          <a:lstStyle/>
+          <a:p>
+            <a:pPr marL="0" indent="0">
+              <a:buNone/>
+            </a:pPr>
+            <a:r>
+              <a:rPr lang="en-US" dirty="0"/>
+              <a:t>repeat 10</a:t>
+            </a:r>
+          </a:p>
+          <a:p>
+            <a:pPr marL="0" indent="0">
+              <a:buNone/>
+            </a:pPr>
+            <a:r>
+              <a:rPr lang="en-US" dirty="0"/>
+              <a:t>reset</a:t>
+            </a:r>
+          </a:p>
+          <a:p>
+            <a:pPr marL="0" indent="0">
+              <a:buNone/>
+            </a:pPr>
+            <a:r>
+              <a:rPr lang="en-US" dirty="0"/>
+              <a:t>run </a:t>
+            </a:r>
+            <a:r>
+              <a:rPr lang="en-US" dirty="0" err="1"/>
+              <a:t>stroop</a:t>
+            </a:r>
+            <a:r>
+              <a:rPr lang="en-US" dirty="0"/>
+              <a:t> </a:t>
+            </a:r>
+            <a:r>
+              <a:rPr lang="en-US" dirty="0" err="1"/>
+              <a:t>stroopcontrol</a:t>
+            </a:r>
+            <a:r>
+              <a:rPr lang="en-US" dirty="0"/>
+              <a:t> 50</a:t>
+            </a:r>
+          </a:p>
+          <a:p>
+            <a:pPr marL="0" indent="0">
+              <a:buNone/>
+            </a:pPr>
+            <a:r>
+              <a:rPr lang="en-US" dirty="0"/>
+              <a:t>reset</a:t>
+            </a:r>
+          </a:p>
+          <a:p>
+            <a:pPr marL="0" indent="0">
+              <a:buNone/>
+            </a:pPr>
+            <a:r>
+              <a:rPr lang="en-US" dirty="0"/>
+              <a:t>run </a:t>
+            </a:r>
+            <a:r>
+              <a:rPr lang="en-US" dirty="0" err="1"/>
+              <a:t>taskswitching</a:t>
+            </a:r>
+            <a:r>
+              <a:rPr lang="en-US" dirty="0"/>
+              <a:t> </a:t>
+            </a:r>
+            <a:r>
+              <a:rPr lang="en-US" dirty="0" err="1"/>
+              <a:t>taskswitching</a:t>
+            </a:r>
+            <a:r>
+              <a:rPr lang="en-US" dirty="0"/>
+              <a:t> 300</a:t>
+            </a:r>
+          </a:p>
+          <a:p>
+            <a:pPr marL="0" indent="0">
+              <a:buNone/>
+            </a:pPr>
+            <a:r>
+              <a:rPr lang="en-US" dirty="0"/>
+              <a:t>run </a:t>
+            </a:r>
+            <a:r>
+              <a:rPr lang="en-US" dirty="0" err="1"/>
+              <a:t>stroop</a:t>
+            </a:r>
+            <a:r>
+              <a:rPr lang="en-US" dirty="0"/>
+              <a:t> </a:t>
+            </a:r>
+            <a:r>
+              <a:rPr lang="en-US" dirty="0" err="1"/>
+              <a:t>strooptransfer</a:t>
+            </a:r>
+            <a:r>
+              <a:rPr lang="en-US" dirty="0"/>
+              <a:t> 50</a:t>
+            </a:r>
+          </a:p>
+        </p:txBody>
+      </p:sp>
+    </p:spTree>
+    <p:extLst>
+      <p:ext uri="{BB962C8B-B14F-4D97-AF65-F5344CB8AC3E}">
+        <p14:creationId xmlns:p14="http://schemas.microsoft.com/office/powerpoint/2010/main" val="814745430"/>
+      </p:ext>
+    </p:extLst>
+  </p:cSld>
+  <p:clrMapOvr>
+    <a:masterClrMapping/>
+  </p:clrMapOvr>
+  <p:transition/>
+</p:sld>
+</file>
+
+<file path=ppt/slides/slide22.xml><?xml version="1.0" encoding="utf-8"?>
+<p:sld xmlns:a="http://schemas.openxmlformats.org/drawingml/2006/main" xmlns:r="http://schemas.openxmlformats.org/officeDocument/2006/relationships" xmlns:p="http://schemas.openxmlformats.org/presentationml/2006/main">
+  <p:cSld>
+    <p:spTree>
+      <p:nvGrpSpPr>
+        <p:cNvPr id="1" name=""/>
+        <p:cNvGrpSpPr/>
+        <p:nvPr/>
+      </p:nvGrpSpPr>
+      <p:grpSpPr>
+        <a:xfrm>
+          <a:off x="0" y="0"/>
+          <a:ext cx="0" cy="0"/>
+          <a:chOff x="0" y="0"/>
+          <a:chExt cx="0" cy="0"/>
+        </a:xfrm>
+      </p:grpSpPr>
+      <p:sp>
+        <p:nvSpPr>
           <p:cNvPr id="7" name="Title 6"/>
           <p:cNvSpPr>
             <a:spLocks noGrp="1"/>
@@ -9312,8 +10263,8 @@
 </p:sld>
 </file>
 
-<file path=ppt/slides/slide22.xml><?xml version="1.0" encoding="utf-8"?>
-<p:sld xmlns:a="http://schemas.openxmlformats.org/drawingml/2006/main" xmlns:r="http://schemas.openxmlformats.org/officeDocument/2006/relationships" xmlns:p="http://schemas.openxmlformats.org/presentationml/2006/main" show="0">
+<file path=ppt/slides/slide23.xml><?xml version="1.0" encoding="utf-8"?>
+<p:sld xmlns:a="http://schemas.openxmlformats.org/drawingml/2006/main" xmlns:r="http://schemas.openxmlformats.org/officeDocument/2006/relationships" xmlns:p="http://schemas.openxmlformats.org/presentationml/2006/main">
   <p:cSld>
     <p:spTree>
       <p:nvGrpSpPr>
@@ -9389,93 +10340,6 @@
 </p:sld>
 </file>
 
-<file path=ppt/slides/slide23.xml><?xml version="1.0" encoding="utf-8"?>
-<p:sld xmlns:a="http://schemas.openxmlformats.org/drawingml/2006/main" xmlns:r="http://schemas.openxmlformats.org/officeDocument/2006/relationships" xmlns:p="http://schemas.openxmlformats.org/presentationml/2006/main">
-  <p:cSld>
-    <p:spTree>
-      <p:nvGrpSpPr>
-        <p:cNvPr id="1" name=""/>
-        <p:cNvGrpSpPr/>
-        <p:nvPr/>
-      </p:nvGrpSpPr>
-      <p:grpSpPr>
-        <a:xfrm>
-          <a:off x="0" y="0"/>
-          <a:ext cx="0" cy="0"/>
-          <a:chOff x="0" y="0"/>
-          <a:chExt cx="0" cy="0"/>
-        </a:xfrm>
-      </p:grpSpPr>
-      <p:sp>
-        <p:nvSpPr>
-          <p:cNvPr id="4" name="Title 3"/>
-          <p:cNvSpPr>
-            <a:spLocks noGrp="1"/>
-          </p:cNvSpPr>
-          <p:nvPr>
-            <p:ph type="title"/>
-          </p:nvPr>
-        </p:nvSpPr>
-        <p:spPr/>
-        <p:txBody>
-          <a:bodyPr/>
-          <a:lstStyle/>
-          <a:p>
-            <a:r>
-              <a:rPr lang="en-US" dirty="0"/>
-              <a:t>Learning operators from primitive operations</a:t>
-            </a:r>
-          </a:p>
-        </p:txBody>
-      </p:sp>
-      <p:sp>
-        <p:nvSpPr>
-          <p:cNvPr id="7" name="Content Placeholder 6"/>
-          <p:cNvSpPr>
-            <a:spLocks noGrp="1"/>
-          </p:cNvSpPr>
-          <p:nvPr>
-            <p:ph idx="1"/>
-          </p:nvPr>
-        </p:nvSpPr>
-        <p:spPr/>
-        <p:txBody>
-          <a:bodyPr/>
-          <a:lstStyle/>
-          <a:p>
-            <a:r>
-              <a:rPr lang="en-US" dirty="0"/>
-              <a:t>Count-learn was an example of learning a skill based on individual operators</a:t>
-            </a:r>
-          </a:p>
-          <a:p>
-            <a:r>
-              <a:rPr lang="en-US" dirty="0"/>
-              <a:t>Stroop/Task Switching was an example of learning a task based on existing skills</a:t>
-            </a:r>
-          </a:p>
-          <a:p>
-            <a:r>
-              <a:rPr lang="en-US" dirty="0"/>
-              <a:t>But can we also learn Operators out of PRIMs?</a:t>
-            </a:r>
-          </a:p>
-        </p:txBody>
-      </p:sp>
-    </p:spTree>
-    <p:extLst>
-      <p:ext uri="{BB962C8B-B14F-4D97-AF65-F5344CB8AC3E}">
-        <p14:creationId xmlns:p14="http://schemas.microsoft.com/office/powerpoint/2010/main" val="2717534760"/>
-      </p:ext>
-    </p:extLst>
-  </p:cSld>
-  <p:clrMapOvr>
-    <a:masterClrMapping/>
-  </p:clrMapOvr>
-  <p:transition/>
-</p:sld>
-</file>
-
 <file path=ppt/slides/slide24.xml><?xml version="1.0" encoding="utf-8"?>
 <p:sld xmlns:a="http://schemas.openxmlformats.org/drawingml/2006/main" xmlns:r="http://schemas.openxmlformats.org/officeDocument/2006/relationships" xmlns:p="http://schemas.openxmlformats.org/presentationml/2006/main">
   <p:cSld>
@@ -9495,7 +10359,7 @@
       </p:grpSpPr>
       <p:sp>
         <p:nvSpPr>
-          <p:cNvPr id="2" name="Title 1"/>
+          <p:cNvPr id="4" name="Title 3"/>
           <p:cNvSpPr>
             <a:spLocks noGrp="1"/>
           </p:cNvSpPr>
@@ -9510,14 +10374,14 @@
           <a:p>
             <a:r>
               <a:rPr lang="en-US" dirty="0"/>
-              <a:t>Approach</a:t>
-            </a:r>
-          </a:p>
-        </p:txBody>
-      </p:sp>
-      <p:sp>
-        <p:nvSpPr>
-          <p:cNvPr id="3" name="Content Placeholder 2"/>
+              <a:t>Learning operators from primitive operations</a:t>
+            </a:r>
+          </a:p>
+        </p:txBody>
+      </p:sp>
+      <p:sp>
+        <p:nvSpPr>
+          <p:cNvPr id="7" name="Content Placeholder 6"/>
           <p:cNvSpPr>
             <a:spLocks noGrp="1"/>
           </p:cNvSpPr>
@@ -9532,19 +10396,19 @@
           <a:p>
             <a:r>
               <a:rPr lang="en-US" dirty="0"/>
-              <a:t>Start with operators that only perform a single PRIM</a:t>
+              <a:t>Count-learn was an example of learning a skill based on individual operators</a:t>
             </a:r>
           </a:p>
           <a:p>
             <a:r>
               <a:rPr lang="en-US" dirty="0"/>
-              <a:t>Use reinforcement learning to discover which PRIMs go well with a certain task/skill</a:t>
+              <a:t>Stroop/Task Switching was an example of learning a task based on existing skills</a:t>
             </a:r>
           </a:p>
           <a:p>
             <a:r>
               <a:rPr lang="en-US" dirty="0"/>
-              <a:t>Use operator compilation to combine PRIMs into operators</a:t>
+              <a:t>But can we also learn Operators out of PRIMs?</a:t>
             </a:r>
           </a:p>
         </p:txBody>
@@ -9552,7 +10416,7 @@
     </p:spTree>
     <p:extLst>
       <p:ext uri="{BB962C8B-B14F-4D97-AF65-F5344CB8AC3E}">
-        <p14:creationId xmlns:p14="http://schemas.microsoft.com/office/powerpoint/2010/main" val="2108992352"/>
+        <p14:creationId xmlns:p14="http://schemas.microsoft.com/office/powerpoint/2010/main" val="2717534760"/>
       </p:ext>
     </p:extLst>
   </p:cSld>
@@ -9597,7 +10461,7 @@
           <a:p>
             <a:r>
               <a:rPr lang="en-US" dirty="0"/>
-              <a:t>Lower level of abstraction</a:t>
+              <a:t>Approach</a:t>
             </a:r>
           </a:p>
         </p:txBody>
@@ -9619,21 +10483,19 @@
           <a:p>
             <a:r>
               <a:rPr lang="en-US" dirty="0"/>
-              <a:t>How can we learn operators from primitive operations?</a:t>
-            </a:r>
-          </a:p>
-          <a:p>
-            <a:pPr lvl="1"/>
+              <a:t>Start with operators that only perform a single PRIM</a:t>
+            </a:r>
+          </a:p>
+          <a:p>
             <a:r>
               <a:rPr lang="en-US" dirty="0"/>
-              <a:t>Construct basic operators with a single primitive operation</a:t>
-            </a:r>
-          </a:p>
-          <a:p>
-            <a:pPr lvl="1"/>
+              <a:t>Use reinforcement learning to discover which PRIMs go well with a certain task/skill</a:t>
+            </a:r>
+          </a:p>
+          <a:p>
             <a:r>
               <a:rPr lang="en-US" dirty="0"/>
-              <a:t>Use “operator compilation” and reinforcement learning to discover the knowledge needed for a task</a:t>
+              <a:t>Use operator compilation to combine PRIMs into operators</a:t>
             </a:r>
           </a:p>
         </p:txBody>
@@ -9641,7 +10503,7 @@
     </p:spTree>
     <p:extLst>
       <p:ext uri="{BB962C8B-B14F-4D97-AF65-F5344CB8AC3E}">
-        <p14:creationId xmlns:p14="http://schemas.microsoft.com/office/powerpoint/2010/main" val="4069719179"/>
+        <p14:creationId xmlns:p14="http://schemas.microsoft.com/office/powerpoint/2010/main" val="2108992352"/>
       </p:ext>
     </p:extLst>
   </p:cSld>
@@ -9686,7 +10548,7 @@
           <a:p>
             <a:r>
               <a:rPr lang="en-US" dirty="0"/>
-              <a:t>Example: Choice-reaction task</a:t>
+              <a:t>Lower level of abstraction</a:t>
             </a:r>
           </a:p>
         </p:txBody>
@@ -9706,146 +10568,31 @@
           <a:bodyPr/>
           <a:lstStyle/>
           <a:p>
-            <a:pPr marL="0" indent="0">
-              <a:buNone/>
-            </a:pPr>
-            <a:r>
-              <a:rPr lang="en-US" sz="2000" dirty="0">
-                <a:latin typeface="Courier"/>
-                <a:cs typeface="Courier"/>
-              </a:rPr>
-              <a:t>define facts {</a:t>
-            </a:r>
-          </a:p>
-          <a:p>
-            <a:pPr marL="0" indent="0">
-              <a:buNone/>
-            </a:pPr>
-            <a:r>
-              <a:rPr lang="en-US" sz="2000" dirty="0">
-                <a:latin typeface="Courier"/>
-                <a:cs typeface="Courier"/>
-              </a:rPr>
-              <a:t>	(f1 associate vanilla thumb)</a:t>
-            </a:r>
-          </a:p>
-          <a:p>
-            <a:pPr marL="0" indent="0">
-              <a:buNone/>
-            </a:pPr>
-            <a:r>
-              <a:rPr lang="en-US" sz="2000" dirty="0">
-                <a:latin typeface="Courier"/>
-                <a:cs typeface="Courier"/>
-              </a:rPr>
-              <a:t>	(f2 associate ice ring)</a:t>
-            </a:r>
-          </a:p>
-          <a:p>
-            <a:pPr marL="0" indent="0">
-              <a:buNone/>
-            </a:pPr>
-            <a:r>
-              <a:rPr lang="en-US" sz="2000" dirty="0">
-                <a:latin typeface="Courier"/>
-                <a:cs typeface="Courier"/>
-              </a:rPr>
-              <a:t>	(f3 associate paper pinkie)</a:t>
-            </a:r>
-          </a:p>
-          <a:p>
-            <a:pPr marL="0" indent="0">
-              <a:buNone/>
-            </a:pPr>
-            <a:r>
-              <a:rPr lang="en-US" sz="2000" dirty="0">
-                <a:latin typeface="Courier"/>
-                <a:cs typeface="Courier"/>
-              </a:rPr>
-              <a:t>	(fa1 taste vanilla sweet)</a:t>
-            </a:r>
-          </a:p>
-          <a:p>
-            <a:pPr marL="0" indent="0">
-              <a:buNone/>
-            </a:pPr>
-            <a:r>
-              <a:rPr lang="en-US" sz="2000" dirty="0">
-                <a:latin typeface="Courier"/>
-                <a:cs typeface="Courier"/>
-              </a:rPr>
-              <a:t>	(fa2 temperature ice cold)</a:t>
-            </a:r>
-          </a:p>
-          <a:p>
-            <a:pPr marL="0" indent="0">
-              <a:buNone/>
-            </a:pPr>
-            <a:r>
-              <a:rPr lang="en-US" sz="2000" dirty="0">
-                <a:latin typeface="Courier"/>
-                <a:cs typeface="Courier"/>
-              </a:rPr>
-              <a:t>	(fa3 weight paper small)</a:t>
-            </a:r>
-          </a:p>
-          <a:p>
-            <a:pPr marL="0" indent="0">
-              <a:buNone/>
-            </a:pPr>
-            <a:r>
-              <a:rPr lang="en-US" sz="2000" dirty="0">
-                <a:latin typeface="Courier"/>
-                <a:cs typeface="Courier"/>
-              </a:rPr>
-              <a:t>	(fb1 color vanilla yellow)</a:t>
-            </a:r>
-          </a:p>
-          <a:p>
-            <a:pPr marL="0" indent="0">
-              <a:buNone/>
-            </a:pPr>
-            <a:r>
-              <a:rPr lang="en-US" sz="2000" dirty="0">
-                <a:latin typeface="Courier"/>
-                <a:cs typeface="Courier"/>
-              </a:rPr>
-              <a:t>	(fb2 texture ice slippery)</a:t>
-            </a:r>
-          </a:p>
-          <a:p>
-            <a:pPr marL="0" indent="0">
-              <a:buNone/>
-            </a:pPr>
-            <a:r>
-              <a:rPr lang="en-US" sz="2000" dirty="0">
-                <a:latin typeface="Courier"/>
-                <a:cs typeface="Courier"/>
-              </a:rPr>
-              <a:t>	(fb3 color paper white)</a:t>
-            </a:r>
-          </a:p>
-          <a:p>
-            <a:pPr marL="0" indent="0">
-              <a:buNone/>
-            </a:pPr>
-            <a:r>
-              <a:rPr lang="en-US" sz="2000" dirty="0">
-                <a:latin typeface="Courier"/>
-                <a:cs typeface="Courier"/>
-              </a:rPr>
-              <a:t>}</a:t>
-            </a:r>
-          </a:p>
-          <a:p>
-            <a:endParaRPr lang="en-US" dirty="0"/>
+            <a:r>
+              <a:rPr lang="en-US" dirty="0"/>
+              <a:t>How can we learn operators from primitive operations?</a:t>
+            </a:r>
+          </a:p>
+          <a:p>
+            <a:pPr lvl="1"/>
+            <a:r>
+              <a:rPr lang="en-US" dirty="0"/>
+              <a:t>Construct basic operators with a single primitive operation</a:t>
+            </a:r>
+          </a:p>
+          <a:p>
+            <a:pPr lvl="1"/>
+            <a:r>
+              <a:rPr lang="en-US" dirty="0"/>
+              <a:t>Use “operator compilation” and reinforcement learning to discover the knowledge needed for a task</a:t>
+            </a:r>
           </a:p>
         </p:txBody>
       </p:sp>
     </p:spTree>
     <p:extLst>
       <p:ext uri="{BB962C8B-B14F-4D97-AF65-F5344CB8AC3E}">
-        <p14:creationId xmlns:p14="http://schemas.microsoft.com/office/powerpoint/2010/main" val="3846947874"/>
+        <p14:creationId xmlns:p14="http://schemas.microsoft.com/office/powerpoint/2010/main" val="4069719179"/>
       </p:ext>
     </p:extLst>
   </p:cSld>
@@ -9890,6 +10637,210 @@
           <a:p>
             <a:r>
               <a:rPr lang="en-US" dirty="0"/>
+              <a:t>Example: Choice-reaction task</a:t>
+            </a:r>
+          </a:p>
+        </p:txBody>
+      </p:sp>
+      <p:sp>
+        <p:nvSpPr>
+          <p:cNvPr id="3" name="Content Placeholder 2"/>
+          <p:cNvSpPr>
+            <a:spLocks noGrp="1"/>
+          </p:cNvSpPr>
+          <p:nvPr>
+            <p:ph idx="1"/>
+          </p:nvPr>
+        </p:nvSpPr>
+        <p:spPr/>
+        <p:txBody>
+          <a:bodyPr/>
+          <a:lstStyle/>
+          <a:p>
+            <a:pPr marL="0" indent="0">
+              <a:buNone/>
+            </a:pPr>
+            <a:r>
+              <a:rPr lang="en-US" sz="2000" dirty="0">
+                <a:latin typeface="Courier"/>
+                <a:cs typeface="Courier"/>
+              </a:rPr>
+              <a:t>define facts {</a:t>
+            </a:r>
+          </a:p>
+          <a:p>
+            <a:pPr marL="0" indent="0">
+              <a:buNone/>
+            </a:pPr>
+            <a:r>
+              <a:rPr lang="en-US" sz="2000" dirty="0">
+                <a:latin typeface="Courier"/>
+                <a:cs typeface="Courier"/>
+              </a:rPr>
+              <a:t>	(f1 associate vanilla thumb)</a:t>
+            </a:r>
+          </a:p>
+          <a:p>
+            <a:pPr marL="0" indent="0">
+              <a:buNone/>
+            </a:pPr>
+            <a:r>
+              <a:rPr lang="en-US" sz="2000" dirty="0">
+                <a:latin typeface="Courier"/>
+                <a:cs typeface="Courier"/>
+              </a:rPr>
+              <a:t>	(f2 associate ice ring)</a:t>
+            </a:r>
+          </a:p>
+          <a:p>
+            <a:pPr marL="0" indent="0">
+              <a:buNone/>
+            </a:pPr>
+            <a:r>
+              <a:rPr lang="en-US" sz="2000" dirty="0">
+                <a:latin typeface="Courier"/>
+                <a:cs typeface="Courier"/>
+              </a:rPr>
+              <a:t>	(f3 associate paper pinkie)</a:t>
+            </a:r>
+          </a:p>
+          <a:p>
+            <a:pPr marL="0" indent="0">
+              <a:buNone/>
+            </a:pPr>
+            <a:r>
+              <a:rPr lang="en-US" sz="2000" dirty="0">
+                <a:latin typeface="Courier"/>
+                <a:cs typeface="Courier"/>
+              </a:rPr>
+              <a:t>	(fa1 taste vanilla sweet)</a:t>
+            </a:r>
+          </a:p>
+          <a:p>
+            <a:pPr marL="0" indent="0">
+              <a:buNone/>
+            </a:pPr>
+            <a:r>
+              <a:rPr lang="en-US" sz="2000" dirty="0">
+                <a:latin typeface="Courier"/>
+                <a:cs typeface="Courier"/>
+              </a:rPr>
+              <a:t>	(fa2 temperature ice cold)</a:t>
+            </a:r>
+          </a:p>
+          <a:p>
+            <a:pPr marL="0" indent="0">
+              <a:buNone/>
+            </a:pPr>
+            <a:r>
+              <a:rPr lang="en-US" sz="2000" dirty="0">
+                <a:latin typeface="Courier"/>
+                <a:cs typeface="Courier"/>
+              </a:rPr>
+              <a:t>	(fa3 weight paper small)</a:t>
+            </a:r>
+          </a:p>
+          <a:p>
+            <a:pPr marL="0" indent="0">
+              <a:buNone/>
+            </a:pPr>
+            <a:r>
+              <a:rPr lang="en-US" sz="2000" dirty="0">
+                <a:latin typeface="Courier"/>
+                <a:cs typeface="Courier"/>
+              </a:rPr>
+              <a:t>	(fb1 color vanilla yellow)</a:t>
+            </a:r>
+          </a:p>
+          <a:p>
+            <a:pPr marL="0" indent="0">
+              <a:buNone/>
+            </a:pPr>
+            <a:r>
+              <a:rPr lang="en-US" sz="2000" dirty="0">
+                <a:latin typeface="Courier"/>
+                <a:cs typeface="Courier"/>
+              </a:rPr>
+              <a:t>	(fb2 texture ice slippery)</a:t>
+            </a:r>
+          </a:p>
+          <a:p>
+            <a:pPr marL="0" indent="0">
+              <a:buNone/>
+            </a:pPr>
+            <a:r>
+              <a:rPr lang="en-US" sz="2000" dirty="0">
+                <a:latin typeface="Courier"/>
+                <a:cs typeface="Courier"/>
+              </a:rPr>
+              <a:t>	(fb3 color paper white)</a:t>
+            </a:r>
+          </a:p>
+          <a:p>
+            <a:pPr marL="0" indent="0">
+              <a:buNone/>
+            </a:pPr>
+            <a:r>
+              <a:rPr lang="en-US" sz="2000" dirty="0">
+                <a:latin typeface="Courier"/>
+                <a:cs typeface="Courier"/>
+              </a:rPr>
+              <a:t>}</a:t>
+            </a:r>
+          </a:p>
+          <a:p>
+            <a:endParaRPr lang="en-US" dirty="0"/>
+          </a:p>
+        </p:txBody>
+      </p:sp>
+    </p:spTree>
+    <p:extLst>
+      <p:ext uri="{BB962C8B-B14F-4D97-AF65-F5344CB8AC3E}">
+        <p14:creationId xmlns:p14="http://schemas.microsoft.com/office/powerpoint/2010/main" val="3846947874"/>
+      </p:ext>
+    </p:extLst>
+  </p:cSld>
+  <p:clrMapOvr>
+    <a:masterClrMapping/>
+  </p:clrMapOvr>
+  <p:transition/>
+</p:sld>
+</file>
+
+<file path=ppt/slides/slide28.xml><?xml version="1.0" encoding="utf-8"?>
+<p:sld xmlns:a="http://schemas.openxmlformats.org/drawingml/2006/main" xmlns:r="http://schemas.openxmlformats.org/officeDocument/2006/relationships" xmlns:p="http://schemas.openxmlformats.org/presentationml/2006/main">
+  <p:cSld>
+    <p:spTree>
+      <p:nvGrpSpPr>
+        <p:cNvPr id="1" name=""/>
+        <p:cNvGrpSpPr/>
+        <p:nvPr/>
+      </p:nvGrpSpPr>
+      <p:grpSpPr>
+        <a:xfrm>
+          <a:off x="0" y="0"/>
+          <a:ext cx="0" cy="0"/>
+          <a:chOff x="0" y="0"/>
+          <a:chExt cx="0" cy="0"/>
+        </a:xfrm>
+      </p:grpSpPr>
+      <p:sp>
+        <p:nvSpPr>
+          <p:cNvPr id="2" name="Title 1"/>
+          <p:cNvSpPr>
+            <a:spLocks noGrp="1"/>
+          </p:cNvSpPr>
+          <p:nvPr>
+            <p:ph type="title"/>
+          </p:nvPr>
+        </p:nvSpPr>
+        <p:spPr/>
+        <p:txBody>
+          <a:bodyPr/>
+          <a:lstStyle/>
+          <a:p>
+            <a:r>
+              <a:rPr lang="en-US" dirty="0"/>
               <a:t>Example basic operators</a:t>
             </a:r>
           </a:p>
@@ -10181,7 +11132,7 @@
 </p:sld>
 </file>
 
-<file path=ppt/slides/slide28.xml><?xml version="1.0" encoding="utf-8"?>
+<file path=ppt/slides/slide29.xml><?xml version="1.0" encoding="utf-8"?>
 <p:sld xmlns:a="http://schemas.openxmlformats.org/drawingml/2006/main" xmlns:r="http://schemas.openxmlformats.org/officeDocument/2006/relationships" xmlns:p="http://schemas.openxmlformats.org/presentationml/2006/main">
   <p:cSld>
     <p:spTree>
@@ -10264,7 +11215,88 @@
 </p:sld>
 </file>
 
-<file path=ppt/slides/slide29.xml><?xml version="1.0" encoding="utf-8"?>
+<file path=ppt/slides/slide3.xml><?xml version="1.0" encoding="utf-8"?>
+<p:sld xmlns:a="http://schemas.openxmlformats.org/drawingml/2006/main" xmlns:r="http://schemas.openxmlformats.org/officeDocument/2006/relationships" xmlns:p="http://schemas.openxmlformats.org/presentationml/2006/main">
+  <p:cSld>
+    <p:spTree>
+      <p:nvGrpSpPr>
+        <p:cNvPr id="1" name=""/>
+        <p:cNvGrpSpPr/>
+        <p:nvPr/>
+      </p:nvGrpSpPr>
+      <p:grpSpPr>
+        <a:xfrm>
+          <a:off x="0" y="0"/>
+          <a:ext cx="0" cy="0"/>
+          <a:chOff x="0" y="0"/>
+          <a:chExt cx="0" cy="0"/>
+        </a:xfrm>
+      </p:grpSpPr>
+      <p:sp>
+        <p:nvSpPr>
+          <p:cNvPr id="2" name="Title 1"/>
+          <p:cNvSpPr>
+            <a:spLocks noGrp="1"/>
+          </p:cNvSpPr>
+          <p:nvPr>
+            <p:ph type="title"/>
+          </p:nvPr>
+        </p:nvSpPr>
+        <p:spPr/>
+        <p:txBody>
+          <a:bodyPr/>
+          <a:lstStyle/>
+          <a:p>
+            <a:r>
+              <a:rPr lang="en-US" dirty="0"/>
+              <a:t>Trial-and-error (possibly guided)</a:t>
+            </a:r>
+          </a:p>
+        </p:txBody>
+      </p:sp>
+      <p:sp>
+        <p:nvSpPr>
+          <p:cNvPr id="3" name="Content Placeholder 2"/>
+          <p:cNvSpPr>
+            <a:spLocks noGrp="1"/>
+          </p:cNvSpPr>
+          <p:nvPr>
+            <p:ph idx="1"/>
+          </p:nvPr>
+        </p:nvSpPr>
+        <p:spPr/>
+        <p:txBody>
+          <a:bodyPr/>
+          <a:lstStyle/>
+          <a:p>
+            <a:r>
+              <a:rPr lang="en-US" dirty="0"/>
+              <a:t>If we are successful in using an operator for a particular skill, we increase the association with that skill</a:t>
+            </a:r>
+          </a:p>
+          <a:p>
+            <a:r>
+              <a:rPr lang="en-US" dirty="0"/>
+              <a:t>We also increase the base-level activation of the operator</a:t>
+            </a:r>
+          </a:p>
+        </p:txBody>
+      </p:sp>
+    </p:spTree>
+    <p:extLst>
+      <p:ext uri="{BB962C8B-B14F-4D97-AF65-F5344CB8AC3E}">
+        <p14:creationId xmlns:p14="http://schemas.microsoft.com/office/powerpoint/2010/main" val="1109134038"/>
+      </p:ext>
+    </p:extLst>
+  </p:cSld>
+  <p:clrMapOvr>
+    <a:masterClrMapping/>
+  </p:clrMapOvr>
+  <p:transition/>
+</p:sld>
+</file>
+
+<file path=ppt/slides/slide30.xml><?xml version="1.0" encoding="utf-8"?>
 <p:sld xmlns:a="http://schemas.openxmlformats.org/drawingml/2006/main" xmlns:r="http://schemas.openxmlformats.org/officeDocument/2006/relationships" xmlns:p="http://schemas.openxmlformats.org/presentationml/2006/main">
   <p:cSld>
     <p:spTree>
@@ -10347,320 +11379,6 @@
 </p:sld>
 </file>
 
-<file path=ppt/slides/slide3.xml><?xml version="1.0" encoding="utf-8"?>
-<p:sld xmlns:a="http://schemas.openxmlformats.org/drawingml/2006/main" xmlns:r="http://schemas.openxmlformats.org/officeDocument/2006/relationships" xmlns:p="http://schemas.openxmlformats.org/presentationml/2006/main">
-  <p:cSld>
-    <p:spTree>
-      <p:nvGrpSpPr>
-        <p:cNvPr id="1" name=""/>
-        <p:cNvGrpSpPr/>
-        <p:nvPr/>
-      </p:nvGrpSpPr>
-      <p:grpSpPr>
-        <a:xfrm>
-          <a:off x="0" y="0"/>
-          <a:ext cx="0" cy="0"/>
-          <a:chOff x="0" y="0"/>
-          <a:chExt cx="0" cy="0"/>
-        </a:xfrm>
-      </p:grpSpPr>
-      <p:sp>
-        <p:nvSpPr>
-          <p:cNvPr id="2" name="Title 1"/>
-          <p:cNvSpPr>
-            <a:spLocks noGrp="1"/>
-          </p:cNvSpPr>
-          <p:nvPr>
-            <p:ph type="title"/>
-          </p:nvPr>
-        </p:nvSpPr>
-        <p:spPr/>
-        <p:txBody>
-          <a:bodyPr/>
-          <a:lstStyle/>
-          <a:p>
-            <a:r>
-              <a:rPr lang="en-US" dirty="0"/>
-              <a:t>Trial-and-error (possibly guided)</a:t>
-            </a:r>
-          </a:p>
-        </p:txBody>
-      </p:sp>
-      <p:sp>
-        <p:nvSpPr>
-          <p:cNvPr id="3" name="Content Placeholder 2"/>
-          <p:cNvSpPr>
-            <a:spLocks noGrp="1"/>
-          </p:cNvSpPr>
-          <p:nvPr>
-            <p:ph idx="1"/>
-          </p:nvPr>
-        </p:nvSpPr>
-        <p:spPr/>
-        <p:txBody>
-          <a:bodyPr/>
-          <a:lstStyle/>
-          <a:p>
-            <a:r>
-              <a:rPr lang="en-US" dirty="0"/>
-              <a:t>If we are successful in using an operator for a particular skill, we increase the association with that skill</a:t>
-            </a:r>
-          </a:p>
-          <a:p>
-            <a:r>
-              <a:rPr lang="en-US" dirty="0"/>
-              <a:t>We also increase the base-level activation of the operator</a:t>
-            </a:r>
-          </a:p>
-        </p:txBody>
-      </p:sp>
-    </p:spTree>
-    <p:extLst>
-      <p:ext uri="{BB962C8B-B14F-4D97-AF65-F5344CB8AC3E}">
-        <p14:creationId xmlns:p14="http://schemas.microsoft.com/office/powerpoint/2010/main" val="1109134038"/>
-      </p:ext>
-    </p:extLst>
-  </p:cSld>
-  <p:clrMapOvr>
-    <a:masterClrMapping/>
-  </p:clrMapOvr>
-  <p:transition/>
-</p:sld>
-</file>
-
-<file path=ppt/slides/slide30.xml><?xml version="1.0" encoding="utf-8"?>
-<p:sld xmlns:a="http://schemas.openxmlformats.org/drawingml/2006/main" xmlns:r="http://schemas.openxmlformats.org/officeDocument/2006/relationships" xmlns:p="http://schemas.openxmlformats.org/presentationml/2006/main">
-  <p:cSld>
-    <p:spTree>
-      <p:nvGrpSpPr>
-        <p:cNvPr id="1" name=""/>
-        <p:cNvGrpSpPr/>
-        <p:nvPr/>
-      </p:nvGrpSpPr>
-      <p:grpSpPr>
-        <a:xfrm>
-          <a:off x="0" y="0"/>
-          <a:ext cx="0" cy="0"/>
-          <a:chOff x="0" y="0"/>
-          <a:chExt cx="0" cy="0"/>
-        </a:xfrm>
-      </p:grpSpPr>
-      <p:sp>
-        <p:nvSpPr>
-          <p:cNvPr id="3" name="Title 2">
-            <a:extLst>
-              <a:ext uri="{FF2B5EF4-FFF2-40B4-BE49-F238E27FC236}">
-                <a16:creationId xmlns:a16="http://schemas.microsoft.com/office/drawing/2014/main" id="{52810686-38EC-AC48-9EB8-103193E2E6BD}"/>
-              </a:ext>
-            </a:extLst>
-          </p:cNvPr>
-          <p:cNvSpPr>
-            <a:spLocks noGrp="1"/>
-          </p:cNvSpPr>
-          <p:nvPr>
-            <p:ph type="title"/>
-          </p:nvPr>
-        </p:nvSpPr>
-        <p:spPr/>
-        <p:txBody>
-          <a:bodyPr/>
-          <a:lstStyle/>
-          <a:p>
-            <a:r>
-              <a:rPr lang="en-US" dirty="0"/>
-              <a:t>One possible solution</a:t>
-            </a:r>
-          </a:p>
-        </p:txBody>
-      </p:sp>
-      <p:sp>
-        <p:nvSpPr>
-          <p:cNvPr id="4" name="Content Placeholder 3">
-            <a:extLst>
-              <a:ext uri="{FF2B5EF4-FFF2-40B4-BE49-F238E27FC236}">
-                <a16:creationId xmlns:a16="http://schemas.microsoft.com/office/drawing/2014/main" id="{90C53EA1-5DAD-4148-B1FE-DC7C12BDFB55}"/>
-              </a:ext>
-            </a:extLst>
-          </p:cNvPr>
-          <p:cNvSpPr>
-            <a:spLocks noGrp="1"/>
-          </p:cNvSpPr>
-          <p:nvPr>
-            <p:ph sz="half" idx="1"/>
-          </p:nvPr>
-        </p:nvSpPr>
-        <p:spPr/>
-        <p:txBody>
-          <a:bodyPr/>
-          <a:lstStyle/>
-          <a:p>
-            <a:pPr marL="0" indent="0">
-              <a:buNone/>
-            </a:pPr>
-            <a:r>
-              <a:rPr lang="en-US" dirty="0">
-                <a:latin typeface="Courier" pitchFamily="2" charset="0"/>
-              </a:rPr>
-              <a:t>Operator 1</a:t>
-            </a:r>
-          </a:p>
-          <a:p>
-            <a:pPr marL="0" indent="0">
-              <a:buNone/>
-            </a:pPr>
-            <a:r>
-              <a:rPr lang="en-US" dirty="0">
-                <a:latin typeface="Courier" pitchFamily="2" charset="0"/>
-              </a:rPr>
-              <a:t>V1 &lt;&gt; nil</a:t>
-            </a:r>
-          </a:p>
-          <a:p>
-            <a:pPr marL="0" indent="0">
-              <a:buNone/>
-            </a:pPr>
-            <a:r>
-              <a:rPr lang="en-US" dirty="0">
-                <a:latin typeface="Courier" pitchFamily="2" charset="0"/>
-                <a:sym typeface="Wingdings" pitchFamily="2" charset="2"/>
-              </a:rPr>
-              <a:t>==&gt; </a:t>
-            </a:r>
-          </a:p>
-          <a:p>
-            <a:pPr marL="0" indent="0">
-              <a:buNone/>
-            </a:pPr>
-            <a:r>
-              <a:rPr lang="en-US" dirty="0">
-                <a:latin typeface="Courier" pitchFamily="2" charset="0"/>
-                <a:sym typeface="Wingdings" pitchFamily="2" charset="2"/>
-              </a:rPr>
-              <a:t>V1 -&gt; RT2</a:t>
-            </a:r>
-          </a:p>
-          <a:p>
-            <a:pPr marL="0" indent="0">
-              <a:buNone/>
-            </a:pPr>
-            <a:r>
-              <a:rPr lang="en-US" dirty="0">
-                <a:latin typeface="Courier" pitchFamily="2" charset="0"/>
-                <a:sym typeface="Wingdings" pitchFamily="2" charset="2"/>
-              </a:rPr>
-              <a:t>*fact-type -&gt; RT1</a:t>
-            </a:r>
-          </a:p>
-        </p:txBody>
-      </p:sp>
-      <p:sp>
-        <p:nvSpPr>
-          <p:cNvPr id="5" name="Content Placeholder 4">
-            <a:extLst>
-              <a:ext uri="{FF2B5EF4-FFF2-40B4-BE49-F238E27FC236}">
-                <a16:creationId xmlns:a16="http://schemas.microsoft.com/office/drawing/2014/main" id="{1058CBAA-7398-4342-813F-C3E022DB3AFE}"/>
-              </a:ext>
-            </a:extLst>
-          </p:cNvPr>
-          <p:cNvSpPr>
-            <a:spLocks noGrp="1"/>
-          </p:cNvSpPr>
-          <p:nvPr>
-            <p:ph sz="half" idx="2"/>
-          </p:nvPr>
-        </p:nvSpPr>
-        <p:spPr/>
-        <p:txBody>
-          <a:bodyPr/>
-          <a:lstStyle/>
-          <a:p>
-            <a:pPr marL="0" indent="0">
-              <a:buNone/>
-            </a:pPr>
-            <a:r>
-              <a:rPr lang="en-US" dirty="0">
-                <a:latin typeface="Courier" pitchFamily="2" charset="0"/>
-              </a:rPr>
-              <a:t>Operator 2</a:t>
-            </a:r>
-          </a:p>
-          <a:p>
-            <a:pPr marL="0" indent="0">
-              <a:buNone/>
-            </a:pPr>
-            <a:r>
-              <a:rPr lang="en-US" dirty="0">
-                <a:latin typeface="Courier" pitchFamily="2" charset="0"/>
-              </a:rPr>
-              <a:t>RT1 = *fact-type</a:t>
-            </a:r>
-          </a:p>
-          <a:p>
-            <a:pPr marL="0" indent="0">
-              <a:buNone/>
-            </a:pPr>
-            <a:r>
-              <a:rPr lang="en-US" dirty="0">
-                <a:latin typeface="Courier" pitchFamily="2" charset="0"/>
-              </a:rPr>
-              <a:t>RT3 &lt;&gt; nil</a:t>
-            </a:r>
-          </a:p>
-          <a:p>
-            <a:pPr marL="0" indent="0">
-              <a:buNone/>
-            </a:pPr>
-            <a:r>
-              <a:rPr lang="en-US" dirty="0">
-                <a:latin typeface="Courier" pitchFamily="2" charset="0"/>
-                <a:sym typeface="Wingdings" pitchFamily="2" charset="2"/>
-              </a:rPr>
-              <a:t>==&gt; </a:t>
-            </a:r>
-          </a:p>
-          <a:p>
-            <a:pPr marL="0" indent="0">
-              <a:buNone/>
-            </a:pPr>
-            <a:r>
-              <a:rPr lang="en-US" dirty="0">
-                <a:latin typeface="Courier" pitchFamily="2" charset="0"/>
-                <a:sym typeface="Wingdings" pitchFamily="2" charset="2"/>
-              </a:rPr>
-              <a:t>action -&gt; AC1</a:t>
-            </a:r>
-          </a:p>
-          <a:p>
-            <a:pPr marL="0" indent="0">
-              <a:buNone/>
-            </a:pPr>
-            <a:r>
-              <a:rPr lang="en-US" dirty="0">
-                <a:latin typeface="Courier" pitchFamily="2" charset="0"/>
-                <a:sym typeface="Wingdings" pitchFamily="2" charset="2"/>
-              </a:rPr>
-              <a:t>RT3 -&gt; AC2</a:t>
-            </a:r>
-            <a:endParaRPr lang="en-US" dirty="0">
-              <a:latin typeface="Courier" pitchFamily="2" charset="0"/>
-            </a:endParaRPr>
-          </a:p>
-        </p:txBody>
-      </p:sp>
-    </p:spTree>
-    <p:extLst>
-      <p:ext uri="{BB962C8B-B14F-4D97-AF65-F5344CB8AC3E}">
-        <p14:creationId xmlns:p14="http://schemas.microsoft.com/office/powerpoint/2010/main" val="2912577256"/>
-      </p:ext>
-    </p:extLst>
-  </p:cSld>
-  <p:clrMapOvr>
-    <a:masterClrMapping/>
-  </p:clrMapOvr>
-  <p:transition/>
-</p:sld>
-</file>
-
 <file path=ppt/slides/slide31.xml><?xml version="1.0" encoding="utf-8"?>
 <p:sld xmlns:a="http://schemas.openxmlformats.org/drawingml/2006/main" xmlns:r="http://schemas.openxmlformats.org/officeDocument/2006/relationships" xmlns:p="http://schemas.openxmlformats.org/presentationml/2006/main">
   <p:cSld>
@@ -10680,6 +11398,239 @@
       </p:grpSpPr>
       <p:sp>
         <p:nvSpPr>
+          <p:cNvPr id="3" name="Title 2">
+            <a:extLst>
+              <a:ext uri="{FF2B5EF4-FFF2-40B4-BE49-F238E27FC236}">
+                <a16:creationId xmlns:a16="http://schemas.microsoft.com/office/drawing/2014/main" id="{52810686-38EC-AC48-9EB8-103193E2E6BD}"/>
+              </a:ext>
+            </a:extLst>
+          </p:cNvPr>
+          <p:cNvSpPr>
+            <a:spLocks noGrp="1"/>
+          </p:cNvSpPr>
+          <p:nvPr>
+            <p:ph type="title"/>
+          </p:nvPr>
+        </p:nvSpPr>
+        <p:spPr/>
+        <p:txBody>
+          <a:bodyPr/>
+          <a:lstStyle/>
+          <a:p>
+            <a:r>
+              <a:rPr lang="en-US" dirty="0"/>
+              <a:t>One possible solution</a:t>
+            </a:r>
+          </a:p>
+        </p:txBody>
+      </p:sp>
+      <p:sp>
+        <p:nvSpPr>
+          <p:cNvPr id="4" name="Content Placeholder 3">
+            <a:extLst>
+              <a:ext uri="{FF2B5EF4-FFF2-40B4-BE49-F238E27FC236}">
+                <a16:creationId xmlns:a16="http://schemas.microsoft.com/office/drawing/2014/main" id="{90C53EA1-5DAD-4148-B1FE-DC7C12BDFB55}"/>
+              </a:ext>
+            </a:extLst>
+          </p:cNvPr>
+          <p:cNvSpPr>
+            <a:spLocks noGrp="1"/>
+          </p:cNvSpPr>
+          <p:nvPr>
+            <p:ph sz="half" idx="1"/>
+          </p:nvPr>
+        </p:nvSpPr>
+        <p:spPr/>
+        <p:txBody>
+          <a:bodyPr/>
+          <a:lstStyle/>
+          <a:p>
+            <a:pPr marL="0" indent="0">
+              <a:buNone/>
+            </a:pPr>
+            <a:r>
+              <a:rPr lang="en-US" dirty="0">
+                <a:latin typeface="Courier" pitchFamily="2" charset="0"/>
+              </a:rPr>
+              <a:t>Operator 1</a:t>
+            </a:r>
+          </a:p>
+          <a:p>
+            <a:pPr marL="0" indent="0">
+              <a:buNone/>
+            </a:pPr>
+            <a:r>
+              <a:rPr lang="en-US" dirty="0">
+                <a:latin typeface="Courier" pitchFamily="2" charset="0"/>
+              </a:rPr>
+              <a:t>V1 &lt;&gt; nil</a:t>
+            </a:r>
+          </a:p>
+          <a:p>
+            <a:pPr marL="0" indent="0">
+              <a:buNone/>
+            </a:pPr>
+            <a:r>
+              <a:rPr lang="en-US" dirty="0">
+                <a:latin typeface="Courier" pitchFamily="2" charset="0"/>
+                <a:sym typeface="Wingdings" pitchFamily="2" charset="2"/>
+              </a:rPr>
+              <a:t>==&gt; </a:t>
+            </a:r>
+          </a:p>
+          <a:p>
+            <a:pPr marL="0" indent="0">
+              <a:buNone/>
+            </a:pPr>
+            <a:r>
+              <a:rPr lang="en-US" dirty="0">
+                <a:latin typeface="Courier" pitchFamily="2" charset="0"/>
+                <a:sym typeface="Wingdings" pitchFamily="2" charset="2"/>
+              </a:rPr>
+              <a:t>V1 -&gt; RT2</a:t>
+            </a:r>
+          </a:p>
+          <a:p>
+            <a:pPr marL="0" indent="0">
+              <a:buNone/>
+            </a:pPr>
+            <a:r>
+              <a:rPr lang="en-US" dirty="0">
+                <a:latin typeface="Courier" pitchFamily="2" charset="0"/>
+                <a:sym typeface="Wingdings" pitchFamily="2" charset="2"/>
+              </a:rPr>
+              <a:t>*fact-type -&gt; RT1</a:t>
+            </a:r>
+          </a:p>
+        </p:txBody>
+      </p:sp>
+      <p:sp>
+        <p:nvSpPr>
+          <p:cNvPr id="5" name="Content Placeholder 4">
+            <a:extLst>
+              <a:ext uri="{FF2B5EF4-FFF2-40B4-BE49-F238E27FC236}">
+                <a16:creationId xmlns:a16="http://schemas.microsoft.com/office/drawing/2014/main" id="{1058CBAA-7398-4342-813F-C3E022DB3AFE}"/>
+              </a:ext>
+            </a:extLst>
+          </p:cNvPr>
+          <p:cNvSpPr>
+            <a:spLocks noGrp="1"/>
+          </p:cNvSpPr>
+          <p:nvPr>
+            <p:ph sz="half" idx="2"/>
+          </p:nvPr>
+        </p:nvSpPr>
+        <p:spPr/>
+        <p:txBody>
+          <a:bodyPr/>
+          <a:lstStyle/>
+          <a:p>
+            <a:pPr marL="0" indent="0">
+              <a:buNone/>
+            </a:pPr>
+            <a:r>
+              <a:rPr lang="en-US" dirty="0">
+                <a:latin typeface="Courier" pitchFamily="2" charset="0"/>
+              </a:rPr>
+              <a:t>Operator 2</a:t>
+            </a:r>
+          </a:p>
+          <a:p>
+            <a:pPr marL="0" indent="0">
+              <a:buNone/>
+            </a:pPr>
+            <a:r>
+              <a:rPr lang="en-US" dirty="0">
+                <a:latin typeface="Courier" pitchFamily="2" charset="0"/>
+              </a:rPr>
+              <a:t>RT1 = *fact-type</a:t>
+            </a:r>
+          </a:p>
+          <a:p>
+            <a:pPr marL="0" indent="0">
+              <a:buNone/>
+            </a:pPr>
+            <a:r>
+              <a:rPr lang="en-US" dirty="0">
+                <a:latin typeface="Courier" pitchFamily="2" charset="0"/>
+              </a:rPr>
+              <a:t>RT3 &lt;&gt; nil</a:t>
+            </a:r>
+          </a:p>
+          <a:p>
+            <a:pPr marL="0" indent="0">
+              <a:buNone/>
+            </a:pPr>
+            <a:r>
+              <a:rPr lang="en-US" dirty="0">
+                <a:latin typeface="Courier" pitchFamily="2" charset="0"/>
+                <a:sym typeface="Wingdings" pitchFamily="2" charset="2"/>
+              </a:rPr>
+              <a:t>==&gt; </a:t>
+            </a:r>
+          </a:p>
+          <a:p>
+            <a:pPr marL="0" indent="0">
+              <a:buNone/>
+            </a:pPr>
+            <a:r>
+              <a:rPr lang="en-US" dirty="0">
+                <a:latin typeface="Courier" pitchFamily="2" charset="0"/>
+                <a:sym typeface="Wingdings" pitchFamily="2" charset="2"/>
+              </a:rPr>
+              <a:t>action -&gt; AC1</a:t>
+            </a:r>
+          </a:p>
+          <a:p>
+            <a:pPr marL="0" indent="0">
+              <a:buNone/>
+            </a:pPr>
+            <a:r>
+              <a:rPr lang="en-US" dirty="0">
+                <a:latin typeface="Courier" pitchFamily="2" charset="0"/>
+                <a:sym typeface="Wingdings" pitchFamily="2" charset="2"/>
+              </a:rPr>
+              <a:t>RT3 -&gt; AC2</a:t>
+            </a:r>
+            <a:endParaRPr lang="en-US" dirty="0">
+              <a:latin typeface="Courier" pitchFamily="2" charset="0"/>
+            </a:endParaRPr>
+          </a:p>
+        </p:txBody>
+      </p:sp>
+    </p:spTree>
+    <p:extLst>
+      <p:ext uri="{BB962C8B-B14F-4D97-AF65-F5344CB8AC3E}">
+        <p14:creationId xmlns:p14="http://schemas.microsoft.com/office/powerpoint/2010/main" val="2912577256"/>
+      </p:ext>
+    </p:extLst>
+  </p:cSld>
+  <p:clrMapOvr>
+    <a:masterClrMapping/>
+  </p:clrMapOvr>
+  <p:transition/>
+</p:sld>
+</file>
+
+<file path=ppt/slides/slide32.xml><?xml version="1.0" encoding="utf-8"?>
+<p:sld xmlns:a="http://schemas.openxmlformats.org/drawingml/2006/main" xmlns:r="http://schemas.openxmlformats.org/officeDocument/2006/relationships" xmlns:p="http://schemas.openxmlformats.org/presentationml/2006/main">
+  <p:cSld>
+    <p:spTree>
+      <p:nvGrpSpPr>
+        <p:cNvPr id="1" name=""/>
+        <p:cNvGrpSpPr/>
+        <p:nvPr/>
+      </p:nvGrpSpPr>
+      <p:grpSpPr>
+        <a:xfrm>
+          <a:off x="0" y="0"/>
+          <a:ext cx="0" cy="0"/>
+          <a:chOff x="0" y="0"/>
+          <a:chExt cx="0" cy="0"/>
+        </a:xfrm>
+      </p:grpSpPr>
+      <p:sp>
+        <p:nvSpPr>
           <p:cNvPr id="2" name="Title 1"/>
           <p:cNvSpPr>
             <a:spLocks noGrp="1"/>
@@ -11046,7 +11997,7 @@
 </p:sld>
 </file>
 
-<file path=ppt/slides/slide32.xml><?xml version="1.0" encoding="utf-8"?>
+<file path=ppt/slides/slide33.xml><?xml version="1.0" encoding="utf-8"?>
 <p:sld xmlns:a="http://schemas.openxmlformats.org/drawingml/2006/main" xmlns:r="http://schemas.openxmlformats.org/officeDocument/2006/relationships" xmlns:p="http://schemas.openxmlformats.org/presentationml/2006/main">
   <p:cSld>
     <p:spTree>
@@ -11126,7 +12077,7 @@
 </p:sld>
 </file>
 
-<file path=ppt/slides/slide33.xml><?xml version="1.0" encoding="utf-8"?>
+<file path=ppt/slides/slide34.xml><?xml version="1.0" encoding="utf-8"?>
 <p:sld xmlns:a="http://schemas.openxmlformats.org/drawingml/2006/main" xmlns:r="http://schemas.openxmlformats.org/officeDocument/2006/relationships" xmlns:p="http://schemas.openxmlformats.org/presentationml/2006/main">
   <p:cSld>
     <p:spTree>
@@ -11296,7 +12247,7 @@
 </p:sld>
 </file>
 
-<file path=ppt/slides/slide34.xml><?xml version="1.0" encoding="utf-8"?>
+<file path=ppt/slides/slide35.xml><?xml version="1.0" encoding="utf-8"?>
 <p:sld xmlns:a="http://schemas.openxmlformats.org/drawingml/2006/main" xmlns:r="http://schemas.openxmlformats.org/officeDocument/2006/relationships" xmlns:p="http://schemas.openxmlformats.org/presentationml/2006/main">
   <p:cSld>
     <p:spTree>
@@ -12798,7 +13749,7 @@
                 <a:latin typeface="Courier"/>
                 <a:cs typeface="Courier"/>
               </a:rPr>
-              <a:t>    goal-operator-learning: t</a:t>
+              <a:t>    skill-operator-learning: t</a:t>
             </a:r>
           </a:p>
           <a:p>
@@ -13042,7 +13993,7 @@
 </file>
 
 <file path=ppt/slides/slide8.xml><?xml version="1.0" encoding="utf-8"?>
-<p:sld xmlns:a="http://schemas.openxmlformats.org/drawingml/2006/main" xmlns:r="http://schemas.openxmlformats.org/officeDocument/2006/relationships" xmlns:p="http://schemas.openxmlformats.org/presentationml/2006/main" show="0">
+<p:sld xmlns:a="http://schemas.openxmlformats.org/drawingml/2006/main" xmlns:r="http://schemas.openxmlformats.org/officeDocument/2006/relationships" xmlns:p="http://schemas.openxmlformats.org/presentationml/2006/main">
   <p:cSld>
     <p:spTree>
       <p:nvGrpSpPr>
@@ -13123,7 +14074,7 @@
 </file>
 
 <file path=ppt/slides/slide9.xml><?xml version="1.0" encoding="utf-8"?>
-<p:sld xmlns:a="http://schemas.openxmlformats.org/drawingml/2006/main" xmlns:r="http://schemas.openxmlformats.org/officeDocument/2006/relationships" xmlns:p="http://schemas.openxmlformats.org/presentationml/2006/main" show="0">
+<p:sld xmlns:a="http://schemas.openxmlformats.org/drawingml/2006/main" xmlns:r="http://schemas.openxmlformats.org/officeDocument/2006/relationships" xmlns:p="http://schemas.openxmlformats.org/presentationml/2006/main">
   <p:cSld>
     <p:spTree>
       <p:nvGrpSpPr>
@@ -13139,205 +14090,6 @@
           <a:chExt cx="0" cy="0"/>
         </a:xfrm>
       </p:grpSpPr>
-      <p:grpSp>
-        <p:nvGrpSpPr>
-          <p:cNvPr id="18" name="Group 17"/>
-          <p:cNvGrpSpPr/>
-          <p:nvPr/>
-        </p:nvGrpSpPr>
-        <p:grpSpPr>
-          <a:xfrm>
-            <a:off x="5410200" y="2662535"/>
-            <a:ext cx="1428044" cy="1752600"/>
-            <a:chOff x="6858000" y="1905000"/>
-            <a:chExt cx="1428044" cy="1752600"/>
-          </a:xfrm>
-        </p:grpSpPr>
-        <p:sp>
-          <p:nvSpPr>
-            <p:cNvPr id="13" name="Rectangle 12"/>
-            <p:cNvSpPr/>
-            <p:nvPr/>
-          </p:nvSpPr>
-          <p:spPr bwMode="auto">
-            <a:xfrm>
-              <a:off x="6858000" y="1905000"/>
-              <a:ext cx="1428044" cy="1752600"/>
-            </a:xfrm>
-            <a:prstGeom prst="rect">
-              <a:avLst/>
-            </a:prstGeom>
-            <a:solidFill>
-              <a:srgbClr val="FFFFFF"/>
-            </a:solidFill>
-            <a:ln w="19050" cap="flat" cmpd="sng" algn="ctr">
-              <a:solidFill>
-                <a:srgbClr val="000000"/>
-              </a:solidFill>
-              <a:prstDash val="solid"/>
-              <a:round/>
-              <a:headEnd type="none" w="med" len="med"/>
-              <a:tailEnd type="none" w="med" len="med"/>
-            </a:ln>
-            <a:effectLst>
-              <a:outerShdw blurRad="50800" dist="38100" dir="2700000" algn="tl" rotWithShape="0">
-                <a:prstClr val="black">
-                  <a:alpha val="40000"/>
-                </a:prstClr>
-              </a:outerShdw>
-            </a:effectLst>
-          </p:spPr>
-          <p:txBody>
-            <a:bodyPr vert="horz" wrap="square" lIns="91440" tIns="45720" rIns="91440" bIns="45720" numCol="1" rtlCol="0" anchor="t" anchorCtr="0" compatLnSpc="1">
-              <a:prstTxWarp prst="textNoShape">
-                <a:avLst/>
-              </a:prstTxWarp>
-            </a:bodyPr>
-            <a:lstStyle/>
-            <a:p>
-              <a:pPr defTabSz="914400" eaLnBrk="0" fontAlgn="base" hangingPunct="0">
-                <a:spcBef>
-                  <a:spcPct val="0"/>
-                </a:spcBef>
-                <a:spcAft>
-                  <a:spcPct val="0"/>
-                </a:spcAft>
-              </a:pPr>
-              <a:endParaRPr lang="en-US" sz="2400">
-                <a:solidFill>
-                  <a:srgbClr val="000000"/>
-                </a:solidFill>
-                <a:latin typeface="Arial" charset="0"/>
-                <a:ea typeface="ＭＳ Ｐゴシック" charset="-128"/>
-                <a:cs typeface="ＭＳ Ｐゴシック" charset="-128"/>
-              </a:endParaRPr>
-            </a:p>
-          </p:txBody>
-        </p:sp>
-        <p:pic>
-          <p:nvPicPr>
-            <p:cNvPr id="4" name="Picture 3"/>
-            <p:cNvPicPr>
-              <a:picLocks noChangeAspect="1"/>
-            </p:cNvPicPr>
-            <p:nvPr/>
-          </p:nvPicPr>
-          <p:blipFill>
-            <a:blip r:embed="rId2"/>
-            <a:stretch>
-              <a:fillRect/>
-            </a:stretch>
-          </p:blipFill>
-          <p:spPr>
-            <a:xfrm>
-              <a:off x="7162800" y="2400968"/>
-              <a:ext cx="857693" cy="647032"/>
-            </a:xfrm>
-            <a:prstGeom prst="rect">
-              <a:avLst/>
-            </a:prstGeom>
-          </p:spPr>
-        </p:pic>
-      </p:grpSp>
-      <p:grpSp>
-        <p:nvGrpSpPr>
-          <p:cNvPr id="17" name="Group 16"/>
-          <p:cNvGrpSpPr/>
-          <p:nvPr/>
-        </p:nvGrpSpPr>
-        <p:grpSpPr>
-          <a:xfrm>
-            <a:off x="4267200" y="2814935"/>
-            <a:ext cx="1428044" cy="1752600"/>
-            <a:chOff x="5257800" y="1905000"/>
-            <a:chExt cx="1428044" cy="1752600"/>
-          </a:xfrm>
-        </p:grpSpPr>
-        <p:sp>
-          <p:nvSpPr>
-            <p:cNvPr id="12" name="Rectangle 11"/>
-            <p:cNvSpPr/>
-            <p:nvPr/>
-          </p:nvSpPr>
-          <p:spPr bwMode="auto">
-            <a:xfrm>
-              <a:off x="5257800" y="1905000"/>
-              <a:ext cx="1428044" cy="1752600"/>
-            </a:xfrm>
-            <a:prstGeom prst="rect">
-              <a:avLst/>
-            </a:prstGeom>
-            <a:solidFill>
-              <a:srgbClr val="FFFFFF"/>
-            </a:solidFill>
-            <a:ln w="19050" cap="flat" cmpd="sng" algn="ctr">
-              <a:solidFill>
-                <a:srgbClr val="000000"/>
-              </a:solidFill>
-              <a:prstDash val="solid"/>
-              <a:round/>
-              <a:headEnd type="none" w="med" len="med"/>
-              <a:tailEnd type="none" w="med" len="med"/>
-            </a:ln>
-            <a:effectLst>
-              <a:outerShdw blurRad="50800" dist="38100" dir="2700000" algn="tl" rotWithShape="0">
-                <a:prstClr val="black">
-                  <a:alpha val="40000"/>
-                </a:prstClr>
-              </a:outerShdw>
-            </a:effectLst>
-          </p:spPr>
-          <p:txBody>
-            <a:bodyPr vert="horz" wrap="square" lIns="91440" tIns="45720" rIns="91440" bIns="45720" numCol="1" rtlCol="0" anchor="t" anchorCtr="0" compatLnSpc="1">
-              <a:prstTxWarp prst="textNoShape">
-                <a:avLst/>
-              </a:prstTxWarp>
-            </a:bodyPr>
-            <a:lstStyle/>
-            <a:p>
-              <a:pPr defTabSz="914400" eaLnBrk="0" fontAlgn="base" hangingPunct="0">
-                <a:spcBef>
-                  <a:spcPct val="0"/>
-                </a:spcBef>
-                <a:spcAft>
-                  <a:spcPct val="0"/>
-                </a:spcAft>
-              </a:pPr>
-              <a:endParaRPr lang="en-US" sz="2400">
-                <a:solidFill>
-                  <a:srgbClr val="000000"/>
-                </a:solidFill>
-                <a:latin typeface="Arial" charset="0"/>
-                <a:ea typeface="ＭＳ Ｐゴシック" charset="-128"/>
-                <a:cs typeface="ＭＳ Ｐゴシック" charset="-128"/>
-              </a:endParaRPr>
-            </a:p>
-          </p:txBody>
-        </p:sp>
-        <p:pic>
-          <p:nvPicPr>
-            <p:cNvPr id="6" name="Picture 5"/>
-            <p:cNvPicPr>
-              <a:picLocks noChangeAspect="1"/>
-            </p:cNvPicPr>
-            <p:nvPr/>
-          </p:nvPicPr>
-          <p:blipFill rotWithShape="1">
-            <a:blip r:embed="rId3"/>
-            <a:srcRect r="9868"/>
-            <a:stretch/>
-          </p:blipFill>
-          <p:spPr>
-            <a:xfrm>
-              <a:off x="5334000" y="2133600"/>
-              <a:ext cx="1236246" cy="1203056"/>
-            </a:xfrm>
-            <a:prstGeom prst="rect">
-              <a:avLst/>
-            </a:prstGeom>
-          </p:spPr>
-        </p:pic>
-      </p:grpSp>
       <p:sp>
         <p:nvSpPr>
           <p:cNvPr id="2" name="Title 1"/>
@@ -13348,720 +14100,77 @@
             <p:ph type="title"/>
           </p:nvPr>
         </p:nvSpPr>
+        <p:spPr/>
+        <p:txBody>
+          <a:bodyPr/>
+          <a:lstStyle/>
+          <a:p>
+            <a:r>
+              <a:rPr lang="en-US" dirty="0" err="1"/>
+              <a:t>Karbach</a:t>
+            </a:r>
+            <a:r>
+              <a:rPr lang="en-US" dirty="0"/>
+              <a:t> and </a:t>
+            </a:r>
+            <a:r>
+              <a:rPr lang="en-US" dirty="0" err="1"/>
+              <a:t>Kray</a:t>
+            </a:r>
+            <a:endParaRPr lang="en-US" dirty="0"/>
+          </a:p>
+        </p:txBody>
+      </p:sp>
+      <p:sp>
+        <p:nvSpPr>
+          <p:cNvPr id="3" name="Content Placeholder 2"/>
+          <p:cNvSpPr>
+            <a:spLocks noGrp="1"/>
+          </p:cNvSpPr>
+          <p:nvPr>
+            <p:ph idx="1"/>
+          </p:nvPr>
+        </p:nvSpPr>
+        <p:spPr/>
+        <p:txBody>
+          <a:bodyPr/>
+          <a:lstStyle/>
+          <a:p>
+            <a:r>
+              <a:rPr lang="en-US" dirty="0"/>
+              <a:t>Trained people on task-switching, and found improved proactive control</a:t>
+            </a:r>
+          </a:p>
+        </p:txBody>
+      </p:sp>
+      <p:pic>
+        <p:nvPicPr>
+          <p:cNvPr id="4" name="Picture 3"/>
+          <p:cNvPicPr>
+            <a:picLocks noChangeAspect="1"/>
+          </p:cNvPicPr>
+          <p:nvPr/>
+        </p:nvPicPr>
+        <p:blipFill>
+          <a:blip r:embed="rId2"/>
+          <a:stretch>
+            <a:fillRect/>
+          </a:stretch>
+        </p:blipFill>
         <p:spPr>
           <a:xfrm>
-            <a:off x="1143000" y="457200"/>
-            <a:ext cx="7772400" cy="838200"/>
-          </a:xfrm>
-        </p:spPr>
-        <p:txBody>
-          <a:bodyPr/>
-          <a:lstStyle/>
-          <a:p>
-            <a:r>
-              <a:rPr lang="en-US" dirty="0"/>
-              <a:t>Task Switching (food/size)</a:t>
-            </a:r>
-          </a:p>
-        </p:txBody>
-      </p:sp>
-      <p:grpSp>
-        <p:nvGrpSpPr>
-          <p:cNvPr id="16" name="Group 15"/>
-          <p:cNvGrpSpPr/>
-          <p:nvPr/>
-        </p:nvGrpSpPr>
-        <p:grpSpPr>
-          <a:xfrm>
-            <a:off x="3067756" y="2967335"/>
-            <a:ext cx="1428044" cy="1752600"/>
-            <a:chOff x="3657600" y="1905000"/>
-            <a:chExt cx="1428044" cy="1752600"/>
-          </a:xfrm>
-        </p:grpSpPr>
-        <p:sp>
-          <p:nvSpPr>
-            <p:cNvPr id="11" name="Rectangle 10"/>
-            <p:cNvSpPr/>
-            <p:nvPr/>
-          </p:nvSpPr>
-          <p:spPr bwMode="auto">
-            <a:xfrm>
-              <a:off x="3657600" y="1905000"/>
-              <a:ext cx="1428044" cy="1752600"/>
-            </a:xfrm>
-            <a:prstGeom prst="rect">
-              <a:avLst/>
-            </a:prstGeom>
-            <a:solidFill>
-              <a:srgbClr val="FFFFFF"/>
-            </a:solidFill>
-            <a:ln w="19050" cap="flat" cmpd="sng" algn="ctr">
-              <a:solidFill>
-                <a:srgbClr val="000000"/>
-              </a:solidFill>
-              <a:prstDash val="solid"/>
-              <a:round/>
-              <a:headEnd type="none" w="med" len="med"/>
-              <a:tailEnd type="none" w="med" len="med"/>
-            </a:ln>
-            <a:effectLst>
-              <a:outerShdw blurRad="50800" dist="38100" dir="2700000" algn="tl" rotWithShape="0">
-                <a:prstClr val="black">
-                  <a:alpha val="40000"/>
-                </a:prstClr>
-              </a:outerShdw>
-            </a:effectLst>
-          </p:spPr>
-          <p:txBody>
-            <a:bodyPr vert="horz" wrap="square" lIns="91440" tIns="45720" rIns="91440" bIns="45720" numCol="1" rtlCol="0" anchor="t" anchorCtr="0" compatLnSpc="1">
-              <a:prstTxWarp prst="textNoShape">
-                <a:avLst/>
-              </a:prstTxWarp>
-            </a:bodyPr>
-            <a:lstStyle/>
-            <a:p>
-              <a:pPr defTabSz="914400" eaLnBrk="0" fontAlgn="base" hangingPunct="0">
-                <a:spcBef>
-                  <a:spcPct val="0"/>
-                </a:spcBef>
-                <a:spcAft>
-                  <a:spcPct val="0"/>
-                </a:spcAft>
-              </a:pPr>
-              <a:endParaRPr lang="en-US" sz="2400">
-                <a:solidFill>
-                  <a:srgbClr val="000000"/>
-                </a:solidFill>
-                <a:latin typeface="Arial" charset="0"/>
-                <a:ea typeface="ＭＳ Ｐゴシック" charset="-128"/>
-                <a:cs typeface="ＭＳ Ｐゴシック" charset="-128"/>
-              </a:endParaRPr>
-            </a:p>
-          </p:txBody>
-        </p:sp>
-        <p:pic>
-          <p:nvPicPr>
-            <p:cNvPr id="5" name="Picture 4"/>
-            <p:cNvPicPr>
-              <a:picLocks noChangeAspect="1"/>
-            </p:cNvPicPr>
-            <p:nvPr/>
-          </p:nvPicPr>
-          <p:blipFill>
-            <a:blip r:embed="rId4"/>
-            <a:stretch>
-              <a:fillRect/>
-            </a:stretch>
-          </p:blipFill>
-          <p:spPr>
-            <a:xfrm>
-              <a:off x="3886200" y="2514600"/>
-              <a:ext cx="761499" cy="533400"/>
-            </a:xfrm>
-            <a:prstGeom prst="rect">
-              <a:avLst/>
-            </a:prstGeom>
-          </p:spPr>
-        </p:pic>
-      </p:grpSp>
-      <p:grpSp>
-        <p:nvGrpSpPr>
-          <p:cNvPr id="15" name="Group 14"/>
-          <p:cNvGrpSpPr/>
-          <p:nvPr/>
-        </p:nvGrpSpPr>
-        <p:grpSpPr>
-          <a:xfrm>
-            <a:off x="1981200" y="3119735"/>
-            <a:ext cx="1428044" cy="1752600"/>
-            <a:chOff x="2057400" y="1905000"/>
-            <a:chExt cx="1428044" cy="1752600"/>
-          </a:xfrm>
-        </p:grpSpPr>
-        <p:sp>
-          <p:nvSpPr>
-            <p:cNvPr id="10" name="Rectangle 9"/>
-            <p:cNvSpPr/>
-            <p:nvPr/>
-          </p:nvSpPr>
-          <p:spPr bwMode="auto">
-            <a:xfrm>
-              <a:off x="2057400" y="1905000"/>
-              <a:ext cx="1428044" cy="1752600"/>
-            </a:xfrm>
-            <a:prstGeom prst="rect">
-              <a:avLst/>
-            </a:prstGeom>
-            <a:solidFill>
-              <a:srgbClr val="FFFFFF"/>
-            </a:solidFill>
-            <a:ln w="19050" cap="flat" cmpd="sng" algn="ctr">
-              <a:solidFill>
-                <a:srgbClr val="000000"/>
-              </a:solidFill>
-              <a:prstDash val="solid"/>
-              <a:round/>
-              <a:headEnd type="none" w="med" len="med"/>
-              <a:tailEnd type="none" w="med" len="med"/>
-            </a:ln>
-            <a:effectLst>
-              <a:outerShdw blurRad="50800" dist="38100" dir="2700000" algn="tl" rotWithShape="0">
-                <a:prstClr val="black">
-                  <a:alpha val="40000"/>
-                </a:prstClr>
-              </a:outerShdw>
-            </a:effectLst>
-          </p:spPr>
-          <p:txBody>
-            <a:bodyPr vert="horz" wrap="square" lIns="91440" tIns="45720" rIns="91440" bIns="45720" numCol="1" rtlCol="0" anchor="t" anchorCtr="0" compatLnSpc="1">
-              <a:prstTxWarp prst="textNoShape">
-                <a:avLst/>
-              </a:prstTxWarp>
-            </a:bodyPr>
-            <a:lstStyle/>
-            <a:p>
-              <a:pPr defTabSz="914400" eaLnBrk="0" fontAlgn="base" hangingPunct="0">
-                <a:spcBef>
-                  <a:spcPct val="0"/>
-                </a:spcBef>
-                <a:spcAft>
-                  <a:spcPct val="0"/>
-                </a:spcAft>
-              </a:pPr>
-              <a:endParaRPr lang="en-US" sz="2400">
-                <a:solidFill>
-                  <a:srgbClr val="000000"/>
-                </a:solidFill>
-                <a:latin typeface="Arial" charset="0"/>
-                <a:ea typeface="ＭＳ Ｐゴシック" charset="-128"/>
-                <a:cs typeface="ＭＳ Ｐゴシック" charset="-128"/>
-              </a:endParaRPr>
-            </a:p>
-          </p:txBody>
-        </p:sp>
-        <p:pic>
-          <p:nvPicPr>
-            <p:cNvPr id="8" name="Picture 7"/>
-            <p:cNvPicPr>
-              <a:picLocks noChangeAspect="1"/>
-            </p:cNvPicPr>
-            <p:nvPr/>
-          </p:nvPicPr>
-          <p:blipFill>
-            <a:blip r:embed="rId5"/>
-            <a:stretch>
-              <a:fillRect/>
-            </a:stretch>
-          </p:blipFill>
-          <p:spPr>
-            <a:xfrm>
-              <a:off x="2438400" y="2438400"/>
-              <a:ext cx="609600" cy="573974"/>
-            </a:xfrm>
-            <a:prstGeom prst="rect">
-              <a:avLst/>
-            </a:prstGeom>
-          </p:spPr>
-        </p:pic>
-      </p:grpSp>
-      <p:grpSp>
-        <p:nvGrpSpPr>
-          <p:cNvPr id="14" name="Group 13"/>
-          <p:cNvGrpSpPr/>
-          <p:nvPr/>
-        </p:nvGrpSpPr>
-        <p:grpSpPr>
-          <a:xfrm>
-            <a:off x="762000" y="3348335"/>
-            <a:ext cx="1428044" cy="1752600"/>
-            <a:chOff x="457200" y="1905000"/>
-            <a:chExt cx="1428044" cy="1752600"/>
-          </a:xfrm>
-        </p:grpSpPr>
-        <p:sp>
-          <p:nvSpPr>
-            <p:cNvPr id="9" name="Rectangle 8"/>
-            <p:cNvSpPr/>
-            <p:nvPr/>
-          </p:nvSpPr>
-          <p:spPr bwMode="auto">
-            <a:xfrm>
-              <a:off x="457200" y="1905000"/>
-              <a:ext cx="1428044" cy="1752600"/>
-            </a:xfrm>
-            <a:prstGeom prst="rect">
-              <a:avLst/>
-            </a:prstGeom>
-            <a:solidFill>
-              <a:srgbClr val="FFFFFF"/>
-            </a:solidFill>
-            <a:ln w="19050" cap="flat" cmpd="sng" algn="ctr">
-              <a:solidFill>
-                <a:srgbClr val="000000"/>
-              </a:solidFill>
-              <a:prstDash val="solid"/>
-              <a:round/>
-              <a:headEnd type="none" w="med" len="med"/>
-              <a:tailEnd type="none" w="med" len="med"/>
-            </a:ln>
-            <a:effectLst>
-              <a:outerShdw blurRad="50800" dist="38100" dir="2700000" algn="tl" rotWithShape="0">
-                <a:prstClr val="black">
-                  <a:alpha val="40000"/>
-                </a:prstClr>
-              </a:outerShdw>
-            </a:effectLst>
-          </p:spPr>
-          <p:txBody>
-            <a:bodyPr vert="horz" wrap="square" lIns="91440" tIns="45720" rIns="91440" bIns="45720" numCol="1" rtlCol="0" anchor="t" anchorCtr="0" compatLnSpc="1">
-              <a:prstTxWarp prst="textNoShape">
-                <a:avLst/>
-              </a:prstTxWarp>
-            </a:bodyPr>
-            <a:lstStyle/>
-            <a:p>
-              <a:pPr defTabSz="914400" eaLnBrk="0" fontAlgn="base" hangingPunct="0">
-                <a:spcBef>
-                  <a:spcPct val="0"/>
-                </a:spcBef>
-                <a:spcAft>
-                  <a:spcPct val="0"/>
-                </a:spcAft>
-              </a:pPr>
-              <a:endParaRPr lang="en-US" sz="2400">
-                <a:solidFill>
-                  <a:srgbClr val="000000"/>
-                </a:solidFill>
-                <a:latin typeface="Arial" charset="0"/>
-                <a:ea typeface="ＭＳ Ｐゴシック" charset="-128"/>
-                <a:cs typeface="ＭＳ Ｐゴシック" charset="-128"/>
-              </a:endParaRPr>
-            </a:p>
-          </p:txBody>
-        </p:sp>
-        <p:pic>
-          <p:nvPicPr>
-            <p:cNvPr id="7" name="Picture 6"/>
-            <p:cNvPicPr>
-              <a:picLocks noChangeAspect="1"/>
-            </p:cNvPicPr>
-            <p:nvPr/>
-          </p:nvPicPr>
-          <p:blipFill>
-            <a:blip r:embed="rId6"/>
-            <a:stretch>
-              <a:fillRect/>
-            </a:stretch>
-          </p:blipFill>
-          <p:spPr>
-            <a:xfrm>
-              <a:off x="533400" y="2133600"/>
-              <a:ext cx="1271427" cy="1143000"/>
-            </a:xfrm>
-            <a:prstGeom prst="rect">
-              <a:avLst/>
-            </a:prstGeom>
-          </p:spPr>
-        </p:pic>
-      </p:grpSp>
-      <p:sp>
-        <p:nvSpPr>
-          <p:cNvPr id="19" name="TextBox 18"/>
-          <p:cNvSpPr txBox="1"/>
-          <p:nvPr/>
-        </p:nvSpPr>
-        <p:spPr>
-          <a:xfrm>
-            <a:off x="1066800" y="5024735"/>
-            <a:ext cx="762000" cy="461665"/>
+            <a:off x="228600" y="3124200"/>
+            <a:ext cx="8724900" cy="3505200"/>
           </a:xfrm>
           <a:prstGeom prst="rect">
             <a:avLst/>
           </a:prstGeom>
-          <a:noFill/>
         </p:spPr>
-        <p:txBody>
-          <a:bodyPr wrap="square" rtlCol="0">
-            <a:spAutoFit/>
-          </a:bodyPr>
-          <a:lstStyle/>
-          <a:p>
-            <a:r>
-              <a:rPr lang="en-US" dirty="0">
-                <a:solidFill>
-                  <a:srgbClr val="000000"/>
-                </a:solidFill>
-                <a:latin typeface="Optima"/>
-              </a:rPr>
-              <a:t>left</a:t>
-            </a:r>
-          </a:p>
-        </p:txBody>
-      </p:sp>
-      <p:sp>
-        <p:nvSpPr>
-          <p:cNvPr id="20" name="TextBox 19"/>
-          <p:cNvSpPr txBox="1"/>
-          <p:nvPr/>
-        </p:nvSpPr>
-        <p:spPr>
-          <a:xfrm>
-            <a:off x="2362200" y="4796135"/>
-            <a:ext cx="762000" cy="461665"/>
-          </a:xfrm>
-          <a:prstGeom prst="rect">
-            <a:avLst/>
-          </a:prstGeom>
-          <a:noFill/>
-        </p:spPr>
-        <p:txBody>
-          <a:bodyPr wrap="square" rtlCol="0">
-            <a:spAutoFit/>
-          </a:bodyPr>
-          <a:lstStyle/>
-          <a:p>
-            <a:r>
-              <a:rPr lang="en-US" dirty="0">
-                <a:solidFill>
-                  <a:srgbClr val="000000"/>
-                </a:solidFill>
-                <a:latin typeface="Optima"/>
-              </a:rPr>
-              <a:t>right</a:t>
-            </a:r>
-          </a:p>
-        </p:txBody>
-      </p:sp>
-      <p:sp>
-        <p:nvSpPr>
-          <p:cNvPr id="21" name="TextBox 20"/>
-          <p:cNvSpPr txBox="1"/>
-          <p:nvPr/>
-        </p:nvSpPr>
-        <p:spPr>
-          <a:xfrm>
-            <a:off x="4724400" y="4486870"/>
-            <a:ext cx="762000" cy="461665"/>
-          </a:xfrm>
-          <a:prstGeom prst="rect">
-            <a:avLst/>
-          </a:prstGeom>
-          <a:noFill/>
-        </p:spPr>
-        <p:txBody>
-          <a:bodyPr wrap="square" rtlCol="0">
-            <a:spAutoFit/>
-          </a:bodyPr>
-          <a:lstStyle/>
-          <a:p>
-            <a:r>
-              <a:rPr lang="en-US" dirty="0">
-                <a:solidFill>
-                  <a:srgbClr val="000000"/>
-                </a:solidFill>
-                <a:latin typeface="Optima"/>
-              </a:rPr>
-              <a:t>left</a:t>
-            </a:r>
-          </a:p>
-        </p:txBody>
-      </p:sp>
-      <p:sp>
-        <p:nvSpPr>
-          <p:cNvPr id="22" name="TextBox 21"/>
-          <p:cNvSpPr txBox="1"/>
-          <p:nvPr/>
-        </p:nvSpPr>
-        <p:spPr>
-          <a:xfrm>
-            <a:off x="3505200" y="4643735"/>
-            <a:ext cx="762000" cy="461665"/>
-          </a:xfrm>
-          <a:prstGeom prst="rect">
-            <a:avLst/>
-          </a:prstGeom>
-          <a:noFill/>
-        </p:spPr>
-        <p:txBody>
-          <a:bodyPr wrap="square" rtlCol="0">
-            <a:spAutoFit/>
-          </a:bodyPr>
-          <a:lstStyle/>
-          <a:p>
-            <a:r>
-              <a:rPr lang="en-US" dirty="0">
-                <a:solidFill>
-                  <a:srgbClr val="000000"/>
-                </a:solidFill>
-                <a:latin typeface="Optima"/>
-              </a:rPr>
-              <a:t>right</a:t>
-            </a:r>
-          </a:p>
-        </p:txBody>
-      </p:sp>
-      <p:sp>
-        <p:nvSpPr>
-          <p:cNvPr id="23" name="TextBox 22"/>
-          <p:cNvSpPr txBox="1"/>
-          <p:nvPr/>
-        </p:nvSpPr>
-        <p:spPr>
-          <a:xfrm>
-            <a:off x="5943600" y="4338935"/>
-            <a:ext cx="762000" cy="461665"/>
-          </a:xfrm>
-          <a:prstGeom prst="rect">
-            <a:avLst/>
-          </a:prstGeom>
-          <a:noFill/>
-        </p:spPr>
-        <p:txBody>
-          <a:bodyPr wrap="square" rtlCol="0">
-            <a:spAutoFit/>
-          </a:bodyPr>
-          <a:lstStyle/>
-          <a:p>
-            <a:r>
-              <a:rPr lang="en-US" dirty="0">
-                <a:solidFill>
-                  <a:srgbClr val="000000"/>
-                </a:solidFill>
-                <a:latin typeface="Optima"/>
-              </a:rPr>
-              <a:t>left</a:t>
-            </a:r>
-          </a:p>
-        </p:txBody>
-      </p:sp>
-      <p:cxnSp>
-        <p:nvCxnSpPr>
-          <p:cNvPr id="25" name="Straight Connector 24"/>
-          <p:cNvCxnSpPr/>
-          <p:nvPr/>
-        </p:nvCxnSpPr>
-        <p:spPr bwMode="auto">
-          <a:xfrm>
-            <a:off x="838200" y="2891135"/>
-            <a:ext cx="2057400" cy="0"/>
-          </a:xfrm>
-          <a:prstGeom prst="line">
-            <a:avLst/>
-          </a:prstGeom>
-          <a:solidFill>
-            <a:schemeClr val="accent1"/>
-          </a:solidFill>
-          <a:ln w="57150" cap="flat" cmpd="sng" algn="ctr">
-            <a:solidFill>
-              <a:srgbClr val="000000"/>
-            </a:solidFill>
-            <a:prstDash val="solid"/>
-            <a:round/>
-            <a:headEnd type="diamond" w="sm" len="med"/>
-            <a:tailEnd type="diamond" w="sm" len="med"/>
-          </a:ln>
-          <a:effectLst/>
-        </p:spPr>
-      </p:cxnSp>
-      <p:sp>
-        <p:nvSpPr>
-          <p:cNvPr id="26" name="TextBox 25"/>
-          <p:cNvSpPr txBox="1"/>
-          <p:nvPr/>
-        </p:nvSpPr>
-        <p:spPr>
-          <a:xfrm>
-            <a:off x="685800" y="2433935"/>
-            <a:ext cx="2293241" cy="400110"/>
-          </a:xfrm>
-          <a:prstGeom prst="rect">
-            <a:avLst/>
-          </a:prstGeom>
-          <a:noFill/>
-        </p:spPr>
-        <p:txBody>
-          <a:bodyPr wrap="none" rtlCol="0">
-            <a:spAutoFit/>
-          </a:bodyPr>
-          <a:lstStyle/>
-          <a:p>
-            <a:r>
-              <a:rPr lang="en-US" sz="2000" dirty="0">
-                <a:solidFill>
-                  <a:srgbClr val="000000"/>
-                </a:solidFill>
-                <a:latin typeface="Optima"/>
-              </a:rPr>
-              <a:t>Respond to fruit/veg</a:t>
-            </a:r>
-          </a:p>
-        </p:txBody>
-      </p:sp>
-      <p:cxnSp>
-        <p:nvCxnSpPr>
-          <p:cNvPr id="27" name="Straight Connector 26"/>
-          <p:cNvCxnSpPr/>
-          <p:nvPr/>
-        </p:nvCxnSpPr>
-        <p:spPr bwMode="auto">
-          <a:xfrm>
-            <a:off x="5486400" y="2433935"/>
-            <a:ext cx="2057400" cy="0"/>
-          </a:xfrm>
-          <a:prstGeom prst="line">
-            <a:avLst/>
-          </a:prstGeom>
-          <a:solidFill>
-            <a:schemeClr val="accent1"/>
-          </a:solidFill>
-          <a:ln w="57150" cap="flat" cmpd="sng" algn="ctr">
-            <a:solidFill>
-              <a:srgbClr val="000000"/>
-            </a:solidFill>
-            <a:prstDash val="solid"/>
-            <a:round/>
-            <a:headEnd type="diamond" w="sm" len="med"/>
-            <a:tailEnd type="diamond" w="sm" len="med"/>
-          </a:ln>
-          <a:effectLst/>
-        </p:spPr>
-      </p:cxnSp>
-      <p:sp>
-        <p:nvSpPr>
-          <p:cNvPr id="28" name="TextBox 27"/>
-          <p:cNvSpPr txBox="1"/>
-          <p:nvPr/>
-        </p:nvSpPr>
-        <p:spPr>
-          <a:xfrm>
-            <a:off x="5334000" y="1976735"/>
-            <a:ext cx="2293241" cy="400110"/>
-          </a:xfrm>
-          <a:prstGeom prst="rect">
-            <a:avLst/>
-          </a:prstGeom>
-          <a:noFill/>
-        </p:spPr>
-        <p:txBody>
-          <a:bodyPr wrap="none" rtlCol="0">
-            <a:spAutoFit/>
-          </a:bodyPr>
-          <a:lstStyle/>
-          <a:p>
-            <a:r>
-              <a:rPr lang="en-US" sz="2000" dirty="0">
-                <a:solidFill>
-                  <a:srgbClr val="000000"/>
-                </a:solidFill>
-                <a:latin typeface="Optima"/>
-              </a:rPr>
-              <a:t>Respond to fruit/veg</a:t>
-            </a:r>
-          </a:p>
-        </p:txBody>
-      </p:sp>
-      <p:cxnSp>
-        <p:nvCxnSpPr>
-          <p:cNvPr id="29" name="Straight Connector 28"/>
-          <p:cNvCxnSpPr/>
-          <p:nvPr/>
-        </p:nvCxnSpPr>
-        <p:spPr bwMode="auto">
-          <a:xfrm>
-            <a:off x="3124200" y="2662535"/>
-            <a:ext cx="2057400" cy="0"/>
-          </a:xfrm>
-          <a:prstGeom prst="line">
-            <a:avLst/>
-          </a:prstGeom>
-          <a:solidFill>
-            <a:schemeClr val="accent1"/>
-          </a:solidFill>
-          <a:ln w="57150" cap="flat" cmpd="sng" algn="ctr">
-            <a:solidFill>
-              <a:srgbClr val="000000"/>
-            </a:solidFill>
-            <a:prstDash val="solid"/>
-            <a:round/>
-            <a:headEnd type="diamond" w="sm" len="med"/>
-            <a:tailEnd type="diamond" w="sm" len="med"/>
-          </a:ln>
-          <a:effectLst/>
-        </p:spPr>
-      </p:cxnSp>
-      <p:sp>
-        <p:nvSpPr>
-          <p:cNvPr id="30" name="TextBox 29"/>
-          <p:cNvSpPr txBox="1"/>
-          <p:nvPr/>
-        </p:nvSpPr>
-        <p:spPr>
-          <a:xfrm>
-            <a:off x="2971800" y="2205335"/>
-            <a:ext cx="1808834" cy="400110"/>
-          </a:xfrm>
-          <a:prstGeom prst="rect">
-            <a:avLst/>
-          </a:prstGeom>
-          <a:noFill/>
-        </p:spPr>
-        <p:txBody>
-          <a:bodyPr wrap="none" rtlCol="0">
-            <a:spAutoFit/>
-          </a:bodyPr>
-          <a:lstStyle/>
-          <a:p>
-            <a:r>
-              <a:rPr lang="en-US" sz="2000" dirty="0">
-                <a:solidFill>
-                  <a:srgbClr val="000000"/>
-                </a:solidFill>
-                <a:latin typeface="Optima"/>
-              </a:rPr>
-              <a:t>Respond to size</a:t>
-            </a:r>
-          </a:p>
-        </p:txBody>
-      </p:sp>
-      <p:sp>
-        <p:nvSpPr>
-          <p:cNvPr id="31" name="TextBox 30"/>
-          <p:cNvSpPr txBox="1"/>
-          <p:nvPr/>
-        </p:nvSpPr>
-        <p:spPr>
-          <a:xfrm>
-            <a:off x="6934200" y="3195935"/>
-            <a:ext cx="761747" cy="646331"/>
-          </a:xfrm>
-          <a:prstGeom prst="rect">
-            <a:avLst/>
-          </a:prstGeom>
-          <a:noFill/>
-        </p:spPr>
-        <p:txBody>
-          <a:bodyPr wrap="none" rtlCol="0">
-            <a:spAutoFit/>
-          </a:bodyPr>
-          <a:lstStyle/>
-          <a:p>
-            <a:r>
-              <a:rPr lang="en-US" sz="3600" dirty="0">
-                <a:solidFill>
-                  <a:srgbClr val="000000"/>
-                </a:solidFill>
-                <a:latin typeface="Optima"/>
-              </a:rPr>
-              <a:t>. . .</a:t>
-            </a:r>
-          </a:p>
-        </p:txBody>
-      </p:sp>
+      </p:pic>
     </p:spTree>
     <p:extLst>
       <p:ext uri="{BB962C8B-B14F-4D97-AF65-F5344CB8AC3E}">
-        <p14:creationId xmlns:p14="http://schemas.microsoft.com/office/powerpoint/2010/main" val="1291128258"/>
+        <p14:creationId xmlns:p14="http://schemas.microsoft.com/office/powerpoint/2010/main" val="1541751891"/>
       </p:ext>
     </p:extLst>
   </p:cSld>

--- a/PRIMsTutorial4.pptx
+++ b/PRIMsTutorial4.pptx
@@ -7237,8 +7237,13 @@
           <a:p>
             <a:r>
               <a:rPr lang="en-US" dirty="0"/>
-              <a:t>Unit 3: Operator Selection</a:t>
-            </a:r>
+              <a:t>Unit 3: Discovering </a:t>
+            </a:r>
+            <a:r>
+              <a:rPr lang="en-US"/>
+              <a:t>new tasks</a:t>
+            </a:r>
+            <a:endParaRPr lang="en-US" dirty="0"/>
           </a:p>
         </p:txBody>
       </p:sp>
